--- a/Capstone 2/Report Files/Capstone 2 Presentation.pptx
+++ b/Capstone 2/Report Files/Capstone 2 Presentation.pptx
@@ -5,25 +5,26 @@
     <p:sldMasterId id="2147483792" r:id="rId1"/>
   </p:sldMasterIdLst>
   <p:notesMasterIdLst>
-    <p:notesMasterId r:id="rId18"/>
+    <p:notesMasterId r:id="rId19"/>
   </p:notesMasterIdLst>
   <p:sldIdLst>
     <p:sldId id="256" r:id="rId2"/>
-    <p:sldId id="257" r:id="rId3"/>
-    <p:sldId id="258" r:id="rId4"/>
-    <p:sldId id="259" r:id="rId5"/>
-    <p:sldId id="260" r:id="rId6"/>
-    <p:sldId id="264" r:id="rId7"/>
-    <p:sldId id="267" r:id="rId8"/>
-    <p:sldId id="263" r:id="rId9"/>
-    <p:sldId id="266" r:id="rId10"/>
-    <p:sldId id="268" r:id="rId11"/>
-    <p:sldId id="269" r:id="rId12"/>
-    <p:sldId id="275" r:id="rId13"/>
-    <p:sldId id="271" r:id="rId14"/>
-    <p:sldId id="276" r:id="rId15"/>
-    <p:sldId id="272" r:id="rId16"/>
-    <p:sldId id="273" r:id="rId17"/>
+    <p:sldId id="277" r:id="rId3"/>
+    <p:sldId id="257" r:id="rId4"/>
+    <p:sldId id="258" r:id="rId5"/>
+    <p:sldId id="259" r:id="rId6"/>
+    <p:sldId id="260" r:id="rId7"/>
+    <p:sldId id="264" r:id="rId8"/>
+    <p:sldId id="267" r:id="rId9"/>
+    <p:sldId id="263" r:id="rId10"/>
+    <p:sldId id="266" r:id="rId11"/>
+    <p:sldId id="268" r:id="rId12"/>
+    <p:sldId id="269" r:id="rId13"/>
+    <p:sldId id="275" r:id="rId14"/>
+    <p:sldId id="271" r:id="rId15"/>
+    <p:sldId id="276" r:id="rId16"/>
+    <p:sldId id="272" r:id="rId17"/>
+    <p:sldId id="273" r:id="rId18"/>
   </p:sldIdLst>
   <p:sldSz cx="12192000" cy="6858000"/>
   <p:notesSz cx="6858000" cy="9144000"/>
@@ -1625,6 +1626,753 @@
 </file>
 
 <file path=ppt/diagrams/colors3.xml><?xml version="1.0" encoding="utf-8"?>
+<dgm:colorsDef xmlns:dgm="http://schemas.openxmlformats.org/drawingml/2006/diagram" xmlns:a="http://schemas.openxmlformats.org/drawingml/2006/main" uniqueId="urn:microsoft.com/office/officeart/2005/8/colors/accent1_2">
+  <dgm:title val=""/>
+  <dgm:desc val=""/>
+  <dgm:catLst>
+    <dgm:cat type="accent1" pri="11200"/>
+  </dgm:catLst>
+  <dgm:styleLbl name="node0">
+    <dgm:fillClrLst meth="repeat">
+      <a:schemeClr val="accent1"/>
+    </dgm:fillClrLst>
+    <dgm:linClrLst meth="repeat">
+      <a:schemeClr val="lt1"/>
+    </dgm:linClrLst>
+    <dgm:effectClrLst/>
+    <dgm:txLinClrLst/>
+    <dgm:txFillClrLst/>
+    <dgm:txEffectClrLst/>
+  </dgm:styleLbl>
+  <dgm:styleLbl name="alignNode1">
+    <dgm:fillClrLst meth="repeat">
+      <a:schemeClr val="accent1"/>
+    </dgm:fillClrLst>
+    <dgm:linClrLst meth="repeat">
+      <a:schemeClr val="accent1"/>
+    </dgm:linClrLst>
+    <dgm:effectClrLst/>
+    <dgm:txLinClrLst/>
+    <dgm:txFillClrLst/>
+    <dgm:txEffectClrLst/>
+  </dgm:styleLbl>
+  <dgm:styleLbl name="node1">
+    <dgm:fillClrLst meth="repeat">
+      <a:schemeClr val="accent1"/>
+    </dgm:fillClrLst>
+    <dgm:linClrLst meth="repeat">
+      <a:schemeClr val="lt1"/>
+    </dgm:linClrLst>
+    <dgm:effectClrLst/>
+    <dgm:txLinClrLst/>
+    <dgm:txFillClrLst/>
+    <dgm:txEffectClrLst/>
+  </dgm:styleLbl>
+  <dgm:styleLbl name="lnNode1">
+    <dgm:fillClrLst meth="repeat">
+      <a:schemeClr val="accent1"/>
+    </dgm:fillClrLst>
+    <dgm:linClrLst meth="repeat">
+      <a:schemeClr val="lt1"/>
+    </dgm:linClrLst>
+    <dgm:effectClrLst/>
+    <dgm:txLinClrLst/>
+    <dgm:txFillClrLst/>
+    <dgm:txEffectClrLst/>
+  </dgm:styleLbl>
+  <dgm:styleLbl name="vennNode1">
+    <dgm:fillClrLst meth="repeat">
+      <a:schemeClr val="accent1">
+        <a:alpha val="50000"/>
+      </a:schemeClr>
+    </dgm:fillClrLst>
+    <dgm:linClrLst meth="repeat">
+      <a:schemeClr val="lt1"/>
+    </dgm:linClrLst>
+    <dgm:effectClrLst/>
+    <dgm:txLinClrLst/>
+    <dgm:txFillClrLst/>
+    <dgm:txEffectClrLst/>
+  </dgm:styleLbl>
+  <dgm:styleLbl name="node2">
+    <dgm:fillClrLst meth="repeat">
+      <a:schemeClr val="accent1"/>
+    </dgm:fillClrLst>
+    <dgm:linClrLst meth="repeat">
+      <a:schemeClr val="lt1"/>
+    </dgm:linClrLst>
+    <dgm:effectClrLst/>
+    <dgm:txLinClrLst/>
+    <dgm:txFillClrLst/>
+    <dgm:txEffectClrLst/>
+  </dgm:styleLbl>
+  <dgm:styleLbl name="node3">
+    <dgm:fillClrLst meth="repeat">
+      <a:schemeClr val="accent1"/>
+    </dgm:fillClrLst>
+    <dgm:linClrLst meth="repeat">
+      <a:schemeClr val="lt1"/>
+    </dgm:linClrLst>
+    <dgm:effectClrLst/>
+    <dgm:txLinClrLst/>
+    <dgm:txFillClrLst/>
+    <dgm:txEffectClrLst/>
+  </dgm:styleLbl>
+  <dgm:styleLbl name="node4">
+    <dgm:fillClrLst meth="repeat">
+      <a:schemeClr val="accent1"/>
+    </dgm:fillClrLst>
+    <dgm:linClrLst meth="repeat">
+      <a:schemeClr val="lt1"/>
+    </dgm:linClrLst>
+    <dgm:effectClrLst/>
+    <dgm:txLinClrLst/>
+    <dgm:txFillClrLst/>
+    <dgm:txEffectClrLst/>
+  </dgm:styleLbl>
+  <dgm:styleLbl name="fgImgPlace1">
+    <dgm:fillClrLst meth="repeat">
+      <a:schemeClr val="accent1">
+        <a:tint val="50000"/>
+      </a:schemeClr>
+    </dgm:fillClrLst>
+    <dgm:linClrLst meth="repeat">
+      <a:schemeClr val="lt1"/>
+    </dgm:linClrLst>
+    <dgm:effectClrLst/>
+    <dgm:txLinClrLst/>
+    <dgm:txFillClrLst meth="repeat">
+      <a:schemeClr val="lt1"/>
+    </dgm:txFillClrLst>
+    <dgm:txEffectClrLst/>
+  </dgm:styleLbl>
+  <dgm:styleLbl name="alignImgPlace1">
+    <dgm:fillClrLst meth="repeat">
+      <a:schemeClr val="accent1">
+        <a:tint val="50000"/>
+      </a:schemeClr>
+    </dgm:fillClrLst>
+    <dgm:linClrLst meth="repeat">
+      <a:schemeClr val="lt1"/>
+    </dgm:linClrLst>
+    <dgm:effectClrLst/>
+    <dgm:txLinClrLst/>
+    <dgm:txFillClrLst meth="repeat">
+      <a:schemeClr val="lt1"/>
+    </dgm:txFillClrLst>
+    <dgm:txEffectClrLst/>
+  </dgm:styleLbl>
+  <dgm:styleLbl name="bgImgPlace1">
+    <dgm:fillClrLst meth="repeat">
+      <a:schemeClr val="accent1">
+        <a:tint val="50000"/>
+      </a:schemeClr>
+    </dgm:fillClrLst>
+    <dgm:linClrLst meth="repeat">
+      <a:schemeClr val="lt1"/>
+    </dgm:linClrLst>
+    <dgm:effectClrLst/>
+    <dgm:txLinClrLst/>
+    <dgm:txFillClrLst meth="repeat">
+      <a:schemeClr val="lt1"/>
+    </dgm:txFillClrLst>
+    <dgm:txEffectClrLst/>
+  </dgm:styleLbl>
+  <dgm:styleLbl name="sibTrans2D1">
+    <dgm:fillClrLst meth="repeat">
+      <a:schemeClr val="accent1">
+        <a:tint val="60000"/>
+      </a:schemeClr>
+    </dgm:fillClrLst>
+    <dgm:linClrLst meth="repeat">
+      <a:schemeClr val="accent1">
+        <a:tint val="60000"/>
+      </a:schemeClr>
+    </dgm:linClrLst>
+    <dgm:effectClrLst/>
+    <dgm:txLinClrLst/>
+    <dgm:txFillClrLst/>
+    <dgm:txEffectClrLst/>
+  </dgm:styleLbl>
+  <dgm:styleLbl name="fgSibTrans2D1">
+    <dgm:fillClrLst meth="repeat">
+      <a:schemeClr val="accent1">
+        <a:tint val="60000"/>
+      </a:schemeClr>
+    </dgm:fillClrLst>
+    <dgm:linClrLst meth="repeat">
+      <a:schemeClr val="accent1">
+        <a:tint val="60000"/>
+      </a:schemeClr>
+    </dgm:linClrLst>
+    <dgm:effectClrLst/>
+    <dgm:txLinClrLst/>
+    <dgm:txFillClrLst/>
+    <dgm:txEffectClrLst/>
+  </dgm:styleLbl>
+  <dgm:styleLbl name="bgSibTrans2D1">
+    <dgm:fillClrLst meth="repeat">
+      <a:schemeClr val="accent1">
+        <a:tint val="60000"/>
+      </a:schemeClr>
+    </dgm:fillClrLst>
+    <dgm:linClrLst meth="repeat">
+      <a:schemeClr val="accent1">
+        <a:tint val="60000"/>
+      </a:schemeClr>
+    </dgm:linClrLst>
+    <dgm:effectClrLst/>
+    <dgm:txLinClrLst/>
+    <dgm:txFillClrLst/>
+    <dgm:txEffectClrLst/>
+  </dgm:styleLbl>
+  <dgm:styleLbl name="sibTrans1D1">
+    <dgm:fillClrLst meth="repeat">
+      <a:schemeClr val="accent1"/>
+    </dgm:fillClrLst>
+    <dgm:linClrLst meth="repeat">
+      <a:schemeClr val="accent1"/>
+    </dgm:linClrLst>
+    <dgm:effectClrLst/>
+    <dgm:txLinClrLst/>
+    <dgm:txFillClrLst meth="repeat">
+      <a:schemeClr val="tx1"/>
+    </dgm:txFillClrLst>
+    <dgm:txEffectClrLst/>
+  </dgm:styleLbl>
+  <dgm:styleLbl name="callout">
+    <dgm:fillClrLst meth="repeat">
+      <a:schemeClr val="accent1"/>
+    </dgm:fillClrLst>
+    <dgm:linClrLst meth="repeat">
+      <a:schemeClr val="accent1">
+        <a:tint val="50000"/>
+      </a:schemeClr>
+    </dgm:linClrLst>
+    <dgm:effectClrLst/>
+    <dgm:txLinClrLst/>
+    <dgm:txFillClrLst meth="repeat">
+      <a:schemeClr val="tx1"/>
+    </dgm:txFillClrLst>
+    <dgm:txEffectClrLst/>
+  </dgm:styleLbl>
+  <dgm:styleLbl name="asst0">
+    <dgm:fillClrLst meth="repeat">
+      <a:schemeClr val="accent1"/>
+    </dgm:fillClrLst>
+    <dgm:linClrLst meth="repeat">
+      <a:schemeClr val="lt1"/>
+    </dgm:linClrLst>
+    <dgm:effectClrLst/>
+    <dgm:txLinClrLst/>
+    <dgm:txFillClrLst/>
+    <dgm:txEffectClrLst/>
+  </dgm:styleLbl>
+  <dgm:styleLbl name="asst1">
+    <dgm:fillClrLst meth="repeat">
+      <a:schemeClr val="accent1"/>
+    </dgm:fillClrLst>
+    <dgm:linClrLst meth="repeat">
+      <a:schemeClr val="lt1"/>
+    </dgm:linClrLst>
+    <dgm:effectClrLst/>
+    <dgm:txLinClrLst/>
+    <dgm:txFillClrLst/>
+    <dgm:txEffectClrLst/>
+  </dgm:styleLbl>
+  <dgm:styleLbl name="asst2">
+    <dgm:fillClrLst meth="repeat">
+      <a:schemeClr val="accent1"/>
+    </dgm:fillClrLst>
+    <dgm:linClrLst meth="repeat">
+      <a:schemeClr val="lt1"/>
+    </dgm:linClrLst>
+    <dgm:effectClrLst/>
+    <dgm:txLinClrLst/>
+    <dgm:txFillClrLst/>
+    <dgm:txEffectClrLst/>
+  </dgm:styleLbl>
+  <dgm:styleLbl name="asst3">
+    <dgm:fillClrLst meth="repeat">
+      <a:schemeClr val="accent1"/>
+    </dgm:fillClrLst>
+    <dgm:linClrLst meth="repeat">
+      <a:schemeClr val="lt1"/>
+    </dgm:linClrLst>
+    <dgm:effectClrLst/>
+    <dgm:txLinClrLst/>
+    <dgm:txFillClrLst/>
+    <dgm:txEffectClrLst/>
+  </dgm:styleLbl>
+  <dgm:styleLbl name="asst4">
+    <dgm:fillClrLst meth="repeat">
+      <a:schemeClr val="accent1"/>
+    </dgm:fillClrLst>
+    <dgm:linClrLst meth="repeat">
+      <a:schemeClr val="lt1"/>
+    </dgm:linClrLst>
+    <dgm:effectClrLst/>
+    <dgm:txLinClrLst/>
+    <dgm:txFillClrLst/>
+    <dgm:txEffectClrLst/>
+  </dgm:styleLbl>
+  <dgm:styleLbl name="parChTrans2D1">
+    <dgm:fillClrLst meth="repeat">
+      <a:schemeClr val="accent1">
+        <a:tint val="60000"/>
+      </a:schemeClr>
+    </dgm:fillClrLst>
+    <dgm:linClrLst meth="repeat">
+      <a:schemeClr val="accent1">
+        <a:tint val="60000"/>
+      </a:schemeClr>
+    </dgm:linClrLst>
+    <dgm:effectClrLst/>
+    <dgm:txLinClrLst/>
+    <dgm:txFillClrLst meth="repeat">
+      <a:schemeClr val="lt1"/>
+    </dgm:txFillClrLst>
+    <dgm:txEffectClrLst/>
+  </dgm:styleLbl>
+  <dgm:styleLbl name="parChTrans2D2">
+    <dgm:fillClrLst meth="repeat">
+      <a:schemeClr val="accent1"/>
+    </dgm:fillClrLst>
+    <dgm:linClrLst meth="repeat">
+      <a:schemeClr val="accent1"/>
+    </dgm:linClrLst>
+    <dgm:effectClrLst/>
+    <dgm:txLinClrLst/>
+    <dgm:txFillClrLst meth="repeat">
+      <a:schemeClr val="lt1"/>
+    </dgm:txFillClrLst>
+    <dgm:txEffectClrLst/>
+  </dgm:styleLbl>
+  <dgm:styleLbl name="parChTrans2D3">
+    <dgm:fillClrLst meth="repeat">
+      <a:schemeClr val="accent1"/>
+    </dgm:fillClrLst>
+    <dgm:linClrLst meth="repeat">
+      <a:schemeClr val="accent1"/>
+    </dgm:linClrLst>
+    <dgm:effectClrLst/>
+    <dgm:txLinClrLst/>
+    <dgm:txFillClrLst meth="repeat">
+      <a:schemeClr val="lt1"/>
+    </dgm:txFillClrLst>
+    <dgm:txEffectClrLst/>
+  </dgm:styleLbl>
+  <dgm:styleLbl name="parChTrans2D4">
+    <dgm:fillClrLst meth="repeat">
+      <a:schemeClr val="accent1"/>
+    </dgm:fillClrLst>
+    <dgm:linClrLst meth="repeat">
+      <a:schemeClr val="accent1"/>
+    </dgm:linClrLst>
+    <dgm:effectClrLst/>
+    <dgm:txLinClrLst/>
+    <dgm:txFillClrLst meth="repeat">
+      <a:schemeClr val="lt1"/>
+    </dgm:txFillClrLst>
+    <dgm:txEffectClrLst/>
+  </dgm:styleLbl>
+  <dgm:styleLbl name="parChTrans1D1">
+    <dgm:fillClrLst meth="repeat">
+      <a:schemeClr val="accent1"/>
+    </dgm:fillClrLst>
+    <dgm:linClrLst meth="repeat">
+      <a:schemeClr val="accent1">
+        <a:shade val="60000"/>
+      </a:schemeClr>
+    </dgm:linClrLst>
+    <dgm:effectClrLst/>
+    <dgm:txLinClrLst/>
+    <dgm:txFillClrLst meth="repeat">
+      <a:schemeClr val="tx1"/>
+    </dgm:txFillClrLst>
+    <dgm:txEffectClrLst/>
+  </dgm:styleLbl>
+  <dgm:styleLbl name="parChTrans1D2">
+    <dgm:fillClrLst meth="repeat">
+      <a:schemeClr val="accent1"/>
+    </dgm:fillClrLst>
+    <dgm:linClrLst meth="repeat">
+      <a:schemeClr val="accent1">
+        <a:shade val="60000"/>
+      </a:schemeClr>
+    </dgm:linClrLst>
+    <dgm:effectClrLst/>
+    <dgm:txLinClrLst/>
+    <dgm:txFillClrLst meth="repeat">
+      <a:schemeClr val="tx1"/>
+    </dgm:txFillClrLst>
+    <dgm:txEffectClrLst/>
+  </dgm:styleLbl>
+  <dgm:styleLbl name="parChTrans1D3">
+    <dgm:fillClrLst meth="repeat">
+      <a:schemeClr val="accent1"/>
+    </dgm:fillClrLst>
+    <dgm:linClrLst meth="repeat">
+      <a:schemeClr val="accent1">
+        <a:shade val="80000"/>
+      </a:schemeClr>
+    </dgm:linClrLst>
+    <dgm:effectClrLst/>
+    <dgm:txLinClrLst/>
+    <dgm:txFillClrLst meth="repeat">
+      <a:schemeClr val="tx1"/>
+    </dgm:txFillClrLst>
+    <dgm:txEffectClrLst/>
+  </dgm:styleLbl>
+  <dgm:styleLbl name="parChTrans1D4">
+    <dgm:fillClrLst meth="repeat">
+      <a:schemeClr val="accent1"/>
+    </dgm:fillClrLst>
+    <dgm:linClrLst meth="repeat">
+      <a:schemeClr val="accent1">
+        <a:shade val="80000"/>
+      </a:schemeClr>
+    </dgm:linClrLst>
+    <dgm:effectClrLst/>
+    <dgm:txLinClrLst/>
+    <dgm:txFillClrLst meth="repeat">
+      <a:schemeClr val="tx1"/>
+    </dgm:txFillClrLst>
+    <dgm:txEffectClrLst/>
+  </dgm:styleLbl>
+  <dgm:styleLbl name="fgAcc1">
+    <dgm:fillClrLst meth="repeat">
+      <a:schemeClr val="lt1">
+        <a:alpha val="90000"/>
+      </a:schemeClr>
+    </dgm:fillClrLst>
+    <dgm:linClrLst meth="repeat">
+      <a:schemeClr val="accent1"/>
+    </dgm:linClrLst>
+    <dgm:effectClrLst/>
+    <dgm:txLinClrLst/>
+    <dgm:txFillClrLst meth="repeat">
+      <a:schemeClr val="dk1"/>
+    </dgm:txFillClrLst>
+    <dgm:txEffectClrLst/>
+  </dgm:styleLbl>
+  <dgm:styleLbl name="conFgAcc1">
+    <dgm:fillClrLst meth="repeat">
+      <a:schemeClr val="lt1">
+        <a:alpha val="90000"/>
+      </a:schemeClr>
+    </dgm:fillClrLst>
+    <dgm:linClrLst meth="repeat">
+      <a:schemeClr val="accent1"/>
+    </dgm:linClrLst>
+    <dgm:effectClrLst/>
+    <dgm:txLinClrLst/>
+    <dgm:txFillClrLst meth="repeat">
+      <a:schemeClr val="dk1"/>
+    </dgm:txFillClrLst>
+    <dgm:txEffectClrLst/>
+  </dgm:styleLbl>
+  <dgm:styleLbl name="alignAcc1">
+    <dgm:fillClrLst meth="repeat">
+      <a:schemeClr val="lt1">
+        <a:alpha val="90000"/>
+      </a:schemeClr>
+    </dgm:fillClrLst>
+    <dgm:linClrLst meth="repeat">
+      <a:schemeClr val="accent1"/>
+    </dgm:linClrLst>
+    <dgm:effectClrLst/>
+    <dgm:txLinClrLst/>
+    <dgm:txFillClrLst meth="repeat">
+      <a:schemeClr val="dk1"/>
+    </dgm:txFillClrLst>
+    <dgm:txEffectClrLst/>
+  </dgm:styleLbl>
+  <dgm:styleLbl name="trAlignAcc1">
+    <dgm:fillClrLst meth="repeat">
+      <a:schemeClr val="lt1">
+        <a:alpha val="40000"/>
+      </a:schemeClr>
+    </dgm:fillClrLst>
+    <dgm:linClrLst meth="repeat">
+      <a:schemeClr val="accent1"/>
+    </dgm:linClrLst>
+    <dgm:effectClrLst/>
+    <dgm:txLinClrLst/>
+    <dgm:txFillClrLst meth="repeat">
+      <a:schemeClr val="dk1"/>
+    </dgm:txFillClrLst>
+    <dgm:txEffectClrLst/>
+  </dgm:styleLbl>
+  <dgm:styleLbl name="bgAcc1">
+    <dgm:fillClrLst meth="repeat">
+      <a:schemeClr val="lt1">
+        <a:alpha val="90000"/>
+      </a:schemeClr>
+    </dgm:fillClrLst>
+    <dgm:linClrLst meth="repeat">
+      <a:schemeClr val="accent1"/>
+    </dgm:linClrLst>
+    <dgm:effectClrLst/>
+    <dgm:txLinClrLst/>
+    <dgm:txFillClrLst meth="repeat">
+      <a:schemeClr val="dk1"/>
+    </dgm:txFillClrLst>
+    <dgm:txEffectClrLst/>
+  </dgm:styleLbl>
+  <dgm:styleLbl name="solidFgAcc1">
+    <dgm:fillClrLst meth="repeat">
+      <a:schemeClr val="lt1"/>
+    </dgm:fillClrLst>
+    <dgm:linClrLst meth="repeat">
+      <a:schemeClr val="accent1"/>
+    </dgm:linClrLst>
+    <dgm:effectClrLst/>
+    <dgm:txLinClrLst/>
+    <dgm:txFillClrLst meth="repeat">
+      <a:schemeClr val="dk1"/>
+    </dgm:txFillClrLst>
+    <dgm:txEffectClrLst/>
+  </dgm:styleLbl>
+  <dgm:styleLbl name="solidAlignAcc1">
+    <dgm:fillClrLst meth="repeat">
+      <a:schemeClr val="lt1"/>
+    </dgm:fillClrLst>
+    <dgm:linClrLst meth="repeat">
+      <a:schemeClr val="accent1"/>
+    </dgm:linClrLst>
+    <dgm:effectClrLst/>
+    <dgm:txLinClrLst/>
+    <dgm:txFillClrLst meth="repeat">
+      <a:schemeClr val="dk1"/>
+    </dgm:txFillClrLst>
+    <dgm:txEffectClrLst/>
+  </dgm:styleLbl>
+  <dgm:styleLbl name="solidBgAcc1">
+    <dgm:fillClrLst meth="repeat">
+      <a:schemeClr val="lt1"/>
+    </dgm:fillClrLst>
+    <dgm:linClrLst meth="repeat">
+      <a:schemeClr val="accent1"/>
+    </dgm:linClrLst>
+    <dgm:effectClrLst/>
+    <dgm:txLinClrLst/>
+    <dgm:txFillClrLst meth="repeat">
+      <a:schemeClr val="dk1"/>
+    </dgm:txFillClrLst>
+    <dgm:txEffectClrLst/>
+  </dgm:styleLbl>
+  <dgm:styleLbl name="fgAccFollowNode1">
+    <dgm:fillClrLst meth="repeat">
+      <a:schemeClr val="accent1">
+        <a:alpha val="90000"/>
+        <a:tint val="40000"/>
+      </a:schemeClr>
+    </dgm:fillClrLst>
+    <dgm:linClrLst meth="repeat">
+      <a:schemeClr val="accent1">
+        <a:alpha val="90000"/>
+        <a:tint val="40000"/>
+      </a:schemeClr>
+    </dgm:linClrLst>
+    <dgm:effectClrLst/>
+    <dgm:txLinClrLst/>
+    <dgm:txFillClrLst meth="repeat">
+      <a:schemeClr val="dk1"/>
+    </dgm:txFillClrLst>
+    <dgm:txEffectClrLst/>
+  </dgm:styleLbl>
+  <dgm:styleLbl name="alignAccFollowNode1">
+    <dgm:fillClrLst meth="repeat">
+      <a:schemeClr val="accent1">
+        <a:alpha val="90000"/>
+        <a:tint val="40000"/>
+      </a:schemeClr>
+    </dgm:fillClrLst>
+    <dgm:linClrLst meth="repeat">
+      <a:schemeClr val="accent1">
+        <a:alpha val="90000"/>
+        <a:tint val="40000"/>
+      </a:schemeClr>
+    </dgm:linClrLst>
+    <dgm:effectClrLst/>
+    <dgm:txLinClrLst/>
+    <dgm:txFillClrLst meth="repeat">
+      <a:schemeClr val="dk1"/>
+    </dgm:txFillClrLst>
+    <dgm:txEffectClrLst/>
+  </dgm:styleLbl>
+  <dgm:styleLbl name="bgAccFollowNode1">
+    <dgm:fillClrLst meth="repeat">
+      <a:schemeClr val="accent1">
+        <a:alpha val="90000"/>
+        <a:tint val="40000"/>
+      </a:schemeClr>
+    </dgm:fillClrLst>
+    <dgm:linClrLst meth="repeat">
+      <a:schemeClr val="accent1">
+        <a:alpha val="90000"/>
+        <a:tint val="40000"/>
+      </a:schemeClr>
+    </dgm:linClrLst>
+    <dgm:effectClrLst/>
+    <dgm:txLinClrLst/>
+    <dgm:txFillClrLst meth="repeat">
+      <a:schemeClr val="dk1"/>
+    </dgm:txFillClrLst>
+    <dgm:txEffectClrLst/>
+  </dgm:styleLbl>
+  <dgm:styleLbl name="fgAcc0">
+    <dgm:fillClrLst meth="repeat">
+      <a:schemeClr val="lt1">
+        <a:alpha val="90000"/>
+      </a:schemeClr>
+    </dgm:fillClrLst>
+    <dgm:linClrLst meth="repeat">
+      <a:schemeClr val="accent1"/>
+    </dgm:linClrLst>
+    <dgm:effectClrLst/>
+    <dgm:txLinClrLst/>
+    <dgm:txFillClrLst meth="repeat">
+      <a:schemeClr val="dk1"/>
+    </dgm:txFillClrLst>
+    <dgm:txEffectClrLst/>
+  </dgm:styleLbl>
+  <dgm:styleLbl name="fgAcc2">
+    <dgm:fillClrLst meth="repeat">
+      <a:schemeClr val="lt1">
+        <a:alpha val="90000"/>
+      </a:schemeClr>
+    </dgm:fillClrLst>
+    <dgm:linClrLst meth="repeat">
+      <a:schemeClr val="accent1"/>
+    </dgm:linClrLst>
+    <dgm:effectClrLst/>
+    <dgm:txLinClrLst/>
+    <dgm:txFillClrLst meth="repeat">
+      <a:schemeClr val="dk1"/>
+    </dgm:txFillClrLst>
+    <dgm:txEffectClrLst/>
+  </dgm:styleLbl>
+  <dgm:styleLbl name="fgAcc3">
+    <dgm:fillClrLst meth="repeat">
+      <a:schemeClr val="lt1">
+        <a:alpha val="90000"/>
+      </a:schemeClr>
+    </dgm:fillClrLst>
+    <dgm:linClrLst meth="repeat">
+      <a:schemeClr val="accent1"/>
+    </dgm:linClrLst>
+    <dgm:effectClrLst/>
+    <dgm:txLinClrLst/>
+    <dgm:txFillClrLst meth="repeat">
+      <a:schemeClr val="dk1"/>
+    </dgm:txFillClrLst>
+    <dgm:txEffectClrLst/>
+  </dgm:styleLbl>
+  <dgm:styleLbl name="fgAcc4">
+    <dgm:fillClrLst meth="repeat">
+      <a:schemeClr val="lt1">
+        <a:alpha val="90000"/>
+      </a:schemeClr>
+    </dgm:fillClrLst>
+    <dgm:linClrLst meth="repeat">
+      <a:schemeClr val="accent1"/>
+    </dgm:linClrLst>
+    <dgm:effectClrLst/>
+    <dgm:txLinClrLst/>
+    <dgm:txFillClrLst meth="repeat">
+      <a:schemeClr val="dk1"/>
+    </dgm:txFillClrLst>
+    <dgm:txEffectClrLst/>
+  </dgm:styleLbl>
+  <dgm:styleLbl name="bgShp">
+    <dgm:fillClrLst meth="repeat">
+      <a:schemeClr val="accent1">
+        <a:tint val="40000"/>
+      </a:schemeClr>
+    </dgm:fillClrLst>
+    <dgm:linClrLst meth="repeat">
+      <a:schemeClr val="accent1"/>
+    </dgm:linClrLst>
+    <dgm:effectClrLst/>
+    <dgm:txLinClrLst/>
+    <dgm:txFillClrLst meth="repeat">
+      <a:schemeClr val="dk1"/>
+    </dgm:txFillClrLst>
+    <dgm:txEffectClrLst/>
+  </dgm:styleLbl>
+  <dgm:styleLbl name="dkBgShp">
+    <dgm:fillClrLst meth="repeat">
+      <a:schemeClr val="accent1">
+        <a:shade val="80000"/>
+      </a:schemeClr>
+    </dgm:fillClrLst>
+    <dgm:linClrLst meth="repeat">
+      <a:schemeClr val="accent1"/>
+    </dgm:linClrLst>
+    <dgm:effectClrLst/>
+    <dgm:txLinClrLst/>
+    <dgm:txFillClrLst meth="repeat">
+      <a:schemeClr val="lt1"/>
+    </dgm:txFillClrLst>
+    <dgm:txEffectClrLst/>
+  </dgm:styleLbl>
+  <dgm:styleLbl name="trBgShp">
+    <dgm:fillClrLst meth="repeat">
+      <a:schemeClr val="accent1">
+        <a:tint val="50000"/>
+        <a:alpha val="40000"/>
+      </a:schemeClr>
+    </dgm:fillClrLst>
+    <dgm:linClrLst meth="repeat">
+      <a:schemeClr val="accent1"/>
+    </dgm:linClrLst>
+    <dgm:effectClrLst/>
+    <dgm:txLinClrLst/>
+    <dgm:txFillClrLst meth="repeat">
+      <a:schemeClr val="lt1"/>
+    </dgm:txFillClrLst>
+    <dgm:txEffectClrLst/>
+  </dgm:styleLbl>
+  <dgm:styleLbl name="fgShp">
+    <dgm:fillClrLst meth="repeat">
+      <a:schemeClr val="accent1">
+        <a:tint val="60000"/>
+      </a:schemeClr>
+    </dgm:fillClrLst>
+    <dgm:linClrLst meth="repeat">
+      <a:schemeClr val="lt1"/>
+    </dgm:linClrLst>
+    <dgm:effectClrLst/>
+    <dgm:txLinClrLst/>
+    <dgm:txFillClrLst meth="repeat">
+      <a:schemeClr val="dk1"/>
+    </dgm:txFillClrLst>
+    <dgm:txEffectClrLst/>
+  </dgm:styleLbl>
+  <dgm:styleLbl name="revTx">
+    <dgm:fillClrLst meth="repeat">
+      <a:schemeClr val="lt1">
+        <a:alpha val="0"/>
+      </a:schemeClr>
+    </dgm:fillClrLst>
+    <dgm:linClrLst meth="repeat">
+      <a:schemeClr val="dk1">
+        <a:alpha val="0"/>
+      </a:schemeClr>
+    </dgm:linClrLst>
+    <dgm:effectClrLst/>
+    <dgm:txLinClrLst/>
+    <dgm:txFillClrLst meth="repeat">
+      <a:schemeClr val="tx1"/>
+    </dgm:txFillClrLst>
+    <dgm:txEffectClrLst/>
+  </dgm:styleLbl>
+</dgm:colorsDef>
+</file>
+
+<file path=ppt/diagrams/colors4.xml><?xml version="1.0" encoding="utf-8"?>
 <dgm:colorsDef xmlns:dgm="http://schemas.openxmlformats.org/drawingml/2006/diagram" xmlns:a="http://schemas.openxmlformats.org/drawingml/2006/main" uniqueId="urn:microsoft.com/office/officeart/2005/8/colors/accent1_1">
   <dgm:title val=""/>
   <dgm:desc val=""/>
@@ -2431,7 +3179,7 @@
 </dgm:colorsDef>
 </file>
 
-<file path=ppt/diagrams/colors4.xml><?xml version="1.0" encoding="utf-8"?>
+<file path=ppt/diagrams/colors5.xml><?xml version="1.0" encoding="utf-8"?>
 <dgm:colorsDef xmlns:dgm="http://schemas.openxmlformats.org/drawingml/2006/diagram" xmlns:a="http://schemas.openxmlformats.org/drawingml/2006/main" uniqueId="urn:microsoft.com/office/officeart/2005/8/colors/accent2_2">
   <dgm:title val=""/>
   <dgm:desc val=""/>
@@ -3178,7 +3926,7 @@
 </dgm:colorsDef>
 </file>
 
-<file path=ppt/diagrams/colors5.xml><?xml version="1.0" encoding="utf-8"?>
+<file path=ppt/diagrams/colors6.xml><?xml version="1.0" encoding="utf-8"?>
 <dgm:colorsDef xmlns:dgm="http://schemas.openxmlformats.org/drawingml/2006/diagram" xmlns:a="http://schemas.openxmlformats.org/drawingml/2006/main" uniqueId="urn:microsoft.com/office/officeart/2005/8/colors/accent1_2">
   <dgm:title val=""/>
   <dgm:desc val=""/>
@@ -3925,7 +4673,7 @@
 </dgm:colorsDef>
 </file>
 
-<file path=ppt/diagrams/colors6.xml><?xml version="1.0" encoding="utf-8"?>
+<file path=ppt/diagrams/colors7.xml><?xml version="1.0" encoding="utf-8"?>
 <dgm:colorsDef xmlns:dgm="http://schemas.openxmlformats.org/drawingml/2006/diagram" xmlns:a="http://schemas.openxmlformats.org/drawingml/2006/main" uniqueId="urn:microsoft.com/office/officeart/2018/5/colors/Iconchunking_neutralbg_accent3_2">
   <dgm:title val=""/>
   <dgm:desc val=""/>
@@ -4675,6 +5423,442 @@
 </file>
 
 <file path=ppt/diagrams/data1.xml><?xml version="1.0" encoding="utf-8"?>
+<dgm:dataModel xmlns:dgm="http://schemas.openxmlformats.org/drawingml/2006/diagram" xmlns:a="http://schemas.openxmlformats.org/drawingml/2006/main">
+  <dgm:ptLst>
+    <dgm:pt modelId="{01680EF9-2819-49E2-BC3F-49F29B377085}" type="doc">
+      <dgm:prSet loTypeId="urn:microsoft.com/office/officeart/2018/2/layout/IconVerticalSolidList" loCatId="icon" qsTypeId="urn:microsoft.com/office/officeart/2005/8/quickstyle/simple1" qsCatId="simple" csTypeId="urn:microsoft.com/office/officeart/2005/8/colors/accent1_2" csCatId="accent1" phldr="1"/>
+      <dgm:spPr/>
+      <dgm:t>
+        <a:bodyPr/>
+        <a:lstStyle/>
+        <a:p>
+          <a:endParaRPr lang="en-US"/>
+        </a:p>
+      </dgm:t>
+    </dgm:pt>
+    <dgm:pt modelId="{B0BC351A-E4F3-4875-810C-5F38ECB96B72}">
+      <dgm:prSet/>
+      <dgm:spPr/>
+      <dgm:t>
+        <a:bodyPr/>
+        <a:lstStyle/>
+        <a:p>
+          <a:pPr>
+            <a:lnSpc>
+              <a:spcPct val="100000"/>
+            </a:lnSpc>
+          </a:pPr>
+          <a:r>
+            <a:rPr lang="en-US"/>
+            <a:t>Setting the right prices for Short-term rentals is a key factor in maximizing profitability</a:t>
+          </a:r>
+        </a:p>
+      </dgm:t>
+    </dgm:pt>
+    <dgm:pt modelId="{F5B99EE1-37EE-4C08-A766-C63BBE039BAE}" type="parTrans" cxnId="{C2F6FD82-B91D-45F7-AD15-F3082EFDD2CC}">
+      <dgm:prSet/>
+      <dgm:spPr/>
+      <dgm:t>
+        <a:bodyPr/>
+        <a:lstStyle/>
+        <a:p>
+          <a:endParaRPr lang="en-US"/>
+        </a:p>
+      </dgm:t>
+    </dgm:pt>
+    <dgm:pt modelId="{62F34365-DB27-41C8-B173-7A0EE99AAE5A}" type="sibTrans" cxnId="{C2F6FD82-B91D-45F7-AD15-F3082EFDD2CC}">
+      <dgm:prSet/>
+      <dgm:spPr/>
+      <dgm:t>
+        <a:bodyPr/>
+        <a:lstStyle/>
+        <a:p>
+          <a:endParaRPr lang="en-US"/>
+        </a:p>
+      </dgm:t>
+    </dgm:pt>
+    <dgm:pt modelId="{B951636D-ECAF-487F-9252-808DEB7A97F8}">
+      <dgm:prSet/>
+      <dgm:spPr/>
+      <dgm:t>
+        <a:bodyPr/>
+        <a:lstStyle/>
+        <a:p>
+          <a:pPr>
+            <a:lnSpc>
+              <a:spcPct val="100000"/>
+            </a:lnSpc>
+          </a:pPr>
+          <a:r>
+            <a:rPr lang="en-US"/>
+            <a:t>This process can pose a challenge for new units entering the market with no pricing history to rely on. </a:t>
+          </a:r>
+        </a:p>
+      </dgm:t>
+    </dgm:pt>
+    <dgm:pt modelId="{7A8262A4-F063-422D-9B0E-5EF466B71481}" type="parTrans" cxnId="{5985A06F-D47C-4C69-B873-6655CD474A48}">
+      <dgm:prSet/>
+      <dgm:spPr/>
+      <dgm:t>
+        <a:bodyPr/>
+        <a:lstStyle/>
+        <a:p>
+          <a:endParaRPr lang="en-US"/>
+        </a:p>
+      </dgm:t>
+    </dgm:pt>
+    <dgm:pt modelId="{8713002A-B329-4CDC-B558-119BB86E7A59}" type="sibTrans" cxnId="{5985A06F-D47C-4C69-B873-6655CD474A48}">
+      <dgm:prSet/>
+      <dgm:spPr/>
+      <dgm:t>
+        <a:bodyPr/>
+        <a:lstStyle/>
+        <a:p>
+          <a:endParaRPr lang="en-US"/>
+        </a:p>
+      </dgm:t>
+    </dgm:pt>
+    <dgm:pt modelId="{F6CB2460-9524-4459-926D-D28A669831A2}">
+      <dgm:prSet/>
+      <dgm:spPr/>
+      <dgm:t>
+        <a:bodyPr/>
+        <a:lstStyle/>
+        <a:p>
+          <a:pPr>
+            <a:lnSpc>
+              <a:spcPct val="100000"/>
+            </a:lnSpc>
+          </a:pPr>
+          <a:r>
+            <a:rPr lang="en-US"/>
+            <a:t>Our machine learning approach utilizes the attributes of the unit itself to set an accurate price before the rental is placed on the market.</a:t>
+          </a:r>
+        </a:p>
+      </dgm:t>
+    </dgm:pt>
+    <dgm:pt modelId="{A32D8A79-3362-4C0F-B871-87134D853C8F}" type="parTrans" cxnId="{054F905F-C70F-4EFC-B296-EBEFB3B87451}">
+      <dgm:prSet/>
+      <dgm:spPr/>
+      <dgm:t>
+        <a:bodyPr/>
+        <a:lstStyle/>
+        <a:p>
+          <a:endParaRPr lang="en-US"/>
+        </a:p>
+      </dgm:t>
+    </dgm:pt>
+    <dgm:pt modelId="{16B45414-5902-4217-BAE3-59270D6DA347}" type="sibTrans" cxnId="{054F905F-C70F-4EFC-B296-EBEFB3B87451}">
+      <dgm:prSet/>
+      <dgm:spPr/>
+      <dgm:t>
+        <a:bodyPr/>
+        <a:lstStyle/>
+        <a:p>
+          <a:endParaRPr lang="en-US"/>
+        </a:p>
+      </dgm:t>
+    </dgm:pt>
+    <dgm:pt modelId="{72F3EE16-9333-40B8-92C7-16A4C888FB76}">
+      <dgm:prSet/>
+      <dgm:spPr/>
+      <dgm:t>
+        <a:bodyPr/>
+        <a:lstStyle/>
+        <a:p>
+          <a:pPr>
+            <a:lnSpc>
+              <a:spcPct val="100000"/>
+            </a:lnSpc>
+          </a:pPr>
+          <a:r>
+            <a:rPr lang="en-US" dirty="0"/>
+            <a:t>This resulted in a </a:t>
+          </a:r>
+          <a:r>
+            <a:rPr lang="en-US" b="1" dirty="0"/>
+            <a:t>1.4% increase</a:t>
+          </a:r>
+          <a:r>
+            <a:rPr lang="en-US" dirty="0"/>
+            <a:t> in revenue over and above a naive model doing the same job.</a:t>
+          </a:r>
+        </a:p>
+      </dgm:t>
+    </dgm:pt>
+    <dgm:pt modelId="{5219F06F-9026-4D0E-BCF7-87F88B26B0E2}" type="parTrans" cxnId="{2E364DB9-0160-4C60-B9F7-1BA6717CCF38}">
+      <dgm:prSet/>
+      <dgm:spPr/>
+      <dgm:t>
+        <a:bodyPr/>
+        <a:lstStyle/>
+        <a:p>
+          <a:endParaRPr lang="en-US"/>
+        </a:p>
+      </dgm:t>
+    </dgm:pt>
+    <dgm:pt modelId="{A566D930-4CC8-429C-B158-FE6A7DA2C1AC}" type="sibTrans" cxnId="{2E364DB9-0160-4C60-B9F7-1BA6717CCF38}">
+      <dgm:prSet/>
+      <dgm:spPr/>
+      <dgm:t>
+        <a:bodyPr/>
+        <a:lstStyle/>
+        <a:p>
+          <a:endParaRPr lang="en-US"/>
+        </a:p>
+      </dgm:t>
+    </dgm:pt>
+    <dgm:pt modelId="{440BA291-338E-46C5-8E93-161270D046FB}" type="pres">
+      <dgm:prSet presAssocID="{01680EF9-2819-49E2-BC3F-49F29B377085}" presName="root" presStyleCnt="0">
+        <dgm:presLayoutVars>
+          <dgm:dir/>
+          <dgm:resizeHandles val="exact"/>
+        </dgm:presLayoutVars>
+      </dgm:prSet>
+      <dgm:spPr/>
+    </dgm:pt>
+    <dgm:pt modelId="{8B6A237C-F56E-4811-AE6B-508E90CCA1CC}" type="pres">
+      <dgm:prSet presAssocID="{B0BC351A-E4F3-4875-810C-5F38ECB96B72}" presName="compNode" presStyleCnt="0"/>
+      <dgm:spPr/>
+    </dgm:pt>
+    <dgm:pt modelId="{E0838991-D5C7-4B42-B98D-BA0B84843760}" type="pres">
+      <dgm:prSet presAssocID="{B0BC351A-E4F3-4875-810C-5F38ECB96B72}" presName="bgRect" presStyleLbl="bgShp" presStyleIdx="0" presStyleCnt="4"/>
+      <dgm:spPr/>
+    </dgm:pt>
+    <dgm:pt modelId="{AB29BB85-1BD3-4973-AE69-5F9045F1BD4C}" type="pres">
+      <dgm:prSet presAssocID="{B0BC351A-E4F3-4875-810C-5F38ECB96B72}" presName="iconRect" presStyleLbl="node1" presStyleIdx="0" presStyleCnt="4"/>
+      <dgm:spPr>
+        <a:blipFill>
+          <a:blip xmlns:r="http://schemas.openxmlformats.org/officeDocument/2006/relationships" r:embed="rId1">
+            <a:extLst>
+              <a:ext uri="{28A0092B-C50C-407E-A947-70E740481C1C}">
+                <a14:useLocalDpi xmlns:a14="http://schemas.microsoft.com/office/drawing/2010/main" val="0"/>
+              </a:ext>
+              <a:ext uri="{96DAC541-7B7A-43D3-8B79-37D633B846F1}">
+                <asvg:svgBlip xmlns:asvg="http://schemas.microsoft.com/office/drawing/2016/SVG/main" r:embed="rId2"/>
+              </a:ext>
+            </a:extLst>
+          </a:blip>
+          <a:stretch>
+            <a:fillRect/>
+          </a:stretch>
+        </a:blipFill>
+      </dgm:spPr>
+      <dgm:extLst>
+        <a:ext uri="{E40237B7-FDA0-4F09-8148-C483321AD2D9}">
+          <dgm14:cNvPr xmlns:dgm14="http://schemas.microsoft.com/office/drawing/2010/diagram" id="0" name="" descr="Money"/>
+        </a:ext>
+      </dgm:extLst>
+    </dgm:pt>
+    <dgm:pt modelId="{05A23407-0919-4633-BACC-C336CBFC6F4B}" type="pres">
+      <dgm:prSet presAssocID="{B0BC351A-E4F3-4875-810C-5F38ECB96B72}" presName="spaceRect" presStyleCnt="0"/>
+      <dgm:spPr/>
+    </dgm:pt>
+    <dgm:pt modelId="{A58F6879-8C91-40C9-BC12-E43CAA39F3F8}" type="pres">
+      <dgm:prSet presAssocID="{B0BC351A-E4F3-4875-810C-5F38ECB96B72}" presName="parTx" presStyleLbl="revTx" presStyleIdx="0" presStyleCnt="4">
+        <dgm:presLayoutVars>
+          <dgm:chMax val="0"/>
+          <dgm:chPref val="0"/>
+        </dgm:presLayoutVars>
+      </dgm:prSet>
+      <dgm:spPr/>
+    </dgm:pt>
+    <dgm:pt modelId="{EBFE37D9-4D2F-48FE-9FA1-4925AB77740A}" type="pres">
+      <dgm:prSet presAssocID="{62F34365-DB27-41C8-B173-7A0EE99AAE5A}" presName="sibTrans" presStyleCnt="0"/>
+      <dgm:spPr/>
+    </dgm:pt>
+    <dgm:pt modelId="{6A46A78D-F298-46F6-A8CF-31F79F5AF962}" type="pres">
+      <dgm:prSet presAssocID="{B951636D-ECAF-487F-9252-808DEB7A97F8}" presName="compNode" presStyleCnt="0"/>
+      <dgm:spPr/>
+    </dgm:pt>
+    <dgm:pt modelId="{8CFAA49C-7FD8-4CAD-99F8-3C423E6CD00F}" type="pres">
+      <dgm:prSet presAssocID="{B951636D-ECAF-487F-9252-808DEB7A97F8}" presName="bgRect" presStyleLbl="bgShp" presStyleIdx="1" presStyleCnt="4"/>
+      <dgm:spPr/>
+    </dgm:pt>
+    <dgm:pt modelId="{37B2C77D-9057-4541-8F6A-8DFC4C930AB3}" type="pres">
+      <dgm:prSet presAssocID="{B951636D-ECAF-487F-9252-808DEB7A97F8}" presName="iconRect" presStyleLbl="node1" presStyleIdx="1" presStyleCnt="4"/>
+      <dgm:spPr>
+        <a:blipFill>
+          <a:blip xmlns:r="http://schemas.openxmlformats.org/officeDocument/2006/relationships" r:embed="rId3">
+            <a:extLst>
+              <a:ext uri="{28A0092B-C50C-407E-A947-70E740481C1C}">
+                <a14:useLocalDpi xmlns:a14="http://schemas.microsoft.com/office/drawing/2010/main" val="0"/>
+              </a:ext>
+              <a:ext uri="{96DAC541-7B7A-43D3-8B79-37D633B846F1}">
+                <asvg:svgBlip xmlns:asvg="http://schemas.microsoft.com/office/drawing/2016/SVG/main" r:embed="rId4"/>
+              </a:ext>
+            </a:extLst>
+          </a:blip>
+          <a:stretch>
+            <a:fillRect/>
+          </a:stretch>
+        </a:blipFill>
+      </dgm:spPr>
+      <dgm:extLst>
+        <a:ext uri="{E40237B7-FDA0-4F09-8148-C483321AD2D9}">
+          <dgm14:cNvPr xmlns:dgm14="http://schemas.microsoft.com/office/drawing/2010/diagram" id="0" name="" descr="Kiosk"/>
+        </a:ext>
+      </dgm:extLst>
+    </dgm:pt>
+    <dgm:pt modelId="{DBCB066F-CE2C-4047-87CB-E26803FFF76E}" type="pres">
+      <dgm:prSet presAssocID="{B951636D-ECAF-487F-9252-808DEB7A97F8}" presName="spaceRect" presStyleCnt="0"/>
+      <dgm:spPr/>
+    </dgm:pt>
+    <dgm:pt modelId="{D66EFE95-E472-4A8E-8C0C-C8E8BDCEF246}" type="pres">
+      <dgm:prSet presAssocID="{B951636D-ECAF-487F-9252-808DEB7A97F8}" presName="parTx" presStyleLbl="revTx" presStyleIdx="1" presStyleCnt="4">
+        <dgm:presLayoutVars>
+          <dgm:chMax val="0"/>
+          <dgm:chPref val="0"/>
+        </dgm:presLayoutVars>
+      </dgm:prSet>
+      <dgm:spPr/>
+    </dgm:pt>
+    <dgm:pt modelId="{55DE2FEB-0BEA-4E9D-A7D0-7B53EEE66F21}" type="pres">
+      <dgm:prSet presAssocID="{8713002A-B329-4CDC-B558-119BB86E7A59}" presName="sibTrans" presStyleCnt="0"/>
+      <dgm:spPr/>
+    </dgm:pt>
+    <dgm:pt modelId="{C80F382A-C1CC-4A22-8A19-7C1E0583D75F}" type="pres">
+      <dgm:prSet presAssocID="{F6CB2460-9524-4459-926D-D28A669831A2}" presName="compNode" presStyleCnt="0"/>
+      <dgm:spPr/>
+    </dgm:pt>
+    <dgm:pt modelId="{F3043B15-7D58-45C4-AC62-52B0F23F9EFB}" type="pres">
+      <dgm:prSet presAssocID="{F6CB2460-9524-4459-926D-D28A669831A2}" presName="bgRect" presStyleLbl="bgShp" presStyleIdx="2" presStyleCnt="4"/>
+      <dgm:spPr/>
+    </dgm:pt>
+    <dgm:pt modelId="{6BD84C62-702D-4CBC-814F-4E4B657A3D4F}" type="pres">
+      <dgm:prSet presAssocID="{F6CB2460-9524-4459-926D-D28A669831A2}" presName="iconRect" presStyleLbl="node1" presStyleIdx="2" presStyleCnt="4"/>
+      <dgm:spPr>
+        <a:blipFill>
+          <a:blip xmlns:r="http://schemas.openxmlformats.org/officeDocument/2006/relationships" r:embed="rId5">
+            <a:extLst>
+              <a:ext uri="{28A0092B-C50C-407E-A947-70E740481C1C}">
+                <a14:useLocalDpi xmlns:a14="http://schemas.microsoft.com/office/drawing/2010/main" val="0"/>
+              </a:ext>
+              <a:ext uri="{96DAC541-7B7A-43D3-8B79-37D633B846F1}">
+                <asvg:svgBlip xmlns:asvg="http://schemas.microsoft.com/office/drawing/2016/SVG/main" r:embed="rId6"/>
+              </a:ext>
+            </a:extLst>
+          </a:blip>
+          <a:stretch>
+            <a:fillRect/>
+          </a:stretch>
+        </a:blipFill>
+      </dgm:spPr>
+      <dgm:extLst>
+        <a:ext uri="{E40237B7-FDA0-4F09-8148-C483321AD2D9}">
+          <dgm14:cNvPr xmlns:dgm14="http://schemas.microsoft.com/office/drawing/2010/diagram" id="0" name="" descr="Tag"/>
+        </a:ext>
+      </dgm:extLst>
+    </dgm:pt>
+    <dgm:pt modelId="{34533DB2-0FF6-4395-BF31-080CB9EDC138}" type="pres">
+      <dgm:prSet presAssocID="{F6CB2460-9524-4459-926D-D28A669831A2}" presName="spaceRect" presStyleCnt="0"/>
+      <dgm:spPr/>
+    </dgm:pt>
+    <dgm:pt modelId="{6B849A3E-C929-47B1-B4E9-6BA8CB921961}" type="pres">
+      <dgm:prSet presAssocID="{F6CB2460-9524-4459-926D-D28A669831A2}" presName="parTx" presStyleLbl="revTx" presStyleIdx="2" presStyleCnt="4">
+        <dgm:presLayoutVars>
+          <dgm:chMax val="0"/>
+          <dgm:chPref val="0"/>
+        </dgm:presLayoutVars>
+      </dgm:prSet>
+      <dgm:spPr/>
+    </dgm:pt>
+    <dgm:pt modelId="{6B8D1FD3-C329-4627-B957-3B9CB9A11816}" type="pres">
+      <dgm:prSet presAssocID="{16B45414-5902-4217-BAE3-59270D6DA347}" presName="sibTrans" presStyleCnt="0"/>
+      <dgm:spPr/>
+    </dgm:pt>
+    <dgm:pt modelId="{F1F84CCF-6BE9-4AE4-92F4-BA64E4E31DC2}" type="pres">
+      <dgm:prSet presAssocID="{72F3EE16-9333-40B8-92C7-16A4C888FB76}" presName="compNode" presStyleCnt="0"/>
+      <dgm:spPr/>
+    </dgm:pt>
+    <dgm:pt modelId="{B78D0ECF-6EE6-4384-9DE9-71EBD9995F24}" type="pres">
+      <dgm:prSet presAssocID="{72F3EE16-9333-40B8-92C7-16A4C888FB76}" presName="bgRect" presStyleLbl="bgShp" presStyleIdx="3" presStyleCnt="4"/>
+      <dgm:spPr/>
+    </dgm:pt>
+    <dgm:pt modelId="{5884081B-029B-4524-99BB-EC1FF1714E45}" type="pres">
+      <dgm:prSet presAssocID="{72F3EE16-9333-40B8-92C7-16A4C888FB76}" presName="iconRect" presStyleLbl="node1" presStyleIdx="3" presStyleCnt="4"/>
+      <dgm:spPr>
+        <a:blipFill>
+          <a:blip xmlns:r="http://schemas.openxmlformats.org/officeDocument/2006/relationships" r:embed="rId7">
+            <a:extLst>
+              <a:ext uri="{28A0092B-C50C-407E-A947-70E740481C1C}">
+                <a14:useLocalDpi xmlns:a14="http://schemas.microsoft.com/office/drawing/2010/main" val="0"/>
+              </a:ext>
+              <a:ext uri="{96DAC541-7B7A-43D3-8B79-37D633B846F1}">
+                <asvg:svgBlip xmlns:asvg="http://schemas.microsoft.com/office/drawing/2016/SVG/main" r:embed="rId8"/>
+              </a:ext>
+            </a:extLst>
+          </a:blip>
+          <a:stretch>
+            <a:fillRect/>
+          </a:stretch>
+        </a:blipFill>
+      </dgm:spPr>
+      <dgm:extLst>
+        <a:ext uri="{E40237B7-FDA0-4F09-8148-C483321AD2D9}">
+          <dgm14:cNvPr xmlns:dgm14="http://schemas.microsoft.com/office/drawing/2010/diagram" id="0" name="" descr="Business Growth"/>
+        </a:ext>
+      </dgm:extLst>
+    </dgm:pt>
+    <dgm:pt modelId="{E41A7B81-F2F2-4771-BDE2-1AB9E487ED2B}" type="pres">
+      <dgm:prSet presAssocID="{72F3EE16-9333-40B8-92C7-16A4C888FB76}" presName="spaceRect" presStyleCnt="0"/>
+      <dgm:spPr/>
+    </dgm:pt>
+    <dgm:pt modelId="{ECE1184B-EDFB-404D-A035-1E8799701904}" type="pres">
+      <dgm:prSet presAssocID="{72F3EE16-9333-40B8-92C7-16A4C888FB76}" presName="parTx" presStyleLbl="revTx" presStyleIdx="3" presStyleCnt="4">
+        <dgm:presLayoutVars>
+          <dgm:chMax val="0"/>
+          <dgm:chPref val="0"/>
+        </dgm:presLayoutVars>
+      </dgm:prSet>
+      <dgm:spPr/>
+    </dgm:pt>
+  </dgm:ptLst>
+  <dgm:cxnLst>
+    <dgm:cxn modelId="{37D3AE08-7AA0-436F-A845-9E182E6DDBE1}" type="presOf" srcId="{01680EF9-2819-49E2-BC3F-49F29B377085}" destId="{440BA291-338E-46C5-8E93-161270D046FB}" srcOrd="0" destOrd="0" presId="urn:microsoft.com/office/officeart/2018/2/layout/IconVerticalSolidList"/>
+    <dgm:cxn modelId="{054F905F-C70F-4EFC-B296-EBEFB3B87451}" srcId="{01680EF9-2819-49E2-BC3F-49F29B377085}" destId="{F6CB2460-9524-4459-926D-D28A669831A2}" srcOrd="2" destOrd="0" parTransId="{A32D8A79-3362-4C0F-B871-87134D853C8F}" sibTransId="{16B45414-5902-4217-BAE3-59270D6DA347}"/>
+    <dgm:cxn modelId="{4AF81C42-D708-4640-BE33-9D51BC3A723C}" type="presOf" srcId="{72F3EE16-9333-40B8-92C7-16A4C888FB76}" destId="{ECE1184B-EDFB-404D-A035-1E8799701904}" srcOrd="0" destOrd="0" presId="urn:microsoft.com/office/officeart/2018/2/layout/IconVerticalSolidList"/>
+    <dgm:cxn modelId="{5985A06F-D47C-4C69-B873-6655CD474A48}" srcId="{01680EF9-2819-49E2-BC3F-49F29B377085}" destId="{B951636D-ECAF-487F-9252-808DEB7A97F8}" srcOrd="1" destOrd="0" parTransId="{7A8262A4-F063-422D-9B0E-5EF466B71481}" sibTransId="{8713002A-B329-4CDC-B558-119BB86E7A59}"/>
+    <dgm:cxn modelId="{C2F6FD82-B91D-45F7-AD15-F3082EFDD2CC}" srcId="{01680EF9-2819-49E2-BC3F-49F29B377085}" destId="{B0BC351A-E4F3-4875-810C-5F38ECB96B72}" srcOrd="0" destOrd="0" parTransId="{F5B99EE1-37EE-4C08-A766-C63BBE039BAE}" sibTransId="{62F34365-DB27-41C8-B173-7A0EE99AAE5A}"/>
+    <dgm:cxn modelId="{77BC0C8D-2092-4AF6-8D43-F3EE06158746}" type="presOf" srcId="{B0BC351A-E4F3-4875-810C-5F38ECB96B72}" destId="{A58F6879-8C91-40C9-BC12-E43CAA39F3F8}" srcOrd="0" destOrd="0" presId="urn:microsoft.com/office/officeart/2018/2/layout/IconVerticalSolidList"/>
+    <dgm:cxn modelId="{4A86A4A2-01C0-45C5-A146-383BDAA69D89}" type="presOf" srcId="{F6CB2460-9524-4459-926D-D28A669831A2}" destId="{6B849A3E-C929-47B1-B4E9-6BA8CB921961}" srcOrd="0" destOrd="0" presId="urn:microsoft.com/office/officeart/2018/2/layout/IconVerticalSolidList"/>
+    <dgm:cxn modelId="{2E364DB9-0160-4C60-B9F7-1BA6717CCF38}" srcId="{01680EF9-2819-49E2-BC3F-49F29B377085}" destId="{72F3EE16-9333-40B8-92C7-16A4C888FB76}" srcOrd="3" destOrd="0" parTransId="{5219F06F-9026-4D0E-BCF7-87F88B26B0E2}" sibTransId="{A566D930-4CC8-429C-B158-FE6A7DA2C1AC}"/>
+    <dgm:cxn modelId="{7235D1DE-ECD2-4290-8B89-5EE431DD9BF5}" type="presOf" srcId="{B951636D-ECAF-487F-9252-808DEB7A97F8}" destId="{D66EFE95-E472-4A8E-8C0C-C8E8BDCEF246}" srcOrd="0" destOrd="0" presId="urn:microsoft.com/office/officeart/2018/2/layout/IconVerticalSolidList"/>
+    <dgm:cxn modelId="{1DF07EA6-5899-4D10-A233-CD99EE9AA35A}" type="presParOf" srcId="{440BA291-338E-46C5-8E93-161270D046FB}" destId="{8B6A237C-F56E-4811-AE6B-508E90CCA1CC}" srcOrd="0" destOrd="0" presId="urn:microsoft.com/office/officeart/2018/2/layout/IconVerticalSolidList"/>
+    <dgm:cxn modelId="{35C03C39-5108-4D46-A596-E7078A30328E}" type="presParOf" srcId="{8B6A237C-F56E-4811-AE6B-508E90CCA1CC}" destId="{E0838991-D5C7-4B42-B98D-BA0B84843760}" srcOrd="0" destOrd="0" presId="urn:microsoft.com/office/officeart/2018/2/layout/IconVerticalSolidList"/>
+    <dgm:cxn modelId="{9B77ED1D-DF09-450F-A192-9D7FFA38A62B}" type="presParOf" srcId="{8B6A237C-F56E-4811-AE6B-508E90CCA1CC}" destId="{AB29BB85-1BD3-4973-AE69-5F9045F1BD4C}" srcOrd="1" destOrd="0" presId="urn:microsoft.com/office/officeart/2018/2/layout/IconVerticalSolidList"/>
+    <dgm:cxn modelId="{D2F6D501-BDAF-4531-A607-888B8DB7D636}" type="presParOf" srcId="{8B6A237C-F56E-4811-AE6B-508E90CCA1CC}" destId="{05A23407-0919-4633-BACC-C336CBFC6F4B}" srcOrd="2" destOrd="0" presId="urn:microsoft.com/office/officeart/2018/2/layout/IconVerticalSolidList"/>
+    <dgm:cxn modelId="{DB835307-FFFB-4740-A7F1-47AD2EFB818B}" type="presParOf" srcId="{8B6A237C-F56E-4811-AE6B-508E90CCA1CC}" destId="{A58F6879-8C91-40C9-BC12-E43CAA39F3F8}" srcOrd="3" destOrd="0" presId="urn:microsoft.com/office/officeart/2018/2/layout/IconVerticalSolidList"/>
+    <dgm:cxn modelId="{BF5ED2F3-D6C6-4662-9DB6-C17D3AE57211}" type="presParOf" srcId="{440BA291-338E-46C5-8E93-161270D046FB}" destId="{EBFE37D9-4D2F-48FE-9FA1-4925AB77740A}" srcOrd="1" destOrd="0" presId="urn:microsoft.com/office/officeart/2018/2/layout/IconVerticalSolidList"/>
+    <dgm:cxn modelId="{6F433F55-77FC-443A-A63C-D69A9E653FFB}" type="presParOf" srcId="{440BA291-338E-46C5-8E93-161270D046FB}" destId="{6A46A78D-F298-46F6-A8CF-31F79F5AF962}" srcOrd="2" destOrd="0" presId="urn:microsoft.com/office/officeart/2018/2/layout/IconVerticalSolidList"/>
+    <dgm:cxn modelId="{63763317-5463-4BB4-9B87-AFEDC24685E0}" type="presParOf" srcId="{6A46A78D-F298-46F6-A8CF-31F79F5AF962}" destId="{8CFAA49C-7FD8-4CAD-99F8-3C423E6CD00F}" srcOrd="0" destOrd="0" presId="urn:microsoft.com/office/officeart/2018/2/layout/IconVerticalSolidList"/>
+    <dgm:cxn modelId="{6C025A17-7459-45EE-AF4E-5056E7FD8CE8}" type="presParOf" srcId="{6A46A78D-F298-46F6-A8CF-31F79F5AF962}" destId="{37B2C77D-9057-4541-8F6A-8DFC4C930AB3}" srcOrd="1" destOrd="0" presId="urn:microsoft.com/office/officeart/2018/2/layout/IconVerticalSolidList"/>
+    <dgm:cxn modelId="{0D36AA65-1240-4E59-81D8-D96B3A0B61EA}" type="presParOf" srcId="{6A46A78D-F298-46F6-A8CF-31F79F5AF962}" destId="{DBCB066F-CE2C-4047-87CB-E26803FFF76E}" srcOrd="2" destOrd="0" presId="urn:microsoft.com/office/officeart/2018/2/layout/IconVerticalSolidList"/>
+    <dgm:cxn modelId="{A5CBB4DC-661B-4EA0-83EA-EB762703E2D5}" type="presParOf" srcId="{6A46A78D-F298-46F6-A8CF-31F79F5AF962}" destId="{D66EFE95-E472-4A8E-8C0C-C8E8BDCEF246}" srcOrd="3" destOrd="0" presId="urn:microsoft.com/office/officeart/2018/2/layout/IconVerticalSolidList"/>
+    <dgm:cxn modelId="{8508171F-87EE-46E4-8158-1E61AB169739}" type="presParOf" srcId="{440BA291-338E-46C5-8E93-161270D046FB}" destId="{55DE2FEB-0BEA-4E9D-A7D0-7B53EEE66F21}" srcOrd="3" destOrd="0" presId="urn:microsoft.com/office/officeart/2018/2/layout/IconVerticalSolidList"/>
+    <dgm:cxn modelId="{4B28807F-A24E-4447-AFA2-03F087BA0B04}" type="presParOf" srcId="{440BA291-338E-46C5-8E93-161270D046FB}" destId="{C80F382A-C1CC-4A22-8A19-7C1E0583D75F}" srcOrd="4" destOrd="0" presId="urn:microsoft.com/office/officeart/2018/2/layout/IconVerticalSolidList"/>
+    <dgm:cxn modelId="{74887E37-D6DB-4816-B33F-0E622428C3D7}" type="presParOf" srcId="{C80F382A-C1CC-4A22-8A19-7C1E0583D75F}" destId="{F3043B15-7D58-45C4-AC62-52B0F23F9EFB}" srcOrd="0" destOrd="0" presId="urn:microsoft.com/office/officeart/2018/2/layout/IconVerticalSolidList"/>
+    <dgm:cxn modelId="{39B937F1-39D4-49C7-AB77-BB44AD5C9C38}" type="presParOf" srcId="{C80F382A-C1CC-4A22-8A19-7C1E0583D75F}" destId="{6BD84C62-702D-4CBC-814F-4E4B657A3D4F}" srcOrd="1" destOrd="0" presId="urn:microsoft.com/office/officeart/2018/2/layout/IconVerticalSolidList"/>
+    <dgm:cxn modelId="{06D3086E-CF59-43A4-8C74-E1E9BDEC0BAB}" type="presParOf" srcId="{C80F382A-C1CC-4A22-8A19-7C1E0583D75F}" destId="{34533DB2-0FF6-4395-BF31-080CB9EDC138}" srcOrd="2" destOrd="0" presId="urn:microsoft.com/office/officeart/2018/2/layout/IconVerticalSolidList"/>
+    <dgm:cxn modelId="{E5F8A8E6-7241-44FA-8E74-DF8F99C62C1C}" type="presParOf" srcId="{C80F382A-C1CC-4A22-8A19-7C1E0583D75F}" destId="{6B849A3E-C929-47B1-B4E9-6BA8CB921961}" srcOrd="3" destOrd="0" presId="urn:microsoft.com/office/officeart/2018/2/layout/IconVerticalSolidList"/>
+    <dgm:cxn modelId="{66000A1B-C7E9-4228-867E-1ADC994DAF1E}" type="presParOf" srcId="{440BA291-338E-46C5-8E93-161270D046FB}" destId="{6B8D1FD3-C329-4627-B957-3B9CB9A11816}" srcOrd="5" destOrd="0" presId="urn:microsoft.com/office/officeart/2018/2/layout/IconVerticalSolidList"/>
+    <dgm:cxn modelId="{3D6994ED-7C8B-403F-A247-8D0886B0BE4A}" type="presParOf" srcId="{440BA291-338E-46C5-8E93-161270D046FB}" destId="{F1F84CCF-6BE9-4AE4-92F4-BA64E4E31DC2}" srcOrd="6" destOrd="0" presId="urn:microsoft.com/office/officeart/2018/2/layout/IconVerticalSolidList"/>
+    <dgm:cxn modelId="{5539F1F6-6ACF-4154-85C0-D487A2341FE1}" type="presParOf" srcId="{F1F84CCF-6BE9-4AE4-92F4-BA64E4E31DC2}" destId="{B78D0ECF-6EE6-4384-9DE9-71EBD9995F24}" srcOrd="0" destOrd="0" presId="urn:microsoft.com/office/officeart/2018/2/layout/IconVerticalSolidList"/>
+    <dgm:cxn modelId="{0C321368-E6FB-48D6-88A6-482C0FD4D48F}" type="presParOf" srcId="{F1F84CCF-6BE9-4AE4-92F4-BA64E4E31DC2}" destId="{5884081B-029B-4524-99BB-EC1FF1714E45}" srcOrd="1" destOrd="0" presId="urn:microsoft.com/office/officeart/2018/2/layout/IconVerticalSolidList"/>
+    <dgm:cxn modelId="{781374B0-31A1-4961-8857-A12ECAA6D0D2}" type="presParOf" srcId="{F1F84CCF-6BE9-4AE4-92F4-BA64E4E31DC2}" destId="{E41A7B81-F2F2-4771-BDE2-1AB9E487ED2B}" srcOrd="2" destOrd="0" presId="urn:microsoft.com/office/officeart/2018/2/layout/IconVerticalSolidList"/>
+    <dgm:cxn modelId="{80D15D70-766E-4242-8439-CF6E4936A4EB}" type="presParOf" srcId="{F1F84CCF-6BE9-4AE4-92F4-BA64E4E31DC2}" destId="{ECE1184B-EDFB-404D-A035-1E8799701904}" srcOrd="3" destOrd="0" presId="urn:microsoft.com/office/officeart/2018/2/layout/IconVerticalSolidList"/>
+  </dgm:cxnLst>
+  <dgm:bg/>
+  <dgm:whole/>
+  <dgm:extLst>
+    <a:ext uri="http://schemas.microsoft.com/office/drawing/2008/diagram">
+      <dsp:dataModelExt xmlns:dsp="http://schemas.microsoft.com/office/drawing/2008/diagram" relId="rId6" minVer="http://schemas.openxmlformats.org/drawingml/2006/diagram"/>
+    </a:ext>
+  </dgm:extLst>
+</dgm:dataModel>
+</file>
+
+<file path=ppt/diagrams/data2.xml><?xml version="1.0" encoding="utf-8"?>
 <dgm:dataModel xmlns:dgm="http://schemas.openxmlformats.org/drawingml/2006/diagram" xmlns:a="http://schemas.openxmlformats.org/drawingml/2006/main">
   <dgm:ptLst>
     <dgm:pt modelId="{5CD13699-5387-4E20-BAFD-3A88A24A4D7A}" type="doc">
@@ -4886,7 +6070,7 @@
 </dgm:dataModel>
 </file>
 
-<file path=ppt/diagrams/data2.xml><?xml version="1.0" encoding="utf-8"?>
+<file path=ppt/diagrams/data3.xml><?xml version="1.0" encoding="utf-8"?>
 <dgm:dataModel xmlns:dgm="http://schemas.openxmlformats.org/drawingml/2006/diagram" xmlns:a="http://schemas.openxmlformats.org/drawingml/2006/main">
   <dgm:ptLst>
     <dgm:pt modelId="{456EC480-1718-4AC9-A5AA-F25349ABB120}" type="doc">
@@ -4913,8 +6097,8 @@
             </a:lnSpc>
           </a:pPr>
           <a:r>
-            <a:rPr lang="en-US"/>
-            <a:t>The motivation for this project is to provide consulting services for a start-up company that operates in the NYC market.</a:t>
+            <a:rPr lang="en-US" dirty="0"/>
+            <a:t>Provide consulting services for a start-up company that operates in the NYC market.</a:t>
           </a:r>
         </a:p>
       </dgm:t>
@@ -4995,7 +6179,7 @@
             </a:lnSpc>
           </a:pPr>
           <a:r>
-            <a:rPr lang="en-US"/>
+            <a:rPr lang="en-US" dirty="0"/>
             <a:t>The aim is to build a machine learning prediction model for STR prices</a:t>
           </a:r>
         </a:p>
@@ -5215,7 +6399,7 @@
 </dgm:dataModel>
 </file>
 
-<file path=ppt/diagrams/data3.xml><?xml version="1.0" encoding="utf-8"?>
+<file path=ppt/diagrams/data4.xml><?xml version="1.0" encoding="utf-8"?>
 <dgm:dataModel xmlns:dgm="http://schemas.openxmlformats.org/drawingml/2006/diagram" xmlns:a="http://schemas.openxmlformats.org/drawingml/2006/main">
   <dgm:ptLst>
     <dgm:pt modelId="{8BF017ED-5F7C-4B4D-94E4-0DB5D82510DB}" type="doc">
@@ -5453,7 +6637,7 @@
 </dgm:dataModel>
 </file>
 
-<file path=ppt/diagrams/data4.xml><?xml version="1.0" encoding="utf-8"?>
+<file path=ppt/diagrams/data5.xml><?xml version="1.0" encoding="utf-8"?>
 <dgm:dataModel xmlns:dgm="http://schemas.openxmlformats.org/drawingml/2006/diagram" xmlns:a="http://schemas.openxmlformats.org/drawingml/2006/main">
   <dgm:ptLst>
     <dgm:pt modelId="{C0CCB91F-4C8C-47EF-9F8B-956EC3A72790}" type="doc">
@@ -5764,7 +6948,7 @@
 </dgm:dataModel>
 </file>
 
-<file path=ppt/diagrams/data5.xml><?xml version="1.0" encoding="utf-8"?>
+<file path=ppt/diagrams/data6.xml><?xml version="1.0" encoding="utf-8"?>
 <dgm:dataModel xmlns:dgm="http://schemas.openxmlformats.org/drawingml/2006/diagram" xmlns:a="http://schemas.openxmlformats.org/drawingml/2006/main">
   <dgm:ptLst>
     <dgm:pt modelId="{12B44CBA-8C2E-4B8C-91B3-5C62E36F39D4}" type="doc">
@@ -6093,7 +7277,7 @@
 </dgm:dataModel>
 </file>
 
-<file path=ppt/diagrams/data6.xml><?xml version="1.0" encoding="utf-8"?>
+<file path=ppt/diagrams/data7.xml><?xml version="1.0" encoding="utf-8"?>
 <dgm:dataModel xmlns:dgm="http://schemas.openxmlformats.org/drawingml/2006/diagram" xmlns:a="http://schemas.openxmlformats.org/drawingml/2006/main">
   <dgm:ptLst>
     <dgm:pt modelId="{68300C8F-16F2-4C4A-ACF6-206DA99A02DE}" type="doc">
@@ -6115,7 +7299,7 @@
         <a:lstStyle/>
         <a:p>
           <a:r>
-            <a:rPr lang="en-US"/>
+            <a:rPr lang="en-US" dirty="0"/>
             <a:t>This project presented a machine learning prediction model for short-term listing prices in New York City using historical Airbnb data</a:t>
           </a:r>
         </a:p>
@@ -6143,7 +7327,7 @@
         </a:p>
       </dgm:t>
     </dgm:pt>
-    <dgm:pt modelId="{EC344F78-C984-4E81-AE85-61ED6D8A5DEC}">
+    <dgm:pt modelId="{454B98C4-4666-4976-BB7C-E1BB647E832D}">
       <dgm:prSet/>
       <dgm:spPr/>
       <dgm:t>
@@ -6151,13 +7335,21 @@
         <a:lstStyle/>
         <a:p>
           <a:r>
-            <a:rPr lang="en-US"/>
-            <a:t>The data was collected, wrangled, and analyzed to explore the distribution and correlation of price with various features such as location, room type, capacity, and availability</a:t>
+            <a:rPr lang="en-US" dirty="0"/>
+            <a:t>Two regression models were applied and tuned: Random Forest and </a:t>
+          </a:r>
+          <a:r>
+            <a:rPr lang="en-US" dirty="0" err="1"/>
+            <a:t>XGboost</a:t>
+          </a:r>
+          <a:r>
+            <a:rPr lang="en-US" dirty="0"/>
+            <a:t>. A new feature was also created using the distance from a popular landmark</a:t>
           </a:r>
         </a:p>
       </dgm:t>
     </dgm:pt>
-    <dgm:pt modelId="{2C216576-F52E-4DDF-AD1B-556C0A862AAC}" type="parTrans" cxnId="{FE2991BE-6F57-43EE-BCC5-69A3E3F8A5C7}">
+    <dgm:pt modelId="{153AC95C-43FB-489C-9DB3-D24F0230E225}" type="sibTrans" cxnId="{5A0573E9-239C-46A2-A383-97269812BF65}">
       <dgm:prSet/>
       <dgm:spPr/>
       <dgm:t>
@@ -6168,43 +7360,7 @@
         </a:p>
       </dgm:t>
     </dgm:pt>
-    <dgm:pt modelId="{28FA4495-A34D-48DF-8614-0F63E7332FFB}" type="sibTrans" cxnId="{FE2991BE-6F57-43EE-BCC5-69A3E3F8A5C7}">
-      <dgm:prSet/>
-      <dgm:spPr/>
-      <dgm:t>
-        <a:bodyPr/>
-        <a:lstStyle/>
-        <a:p>
-          <a:endParaRPr lang="en-US"/>
-        </a:p>
-      </dgm:t>
-    </dgm:pt>
-    <dgm:pt modelId="{454B98C4-4666-4976-BB7C-E1BB647E832D}">
-      <dgm:prSet/>
-      <dgm:spPr/>
-      <dgm:t>
-        <a:bodyPr/>
-        <a:lstStyle/>
-        <a:p>
-          <a:r>
-            <a:rPr lang="en-US"/>
-            <a:t>Two regression models were applied and tuned: Random Forest and XGboost. A new feature was also created using the distance from a popular landmark</a:t>
-          </a:r>
-        </a:p>
-      </dgm:t>
-    </dgm:pt>
     <dgm:pt modelId="{4AA3EBB8-D349-48C4-8DC3-6497B86C3CAE}" type="parTrans" cxnId="{5A0573E9-239C-46A2-A383-97269812BF65}">
-      <dgm:prSet/>
-      <dgm:spPr/>
-      <dgm:t>
-        <a:bodyPr/>
-        <a:lstStyle/>
-        <a:p>
-          <a:endParaRPr lang="en-US"/>
-        </a:p>
-      </dgm:t>
-    </dgm:pt>
-    <dgm:pt modelId="{153AC95C-43FB-489C-9DB3-D24F0230E225}" type="sibTrans" cxnId="{5A0573E9-239C-46A2-A383-97269812BF65}">
       <dgm:prSet/>
       <dgm:spPr/>
       <dgm:t>
@@ -6223,13 +7379,33 @@
         <a:lstStyle/>
         <a:p>
           <a:r>
-            <a:rPr lang="en-US"/>
-            <a:t>The RFR model performed slightly better than the XGboost model in terms of computational efficiency. The most important features for predicting price were guests accommodated, number of bathrooms, and distance from a landmark</a:t>
+            <a:rPr lang="en-US" dirty="0"/>
+            <a:t>The most important features for predicting price were </a:t>
+          </a:r>
+          <a:r>
+            <a:rPr lang="en-US" u="sng" dirty="0"/>
+            <a:t>guests accommodated</a:t>
+          </a:r>
+          <a:r>
+            <a:rPr lang="en-US" dirty="0"/>
+            <a:t>, </a:t>
+          </a:r>
+          <a:r>
+            <a:rPr lang="en-US" u="sng" dirty="0"/>
+            <a:t>number of bathrooms</a:t>
+          </a:r>
+          <a:r>
+            <a:rPr lang="en-US" dirty="0"/>
+            <a:t>, and </a:t>
+          </a:r>
+          <a:r>
+            <a:rPr lang="en-US" u="sng" dirty="0"/>
+            <a:t>proximity to a landmark</a:t>
           </a:r>
         </a:p>
       </dgm:t>
     </dgm:pt>
-    <dgm:pt modelId="{83ED3BD5-CC60-4B20-BC4A-E4125D7456A6}" type="parTrans" cxnId="{E136CBFD-F0D4-4CE2-95BF-60518349FC52}">
+    <dgm:pt modelId="{2C002496-A021-40F1-B843-B183045151C7}" type="sibTrans" cxnId="{E136CBFD-F0D4-4CE2-95BF-60518349FC52}">
       <dgm:prSet/>
       <dgm:spPr/>
       <dgm:t>
@@ -6240,7 +7416,7 @@
         </a:p>
       </dgm:t>
     </dgm:pt>
-    <dgm:pt modelId="{2C002496-A021-40F1-B843-B183045151C7}" type="sibTrans" cxnId="{E136CBFD-F0D4-4CE2-95BF-60518349FC52}">
+    <dgm:pt modelId="{83ED3BD5-CC60-4B20-BC4A-E4125D7456A6}" type="parTrans" cxnId="{E136CBFD-F0D4-4CE2-95BF-60518349FC52}">
       <dgm:prSet/>
       <dgm:spPr/>
       <dgm:t>
@@ -6259,17 +7435,28 @@
         <a:lstStyle/>
         <a:p>
           <a:r>
-            <a:rPr lang="en-US"/>
+            <a:rPr lang="en-US" dirty="0"/>
             <a:t>We discussed any assumptions &amp; limitations </a:t>
           </a:r>
           <a:r>
-            <a:rPr lang="en-US" b="0" i="0"/>
+            <a:rPr lang="en-US" b="0" i="0" dirty="0"/>
             <a:t>that could affect the validity and reliability of the predictions </a:t>
           </a:r>
           <a:r>
-            <a:rPr lang="en-US"/>
-            <a:t>in the project  report.</a:t>
+            <a:rPr lang="en-US" dirty="0"/>
+            <a:t>in the project report..</a:t>
           </a:r>
+        </a:p>
+      </dgm:t>
+    </dgm:pt>
+    <dgm:pt modelId="{0A6D12CA-6BF3-4A02-8485-14BBD3C314D3}" type="sibTrans" cxnId="{D3DD79D0-E155-4C0D-9EAF-DC83E3A464B9}">
+      <dgm:prSet/>
+      <dgm:spPr/>
+      <dgm:t>
+        <a:bodyPr/>
+        <a:lstStyle/>
+        <a:p>
+          <a:endParaRPr lang="en-US"/>
         </a:p>
       </dgm:t>
     </dgm:pt>
@@ -6284,7 +7471,32 @@
         </a:p>
       </dgm:t>
     </dgm:pt>
-    <dgm:pt modelId="{0A6D12CA-6BF3-4A02-8485-14BBD3C314D3}" type="sibTrans" cxnId="{D3DD79D0-E155-4C0D-9EAF-DC83E3A464B9}">
+    <dgm:pt modelId="{EC344F78-C984-4E81-AE85-61ED6D8A5DEC}">
+      <dgm:prSet/>
+      <dgm:spPr/>
+      <dgm:t>
+        <a:bodyPr/>
+        <a:lstStyle/>
+        <a:p>
+          <a:r>
+            <a:rPr lang="en-US" dirty="0"/>
+            <a:t>Data was collected, wrangled, and analyzed to explore the distribution and correlation of price with various features</a:t>
+          </a:r>
+        </a:p>
+      </dgm:t>
+    </dgm:pt>
+    <dgm:pt modelId="{28FA4495-A34D-48DF-8614-0F63E7332FFB}" type="sibTrans" cxnId="{FE2991BE-6F57-43EE-BCC5-69A3E3F8A5C7}">
+      <dgm:prSet/>
+      <dgm:spPr/>
+      <dgm:t>
+        <a:bodyPr/>
+        <a:lstStyle/>
+        <a:p>
+          <a:endParaRPr lang="en-US"/>
+        </a:p>
+      </dgm:t>
+    </dgm:pt>
+    <dgm:pt modelId="{2C216576-F52E-4DDF-AD1B-556C0A862AAC}" type="parTrans" cxnId="{FE2991BE-6F57-43EE-BCC5-69A3E3F8A5C7}">
       <dgm:prSet/>
       <dgm:spPr/>
       <dgm:t>
@@ -6617,6 +7829,662 @@
 </file>
 
 <file path=ppt/diagrams/drawing1.xml><?xml version="1.0" encoding="utf-8"?>
+<dsp:drawing xmlns:dgm="http://schemas.openxmlformats.org/drawingml/2006/diagram" xmlns:dsp="http://schemas.microsoft.com/office/drawing/2008/diagram" xmlns:a="http://schemas.openxmlformats.org/drawingml/2006/main">
+  <dsp:spTree>
+    <dsp:nvGrpSpPr>
+      <dsp:cNvPr id="0" name=""/>
+      <dsp:cNvGrpSpPr/>
+    </dsp:nvGrpSpPr>
+    <dsp:grpSpPr/>
+    <dsp:sp modelId="{E0838991-D5C7-4B42-B98D-BA0B84843760}">
+      <dsp:nvSpPr>
+        <dsp:cNvPr id="0" name=""/>
+        <dsp:cNvSpPr/>
+      </dsp:nvSpPr>
+      <dsp:spPr>
+        <a:xfrm>
+          <a:off x="0" y="1805"/>
+          <a:ext cx="10515600" cy="915310"/>
+        </a:xfrm>
+        <a:prstGeom prst="roundRect">
+          <a:avLst>
+            <a:gd name="adj" fmla="val 10000"/>
+          </a:avLst>
+        </a:prstGeom>
+        <a:solidFill>
+          <a:schemeClr val="accent1">
+            <a:tint val="40000"/>
+            <a:hueOff val="0"/>
+            <a:satOff val="0"/>
+            <a:lumOff val="0"/>
+            <a:alphaOff val="0"/>
+          </a:schemeClr>
+        </a:solidFill>
+        <a:ln>
+          <a:noFill/>
+        </a:ln>
+        <a:effectLst/>
+      </dsp:spPr>
+      <dsp:style>
+        <a:lnRef idx="0">
+          <a:scrgbClr r="0" g="0" b="0"/>
+        </a:lnRef>
+        <a:fillRef idx="1">
+          <a:scrgbClr r="0" g="0" b="0"/>
+        </a:fillRef>
+        <a:effectRef idx="0">
+          <a:scrgbClr r="0" g="0" b="0"/>
+        </a:effectRef>
+        <a:fontRef idx="minor"/>
+      </dsp:style>
+    </dsp:sp>
+    <dsp:sp modelId="{AB29BB85-1BD3-4973-AE69-5F9045F1BD4C}">
+      <dsp:nvSpPr>
+        <dsp:cNvPr id="0" name=""/>
+        <dsp:cNvSpPr/>
+      </dsp:nvSpPr>
+      <dsp:spPr>
+        <a:xfrm>
+          <a:off x="276881" y="207750"/>
+          <a:ext cx="503420" cy="503420"/>
+        </a:xfrm>
+        <a:prstGeom prst="rect">
+          <a:avLst/>
+        </a:prstGeom>
+        <a:blipFill>
+          <a:blip xmlns:r="http://schemas.openxmlformats.org/officeDocument/2006/relationships" r:embed="rId1">
+            <a:extLst>
+              <a:ext uri="{28A0092B-C50C-407E-A947-70E740481C1C}">
+                <a14:useLocalDpi xmlns:a14="http://schemas.microsoft.com/office/drawing/2010/main" val="0"/>
+              </a:ext>
+              <a:ext uri="{96DAC541-7B7A-43D3-8B79-37D633B846F1}">
+                <asvg:svgBlip xmlns:asvg="http://schemas.microsoft.com/office/drawing/2016/SVG/main" r:embed="rId2"/>
+              </a:ext>
+            </a:extLst>
+          </a:blip>
+          <a:stretch>
+            <a:fillRect/>
+          </a:stretch>
+        </a:blipFill>
+        <a:ln w="12700" cap="flat" cmpd="sng" algn="ctr">
+          <a:solidFill>
+            <a:schemeClr val="lt1">
+              <a:hueOff val="0"/>
+              <a:satOff val="0"/>
+              <a:lumOff val="0"/>
+              <a:alphaOff val="0"/>
+            </a:schemeClr>
+          </a:solidFill>
+          <a:prstDash val="solid"/>
+          <a:miter lim="800000"/>
+        </a:ln>
+        <a:effectLst/>
+      </dsp:spPr>
+      <dsp:style>
+        <a:lnRef idx="2">
+          <a:scrgbClr r="0" g="0" b="0"/>
+        </a:lnRef>
+        <a:fillRef idx="1">
+          <a:scrgbClr r="0" g="0" b="0"/>
+        </a:fillRef>
+        <a:effectRef idx="0">
+          <a:scrgbClr r="0" g="0" b="0"/>
+        </a:effectRef>
+        <a:fontRef idx="minor">
+          <a:schemeClr val="lt1"/>
+        </a:fontRef>
+      </dsp:style>
+    </dsp:sp>
+    <dsp:sp modelId="{A58F6879-8C91-40C9-BC12-E43CAA39F3F8}">
+      <dsp:nvSpPr>
+        <dsp:cNvPr id="0" name=""/>
+        <dsp:cNvSpPr/>
+      </dsp:nvSpPr>
+      <dsp:spPr>
+        <a:xfrm>
+          <a:off x="1057183" y="1805"/>
+          <a:ext cx="9458416" cy="915310"/>
+        </a:xfrm>
+        <a:prstGeom prst="rect">
+          <a:avLst/>
+        </a:prstGeom>
+        <a:noFill/>
+        <a:ln>
+          <a:noFill/>
+        </a:ln>
+        <a:effectLst/>
+      </dsp:spPr>
+      <dsp:style>
+        <a:lnRef idx="0">
+          <a:scrgbClr r="0" g="0" b="0"/>
+        </a:lnRef>
+        <a:fillRef idx="0">
+          <a:scrgbClr r="0" g="0" b="0"/>
+        </a:fillRef>
+        <a:effectRef idx="0">
+          <a:scrgbClr r="0" g="0" b="0"/>
+        </a:effectRef>
+        <a:fontRef idx="minor"/>
+      </dsp:style>
+      <dsp:txBody>
+        <a:bodyPr spcFirstLastPara="0" vert="horz" wrap="square" lIns="96870" tIns="96870" rIns="96870" bIns="96870" numCol="1" spcCol="1270" anchor="ctr" anchorCtr="0">
+          <a:noAutofit/>
+        </a:bodyPr>
+        <a:lstStyle/>
+        <a:p>
+          <a:pPr marL="0" lvl="0" indent="0" algn="l" defTabSz="977900">
+            <a:lnSpc>
+              <a:spcPct val="100000"/>
+            </a:lnSpc>
+            <a:spcBef>
+              <a:spcPct val="0"/>
+            </a:spcBef>
+            <a:spcAft>
+              <a:spcPct val="35000"/>
+            </a:spcAft>
+            <a:buNone/>
+          </a:pPr>
+          <a:r>
+            <a:rPr lang="en-US" sz="2200" kern="1200"/>
+            <a:t>Setting the right prices for Short-term rentals is a key factor in maximizing profitability</a:t>
+          </a:r>
+        </a:p>
+      </dsp:txBody>
+      <dsp:txXfrm>
+        <a:off x="1057183" y="1805"/>
+        <a:ext cx="9458416" cy="915310"/>
+      </dsp:txXfrm>
+    </dsp:sp>
+    <dsp:sp modelId="{8CFAA49C-7FD8-4CAD-99F8-3C423E6CD00F}">
+      <dsp:nvSpPr>
+        <dsp:cNvPr id="0" name=""/>
+        <dsp:cNvSpPr/>
+      </dsp:nvSpPr>
+      <dsp:spPr>
+        <a:xfrm>
+          <a:off x="0" y="1145944"/>
+          <a:ext cx="10515600" cy="915310"/>
+        </a:xfrm>
+        <a:prstGeom prst="roundRect">
+          <a:avLst>
+            <a:gd name="adj" fmla="val 10000"/>
+          </a:avLst>
+        </a:prstGeom>
+        <a:solidFill>
+          <a:schemeClr val="accent1">
+            <a:tint val="40000"/>
+            <a:hueOff val="0"/>
+            <a:satOff val="0"/>
+            <a:lumOff val="0"/>
+            <a:alphaOff val="0"/>
+          </a:schemeClr>
+        </a:solidFill>
+        <a:ln>
+          <a:noFill/>
+        </a:ln>
+        <a:effectLst/>
+      </dsp:spPr>
+      <dsp:style>
+        <a:lnRef idx="0">
+          <a:scrgbClr r="0" g="0" b="0"/>
+        </a:lnRef>
+        <a:fillRef idx="1">
+          <a:scrgbClr r="0" g="0" b="0"/>
+        </a:fillRef>
+        <a:effectRef idx="0">
+          <a:scrgbClr r="0" g="0" b="0"/>
+        </a:effectRef>
+        <a:fontRef idx="minor"/>
+      </dsp:style>
+    </dsp:sp>
+    <dsp:sp modelId="{37B2C77D-9057-4541-8F6A-8DFC4C930AB3}">
+      <dsp:nvSpPr>
+        <dsp:cNvPr id="0" name=""/>
+        <dsp:cNvSpPr/>
+      </dsp:nvSpPr>
+      <dsp:spPr>
+        <a:xfrm>
+          <a:off x="276881" y="1351889"/>
+          <a:ext cx="503420" cy="503420"/>
+        </a:xfrm>
+        <a:prstGeom prst="rect">
+          <a:avLst/>
+        </a:prstGeom>
+        <a:blipFill>
+          <a:blip xmlns:r="http://schemas.openxmlformats.org/officeDocument/2006/relationships" r:embed="rId3">
+            <a:extLst>
+              <a:ext uri="{28A0092B-C50C-407E-A947-70E740481C1C}">
+                <a14:useLocalDpi xmlns:a14="http://schemas.microsoft.com/office/drawing/2010/main" val="0"/>
+              </a:ext>
+              <a:ext uri="{96DAC541-7B7A-43D3-8B79-37D633B846F1}">
+                <asvg:svgBlip xmlns:asvg="http://schemas.microsoft.com/office/drawing/2016/SVG/main" r:embed="rId4"/>
+              </a:ext>
+            </a:extLst>
+          </a:blip>
+          <a:stretch>
+            <a:fillRect/>
+          </a:stretch>
+        </a:blipFill>
+        <a:ln w="12700" cap="flat" cmpd="sng" algn="ctr">
+          <a:solidFill>
+            <a:schemeClr val="lt1">
+              <a:hueOff val="0"/>
+              <a:satOff val="0"/>
+              <a:lumOff val="0"/>
+              <a:alphaOff val="0"/>
+            </a:schemeClr>
+          </a:solidFill>
+          <a:prstDash val="solid"/>
+          <a:miter lim="800000"/>
+        </a:ln>
+        <a:effectLst/>
+      </dsp:spPr>
+      <dsp:style>
+        <a:lnRef idx="2">
+          <a:scrgbClr r="0" g="0" b="0"/>
+        </a:lnRef>
+        <a:fillRef idx="1">
+          <a:scrgbClr r="0" g="0" b="0"/>
+        </a:fillRef>
+        <a:effectRef idx="0">
+          <a:scrgbClr r="0" g="0" b="0"/>
+        </a:effectRef>
+        <a:fontRef idx="minor">
+          <a:schemeClr val="lt1"/>
+        </a:fontRef>
+      </dsp:style>
+    </dsp:sp>
+    <dsp:sp modelId="{D66EFE95-E472-4A8E-8C0C-C8E8BDCEF246}">
+      <dsp:nvSpPr>
+        <dsp:cNvPr id="0" name=""/>
+        <dsp:cNvSpPr/>
+      </dsp:nvSpPr>
+      <dsp:spPr>
+        <a:xfrm>
+          <a:off x="1057183" y="1145944"/>
+          <a:ext cx="9458416" cy="915310"/>
+        </a:xfrm>
+        <a:prstGeom prst="rect">
+          <a:avLst/>
+        </a:prstGeom>
+        <a:noFill/>
+        <a:ln>
+          <a:noFill/>
+        </a:ln>
+        <a:effectLst/>
+      </dsp:spPr>
+      <dsp:style>
+        <a:lnRef idx="0">
+          <a:scrgbClr r="0" g="0" b="0"/>
+        </a:lnRef>
+        <a:fillRef idx="0">
+          <a:scrgbClr r="0" g="0" b="0"/>
+        </a:fillRef>
+        <a:effectRef idx="0">
+          <a:scrgbClr r="0" g="0" b="0"/>
+        </a:effectRef>
+        <a:fontRef idx="minor"/>
+      </dsp:style>
+      <dsp:txBody>
+        <a:bodyPr spcFirstLastPara="0" vert="horz" wrap="square" lIns="96870" tIns="96870" rIns="96870" bIns="96870" numCol="1" spcCol="1270" anchor="ctr" anchorCtr="0">
+          <a:noAutofit/>
+        </a:bodyPr>
+        <a:lstStyle/>
+        <a:p>
+          <a:pPr marL="0" lvl="0" indent="0" algn="l" defTabSz="977900">
+            <a:lnSpc>
+              <a:spcPct val="100000"/>
+            </a:lnSpc>
+            <a:spcBef>
+              <a:spcPct val="0"/>
+            </a:spcBef>
+            <a:spcAft>
+              <a:spcPct val="35000"/>
+            </a:spcAft>
+            <a:buNone/>
+          </a:pPr>
+          <a:r>
+            <a:rPr lang="en-US" sz="2200" kern="1200"/>
+            <a:t>This process can pose a challenge for new units entering the market with no pricing history to rely on. </a:t>
+          </a:r>
+        </a:p>
+      </dsp:txBody>
+      <dsp:txXfrm>
+        <a:off x="1057183" y="1145944"/>
+        <a:ext cx="9458416" cy="915310"/>
+      </dsp:txXfrm>
+    </dsp:sp>
+    <dsp:sp modelId="{F3043B15-7D58-45C4-AC62-52B0F23F9EFB}">
+      <dsp:nvSpPr>
+        <dsp:cNvPr id="0" name=""/>
+        <dsp:cNvSpPr/>
+      </dsp:nvSpPr>
+      <dsp:spPr>
+        <a:xfrm>
+          <a:off x="0" y="2290082"/>
+          <a:ext cx="10515600" cy="915310"/>
+        </a:xfrm>
+        <a:prstGeom prst="roundRect">
+          <a:avLst>
+            <a:gd name="adj" fmla="val 10000"/>
+          </a:avLst>
+        </a:prstGeom>
+        <a:solidFill>
+          <a:schemeClr val="accent1">
+            <a:tint val="40000"/>
+            <a:hueOff val="0"/>
+            <a:satOff val="0"/>
+            <a:lumOff val="0"/>
+            <a:alphaOff val="0"/>
+          </a:schemeClr>
+        </a:solidFill>
+        <a:ln>
+          <a:noFill/>
+        </a:ln>
+        <a:effectLst/>
+      </dsp:spPr>
+      <dsp:style>
+        <a:lnRef idx="0">
+          <a:scrgbClr r="0" g="0" b="0"/>
+        </a:lnRef>
+        <a:fillRef idx="1">
+          <a:scrgbClr r="0" g="0" b="0"/>
+        </a:fillRef>
+        <a:effectRef idx="0">
+          <a:scrgbClr r="0" g="0" b="0"/>
+        </a:effectRef>
+        <a:fontRef idx="minor"/>
+      </dsp:style>
+    </dsp:sp>
+    <dsp:sp modelId="{6BD84C62-702D-4CBC-814F-4E4B657A3D4F}">
+      <dsp:nvSpPr>
+        <dsp:cNvPr id="0" name=""/>
+        <dsp:cNvSpPr/>
+      </dsp:nvSpPr>
+      <dsp:spPr>
+        <a:xfrm>
+          <a:off x="276881" y="2496027"/>
+          <a:ext cx="503420" cy="503420"/>
+        </a:xfrm>
+        <a:prstGeom prst="rect">
+          <a:avLst/>
+        </a:prstGeom>
+        <a:blipFill>
+          <a:blip xmlns:r="http://schemas.openxmlformats.org/officeDocument/2006/relationships" r:embed="rId5">
+            <a:extLst>
+              <a:ext uri="{28A0092B-C50C-407E-A947-70E740481C1C}">
+                <a14:useLocalDpi xmlns:a14="http://schemas.microsoft.com/office/drawing/2010/main" val="0"/>
+              </a:ext>
+              <a:ext uri="{96DAC541-7B7A-43D3-8B79-37D633B846F1}">
+                <asvg:svgBlip xmlns:asvg="http://schemas.microsoft.com/office/drawing/2016/SVG/main" r:embed="rId6"/>
+              </a:ext>
+            </a:extLst>
+          </a:blip>
+          <a:stretch>
+            <a:fillRect/>
+          </a:stretch>
+        </a:blipFill>
+        <a:ln w="12700" cap="flat" cmpd="sng" algn="ctr">
+          <a:solidFill>
+            <a:schemeClr val="lt1">
+              <a:hueOff val="0"/>
+              <a:satOff val="0"/>
+              <a:lumOff val="0"/>
+              <a:alphaOff val="0"/>
+            </a:schemeClr>
+          </a:solidFill>
+          <a:prstDash val="solid"/>
+          <a:miter lim="800000"/>
+        </a:ln>
+        <a:effectLst/>
+      </dsp:spPr>
+      <dsp:style>
+        <a:lnRef idx="2">
+          <a:scrgbClr r="0" g="0" b="0"/>
+        </a:lnRef>
+        <a:fillRef idx="1">
+          <a:scrgbClr r="0" g="0" b="0"/>
+        </a:fillRef>
+        <a:effectRef idx="0">
+          <a:scrgbClr r="0" g="0" b="0"/>
+        </a:effectRef>
+        <a:fontRef idx="minor">
+          <a:schemeClr val="lt1"/>
+        </a:fontRef>
+      </dsp:style>
+    </dsp:sp>
+    <dsp:sp modelId="{6B849A3E-C929-47B1-B4E9-6BA8CB921961}">
+      <dsp:nvSpPr>
+        <dsp:cNvPr id="0" name=""/>
+        <dsp:cNvSpPr/>
+      </dsp:nvSpPr>
+      <dsp:spPr>
+        <a:xfrm>
+          <a:off x="1057183" y="2290082"/>
+          <a:ext cx="9458416" cy="915310"/>
+        </a:xfrm>
+        <a:prstGeom prst="rect">
+          <a:avLst/>
+        </a:prstGeom>
+        <a:noFill/>
+        <a:ln>
+          <a:noFill/>
+        </a:ln>
+        <a:effectLst/>
+      </dsp:spPr>
+      <dsp:style>
+        <a:lnRef idx="0">
+          <a:scrgbClr r="0" g="0" b="0"/>
+        </a:lnRef>
+        <a:fillRef idx="0">
+          <a:scrgbClr r="0" g="0" b="0"/>
+        </a:fillRef>
+        <a:effectRef idx="0">
+          <a:scrgbClr r="0" g="0" b="0"/>
+        </a:effectRef>
+        <a:fontRef idx="minor"/>
+      </dsp:style>
+      <dsp:txBody>
+        <a:bodyPr spcFirstLastPara="0" vert="horz" wrap="square" lIns="96870" tIns="96870" rIns="96870" bIns="96870" numCol="1" spcCol="1270" anchor="ctr" anchorCtr="0">
+          <a:noAutofit/>
+        </a:bodyPr>
+        <a:lstStyle/>
+        <a:p>
+          <a:pPr marL="0" lvl="0" indent="0" algn="l" defTabSz="977900">
+            <a:lnSpc>
+              <a:spcPct val="100000"/>
+            </a:lnSpc>
+            <a:spcBef>
+              <a:spcPct val="0"/>
+            </a:spcBef>
+            <a:spcAft>
+              <a:spcPct val="35000"/>
+            </a:spcAft>
+            <a:buNone/>
+          </a:pPr>
+          <a:r>
+            <a:rPr lang="en-US" sz="2200" kern="1200"/>
+            <a:t>Our machine learning approach utilizes the attributes of the unit itself to set an accurate price before the rental is placed on the market.</a:t>
+          </a:r>
+        </a:p>
+      </dsp:txBody>
+      <dsp:txXfrm>
+        <a:off x="1057183" y="2290082"/>
+        <a:ext cx="9458416" cy="915310"/>
+      </dsp:txXfrm>
+    </dsp:sp>
+    <dsp:sp modelId="{B78D0ECF-6EE6-4384-9DE9-71EBD9995F24}">
+      <dsp:nvSpPr>
+        <dsp:cNvPr id="0" name=""/>
+        <dsp:cNvSpPr/>
+      </dsp:nvSpPr>
+      <dsp:spPr>
+        <a:xfrm>
+          <a:off x="0" y="3434221"/>
+          <a:ext cx="10515600" cy="915310"/>
+        </a:xfrm>
+        <a:prstGeom prst="roundRect">
+          <a:avLst>
+            <a:gd name="adj" fmla="val 10000"/>
+          </a:avLst>
+        </a:prstGeom>
+        <a:solidFill>
+          <a:schemeClr val="accent1">
+            <a:tint val="40000"/>
+            <a:hueOff val="0"/>
+            <a:satOff val="0"/>
+            <a:lumOff val="0"/>
+            <a:alphaOff val="0"/>
+          </a:schemeClr>
+        </a:solidFill>
+        <a:ln>
+          <a:noFill/>
+        </a:ln>
+        <a:effectLst/>
+      </dsp:spPr>
+      <dsp:style>
+        <a:lnRef idx="0">
+          <a:scrgbClr r="0" g="0" b="0"/>
+        </a:lnRef>
+        <a:fillRef idx="1">
+          <a:scrgbClr r="0" g="0" b="0"/>
+        </a:fillRef>
+        <a:effectRef idx="0">
+          <a:scrgbClr r="0" g="0" b="0"/>
+        </a:effectRef>
+        <a:fontRef idx="minor"/>
+      </dsp:style>
+    </dsp:sp>
+    <dsp:sp modelId="{5884081B-029B-4524-99BB-EC1FF1714E45}">
+      <dsp:nvSpPr>
+        <dsp:cNvPr id="0" name=""/>
+        <dsp:cNvSpPr/>
+      </dsp:nvSpPr>
+      <dsp:spPr>
+        <a:xfrm>
+          <a:off x="276881" y="3640166"/>
+          <a:ext cx="503420" cy="503420"/>
+        </a:xfrm>
+        <a:prstGeom prst="rect">
+          <a:avLst/>
+        </a:prstGeom>
+        <a:blipFill>
+          <a:blip xmlns:r="http://schemas.openxmlformats.org/officeDocument/2006/relationships" r:embed="rId7">
+            <a:extLst>
+              <a:ext uri="{28A0092B-C50C-407E-A947-70E740481C1C}">
+                <a14:useLocalDpi xmlns:a14="http://schemas.microsoft.com/office/drawing/2010/main" val="0"/>
+              </a:ext>
+              <a:ext uri="{96DAC541-7B7A-43D3-8B79-37D633B846F1}">
+                <asvg:svgBlip xmlns:asvg="http://schemas.microsoft.com/office/drawing/2016/SVG/main" r:embed="rId8"/>
+              </a:ext>
+            </a:extLst>
+          </a:blip>
+          <a:stretch>
+            <a:fillRect/>
+          </a:stretch>
+        </a:blipFill>
+        <a:ln w="12700" cap="flat" cmpd="sng" algn="ctr">
+          <a:solidFill>
+            <a:schemeClr val="lt1">
+              <a:hueOff val="0"/>
+              <a:satOff val="0"/>
+              <a:lumOff val="0"/>
+              <a:alphaOff val="0"/>
+            </a:schemeClr>
+          </a:solidFill>
+          <a:prstDash val="solid"/>
+          <a:miter lim="800000"/>
+        </a:ln>
+        <a:effectLst/>
+      </dsp:spPr>
+      <dsp:style>
+        <a:lnRef idx="2">
+          <a:scrgbClr r="0" g="0" b="0"/>
+        </a:lnRef>
+        <a:fillRef idx="1">
+          <a:scrgbClr r="0" g="0" b="0"/>
+        </a:fillRef>
+        <a:effectRef idx="0">
+          <a:scrgbClr r="0" g="0" b="0"/>
+        </a:effectRef>
+        <a:fontRef idx="minor">
+          <a:schemeClr val="lt1"/>
+        </a:fontRef>
+      </dsp:style>
+    </dsp:sp>
+    <dsp:sp modelId="{ECE1184B-EDFB-404D-A035-1E8799701904}">
+      <dsp:nvSpPr>
+        <dsp:cNvPr id="0" name=""/>
+        <dsp:cNvSpPr/>
+      </dsp:nvSpPr>
+      <dsp:spPr>
+        <a:xfrm>
+          <a:off x="1057183" y="3434221"/>
+          <a:ext cx="9458416" cy="915310"/>
+        </a:xfrm>
+        <a:prstGeom prst="rect">
+          <a:avLst/>
+        </a:prstGeom>
+        <a:noFill/>
+        <a:ln>
+          <a:noFill/>
+        </a:ln>
+        <a:effectLst/>
+      </dsp:spPr>
+      <dsp:style>
+        <a:lnRef idx="0">
+          <a:scrgbClr r="0" g="0" b="0"/>
+        </a:lnRef>
+        <a:fillRef idx="0">
+          <a:scrgbClr r="0" g="0" b="0"/>
+        </a:fillRef>
+        <a:effectRef idx="0">
+          <a:scrgbClr r="0" g="0" b="0"/>
+        </a:effectRef>
+        <a:fontRef idx="minor"/>
+      </dsp:style>
+      <dsp:txBody>
+        <a:bodyPr spcFirstLastPara="0" vert="horz" wrap="square" lIns="96870" tIns="96870" rIns="96870" bIns="96870" numCol="1" spcCol="1270" anchor="ctr" anchorCtr="0">
+          <a:noAutofit/>
+        </a:bodyPr>
+        <a:lstStyle/>
+        <a:p>
+          <a:pPr marL="0" lvl="0" indent="0" algn="l" defTabSz="977900">
+            <a:lnSpc>
+              <a:spcPct val="100000"/>
+            </a:lnSpc>
+            <a:spcBef>
+              <a:spcPct val="0"/>
+            </a:spcBef>
+            <a:spcAft>
+              <a:spcPct val="35000"/>
+            </a:spcAft>
+            <a:buNone/>
+          </a:pPr>
+          <a:r>
+            <a:rPr lang="en-US" sz="2200" kern="1200" dirty="0"/>
+            <a:t>This resulted in a </a:t>
+          </a:r>
+          <a:r>
+            <a:rPr lang="en-US" sz="2200" b="1" kern="1200" dirty="0"/>
+            <a:t>1.4% increase</a:t>
+          </a:r>
+          <a:r>
+            <a:rPr lang="en-US" sz="2200" kern="1200" dirty="0"/>
+            <a:t> in revenue over and above a naive model doing the same job.</a:t>
+          </a:r>
+        </a:p>
+      </dsp:txBody>
+      <dsp:txXfrm>
+        <a:off x="1057183" y="3434221"/>
+        <a:ext cx="9458416" cy="915310"/>
+      </dsp:txXfrm>
+    </dsp:sp>
+  </dsp:spTree>
+</dsp:drawing>
+</file>
+
+<file path=ppt/diagrams/drawing2.xml><?xml version="1.0" encoding="utf-8"?>
 <dsp:drawing xmlns:dgm="http://schemas.openxmlformats.org/drawingml/2006/diagram" xmlns:dsp="http://schemas.microsoft.com/office/drawing/2008/diagram" xmlns:a="http://schemas.openxmlformats.org/drawingml/2006/main">
   <dsp:spTree>
     <dsp:nvGrpSpPr>
@@ -6958,7 +8826,7 @@
 </dsp:drawing>
 </file>
 
-<file path=ppt/diagrams/drawing2.xml><?xml version="1.0" encoding="utf-8"?>
+<file path=ppt/diagrams/drawing3.xml><?xml version="1.0" encoding="utf-8"?>
 <dsp:drawing xmlns:dgm="http://schemas.openxmlformats.org/drawingml/2006/diagram" xmlns:dsp="http://schemas.microsoft.com/office/drawing/2008/diagram" xmlns:a="http://schemas.openxmlformats.org/drawingml/2006/main">
   <dsp:spTree>
     <dsp:nvGrpSpPr>
@@ -7115,8 +8983,8 @@
             <a:buNone/>
           </a:pPr>
           <a:r>
-            <a:rPr lang="en-US" sz="2500" kern="1200"/>
-            <a:t>The motivation for this project is to provide consulting services for a start-up company that operates in the NYC market.</a:t>
+            <a:rPr lang="en-US" sz="2500" kern="1200" dirty="0"/>
+            <a:t>Provide consulting services for a start-up company that operates in the NYC market.</a:t>
           </a:r>
         </a:p>
       </dsp:txBody>
@@ -7433,7 +9301,7 @@
             <a:buNone/>
           </a:pPr>
           <a:r>
-            <a:rPr lang="en-US" sz="2500" kern="1200"/>
+            <a:rPr lang="en-US" sz="2500" kern="1200" dirty="0"/>
             <a:t>The aim is to build a machine learning prediction model for STR prices</a:t>
           </a:r>
         </a:p>
@@ -7447,7 +9315,7 @@
 </dsp:drawing>
 </file>
 
-<file path=ppt/diagrams/drawing3.xml><?xml version="1.0" encoding="utf-8"?>
+<file path=ppt/diagrams/drawing4.xml><?xml version="1.0" encoding="utf-8"?>
 <dsp:drawing xmlns:dgm="http://schemas.openxmlformats.org/drawingml/2006/diagram" xmlns:dsp="http://schemas.microsoft.com/office/drawing/2008/diagram" xmlns:a="http://schemas.openxmlformats.org/drawingml/2006/main">
   <dsp:spTree>
     <dsp:nvGrpSpPr>
@@ -7885,7 +9753,7 @@
 </dsp:drawing>
 </file>
 
-<file path=ppt/diagrams/drawing4.xml><?xml version="1.0" encoding="utf-8"?>
+<file path=ppt/diagrams/drawing5.xml><?xml version="1.0" encoding="utf-8"?>
 <dsp:drawing xmlns:dgm="http://schemas.openxmlformats.org/drawingml/2006/diagram" xmlns:dsp="http://schemas.microsoft.com/office/drawing/2008/diagram" xmlns:a="http://schemas.openxmlformats.org/drawingml/2006/main">
   <dsp:spTree>
     <dsp:nvGrpSpPr>
@@ -8341,7 +10209,7 @@
 </dsp:drawing>
 </file>
 
-<file path=ppt/diagrams/drawing5.xml><?xml version="1.0" encoding="utf-8"?>
+<file path=ppt/diagrams/drawing6.xml><?xml version="1.0" encoding="utf-8"?>
 <dsp:drawing xmlns:dgm="http://schemas.openxmlformats.org/drawingml/2006/diagram" xmlns:dsp="http://schemas.microsoft.com/office/drawing/2008/diagram" xmlns:a="http://schemas.openxmlformats.org/drawingml/2006/main">
   <dsp:spTree>
     <dsp:nvGrpSpPr>
@@ -8830,7 +10698,7 @@
 </dsp:drawing>
 </file>
 
-<file path=ppt/diagrams/drawing6.xml><?xml version="1.0" encoding="utf-8"?>
+<file path=ppt/diagrams/drawing7.xml><?xml version="1.0" encoding="utf-8"?>
 <dsp:drawing xmlns:dgm="http://schemas.openxmlformats.org/drawingml/2006/diagram" xmlns:dsp="http://schemas.microsoft.com/office/drawing/2008/diagram" xmlns:a="http://schemas.openxmlformats.org/drawingml/2006/main">
   <dsp:spTree>
     <dsp:nvGrpSpPr>
@@ -8967,7 +10835,7 @@
         </a:bodyPr>
         <a:lstStyle/>
         <a:p>
-          <a:pPr marL="0" lvl="0" indent="0" algn="l" defTabSz="666750">
+          <a:pPr marL="0" lvl="0" indent="0" algn="l" defTabSz="844550">
             <a:lnSpc>
               <a:spcPct val="90000"/>
             </a:lnSpc>
@@ -8980,7 +10848,7 @@
             <a:buNone/>
           </a:pPr>
           <a:r>
-            <a:rPr lang="en-US" sz="1500" kern="1200"/>
+            <a:rPr lang="en-US" sz="1900" kern="1200" dirty="0"/>
             <a:t>This project presented a machine learning prediction model for short-term listing prices in New York City using historical Airbnb data</a:t>
           </a:r>
         </a:p>
@@ -9119,7 +10987,7 @@
         </a:bodyPr>
         <a:lstStyle/>
         <a:p>
-          <a:pPr marL="0" lvl="0" indent="0" algn="l" defTabSz="666750">
+          <a:pPr marL="0" lvl="0" indent="0" algn="l" defTabSz="844550">
             <a:lnSpc>
               <a:spcPct val="90000"/>
             </a:lnSpc>
@@ -9132,8 +11000,8 @@
             <a:buNone/>
           </a:pPr>
           <a:r>
-            <a:rPr lang="en-US" sz="1500" kern="1200"/>
-            <a:t>The data was collected, wrangled, and analyzed to explore the distribution and correlation of price with various features such as location, room type, capacity, and availability</a:t>
+            <a:rPr lang="en-US" sz="1900" kern="1200" dirty="0"/>
+            <a:t>Data was collected, wrangled, and analyzed to explore the distribution and correlation of price with various features</a:t>
           </a:r>
         </a:p>
       </dsp:txBody>
@@ -9269,7 +11137,7 @@
         </a:bodyPr>
         <a:lstStyle/>
         <a:p>
-          <a:pPr marL="0" lvl="0" indent="0" algn="l" defTabSz="666750">
+          <a:pPr marL="0" lvl="0" indent="0" algn="l" defTabSz="844550">
             <a:lnSpc>
               <a:spcPct val="90000"/>
             </a:lnSpc>
@@ -9282,8 +11150,16 @@
             <a:buNone/>
           </a:pPr>
           <a:r>
-            <a:rPr lang="en-US" sz="1500" kern="1200"/>
-            <a:t>Two regression models were applied and tuned: Random Forest and XGboost. A new feature was also created using the distance from a popular landmark</a:t>
+            <a:rPr lang="en-US" sz="1900" kern="1200" dirty="0"/>
+            <a:t>Two regression models were applied and tuned: Random Forest and </a:t>
+          </a:r>
+          <a:r>
+            <a:rPr lang="en-US" sz="1900" kern="1200" dirty="0" err="1"/>
+            <a:t>XGboost</a:t>
+          </a:r>
+          <a:r>
+            <a:rPr lang="en-US" sz="1900" kern="1200" dirty="0"/>
+            <a:t>. A new feature was also created using the distance from a popular landmark</a:t>
           </a:r>
         </a:p>
       </dsp:txBody>
@@ -9421,7 +11297,7 @@
         </a:bodyPr>
         <a:lstStyle/>
         <a:p>
-          <a:pPr marL="0" lvl="0" indent="0" algn="l" defTabSz="666750">
+          <a:pPr marL="0" lvl="0" indent="0" algn="l" defTabSz="844550">
             <a:lnSpc>
               <a:spcPct val="90000"/>
             </a:lnSpc>
@@ -9434,8 +11310,28 @@
             <a:buNone/>
           </a:pPr>
           <a:r>
-            <a:rPr lang="en-US" sz="1500" kern="1200"/>
-            <a:t>The RFR model performed slightly better than the XGboost model in terms of computational efficiency. The most important features for predicting price were guests accommodated, number of bathrooms, and distance from a landmark</a:t>
+            <a:rPr lang="en-US" sz="1900" kern="1200" dirty="0"/>
+            <a:t>The most important features for predicting price were </a:t>
+          </a:r>
+          <a:r>
+            <a:rPr lang="en-US" sz="1900" u="sng" kern="1200" dirty="0"/>
+            <a:t>guests accommodated</a:t>
+          </a:r>
+          <a:r>
+            <a:rPr lang="en-US" sz="1900" kern="1200" dirty="0"/>
+            <a:t>, </a:t>
+          </a:r>
+          <a:r>
+            <a:rPr lang="en-US" sz="1900" u="sng" kern="1200" dirty="0"/>
+            <a:t>number of bathrooms</a:t>
+          </a:r>
+          <a:r>
+            <a:rPr lang="en-US" sz="1900" kern="1200" dirty="0"/>
+            <a:t>, and </a:t>
+          </a:r>
+          <a:r>
+            <a:rPr lang="en-US" sz="1900" u="sng" kern="1200" dirty="0"/>
+            <a:t>proximity to a landmark</a:t>
           </a:r>
         </a:p>
       </dsp:txBody>
@@ -9573,7 +11469,7 @@
         </a:bodyPr>
         <a:lstStyle/>
         <a:p>
-          <a:pPr marL="0" lvl="0" indent="0" algn="l" defTabSz="666750">
+          <a:pPr marL="0" lvl="0" indent="0" algn="l" defTabSz="844550">
             <a:lnSpc>
               <a:spcPct val="90000"/>
             </a:lnSpc>
@@ -9586,16 +11482,16 @@
             <a:buNone/>
           </a:pPr>
           <a:r>
-            <a:rPr lang="en-US" sz="1500" kern="1200"/>
+            <a:rPr lang="en-US" sz="1900" kern="1200" dirty="0"/>
             <a:t>We discussed any assumptions &amp; limitations </a:t>
           </a:r>
           <a:r>
-            <a:rPr lang="en-US" sz="1500" b="0" i="0" kern="1200"/>
+            <a:rPr lang="en-US" sz="1900" b="0" i="0" kern="1200" dirty="0"/>
             <a:t>that could affect the validity and reliability of the predictions </a:t>
           </a:r>
           <a:r>
-            <a:rPr lang="en-US" sz="1500" kern="1200"/>
-            <a:t>in the project  report.</a:t>
+            <a:rPr lang="en-US" sz="1900" kern="1200" dirty="0"/>
+            <a:t>in the project report..</a:t>
           </a:r>
         </a:p>
       </dsp:txBody>
@@ -9609,6 +11505,300 @@
 </file>
 
 <file path=ppt/diagrams/layout1.xml><?xml version="1.0" encoding="utf-8"?>
+<dgm:layoutDef xmlns:dgm="http://schemas.openxmlformats.org/drawingml/2006/diagram" xmlns:a="http://schemas.openxmlformats.org/drawingml/2006/main" uniqueId="urn:microsoft.com/office/officeart/2018/2/layout/IconVerticalSolidList">
+  <dgm:title val="Icon Vertical Solid List"/>
+  <dgm:desc val="Use to show a series of visuals from top to bottom with Level 1 or Level 1 and Level 2 text grouped in a shape. Works best with icons or small pictures with lengthier descriptions."/>
+  <dgm:catLst>
+    <dgm:cat type="icon" pri="500"/>
+  </dgm:catLst>
+  <dgm:sampData useDef="1">
+    <dgm:dataModel>
+      <dgm:ptLst/>
+      <dgm:bg/>
+      <dgm:whole/>
+    </dgm:dataModel>
+  </dgm:sampData>
+  <dgm:styleData useDef="1">
+    <dgm:dataModel>
+      <dgm:ptLst/>
+      <dgm:bg/>
+      <dgm:whole/>
+    </dgm:dataModel>
+  </dgm:styleData>
+  <dgm:clrData useDef="1">
+    <dgm:dataModel>
+      <dgm:ptLst/>
+      <dgm:bg/>
+      <dgm:whole/>
+    </dgm:dataModel>
+  </dgm:clrData>
+  <dgm:layoutNode name="root">
+    <dgm:varLst>
+      <dgm:dir/>
+      <dgm:resizeHandles val="exact"/>
+    </dgm:varLst>
+    <dgm:choose name="Name0">
+      <dgm:if name="Name1" axis="self" func="var" arg="dir" op="equ" val="norm">
+        <dgm:alg type="lin">
+          <dgm:param type="linDir" val="fromT"/>
+          <dgm:param type="nodeHorzAlign" val="l"/>
+        </dgm:alg>
+      </dgm:if>
+      <dgm:else name="Name2">
+        <dgm:alg type="lin">
+          <dgm:param type="linDir" val="fromT"/>
+          <dgm:param type="nodeHorzAlign" val="r"/>
+        </dgm:alg>
+      </dgm:else>
+    </dgm:choose>
+    <dgm:shape xmlns:r="http://schemas.openxmlformats.org/officeDocument/2006/relationships" r:blip="">
+      <dgm:adjLst/>
+    </dgm:shape>
+    <dgm:presOf/>
+    <dgm:choose name="Name3">
+      <dgm:if name="Name4" axis="ch" ptType="node" func="cnt" op="lte" val="3">
+        <dgm:constrLst>
+          <dgm:constr type="h" for="ch" forName="compNode" refType="h" fact="0.3"/>
+          <dgm:constr type="w" for="ch" forName="compNode" refType="w"/>
+          <dgm:constr type="h" for="ch" forName="sibTrans" refType="h" refFor="ch" refForName="compNode" fact="0.25"/>
+          <dgm:constr type="primFontSz" for="des" forName="parTx" val="25"/>
+          <dgm:constr type="primFontSz" for="des" forName="desTx" refType="primFontSz" refFor="des" refForName="parTx" op="lte" fact="0.75"/>
+          <dgm:constr type="h" for="des" forName="compNode" op="equ"/>
+          <dgm:constr type="h" for="des" forName="bgRect" op="equ"/>
+          <dgm:constr type="h" for="des" forName="iconRect" op="equ"/>
+          <dgm:constr type="w" for="des" forName="iconRect" op="equ"/>
+          <dgm:constr type="h" for="des" forName="spaceRect" op="equ"/>
+          <dgm:constr type="h" for="des" forName="parTx" op="equ"/>
+          <dgm:constr type="h" for="des" forName="desTx" op="equ"/>
+        </dgm:constrLst>
+      </dgm:if>
+      <dgm:if name="Name5" axis="ch" ptType="node" func="cnt" op="lte" val="4">
+        <dgm:constrLst>
+          <dgm:constr type="h" for="ch" forName="compNode" refType="h" fact="0.3"/>
+          <dgm:constr type="w" for="ch" forName="compNode" refType="w"/>
+          <dgm:constr type="h" for="ch" forName="sibTrans" refType="h" refFor="ch" refForName="compNode" fact="0.25"/>
+          <dgm:constr type="primFontSz" for="des" forName="parTx" val="22"/>
+          <dgm:constr type="primFontSz" for="des" forName="desTx" refType="primFontSz" refFor="des" refForName="parTx" op="lte" fact="0.75"/>
+          <dgm:constr type="h" for="des" forName="compNode" op="equ"/>
+          <dgm:constr type="h" for="des" forName="bgRect" op="equ"/>
+          <dgm:constr type="h" for="des" forName="iconRect" op="equ"/>
+          <dgm:constr type="w" for="des" forName="iconRect" op="equ"/>
+          <dgm:constr type="h" for="des" forName="spaceRect" op="equ"/>
+          <dgm:constr type="h" for="des" forName="parTx" op="equ"/>
+          <dgm:constr type="h" for="des" forName="desTx" op="equ"/>
+        </dgm:constrLst>
+      </dgm:if>
+      <dgm:if name="Name6" axis="ch" ptType="node" func="cnt" op="lte" val="6">
+        <dgm:constrLst>
+          <dgm:constr type="h" for="ch" forName="compNode" refType="h" fact="0.3"/>
+          <dgm:constr type="w" for="ch" forName="compNode" refType="w"/>
+          <dgm:constr type="h" for="ch" forName="sibTrans" refType="h" refFor="ch" refForName="compNode" fact="0.25"/>
+          <dgm:constr type="primFontSz" for="des" forName="parTx" val="19"/>
+          <dgm:constr type="primFontSz" for="des" forName="desTx" refType="primFontSz" refFor="des" refForName="parTx" op="lte" fact="0.75"/>
+          <dgm:constr type="h" for="des" forName="compNode" op="equ"/>
+          <dgm:constr type="h" for="des" forName="bgRect" op="equ"/>
+          <dgm:constr type="h" for="des" forName="iconRect" op="equ"/>
+          <dgm:constr type="w" for="des" forName="iconRect" op="equ"/>
+          <dgm:constr type="h" for="des" forName="spaceRect" op="equ"/>
+          <dgm:constr type="h" for="des" forName="parTx" op="equ"/>
+          <dgm:constr type="h" for="des" forName="desTx" op="equ"/>
+        </dgm:constrLst>
+      </dgm:if>
+      <dgm:else name="Name7">
+        <dgm:constrLst>
+          <dgm:constr type="h" for="ch" forName="compNode" refType="h" fact="0.3"/>
+          <dgm:constr type="w" for="ch" forName="compNode" refType="w"/>
+          <dgm:constr type="h" for="ch" forName="sibTrans" refType="h" refFor="ch" refForName="compNode" fact="0.25"/>
+          <dgm:constr type="primFontSz" for="des" forName="parTx" val="16"/>
+          <dgm:constr type="primFontSz" for="des" forName="desTx" refType="primFontSz" refFor="des" refForName="parTx" op="lte" fact="0.75"/>
+          <dgm:constr type="h" for="des" forName="compNode" op="equ"/>
+          <dgm:constr type="h" for="des" forName="bgRect" op="equ"/>
+          <dgm:constr type="h" for="des" forName="iconRect" op="equ"/>
+          <dgm:constr type="w" for="des" forName="iconRect" op="equ"/>
+          <dgm:constr type="h" for="des" forName="spaceRect" op="equ"/>
+          <dgm:constr type="h" for="des" forName="parTx" op="equ"/>
+          <dgm:constr type="h" for="des" forName="desTx" op="equ"/>
+        </dgm:constrLst>
+      </dgm:else>
+    </dgm:choose>
+    <dgm:ruleLst>
+      <dgm:rule type="h" for="ch" forName="compNode" val="0" fact="NaN" max="NaN"/>
+    </dgm:ruleLst>
+    <dgm:forEach name="Name8" axis="ch" ptType="node">
+      <dgm:layoutNode name="compNode">
+        <dgm:alg type="composite"/>
+        <dgm:shape xmlns:r="http://schemas.openxmlformats.org/officeDocument/2006/relationships" r:blip="">
+          <dgm:adjLst/>
+        </dgm:shape>
+        <dgm:presOf axis="self"/>
+        <dgm:choose name="Name9">
+          <dgm:if name="Name10" axis="ch" ptType="node" func="cnt" op="gte" val="1">
+            <dgm:constrLst>
+              <dgm:constr type="w" for="ch" forName="bgRect" refType="w"/>
+              <dgm:constr type="h" for="ch" forName="bgRect" refType="h"/>
+              <dgm:constr type="l" for="ch" forName="bgRect"/>
+              <dgm:constr type="t" for="ch" forName="bgRect"/>
+              <dgm:constr type="h" for="ch" forName="iconRect" refType="h" fact="0.55"/>
+              <dgm:constr type="w" for="ch" forName="iconRect" refType="h" refFor="ch" refForName="iconRect"/>
+              <dgm:constr type="l" for="ch" forName="iconRect" refType="h" refFor="ch" refForName="iconRect" fact="0.55"/>
+              <dgm:constr type="ctrY" for="ch" forName="iconRect" refType="ctrY" refFor="ch" refForName="bgRect"/>
+              <dgm:constr type="w" for="ch" forName="spaceRect" refType="l" refFor="ch" refForName="iconRect"/>
+              <dgm:constr type="h" for="ch" forName="spaceRect" refType="h"/>
+              <dgm:constr type="l" for="ch" forName="spaceRect" refType="r" refFor="ch" refForName="iconRect"/>
+              <dgm:constr type="t" for="ch" forName="spaceRect"/>
+              <dgm:constr type="w" for="ch" forName="parTx" refType="w" fact="0.45"/>
+              <dgm:constr type="h" for="ch" forName="parTx" refType="h"/>
+              <dgm:constr type="l" for="ch" forName="parTx" refType="r" refFor="ch" refForName="spaceRect"/>
+              <dgm:constr type="t" for="ch" forName="parTx"/>
+              <dgm:constr type="h" for="ch" forName="desTx" refType="h"/>
+              <dgm:constr type="l" for="ch" forName="desTx" refType="r" refFor="ch" refForName="parTx"/>
+              <dgm:constr type="t" for="ch" forName="desTx"/>
+            </dgm:constrLst>
+          </dgm:if>
+          <dgm:else name="Name11">
+            <dgm:constrLst>
+              <dgm:constr type="w" for="ch" forName="bgRect" refType="w"/>
+              <dgm:constr type="h" for="ch" forName="bgRect" refType="h"/>
+              <dgm:constr type="l" for="ch" forName="bgRect"/>
+              <dgm:constr type="t" for="ch" forName="bgRect"/>
+              <dgm:constr type="h" for="ch" forName="iconRect" refType="h" fact="0.55"/>
+              <dgm:constr type="w" for="ch" forName="iconRect" refType="h" refFor="ch" refForName="iconRect"/>
+              <dgm:constr type="l" for="ch" forName="iconRect" refType="h" refFor="ch" refForName="iconRect" fact="0.55"/>
+              <dgm:constr type="ctrY" for="ch" forName="iconRect" refType="ctrY" refFor="ch" refForName="bgRect"/>
+              <dgm:constr type="w" for="ch" forName="spaceRect" refType="l" refFor="ch" refForName="iconRect"/>
+              <dgm:constr type="h" for="ch" forName="spaceRect" refType="h"/>
+              <dgm:constr type="l" for="ch" forName="spaceRect" refType="r" refFor="ch" refForName="iconRect"/>
+              <dgm:constr type="t" for="ch" forName="spaceRect"/>
+              <dgm:constr type="h" for="ch" forName="parTx" refType="h"/>
+              <dgm:constr type="l" for="ch" forName="parTx" refType="r" refFor="ch" refForName="spaceRect"/>
+              <dgm:constr type="t" for="ch" forName="parTx"/>
+            </dgm:constrLst>
+          </dgm:else>
+        </dgm:choose>
+        <dgm:ruleLst>
+          <dgm:rule type="h" val="INF" fact="NaN" max="NaN"/>
+        </dgm:ruleLst>
+        <dgm:layoutNode name="bgRect" styleLbl="bgShp">
+          <dgm:alg type="sp"/>
+          <dgm:shape xmlns:r="http://schemas.openxmlformats.org/officeDocument/2006/relationships" type="roundRect" r:blip="">
+            <dgm:adjLst>
+              <dgm:adj idx="1" val="0.1"/>
+            </dgm:adjLst>
+          </dgm:shape>
+          <dgm:presOf/>
+          <dgm:constrLst/>
+          <dgm:ruleLst/>
+        </dgm:layoutNode>
+        <dgm:layoutNode name="iconRect" styleLbl="node1">
+          <dgm:alg type="sp"/>
+          <dgm:shape xmlns:r="http://schemas.openxmlformats.org/officeDocument/2006/relationships" type="rect" r:blip="" blipPhldr="1">
+            <dgm:adjLst/>
+          </dgm:shape>
+          <dgm:presOf/>
+          <dgm:constrLst/>
+          <dgm:ruleLst/>
+        </dgm:layoutNode>
+        <dgm:layoutNode name="spaceRect">
+          <dgm:alg type="sp"/>
+          <dgm:shape xmlns:r="http://schemas.openxmlformats.org/officeDocument/2006/relationships" r:blip="">
+            <dgm:adjLst/>
+          </dgm:shape>
+          <dgm:presOf/>
+          <dgm:constrLst/>
+          <dgm:ruleLst/>
+        </dgm:layoutNode>
+        <dgm:layoutNode name="parTx" styleLbl="revTx">
+          <dgm:varLst>
+            <dgm:chMax val="0"/>
+            <dgm:chPref val="0"/>
+          </dgm:varLst>
+          <dgm:alg type="tx">
+            <dgm:param type="txAnchorVert" val="mid"/>
+            <dgm:param type="parTxLTRAlign" val="l"/>
+            <dgm:param type="shpTxLTRAlignCh" val="l"/>
+            <dgm:param type="parTxRTLAlign" val="r"/>
+            <dgm:param type="shpTxRTLAlignCh" val="r"/>
+          </dgm:alg>
+          <dgm:shape xmlns:r="http://schemas.openxmlformats.org/officeDocument/2006/relationships" type="rect" r:blip="">
+            <dgm:adjLst/>
+          </dgm:shape>
+          <dgm:presOf axis="self" ptType="node"/>
+          <dgm:constrLst>
+            <dgm:constr type="lMarg" refType="h" fact="0.3"/>
+            <dgm:constr type="rMarg" refType="h" fact="0.3"/>
+            <dgm:constr type="tMarg" refType="h" fact="0.3"/>
+            <dgm:constr type="bMarg" refType="h" fact="0.3"/>
+          </dgm:constrLst>
+          <dgm:ruleLst>
+            <dgm:rule type="primFontSz" val="14" fact="NaN" max="NaN"/>
+            <dgm:rule type="h" val="INF" fact="NaN" max="NaN"/>
+          </dgm:ruleLst>
+        </dgm:layoutNode>
+        <dgm:choose name="Name12">
+          <dgm:if name="Name13" axis="ch" ptType="node" func="cnt" op="gte" val="1">
+            <dgm:layoutNode name="desTx" styleLbl="revTx">
+              <dgm:varLst/>
+              <dgm:alg type="tx">
+                <dgm:param type="txAnchorVertCh" val="mid"/>
+                <dgm:param type="parTxLTRAlign" val="l"/>
+                <dgm:param type="shpTxLTRAlignCh" val="l"/>
+                <dgm:param type="parTxRTLAlign" val="r"/>
+                <dgm:param type="shpTxRTLAlignCh" val="r"/>
+                <dgm:param type="stBulletLvl" val="0"/>
+              </dgm:alg>
+              <dgm:shape xmlns:r="http://schemas.openxmlformats.org/officeDocument/2006/relationships" type="rect" r:blip="">
+                <dgm:adjLst/>
+              </dgm:shape>
+              <dgm:presOf axis="des" ptType="node"/>
+              <dgm:constrLst>
+                <dgm:constr type="primFontSz" val="18"/>
+                <dgm:constr type="secFontSz" refType="primFontSz"/>
+                <dgm:constr type="lMarg" refType="h" fact="0.3"/>
+                <dgm:constr type="rMarg" refType="h" fact="0.3"/>
+                <dgm:constr type="tMarg" refType="h" fact="0.3"/>
+                <dgm:constr type="bMarg" refType="h" fact="0.3"/>
+              </dgm:constrLst>
+              <dgm:ruleLst>
+                <dgm:rule type="primFontSz" val="11" fact="NaN" max="NaN"/>
+              </dgm:ruleLst>
+            </dgm:layoutNode>
+          </dgm:if>
+          <dgm:else name="Name14"/>
+        </dgm:choose>
+      </dgm:layoutNode>
+      <dgm:forEach name="Name15" axis="followSib" ptType="sibTrans" cnt="1">
+        <dgm:layoutNode name="sibTrans">
+          <dgm:alg type="sp"/>
+          <dgm:shape xmlns:r="http://schemas.openxmlformats.org/officeDocument/2006/relationships" r:blip="">
+            <dgm:adjLst/>
+          </dgm:shape>
+          <dgm:presOf axis="self"/>
+          <dgm:constrLst/>
+          <dgm:ruleLst/>
+        </dgm:layoutNode>
+      </dgm:forEach>
+    </dgm:forEach>
+  </dgm:layoutNode>
+  <dgm:extLst>
+    <a:ext uri="{68A01E43-0DF5-4B5B-8FA6-DAF915123BFB}">
+      <dgm1612:lstStyle xmlns:dgm1612="http://schemas.microsoft.com/office/drawing/2016/12/diagram">
+        <a:lvl1pPr>
+          <a:lnSpc>
+            <a:spcPct val="100000"/>
+          </a:lnSpc>
+        </a:lvl1pPr>
+        <a:lvl2pPr>
+          <a:lnSpc>
+            <a:spcPct val="100000"/>
+          </a:lnSpc>
+        </a:lvl2pPr>
+      </dgm1612:lstStyle>
+    </a:ext>
+  </dgm:extLst>
+</dgm:layoutDef>
+</file>
+
+<file path=ppt/diagrams/layout2.xml><?xml version="1.0" encoding="utf-8"?>
 <dgm:layoutDef xmlns:dgm="http://schemas.openxmlformats.org/drawingml/2006/diagram" xmlns:a="http://schemas.openxmlformats.org/drawingml/2006/main" uniqueId="urn:microsoft.com/office/officeart/2008/layout/LinedList">
   <dgm:title val=""/>
   <dgm:desc val=""/>
@@ -10074,7 +12264,7 @@
 </dgm:layoutDef>
 </file>
 
-<file path=ppt/diagrams/layout2.xml><?xml version="1.0" encoding="utf-8"?>
+<file path=ppt/diagrams/layout3.xml><?xml version="1.0" encoding="utf-8"?>
 <dgm:layoutDef xmlns:dgm="http://schemas.openxmlformats.org/drawingml/2006/diagram" xmlns:a="http://schemas.openxmlformats.org/drawingml/2006/main" uniqueId="urn:microsoft.com/office/officeart/2018/2/layout/IconVerticalSolidList">
   <dgm:title val="Icon Vertical Solid List"/>
   <dgm:desc val="Use to show a series of visuals from top to bottom with Level 1 or Level 1 and Level 2 text grouped in a shape. Works best with icons or small pictures with lengthier descriptions."/>
@@ -10368,7 +12558,7 @@
 </dgm:layoutDef>
 </file>
 
-<file path=ppt/diagrams/layout3.xml><?xml version="1.0" encoding="utf-8"?>
+<file path=ppt/diagrams/layout4.xml><?xml version="1.0" encoding="utf-8"?>
 <dgm:layoutDef xmlns:dgm="http://schemas.openxmlformats.org/drawingml/2006/diagram" xmlns:a="http://schemas.openxmlformats.org/drawingml/2006/main" uniqueId="urn:microsoft.com/office/officeart/2005/8/layout/hList3">
   <dgm:title val=""/>
   <dgm:desc val=""/>
@@ -10561,7 +12751,7 @@
 </dgm:layoutDef>
 </file>
 
-<file path=ppt/diagrams/layout4.xml><?xml version="1.0" encoding="utf-8"?>
+<file path=ppt/diagrams/layout5.xml><?xml version="1.0" encoding="utf-8"?>
 <dgm:layoutDef xmlns:dgm="http://schemas.openxmlformats.org/drawingml/2006/diagram" xmlns:a="http://schemas.openxmlformats.org/drawingml/2006/main" uniqueId="urn:microsoft.com/office/officeart/2008/layout/LinedList">
   <dgm:title val=""/>
   <dgm:desc val=""/>
@@ -11027,7 +13217,7 @@
 </dgm:layoutDef>
 </file>
 
-<file path=ppt/diagrams/layout5.xml><?xml version="1.0" encoding="utf-8"?>
+<file path=ppt/diagrams/layout6.xml><?xml version="1.0" encoding="utf-8"?>
 <dgm:layoutDef xmlns:dgm="http://schemas.openxmlformats.org/drawingml/2006/diagram" xmlns:a="http://schemas.openxmlformats.org/drawingml/2006/main" uniqueId="urn:microsoft.com/office/officeart/2018/2/layout/IconVerticalSolidList">
   <dgm:title val="Icon Vertical Solid List"/>
   <dgm:desc val="Use to show a series of visuals from top to bottom with Level 1 or Level 1 and Level 2 text grouped in a shape. Works best with icons or small pictures with lengthier descriptions."/>
@@ -11321,7 +13511,7 @@
 </dgm:layoutDef>
 </file>
 
-<file path=ppt/diagrams/layout6.xml><?xml version="1.0" encoding="utf-8"?>
+<file path=ppt/diagrams/layout7.xml><?xml version="1.0" encoding="utf-8"?>
 <dgm:layoutDef xmlns:dgm="http://schemas.openxmlformats.org/drawingml/2006/diagram" xmlns:a="http://schemas.openxmlformats.org/drawingml/2006/main" uniqueId="urn:microsoft.com/office/officeart/2018/2/layout/IconVerticalSolidList">
   <dgm:title val="Icon Vertical Solid List"/>
   <dgm:desc val="Use to show a series of visuals from top to bottom with Level 1 or Level 1 and Level 2 text grouped in a shape. Works best with icons or small pictures with lengthier descriptions."/>
@@ -13684,6 +15874,1040 @@
 </file>
 
 <file path=ppt/diagrams/quickStyle3.xml><?xml version="1.0" encoding="utf-8"?>
+<dgm:styleDef xmlns:dgm="http://schemas.openxmlformats.org/drawingml/2006/diagram" xmlns:a="http://schemas.openxmlformats.org/drawingml/2006/main" uniqueId="urn:microsoft.com/office/officeart/2005/8/quickstyle/simple1">
+  <dgm:title val=""/>
+  <dgm:desc val=""/>
+  <dgm:catLst>
+    <dgm:cat type="simple" pri="10100"/>
+  </dgm:catLst>
+  <dgm:scene3d>
+    <a:camera prst="orthographicFront"/>
+    <a:lightRig rig="threePt" dir="t"/>
+  </dgm:scene3d>
+  <dgm:styleLbl name="node0">
+    <dgm:scene3d>
+      <a:camera prst="orthographicFront"/>
+      <a:lightRig rig="threePt" dir="t"/>
+    </dgm:scene3d>
+    <dgm:sp3d/>
+    <dgm:txPr/>
+    <dgm:style>
+      <a:lnRef idx="2">
+        <a:scrgbClr r="0" g="0" b="0"/>
+      </a:lnRef>
+      <a:fillRef idx="1">
+        <a:scrgbClr r="0" g="0" b="0"/>
+      </a:fillRef>
+      <a:effectRef idx="0">
+        <a:scrgbClr r="0" g="0" b="0"/>
+      </a:effectRef>
+      <a:fontRef idx="minor">
+        <a:schemeClr val="lt1"/>
+      </a:fontRef>
+    </dgm:style>
+  </dgm:styleLbl>
+  <dgm:styleLbl name="lnNode1">
+    <dgm:scene3d>
+      <a:camera prst="orthographicFront"/>
+      <a:lightRig rig="threePt" dir="t"/>
+    </dgm:scene3d>
+    <dgm:sp3d/>
+    <dgm:txPr/>
+    <dgm:style>
+      <a:lnRef idx="2">
+        <a:scrgbClr r="0" g="0" b="0"/>
+      </a:lnRef>
+      <a:fillRef idx="1">
+        <a:scrgbClr r="0" g="0" b="0"/>
+      </a:fillRef>
+      <a:effectRef idx="0">
+        <a:scrgbClr r="0" g="0" b="0"/>
+      </a:effectRef>
+      <a:fontRef idx="minor">
+        <a:schemeClr val="lt1"/>
+      </a:fontRef>
+    </dgm:style>
+  </dgm:styleLbl>
+  <dgm:styleLbl name="vennNode1">
+    <dgm:scene3d>
+      <a:camera prst="orthographicFront"/>
+      <a:lightRig rig="threePt" dir="t"/>
+    </dgm:scene3d>
+    <dgm:sp3d/>
+    <dgm:txPr/>
+    <dgm:style>
+      <a:lnRef idx="2">
+        <a:scrgbClr r="0" g="0" b="0"/>
+      </a:lnRef>
+      <a:fillRef idx="1">
+        <a:scrgbClr r="0" g="0" b="0"/>
+      </a:fillRef>
+      <a:effectRef idx="0">
+        <a:scrgbClr r="0" g="0" b="0"/>
+      </a:effectRef>
+      <a:fontRef idx="minor">
+        <a:schemeClr val="tx1"/>
+      </a:fontRef>
+    </dgm:style>
+  </dgm:styleLbl>
+  <dgm:styleLbl name="alignNode1">
+    <dgm:scene3d>
+      <a:camera prst="orthographicFront"/>
+      <a:lightRig rig="threePt" dir="t"/>
+    </dgm:scene3d>
+    <dgm:sp3d/>
+    <dgm:txPr/>
+    <dgm:style>
+      <a:lnRef idx="2">
+        <a:scrgbClr r="0" g="0" b="0"/>
+      </a:lnRef>
+      <a:fillRef idx="1">
+        <a:scrgbClr r="0" g="0" b="0"/>
+      </a:fillRef>
+      <a:effectRef idx="0">
+        <a:scrgbClr r="0" g="0" b="0"/>
+      </a:effectRef>
+      <a:fontRef idx="minor">
+        <a:schemeClr val="lt1"/>
+      </a:fontRef>
+    </dgm:style>
+  </dgm:styleLbl>
+  <dgm:styleLbl name="node1">
+    <dgm:scene3d>
+      <a:camera prst="orthographicFront"/>
+      <a:lightRig rig="threePt" dir="t"/>
+    </dgm:scene3d>
+    <dgm:sp3d/>
+    <dgm:txPr/>
+    <dgm:style>
+      <a:lnRef idx="2">
+        <a:scrgbClr r="0" g="0" b="0"/>
+      </a:lnRef>
+      <a:fillRef idx="1">
+        <a:scrgbClr r="0" g="0" b="0"/>
+      </a:fillRef>
+      <a:effectRef idx="0">
+        <a:scrgbClr r="0" g="0" b="0"/>
+      </a:effectRef>
+      <a:fontRef idx="minor">
+        <a:schemeClr val="lt1"/>
+      </a:fontRef>
+    </dgm:style>
+  </dgm:styleLbl>
+  <dgm:styleLbl name="node2">
+    <dgm:scene3d>
+      <a:camera prst="orthographicFront"/>
+      <a:lightRig rig="threePt" dir="t"/>
+    </dgm:scene3d>
+    <dgm:sp3d/>
+    <dgm:txPr/>
+    <dgm:style>
+      <a:lnRef idx="2">
+        <a:scrgbClr r="0" g="0" b="0"/>
+      </a:lnRef>
+      <a:fillRef idx="1">
+        <a:scrgbClr r="0" g="0" b="0"/>
+      </a:fillRef>
+      <a:effectRef idx="0">
+        <a:scrgbClr r="0" g="0" b="0"/>
+      </a:effectRef>
+      <a:fontRef idx="minor">
+        <a:schemeClr val="lt1"/>
+      </a:fontRef>
+    </dgm:style>
+  </dgm:styleLbl>
+  <dgm:styleLbl name="node3">
+    <dgm:scene3d>
+      <a:camera prst="orthographicFront"/>
+      <a:lightRig rig="threePt" dir="t"/>
+    </dgm:scene3d>
+    <dgm:sp3d/>
+    <dgm:txPr/>
+    <dgm:style>
+      <a:lnRef idx="2">
+        <a:scrgbClr r="0" g="0" b="0"/>
+      </a:lnRef>
+      <a:fillRef idx="1">
+        <a:scrgbClr r="0" g="0" b="0"/>
+      </a:fillRef>
+      <a:effectRef idx="0">
+        <a:scrgbClr r="0" g="0" b="0"/>
+      </a:effectRef>
+      <a:fontRef idx="minor">
+        <a:schemeClr val="lt1"/>
+      </a:fontRef>
+    </dgm:style>
+  </dgm:styleLbl>
+  <dgm:styleLbl name="node4">
+    <dgm:scene3d>
+      <a:camera prst="orthographicFront"/>
+      <a:lightRig rig="threePt" dir="t"/>
+    </dgm:scene3d>
+    <dgm:sp3d/>
+    <dgm:txPr/>
+    <dgm:style>
+      <a:lnRef idx="2">
+        <a:scrgbClr r="0" g="0" b="0"/>
+      </a:lnRef>
+      <a:fillRef idx="1">
+        <a:scrgbClr r="0" g="0" b="0"/>
+      </a:fillRef>
+      <a:effectRef idx="0">
+        <a:scrgbClr r="0" g="0" b="0"/>
+      </a:effectRef>
+      <a:fontRef idx="minor">
+        <a:schemeClr val="lt1"/>
+      </a:fontRef>
+    </dgm:style>
+  </dgm:styleLbl>
+  <dgm:styleLbl name="fgImgPlace1">
+    <dgm:scene3d>
+      <a:camera prst="orthographicFront"/>
+      <a:lightRig rig="threePt" dir="t"/>
+    </dgm:scene3d>
+    <dgm:sp3d/>
+    <dgm:txPr/>
+    <dgm:style>
+      <a:lnRef idx="2">
+        <a:scrgbClr r="0" g="0" b="0"/>
+      </a:lnRef>
+      <a:fillRef idx="1">
+        <a:scrgbClr r="0" g="0" b="0"/>
+      </a:fillRef>
+      <a:effectRef idx="0">
+        <a:scrgbClr r="0" g="0" b="0"/>
+      </a:effectRef>
+      <a:fontRef idx="minor"/>
+    </dgm:style>
+  </dgm:styleLbl>
+  <dgm:styleLbl name="alignImgPlace1">
+    <dgm:scene3d>
+      <a:camera prst="orthographicFront"/>
+      <a:lightRig rig="threePt" dir="t"/>
+    </dgm:scene3d>
+    <dgm:sp3d/>
+    <dgm:txPr/>
+    <dgm:style>
+      <a:lnRef idx="2">
+        <a:scrgbClr r="0" g="0" b="0"/>
+      </a:lnRef>
+      <a:fillRef idx="1">
+        <a:scrgbClr r="0" g="0" b="0"/>
+      </a:fillRef>
+      <a:effectRef idx="0">
+        <a:scrgbClr r="0" g="0" b="0"/>
+      </a:effectRef>
+      <a:fontRef idx="minor"/>
+    </dgm:style>
+  </dgm:styleLbl>
+  <dgm:styleLbl name="bgImgPlace1">
+    <dgm:scene3d>
+      <a:camera prst="orthographicFront"/>
+      <a:lightRig rig="threePt" dir="t"/>
+    </dgm:scene3d>
+    <dgm:sp3d/>
+    <dgm:txPr/>
+    <dgm:style>
+      <a:lnRef idx="2">
+        <a:scrgbClr r="0" g="0" b="0"/>
+      </a:lnRef>
+      <a:fillRef idx="1">
+        <a:scrgbClr r="0" g="0" b="0"/>
+      </a:fillRef>
+      <a:effectRef idx="0">
+        <a:scrgbClr r="0" g="0" b="0"/>
+      </a:effectRef>
+      <a:fontRef idx="minor"/>
+    </dgm:style>
+  </dgm:styleLbl>
+  <dgm:styleLbl name="sibTrans2D1">
+    <dgm:scene3d>
+      <a:camera prst="orthographicFront"/>
+      <a:lightRig rig="threePt" dir="t"/>
+    </dgm:scene3d>
+    <dgm:sp3d/>
+    <dgm:txPr/>
+    <dgm:style>
+      <a:lnRef idx="0">
+        <a:scrgbClr r="0" g="0" b="0"/>
+      </a:lnRef>
+      <a:fillRef idx="1">
+        <a:scrgbClr r="0" g="0" b="0"/>
+      </a:fillRef>
+      <a:effectRef idx="0">
+        <a:scrgbClr r="0" g="0" b="0"/>
+      </a:effectRef>
+      <a:fontRef idx="minor">
+        <a:schemeClr val="lt1"/>
+      </a:fontRef>
+    </dgm:style>
+  </dgm:styleLbl>
+  <dgm:styleLbl name="fgSibTrans2D1">
+    <dgm:scene3d>
+      <a:camera prst="orthographicFront"/>
+      <a:lightRig rig="threePt" dir="t"/>
+    </dgm:scene3d>
+    <dgm:sp3d/>
+    <dgm:txPr/>
+    <dgm:style>
+      <a:lnRef idx="0">
+        <a:scrgbClr r="0" g="0" b="0"/>
+      </a:lnRef>
+      <a:fillRef idx="1">
+        <a:scrgbClr r="0" g="0" b="0"/>
+      </a:fillRef>
+      <a:effectRef idx="0">
+        <a:scrgbClr r="0" g="0" b="0"/>
+      </a:effectRef>
+      <a:fontRef idx="minor">
+        <a:schemeClr val="lt1"/>
+      </a:fontRef>
+    </dgm:style>
+  </dgm:styleLbl>
+  <dgm:styleLbl name="bgSibTrans2D1">
+    <dgm:scene3d>
+      <a:camera prst="orthographicFront"/>
+      <a:lightRig rig="threePt" dir="t"/>
+    </dgm:scene3d>
+    <dgm:sp3d/>
+    <dgm:txPr/>
+    <dgm:style>
+      <a:lnRef idx="0">
+        <a:scrgbClr r="0" g="0" b="0"/>
+      </a:lnRef>
+      <a:fillRef idx="1">
+        <a:scrgbClr r="0" g="0" b="0"/>
+      </a:fillRef>
+      <a:effectRef idx="0">
+        <a:scrgbClr r="0" g="0" b="0"/>
+      </a:effectRef>
+      <a:fontRef idx="minor">
+        <a:schemeClr val="lt1"/>
+      </a:fontRef>
+    </dgm:style>
+  </dgm:styleLbl>
+  <dgm:styleLbl name="sibTrans1D1">
+    <dgm:scene3d>
+      <a:camera prst="orthographicFront"/>
+      <a:lightRig rig="threePt" dir="t"/>
+    </dgm:scene3d>
+    <dgm:sp3d/>
+    <dgm:txPr/>
+    <dgm:style>
+      <a:lnRef idx="1">
+        <a:scrgbClr r="0" g="0" b="0"/>
+      </a:lnRef>
+      <a:fillRef idx="0">
+        <a:scrgbClr r="0" g="0" b="0"/>
+      </a:fillRef>
+      <a:effectRef idx="0">
+        <a:scrgbClr r="0" g="0" b="0"/>
+      </a:effectRef>
+      <a:fontRef idx="minor"/>
+    </dgm:style>
+  </dgm:styleLbl>
+  <dgm:styleLbl name="callout">
+    <dgm:scene3d>
+      <a:camera prst="orthographicFront"/>
+      <a:lightRig rig="threePt" dir="t"/>
+    </dgm:scene3d>
+    <dgm:sp3d/>
+    <dgm:txPr/>
+    <dgm:style>
+      <a:lnRef idx="2">
+        <a:scrgbClr r="0" g="0" b="0"/>
+      </a:lnRef>
+      <a:fillRef idx="1">
+        <a:scrgbClr r="0" g="0" b="0"/>
+      </a:fillRef>
+      <a:effectRef idx="0">
+        <a:scrgbClr r="0" g="0" b="0"/>
+      </a:effectRef>
+      <a:fontRef idx="minor"/>
+    </dgm:style>
+  </dgm:styleLbl>
+  <dgm:styleLbl name="asst0">
+    <dgm:scene3d>
+      <a:camera prst="orthographicFront"/>
+      <a:lightRig rig="threePt" dir="t"/>
+    </dgm:scene3d>
+    <dgm:sp3d/>
+    <dgm:txPr/>
+    <dgm:style>
+      <a:lnRef idx="2">
+        <a:scrgbClr r="0" g="0" b="0"/>
+      </a:lnRef>
+      <a:fillRef idx="1">
+        <a:scrgbClr r="0" g="0" b="0"/>
+      </a:fillRef>
+      <a:effectRef idx="0">
+        <a:scrgbClr r="0" g="0" b="0"/>
+      </a:effectRef>
+      <a:fontRef idx="minor">
+        <a:schemeClr val="lt1"/>
+      </a:fontRef>
+    </dgm:style>
+  </dgm:styleLbl>
+  <dgm:styleLbl name="asst1">
+    <dgm:scene3d>
+      <a:camera prst="orthographicFront"/>
+      <a:lightRig rig="threePt" dir="t"/>
+    </dgm:scene3d>
+    <dgm:sp3d/>
+    <dgm:txPr/>
+    <dgm:style>
+      <a:lnRef idx="2">
+        <a:scrgbClr r="0" g="0" b="0"/>
+      </a:lnRef>
+      <a:fillRef idx="1">
+        <a:scrgbClr r="0" g="0" b="0"/>
+      </a:fillRef>
+      <a:effectRef idx="0">
+        <a:scrgbClr r="0" g="0" b="0"/>
+      </a:effectRef>
+      <a:fontRef idx="minor">
+        <a:schemeClr val="lt1"/>
+      </a:fontRef>
+    </dgm:style>
+  </dgm:styleLbl>
+  <dgm:styleLbl name="asst2">
+    <dgm:scene3d>
+      <a:camera prst="orthographicFront"/>
+      <a:lightRig rig="threePt" dir="t"/>
+    </dgm:scene3d>
+    <dgm:sp3d/>
+    <dgm:txPr/>
+    <dgm:style>
+      <a:lnRef idx="2">
+        <a:scrgbClr r="0" g="0" b="0"/>
+      </a:lnRef>
+      <a:fillRef idx="1">
+        <a:scrgbClr r="0" g="0" b="0"/>
+      </a:fillRef>
+      <a:effectRef idx="0">
+        <a:scrgbClr r="0" g="0" b="0"/>
+      </a:effectRef>
+      <a:fontRef idx="minor">
+        <a:schemeClr val="lt1"/>
+      </a:fontRef>
+    </dgm:style>
+  </dgm:styleLbl>
+  <dgm:styleLbl name="asst3">
+    <dgm:scene3d>
+      <a:camera prst="orthographicFront"/>
+      <a:lightRig rig="threePt" dir="t"/>
+    </dgm:scene3d>
+    <dgm:sp3d/>
+    <dgm:txPr/>
+    <dgm:style>
+      <a:lnRef idx="2">
+        <a:scrgbClr r="0" g="0" b="0"/>
+      </a:lnRef>
+      <a:fillRef idx="1">
+        <a:scrgbClr r="0" g="0" b="0"/>
+      </a:fillRef>
+      <a:effectRef idx="0">
+        <a:scrgbClr r="0" g="0" b="0"/>
+      </a:effectRef>
+      <a:fontRef idx="minor">
+        <a:schemeClr val="lt1"/>
+      </a:fontRef>
+    </dgm:style>
+  </dgm:styleLbl>
+  <dgm:styleLbl name="asst4">
+    <dgm:scene3d>
+      <a:camera prst="orthographicFront"/>
+      <a:lightRig rig="threePt" dir="t"/>
+    </dgm:scene3d>
+    <dgm:sp3d/>
+    <dgm:txPr/>
+    <dgm:style>
+      <a:lnRef idx="2">
+        <a:scrgbClr r="0" g="0" b="0"/>
+      </a:lnRef>
+      <a:fillRef idx="1">
+        <a:scrgbClr r="0" g="0" b="0"/>
+      </a:fillRef>
+      <a:effectRef idx="0">
+        <a:scrgbClr r="0" g="0" b="0"/>
+      </a:effectRef>
+      <a:fontRef idx="minor">
+        <a:schemeClr val="lt1"/>
+      </a:fontRef>
+    </dgm:style>
+  </dgm:styleLbl>
+  <dgm:styleLbl name="parChTrans2D1">
+    <dgm:scene3d>
+      <a:camera prst="orthographicFront"/>
+      <a:lightRig rig="threePt" dir="t"/>
+    </dgm:scene3d>
+    <dgm:sp3d/>
+    <dgm:txPr/>
+    <dgm:style>
+      <a:lnRef idx="2">
+        <a:scrgbClr r="0" g="0" b="0"/>
+      </a:lnRef>
+      <a:fillRef idx="1">
+        <a:scrgbClr r="0" g="0" b="0"/>
+      </a:fillRef>
+      <a:effectRef idx="0">
+        <a:scrgbClr r="0" g="0" b="0"/>
+      </a:effectRef>
+      <a:fontRef idx="minor">
+        <a:schemeClr val="lt1"/>
+      </a:fontRef>
+    </dgm:style>
+  </dgm:styleLbl>
+  <dgm:styleLbl name="parChTrans2D2">
+    <dgm:scene3d>
+      <a:camera prst="orthographicFront"/>
+      <a:lightRig rig="threePt" dir="t"/>
+    </dgm:scene3d>
+    <dgm:sp3d/>
+    <dgm:txPr/>
+    <dgm:style>
+      <a:lnRef idx="2">
+        <a:scrgbClr r="0" g="0" b="0"/>
+      </a:lnRef>
+      <a:fillRef idx="1">
+        <a:scrgbClr r="0" g="0" b="0"/>
+      </a:fillRef>
+      <a:effectRef idx="0">
+        <a:scrgbClr r="0" g="0" b="0"/>
+      </a:effectRef>
+      <a:fontRef idx="minor">
+        <a:schemeClr val="lt1"/>
+      </a:fontRef>
+    </dgm:style>
+  </dgm:styleLbl>
+  <dgm:styleLbl name="parChTrans2D3">
+    <dgm:scene3d>
+      <a:camera prst="orthographicFront"/>
+      <a:lightRig rig="threePt" dir="t"/>
+    </dgm:scene3d>
+    <dgm:sp3d/>
+    <dgm:txPr/>
+    <dgm:style>
+      <a:lnRef idx="2">
+        <a:scrgbClr r="0" g="0" b="0"/>
+      </a:lnRef>
+      <a:fillRef idx="1">
+        <a:scrgbClr r="0" g="0" b="0"/>
+      </a:fillRef>
+      <a:effectRef idx="0">
+        <a:scrgbClr r="0" g="0" b="0"/>
+      </a:effectRef>
+      <a:fontRef idx="minor">
+        <a:schemeClr val="lt1"/>
+      </a:fontRef>
+    </dgm:style>
+  </dgm:styleLbl>
+  <dgm:styleLbl name="parChTrans2D4">
+    <dgm:scene3d>
+      <a:camera prst="orthographicFront"/>
+      <a:lightRig rig="threePt" dir="t"/>
+    </dgm:scene3d>
+    <dgm:sp3d/>
+    <dgm:txPr/>
+    <dgm:style>
+      <a:lnRef idx="2">
+        <a:scrgbClr r="0" g="0" b="0"/>
+      </a:lnRef>
+      <a:fillRef idx="1">
+        <a:scrgbClr r="0" g="0" b="0"/>
+      </a:fillRef>
+      <a:effectRef idx="0">
+        <a:scrgbClr r="0" g="0" b="0"/>
+      </a:effectRef>
+      <a:fontRef idx="minor">
+        <a:schemeClr val="lt1"/>
+      </a:fontRef>
+    </dgm:style>
+  </dgm:styleLbl>
+  <dgm:styleLbl name="parChTrans1D1">
+    <dgm:scene3d>
+      <a:camera prst="orthographicFront"/>
+      <a:lightRig rig="threePt" dir="t"/>
+    </dgm:scene3d>
+    <dgm:sp3d/>
+    <dgm:txPr/>
+    <dgm:style>
+      <a:lnRef idx="2">
+        <a:scrgbClr r="0" g="0" b="0"/>
+      </a:lnRef>
+      <a:fillRef idx="0">
+        <a:scrgbClr r="0" g="0" b="0"/>
+      </a:fillRef>
+      <a:effectRef idx="0">
+        <a:scrgbClr r="0" g="0" b="0"/>
+      </a:effectRef>
+      <a:fontRef idx="minor"/>
+    </dgm:style>
+  </dgm:styleLbl>
+  <dgm:styleLbl name="parChTrans1D2">
+    <dgm:scene3d>
+      <a:camera prst="orthographicFront"/>
+      <a:lightRig rig="threePt" dir="t"/>
+    </dgm:scene3d>
+    <dgm:sp3d/>
+    <dgm:txPr/>
+    <dgm:style>
+      <a:lnRef idx="2">
+        <a:scrgbClr r="0" g="0" b="0"/>
+      </a:lnRef>
+      <a:fillRef idx="0">
+        <a:scrgbClr r="0" g="0" b="0"/>
+      </a:fillRef>
+      <a:effectRef idx="0">
+        <a:scrgbClr r="0" g="0" b="0"/>
+      </a:effectRef>
+      <a:fontRef idx="minor"/>
+    </dgm:style>
+  </dgm:styleLbl>
+  <dgm:styleLbl name="parChTrans1D3">
+    <dgm:scene3d>
+      <a:camera prst="orthographicFront"/>
+      <a:lightRig rig="threePt" dir="t"/>
+    </dgm:scene3d>
+    <dgm:sp3d/>
+    <dgm:txPr/>
+    <dgm:style>
+      <a:lnRef idx="2">
+        <a:scrgbClr r="0" g="0" b="0"/>
+      </a:lnRef>
+      <a:fillRef idx="0">
+        <a:scrgbClr r="0" g="0" b="0"/>
+      </a:fillRef>
+      <a:effectRef idx="0">
+        <a:scrgbClr r="0" g="0" b="0"/>
+      </a:effectRef>
+      <a:fontRef idx="minor"/>
+    </dgm:style>
+  </dgm:styleLbl>
+  <dgm:styleLbl name="parChTrans1D4">
+    <dgm:scene3d>
+      <a:camera prst="orthographicFront"/>
+      <a:lightRig rig="threePt" dir="t"/>
+    </dgm:scene3d>
+    <dgm:sp3d/>
+    <dgm:txPr/>
+    <dgm:style>
+      <a:lnRef idx="2">
+        <a:scrgbClr r="0" g="0" b="0"/>
+      </a:lnRef>
+      <a:fillRef idx="0">
+        <a:scrgbClr r="0" g="0" b="0"/>
+      </a:fillRef>
+      <a:effectRef idx="0">
+        <a:scrgbClr r="0" g="0" b="0"/>
+      </a:effectRef>
+      <a:fontRef idx="minor"/>
+    </dgm:style>
+  </dgm:styleLbl>
+  <dgm:styleLbl name="fgAcc1">
+    <dgm:scene3d>
+      <a:camera prst="orthographicFront"/>
+      <a:lightRig rig="threePt" dir="t"/>
+    </dgm:scene3d>
+    <dgm:sp3d/>
+    <dgm:txPr/>
+    <dgm:style>
+      <a:lnRef idx="2">
+        <a:scrgbClr r="0" g="0" b="0"/>
+      </a:lnRef>
+      <a:fillRef idx="1">
+        <a:scrgbClr r="0" g="0" b="0"/>
+      </a:fillRef>
+      <a:effectRef idx="0">
+        <a:scrgbClr r="0" g="0" b="0"/>
+      </a:effectRef>
+      <a:fontRef idx="minor"/>
+    </dgm:style>
+  </dgm:styleLbl>
+  <dgm:styleLbl name="conFgAcc1">
+    <dgm:scene3d>
+      <a:camera prst="orthographicFront"/>
+      <a:lightRig rig="threePt" dir="t"/>
+    </dgm:scene3d>
+    <dgm:sp3d/>
+    <dgm:txPr/>
+    <dgm:style>
+      <a:lnRef idx="2">
+        <a:scrgbClr r="0" g="0" b="0"/>
+      </a:lnRef>
+      <a:fillRef idx="1">
+        <a:scrgbClr r="0" g="0" b="0"/>
+      </a:fillRef>
+      <a:effectRef idx="0">
+        <a:scrgbClr r="0" g="0" b="0"/>
+      </a:effectRef>
+      <a:fontRef idx="minor"/>
+    </dgm:style>
+  </dgm:styleLbl>
+  <dgm:styleLbl name="alignAcc1">
+    <dgm:scene3d>
+      <a:camera prst="orthographicFront"/>
+      <a:lightRig rig="threePt" dir="t"/>
+    </dgm:scene3d>
+    <dgm:sp3d/>
+    <dgm:txPr/>
+    <dgm:style>
+      <a:lnRef idx="2">
+        <a:scrgbClr r="0" g="0" b="0"/>
+      </a:lnRef>
+      <a:fillRef idx="1">
+        <a:scrgbClr r="0" g="0" b="0"/>
+      </a:fillRef>
+      <a:effectRef idx="0">
+        <a:scrgbClr r="0" g="0" b="0"/>
+      </a:effectRef>
+      <a:fontRef idx="minor"/>
+    </dgm:style>
+  </dgm:styleLbl>
+  <dgm:styleLbl name="trAlignAcc1">
+    <dgm:scene3d>
+      <a:camera prst="orthographicFront"/>
+      <a:lightRig rig="threePt" dir="t"/>
+    </dgm:scene3d>
+    <dgm:sp3d/>
+    <dgm:txPr/>
+    <dgm:style>
+      <a:lnRef idx="1">
+        <a:scrgbClr r="0" g="0" b="0"/>
+      </a:lnRef>
+      <a:fillRef idx="1">
+        <a:scrgbClr r="0" g="0" b="0"/>
+      </a:fillRef>
+      <a:effectRef idx="0">
+        <a:scrgbClr r="0" g="0" b="0"/>
+      </a:effectRef>
+      <a:fontRef idx="minor"/>
+    </dgm:style>
+  </dgm:styleLbl>
+  <dgm:styleLbl name="bgAcc1">
+    <dgm:scene3d>
+      <a:camera prst="orthographicFront"/>
+      <a:lightRig rig="threePt" dir="t"/>
+    </dgm:scene3d>
+    <dgm:sp3d/>
+    <dgm:txPr/>
+    <dgm:style>
+      <a:lnRef idx="2">
+        <a:scrgbClr r="0" g="0" b="0"/>
+      </a:lnRef>
+      <a:fillRef idx="1">
+        <a:scrgbClr r="0" g="0" b="0"/>
+      </a:fillRef>
+      <a:effectRef idx="0">
+        <a:scrgbClr r="0" g="0" b="0"/>
+      </a:effectRef>
+      <a:fontRef idx="minor"/>
+    </dgm:style>
+  </dgm:styleLbl>
+  <dgm:styleLbl name="solidFgAcc1">
+    <dgm:scene3d>
+      <a:camera prst="orthographicFront"/>
+      <a:lightRig rig="threePt" dir="t"/>
+    </dgm:scene3d>
+    <dgm:sp3d/>
+    <dgm:txPr/>
+    <dgm:style>
+      <a:lnRef idx="2">
+        <a:scrgbClr r="0" g="0" b="0"/>
+      </a:lnRef>
+      <a:fillRef idx="1">
+        <a:scrgbClr r="0" g="0" b="0"/>
+      </a:fillRef>
+      <a:effectRef idx="0">
+        <a:scrgbClr r="0" g="0" b="0"/>
+      </a:effectRef>
+      <a:fontRef idx="minor"/>
+    </dgm:style>
+  </dgm:styleLbl>
+  <dgm:styleLbl name="solidAlignAcc1">
+    <dgm:scene3d>
+      <a:camera prst="orthographicFront"/>
+      <a:lightRig rig="threePt" dir="t"/>
+    </dgm:scene3d>
+    <dgm:sp3d/>
+    <dgm:txPr/>
+    <dgm:style>
+      <a:lnRef idx="2">
+        <a:scrgbClr r="0" g="0" b="0"/>
+      </a:lnRef>
+      <a:fillRef idx="1">
+        <a:scrgbClr r="0" g="0" b="0"/>
+      </a:fillRef>
+      <a:effectRef idx="0">
+        <a:scrgbClr r="0" g="0" b="0"/>
+      </a:effectRef>
+      <a:fontRef idx="minor"/>
+    </dgm:style>
+  </dgm:styleLbl>
+  <dgm:styleLbl name="solidBgAcc1">
+    <dgm:scene3d>
+      <a:camera prst="orthographicFront"/>
+      <a:lightRig rig="threePt" dir="t"/>
+    </dgm:scene3d>
+    <dgm:sp3d/>
+    <dgm:txPr/>
+    <dgm:style>
+      <a:lnRef idx="2">
+        <a:scrgbClr r="0" g="0" b="0"/>
+      </a:lnRef>
+      <a:fillRef idx="1">
+        <a:scrgbClr r="0" g="0" b="0"/>
+      </a:fillRef>
+      <a:effectRef idx="0">
+        <a:scrgbClr r="0" g="0" b="0"/>
+      </a:effectRef>
+      <a:fontRef idx="minor"/>
+    </dgm:style>
+  </dgm:styleLbl>
+  <dgm:styleLbl name="fgAccFollowNode1">
+    <dgm:scene3d>
+      <a:camera prst="orthographicFront"/>
+      <a:lightRig rig="threePt" dir="t"/>
+    </dgm:scene3d>
+    <dgm:sp3d/>
+    <dgm:txPr/>
+    <dgm:style>
+      <a:lnRef idx="2">
+        <a:scrgbClr r="0" g="0" b="0"/>
+      </a:lnRef>
+      <a:fillRef idx="1">
+        <a:scrgbClr r="0" g="0" b="0"/>
+      </a:fillRef>
+      <a:effectRef idx="0">
+        <a:scrgbClr r="0" g="0" b="0"/>
+      </a:effectRef>
+      <a:fontRef idx="minor"/>
+    </dgm:style>
+  </dgm:styleLbl>
+  <dgm:styleLbl name="alignAccFollowNode1">
+    <dgm:scene3d>
+      <a:camera prst="orthographicFront"/>
+      <a:lightRig rig="threePt" dir="t"/>
+    </dgm:scene3d>
+    <dgm:sp3d/>
+    <dgm:txPr/>
+    <dgm:style>
+      <a:lnRef idx="2">
+        <a:scrgbClr r="0" g="0" b="0"/>
+      </a:lnRef>
+      <a:fillRef idx="1">
+        <a:scrgbClr r="0" g="0" b="0"/>
+      </a:fillRef>
+      <a:effectRef idx="0">
+        <a:scrgbClr r="0" g="0" b="0"/>
+      </a:effectRef>
+      <a:fontRef idx="minor"/>
+    </dgm:style>
+  </dgm:styleLbl>
+  <dgm:styleLbl name="bgAccFollowNode1">
+    <dgm:scene3d>
+      <a:camera prst="orthographicFront"/>
+      <a:lightRig rig="threePt" dir="t"/>
+    </dgm:scene3d>
+    <dgm:sp3d/>
+    <dgm:txPr/>
+    <dgm:style>
+      <a:lnRef idx="2">
+        <a:scrgbClr r="0" g="0" b="0"/>
+      </a:lnRef>
+      <a:fillRef idx="1">
+        <a:scrgbClr r="0" g="0" b="0"/>
+      </a:fillRef>
+      <a:effectRef idx="0">
+        <a:scrgbClr r="0" g="0" b="0"/>
+      </a:effectRef>
+      <a:fontRef idx="minor"/>
+    </dgm:style>
+  </dgm:styleLbl>
+  <dgm:styleLbl name="fgAcc0">
+    <dgm:scene3d>
+      <a:camera prst="orthographicFront"/>
+      <a:lightRig rig="threePt" dir="t"/>
+    </dgm:scene3d>
+    <dgm:sp3d/>
+    <dgm:txPr/>
+    <dgm:style>
+      <a:lnRef idx="2">
+        <a:scrgbClr r="0" g="0" b="0"/>
+      </a:lnRef>
+      <a:fillRef idx="1">
+        <a:scrgbClr r="0" g="0" b="0"/>
+      </a:fillRef>
+      <a:effectRef idx="0">
+        <a:scrgbClr r="0" g="0" b="0"/>
+      </a:effectRef>
+      <a:fontRef idx="minor"/>
+    </dgm:style>
+  </dgm:styleLbl>
+  <dgm:styleLbl name="fgAcc2">
+    <dgm:scene3d>
+      <a:camera prst="orthographicFront"/>
+      <a:lightRig rig="threePt" dir="t"/>
+    </dgm:scene3d>
+    <dgm:sp3d/>
+    <dgm:txPr/>
+    <dgm:style>
+      <a:lnRef idx="2">
+        <a:scrgbClr r="0" g="0" b="0"/>
+      </a:lnRef>
+      <a:fillRef idx="1">
+        <a:scrgbClr r="0" g="0" b="0"/>
+      </a:fillRef>
+      <a:effectRef idx="0">
+        <a:scrgbClr r="0" g="0" b="0"/>
+      </a:effectRef>
+      <a:fontRef idx="minor"/>
+    </dgm:style>
+  </dgm:styleLbl>
+  <dgm:styleLbl name="fgAcc3">
+    <dgm:scene3d>
+      <a:camera prst="orthographicFront"/>
+      <a:lightRig rig="threePt" dir="t"/>
+    </dgm:scene3d>
+    <dgm:sp3d/>
+    <dgm:txPr/>
+    <dgm:style>
+      <a:lnRef idx="2">
+        <a:scrgbClr r="0" g="0" b="0"/>
+      </a:lnRef>
+      <a:fillRef idx="1">
+        <a:scrgbClr r="0" g="0" b="0"/>
+      </a:fillRef>
+      <a:effectRef idx="0">
+        <a:scrgbClr r="0" g="0" b="0"/>
+      </a:effectRef>
+      <a:fontRef idx="minor"/>
+    </dgm:style>
+  </dgm:styleLbl>
+  <dgm:styleLbl name="fgAcc4">
+    <dgm:scene3d>
+      <a:camera prst="orthographicFront"/>
+      <a:lightRig rig="threePt" dir="t"/>
+    </dgm:scene3d>
+    <dgm:sp3d/>
+    <dgm:txPr/>
+    <dgm:style>
+      <a:lnRef idx="2">
+        <a:scrgbClr r="0" g="0" b="0"/>
+      </a:lnRef>
+      <a:fillRef idx="1">
+        <a:scrgbClr r="0" g="0" b="0"/>
+      </a:fillRef>
+      <a:effectRef idx="0">
+        <a:scrgbClr r="0" g="0" b="0"/>
+      </a:effectRef>
+      <a:fontRef idx="minor"/>
+    </dgm:style>
+  </dgm:styleLbl>
+  <dgm:styleLbl name="bgShp">
+    <dgm:scene3d>
+      <a:camera prst="orthographicFront"/>
+      <a:lightRig rig="threePt" dir="t"/>
+    </dgm:scene3d>
+    <dgm:sp3d/>
+    <dgm:txPr/>
+    <dgm:style>
+      <a:lnRef idx="0">
+        <a:scrgbClr r="0" g="0" b="0"/>
+      </a:lnRef>
+      <a:fillRef idx="1">
+        <a:scrgbClr r="0" g="0" b="0"/>
+      </a:fillRef>
+      <a:effectRef idx="0">
+        <a:scrgbClr r="0" g="0" b="0"/>
+      </a:effectRef>
+      <a:fontRef idx="minor"/>
+    </dgm:style>
+  </dgm:styleLbl>
+  <dgm:styleLbl name="dkBgShp">
+    <dgm:scene3d>
+      <a:camera prst="orthographicFront"/>
+      <a:lightRig rig="threePt" dir="t"/>
+    </dgm:scene3d>
+    <dgm:sp3d/>
+    <dgm:txPr/>
+    <dgm:style>
+      <a:lnRef idx="0">
+        <a:scrgbClr r="0" g="0" b="0"/>
+      </a:lnRef>
+      <a:fillRef idx="1">
+        <a:scrgbClr r="0" g="0" b="0"/>
+      </a:fillRef>
+      <a:effectRef idx="0">
+        <a:scrgbClr r="0" g="0" b="0"/>
+      </a:effectRef>
+      <a:fontRef idx="minor"/>
+    </dgm:style>
+  </dgm:styleLbl>
+  <dgm:styleLbl name="trBgShp">
+    <dgm:scene3d>
+      <a:camera prst="orthographicFront"/>
+      <a:lightRig rig="threePt" dir="t"/>
+    </dgm:scene3d>
+    <dgm:sp3d/>
+    <dgm:txPr/>
+    <dgm:style>
+      <a:lnRef idx="0">
+        <a:scrgbClr r="0" g="0" b="0"/>
+      </a:lnRef>
+      <a:fillRef idx="1">
+        <a:scrgbClr r="0" g="0" b="0"/>
+      </a:fillRef>
+      <a:effectRef idx="0">
+        <a:scrgbClr r="0" g="0" b="0"/>
+      </a:effectRef>
+      <a:fontRef idx="minor"/>
+    </dgm:style>
+  </dgm:styleLbl>
+  <dgm:styleLbl name="fgShp">
+    <dgm:scene3d>
+      <a:camera prst="orthographicFront"/>
+      <a:lightRig rig="threePt" dir="t"/>
+    </dgm:scene3d>
+    <dgm:sp3d/>
+    <dgm:txPr/>
+    <dgm:style>
+      <a:lnRef idx="2">
+        <a:scrgbClr r="0" g="0" b="0"/>
+      </a:lnRef>
+      <a:fillRef idx="1">
+        <a:scrgbClr r="0" g="0" b="0"/>
+      </a:fillRef>
+      <a:effectRef idx="0">
+        <a:scrgbClr r="0" g="0" b="0"/>
+      </a:effectRef>
+      <a:fontRef idx="minor"/>
+    </dgm:style>
+  </dgm:styleLbl>
+  <dgm:styleLbl name="revTx">
+    <dgm:scene3d>
+      <a:camera prst="orthographicFront"/>
+      <a:lightRig rig="threePt" dir="t"/>
+    </dgm:scene3d>
+    <dgm:sp3d/>
+    <dgm:txPr/>
+    <dgm:style>
+      <a:lnRef idx="0">
+        <a:scrgbClr r="0" g="0" b="0"/>
+      </a:lnRef>
+      <a:fillRef idx="0">
+        <a:scrgbClr r="0" g="0" b="0"/>
+      </a:fillRef>
+      <a:effectRef idx="0">
+        <a:scrgbClr r="0" g="0" b="0"/>
+      </a:effectRef>
+      <a:fontRef idx="minor"/>
+    </dgm:style>
+  </dgm:styleLbl>
+</dgm:styleDef>
+</file>
+
+<file path=ppt/diagrams/quickStyle4.xml><?xml version="1.0" encoding="utf-8"?>
 <dgm:styleDef xmlns:dgm="http://schemas.openxmlformats.org/drawingml/2006/diagram" xmlns:a="http://schemas.openxmlformats.org/drawingml/2006/main" uniqueId="urn:microsoft.com/office/officeart/2005/8/quickstyle/simple3">
   <dgm:title val=""/>
   <dgm:desc val=""/>
@@ -14743,7 +17967,7 @@
 </dgm:styleDef>
 </file>
 
-<file path=ppt/diagrams/quickStyle4.xml><?xml version="1.0" encoding="utf-8"?>
+<file path=ppt/diagrams/quickStyle5.xml><?xml version="1.0" encoding="utf-8"?>
 <dgm:styleDef xmlns:dgm="http://schemas.openxmlformats.org/drawingml/2006/diagram" xmlns:a="http://schemas.openxmlformats.org/drawingml/2006/main" uniqueId="urn:microsoft.com/office/officeart/2005/8/quickstyle/simple4">
   <dgm:title val=""/>
   <dgm:desc val=""/>
@@ -15777,7 +19001,7 @@
 </dgm:styleDef>
 </file>
 
-<file path=ppt/diagrams/quickStyle5.xml><?xml version="1.0" encoding="utf-8"?>
+<file path=ppt/diagrams/quickStyle6.xml><?xml version="1.0" encoding="utf-8"?>
 <dgm:styleDef xmlns:dgm="http://schemas.openxmlformats.org/drawingml/2006/diagram" xmlns:a="http://schemas.openxmlformats.org/drawingml/2006/main" uniqueId="urn:microsoft.com/office/officeart/2005/8/quickstyle/simple1">
   <dgm:title val=""/>
   <dgm:desc val=""/>
@@ -16811,7 +20035,7 @@
 </dgm:styleDef>
 </file>
 
-<file path=ppt/diagrams/quickStyle6.xml><?xml version="1.0" encoding="utf-8"?>
+<file path=ppt/diagrams/quickStyle7.xml><?xml version="1.0" encoding="utf-8"?>
 <dgm:styleDef xmlns:dgm="http://schemas.openxmlformats.org/drawingml/2006/diagram" xmlns:a="http://schemas.openxmlformats.org/drawingml/2006/main" uniqueId="urn:microsoft.com/office/officeart/2005/8/quickstyle/simple1">
   <dgm:title val=""/>
   <dgm:desc val=""/>
@@ -17927,7 +21151,7 @@
           <a:p>
             <a:fld id="{576609D0-5375-459A-981D-6E2C9B57FB58}" type="datetimeFigureOut">
               <a:rPr lang="en-US" smtClean="0"/>
-              <a:t>7/6/2023</a:t>
+              <a:t>7/17/2023</a:t>
             </a:fld>
             <a:endParaRPr lang="en-US"/>
           </a:p>
@@ -18325,7 +21549,7 @@
           <a:p>
             <a:fld id="{8B07799E-9CF9-40D1-8848-E26110036AE6}" type="datetimeFigureOut">
               <a:rPr lang="en-US" smtClean="0"/>
-              <a:t>7/6/2023</a:t>
+              <a:t>7/17/2023</a:t>
             </a:fld>
             <a:endParaRPr lang="en-US"/>
           </a:p>
@@ -18495,7 +21719,7 @@
           <a:p>
             <a:fld id="{8B07799E-9CF9-40D1-8848-E26110036AE6}" type="datetimeFigureOut">
               <a:rPr lang="en-US" smtClean="0"/>
-              <a:t>7/6/2023</a:t>
+              <a:t>7/17/2023</a:t>
             </a:fld>
             <a:endParaRPr lang="en-US"/>
           </a:p>
@@ -18675,7 +21899,7 @@
           <a:p>
             <a:fld id="{8B07799E-9CF9-40D1-8848-E26110036AE6}" type="datetimeFigureOut">
               <a:rPr lang="en-US" smtClean="0"/>
-              <a:t>7/6/2023</a:t>
+              <a:t>7/17/2023</a:t>
             </a:fld>
             <a:endParaRPr lang="en-US"/>
           </a:p>
@@ -18845,7 +22069,7 @@
           <a:p>
             <a:fld id="{8B07799E-9CF9-40D1-8848-E26110036AE6}" type="datetimeFigureOut">
               <a:rPr lang="en-US" smtClean="0"/>
-              <a:t>7/6/2023</a:t>
+              <a:t>7/17/2023</a:t>
             </a:fld>
             <a:endParaRPr lang="en-US"/>
           </a:p>
@@ -19091,7 +22315,7 @@
           <a:p>
             <a:fld id="{8B07799E-9CF9-40D1-8848-E26110036AE6}" type="datetimeFigureOut">
               <a:rPr lang="en-US" smtClean="0"/>
-              <a:t>7/6/2023</a:t>
+              <a:t>7/17/2023</a:t>
             </a:fld>
             <a:endParaRPr lang="en-US"/>
           </a:p>
@@ -19323,7 +22547,7 @@
           <a:p>
             <a:fld id="{8B07799E-9CF9-40D1-8848-E26110036AE6}" type="datetimeFigureOut">
               <a:rPr lang="en-US" smtClean="0"/>
-              <a:t>7/6/2023</a:t>
+              <a:t>7/17/2023</a:t>
             </a:fld>
             <a:endParaRPr lang="en-US"/>
           </a:p>
@@ -19690,7 +22914,7 @@
           <a:p>
             <a:fld id="{8B07799E-9CF9-40D1-8848-E26110036AE6}" type="datetimeFigureOut">
               <a:rPr lang="en-US" smtClean="0"/>
-              <a:t>7/6/2023</a:t>
+              <a:t>7/17/2023</a:t>
             </a:fld>
             <a:endParaRPr lang="en-US"/>
           </a:p>
@@ -19808,7 +23032,7 @@
           <a:p>
             <a:fld id="{8B07799E-9CF9-40D1-8848-E26110036AE6}" type="datetimeFigureOut">
               <a:rPr lang="en-US" smtClean="0"/>
-              <a:t>7/6/2023</a:t>
+              <a:t>7/17/2023</a:t>
             </a:fld>
             <a:endParaRPr lang="en-US"/>
           </a:p>
@@ -19903,7 +23127,7 @@
           <a:p>
             <a:fld id="{8B07799E-9CF9-40D1-8848-E26110036AE6}" type="datetimeFigureOut">
               <a:rPr lang="en-US" smtClean="0"/>
-              <a:t>7/6/2023</a:t>
+              <a:t>7/17/2023</a:t>
             </a:fld>
             <a:endParaRPr lang="en-US"/>
           </a:p>
@@ -20180,7 +23404,7 @@
           <a:p>
             <a:fld id="{8B07799E-9CF9-40D1-8848-E26110036AE6}" type="datetimeFigureOut">
               <a:rPr lang="en-US" smtClean="0"/>
-              <a:t>7/6/2023</a:t>
+              <a:t>7/17/2023</a:t>
             </a:fld>
             <a:endParaRPr lang="en-US"/>
           </a:p>
@@ -20437,7 +23661,7 @@
           <a:p>
             <a:fld id="{8B07799E-9CF9-40D1-8848-E26110036AE6}" type="datetimeFigureOut">
               <a:rPr lang="en-US" smtClean="0"/>
-              <a:t>7/6/2023</a:t>
+              <a:t>7/17/2023</a:t>
             </a:fld>
             <a:endParaRPr lang="en-US"/>
           </a:p>
@@ -20650,7 +23874,7 @@
           <a:p>
             <a:fld id="{8B07799E-9CF9-40D1-8848-E26110036AE6}" type="datetimeFigureOut">
               <a:rPr lang="en-US" smtClean="0"/>
-              <a:t>7/6/2023</a:t>
+              <a:t>7/17/2023</a:t>
             </a:fld>
             <a:endParaRPr lang="en-US"/>
           </a:p>
@@ -21063,6 +24287,66 @@
           <a:chExt cx="0" cy="0"/>
         </a:xfrm>
       </p:grpSpPr>
+      <p:sp useBgFill="1">
+        <p:nvSpPr>
+          <p:cNvPr id="2060" name="Rectangle 2054">
+            <a:extLst>
+              <a:ext uri="{FF2B5EF4-FFF2-40B4-BE49-F238E27FC236}">
+                <a16:creationId xmlns:a16="http://schemas.microsoft.com/office/drawing/2014/main" id="{6CCA5F87-1D1E-45CB-8D83-FC7EEFAD9935}"/>
+              </a:ext>
+              <a:ext uri="{C183D7F6-B498-43B3-948B-1728B52AA6E4}">
+                <adec:decorative xmlns:adec="http://schemas.microsoft.com/office/drawing/2017/decorative" val="1"/>
+              </a:ext>
+            </a:extLst>
+          </p:cNvPr>
+          <p:cNvSpPr>
+            <a:spLocks noGrp="1" noRot="1" noChangeAspect="1" noMove="1" noResize="1" noEditPoints="1" noAdjustHandles="1" noChangeArrowheads="1" noChangeShapeType="1" noTextEdit="1"/>
+          </p:cNvSpPr>
+          <p:nvPr>
+            <p:extLst>
+              <p:ext uri="{386F3935-93C4-4BCD-93E2-E3B085C9AB24}">
+                <p16:designElem xmlns:p16="http://schemas.microsoft.com/office/powerpoint/2015/main" val="1"/>
+              </p:ext>
+            </p:extLst>
+          </p:nvPr>
+        </p:nvSpPr>
+        <p:spPr>
+          <a:xfrm>
+            <a:off x="0" y="0"/>
+            <a:ext cx="12192000" cy="6858000"/>
+          </a:xfrm>
+          <a:prstGeom prst="rect">
+            <a:avLst/>
+          </a:prstGeom>
+          <a:ln>
+            <a:noFill/>
+          </a:ln>
+        </p:spPr>
+        <p:style>
+          <a:lnRef idx="2">
+            <a:schemeClr val="accent1">
+              <a:shade val="50000"/>
+            </a:schemeClr>
+          </a:lnRef>
+          <a:fillRef idx="1">
+            <a:schemeClr val="accent1"/>
+          </a:fillRef>
+          <a:effectRef idx="0">
+            <a:schemeClr val="accent1"/>
+          </a:effectRef>
+          <a:fontRef idx="minor">
+            <a:schemeClr val="lt1"/>
+          </a:fontRef>
+        </p:style>
+        <p:txBody>
+          <a:bodyPr rtlCol="0" anchor="ctr"/>
+          <a:lstStyle/>
+          <a:p>
+            <a:pPr algn="ctr"/>
+            <a:endParaRPr lang="en-US"/>
+          </a:p>
+        </p:txBody>
+      </p:sp>
       <p:pic>
         <p:nvPicPr>
           <p:cNvPr id="2050" name="Picture 2">
@@ -21085,13 +24369,13 @@
               </a:ext>
             </a:extLst>
           </a:blip>
-          <a:srcRect t="12537" r="9089" b="15360"/>
+          <a:srcRect l="9091" t="12537" r="-1" b="15360"/>
           <a:stretch/>
         </p:blipFill>
         <p:spPr bwMode="auto">
           <a:xfrm>
-            <a:off x="3523488" y="10"/>
-            <a:ext cx="8668512" cy="6857990"/>
+            <a:off x="20" y="10"/>
+            <a:ext cx="8668492" cy="6857990"/>
           </a:xfrm>
           <a:prstGeom prst="rect">
             <a:avLst/>
@@ -21110,6 +24394,92 @@
       </p:pic>
       <p:sp>
         <p:nvSpPr>
+          <p:cNvPr id="2062" name="Rectangle 2056">
+            <a:extLst>
+              <a:ext uri="{FF2B5EF4-FFF2-40B4-BE49-F238E27FC236}">
+                <a16:creationId xmlns:a16="http://schemas.microsoft.com/office/drawing/2014/main" id="{7CCFC2C6-6238-4A2F-93DE-2ADF74AF635E}"/>
+              </a:ext>
+              <a:ext uri="{C183D7F6-B498-43B3-948B-1728B52AA6E4}">
+                <adec:decorative xmlns:adec="http://schemas.microsoft.com/office/drawing/2017/decorative" val="1"/>
+              </a:ext>
+            </a:extLst>
+          </p:cNvPr>
+          <p:cNvSpPr>
+            <a:spLocks noGrp="1" noRot="1" noChangeAspect="1" noMove="1" noResize="1" noEditPoints="1" noAdjustHandles="1" noChangeArrowheads="1" noChangeShapeType="1" noTextEdit="1"/>
+          </p:cNvSpPr>
+          <p:nvPr>
+            <p:extLst>
+              <p:ext uri="{386F3935-93C4-4BCD-93E2-E3B085C9AB24}">
+                <p16:designElem xmlns:p16="http://schemas.microsoft.com/office/powerpoint/2015/main" val="1"/>
+              </p:ext>
+            </p:extLst>
+          </p:nvPr>
+        </p:nvSpPr>
+        <p:spPr>
+          <a:xfrm flipH="1">
+            <a:off x="3711652" y="0"/>
+            <a:ext cx="8480347" cy="6858000"/>
+          </a:xfrm>
+          <a:prstGeom prst="rect">
+            <a:avLst/>
+          </a:prstGeom>
+          <a:gradFill>
+            <a:gsLst>
+              <a:gs pos="48000">
+                <a:schemeClr val="bg1"/>
+              </a:gs>
+              <a:gs pos="35000">
+                <a:schemeClr val="bg1">
+                  <a:alpha val="77000"/>
+                </a:schemeClr>
+              </a:gs>
+              <a:gs pos="19000">
+                <a:schemeClr val="bg1">
+                  <a:alpha val="38000"/>
+                </a:schemeClr>
+              </a:gs>
+              <a:gs pos="0">
+                <a:schemeClr val="bg1">
+                  <a:alpha val="0"/>
+                </a:schemeClr>
+              </a:gs>
+              <a:gs pos="100000">
+                <a:schemeClr val="bg1"/>
+              </a:gs>
+            </a:gsLst>
+            <a:lin ang="10800000" scaled="0"/>
+          </a:gradFill>
+          <a:ln>
+            <a:noFill/>
+          </a:ln>
+        </p:spPr>
+        <p:style>
+          <a:lnRef idx="2">
+            <a:schemeClr val="accent1">
+              <a:shade val="50000"/>
+            </a:schemeClr>
+          </a:lnRef>
+          <a:fillRef idx="1">
+            <a:schemeClr val="accent1"/>
+          </a:fillRef>
+          <a:effectRef idx="0">
+            <a:schemeClr val="accent1"/>
+          </a:effectRef>
+          <a:fontRef idx="minor">
+            <a:schemeClr val="lt1"/>
+          </a:fontRef>
+        </p:style>
+        <p:txBody>
+          <a:bodyPr rtlCol="0" anchor="ctr"/>
+          <a:lstStyle/>
+          <a:p>
+            <a:pPr algn="ctr"/>
+            <a:endParaRPr lang="en-US" dirty="0"/>
+          </a:p>
+        </p:txBody>
+      </p:sp>
+      <p:sp>
+        <p:nvSpPr>
           <p:cNvPr id="2" name="Title 1">
             <a:extLst>
               <a:ext uri="{FF2B5EF4-FFF2-40B4-BE49-F238E27FC236}">
@@ -21126,7 +24496,7 @@
         </p:nvSpPr>
         <p:spPr>
           <a:xfrm>
-            <a:off x="0" y="1122363"/>
+            <a:off x="7848600" y="1122363"/>
             <a:ext cx="4023360" cy="3204134"/>
           </a:xfrm>
         </p:spPr>
@@ -21138,9 +24508,10 @@
           <a:p>
             <a:pPr algn="l"/>
             <a:r>
-              <a:rPr lang="en-US" sz="4800" dirty="0"/>
+              <a:rPr lang="en-US" sz="4800"/>
               <a:t>Predicting Short-term Rental Prices</a:t>
             </a:r>
+            <a:endParaRPr lang="en-US" sz="4800" dirty="0"/>
           </a:p>
         </p:txBody>
       </p:sp>
@@ -21162,8 +24533,8 @@
         </p:nvSpPr>
         <p:spPr>
           <a:xfrm>
-            <a:off x="477980" y="4872922"/>
-            <a:ext cx="4023359" cy="1208141"/>
+            <a:off x="7848600" y="4872922"/>
+            <a:ext cx="4023360" cy="1208141"/>
           </a:xfrm>
         </p:spPr>
         <p:txBody>
@@ -21191,6 +24562,167 @@
               <a:rPr lang="en-US" sz="2000"/>
               <a:t>2023</a:t>
             </a:r>
+          </a:p>
+        </p:txBody>
+      </p:sp>
+      <p:sp>
+        <p:nvSpPr>
+          <p:cNvPr id="2059" name="Rectangle 2058">
+            <a:extLst>
+              <a:ext uri="{FF2B5EF4-FFF2-40B4-BE49-F238E27FC236}">
+                <a16:creationId xmlns:a16="http://schemas.microsoft.com/office/drawing/2014/main" id="{AF2F604E-43BE-4DC3-B983-E071523364F8}"/>
+              </a:ext>
+              <a:ext uri="{C183D7F6-B498-43B3-948B-1728B52AA6E4}">
+                <adec:decorative xmlns:adec="http://schemas.microsoft.com/office/drawing/2017/decorative" val="1"/>
+              </a:ext>
+            </a:extLst>
+          </p:cNvPr>
+          <p:cNvSpPr>
+            <a:spLocks noGrp="1" noRot="1" noChangeAspect="1" noMove="1" noResize="1" noEditPoints="1" noAdjustHandles="1" noChangeArrowheads="1" noChangeShapeType="1" noTextEdit="1"/>
+          </p:cNvSpPr>
+          <p:nvPr>
+            <p:extLst>
+              <p:ext uri="{386F3935-93C4-4BCD-93E2-E3B085C9AB24}">
+                <p16:designElem xmlns:p16="http://schemas.microsoft.com/office/powerpoint/2015/main" val="1"/>
+              </p:ext>
+            </p:extLst>
+          </p:nvPr>
+        </p:nvSpPr>
+        <p:spPr>
+          <a:xfrm rot="5400000">
+            <a:off x="8130540" y="346791"/>
+            <a:ext cx="146304" cy="704088"/>
+          </a:xfrm>
+          <a:prstGeom prst="rect">
+            <a:avLst/>
+          </a:prstGeom>
+          <a:solidFill>
+            <a:schemeClr val="accent2"/>
+          </a:solidFill>
+          <a:ln>
+            <a:noFill/>
+          </a:ln>
+        </p:spPr>
+        <p:style>
+          <a:lnRef idx="2">
+            <a:schemeClr val="accent1">
+              <a:shade val="50000"/>
+            </a:schemeClr>
+          </a:lnRef>
+          <a:fillRef idx="1">
+            <a:schemeClr val="accent1"/>
+          </a:fillRef>
+          <a:effectRef idx="0">
+            <a:schemeClr val="accent1"/>
+          </a:effectRef>
+          <a:fontRef idx="minor">
+            <a:schemeClr val="lt1"/>
+          </a:fontRef>
+        </p:style>
+        <p:txBody>
+          <a:bodyPr rtlCol="0" anchor="ctr"/>
+          <a:lstStyle/>
+          <a:p>
+            <a:pPr algn="ctr"/>
+            <a:endParaRPr lang="en-US">
+              <a:solidFill>
+                <a:prstClr val="white"/>
+              </a:solidFill>
+              <a:latin typeface="Calibri" panose="020F0502020204030204"/>
+            </a:endParaRPr>
+          </a:p>
+        </p:txBody>
+      </p:sp>
+      <p:sp>
+        <p:nvSpPr>
+          <p:cNvPr id="2061" name="Rectangle 2060">
+            <a:extLst>
+              <a:ext uri="{FF2B5EF4-FFF2-40B4-BE49-F238E27FC236}">
+                <a16:creationId xmlns:a16="http://schemas.microsoft.com/office/drawing/2014/main" id="{08C9B587-E65E-4B52-B37C-ABEBB6E87928}"/>
+              </a:ext>
+              <a:ext uri="{C183D7F6-B498-43B3-948B-1728B52AA6E4}">
+                <adec:decorative xmlns:adec="http://schemas.microsoft.com/office/drawing/2017/decorative" val="1"/>
+              </a:ext>
+            </a:extLst>
+          </p:cNvPr>
+          <p:cNvSpPr>
+            <a:spLocks noGrp="1" noRot="1" noChangeAspect="1" noMove="1" noResize="1" noEditPoints="1" noAdjustHandles="1" noChangeArrowheads="1" noChangeShapeType="1" noTextEdit="1"/>
+          </p:cNvSpPr>
+          <p:nvPr>
+            <p:extLst>
+              <p:ext uri="{386F3935-93C4-4BCD-93E2-E3B085C9AB24}">
+                <p16:designElem xmlns:p16="http://schemas.microsoft.com/office/powerpoint/2015/main" val="1"/>
+              </p:ext>
+            </p:extLst>
+          </p:nvPr>
+        </p:nvSpPr>
+        <p:spPr>
+          <a:xfrm>
+            <a:off x="7851648" y="4546920"/>
+            <a:ext cx="4023360" cy="18288"/>
+          </a:xfrm>
+          <a:prstGeom prst="rect">
+            <a:avLst/>
+          </a:prstGeom>
+          <a:solidFill>
+            <a:srgbClr val="D5D5D5"/>
+          </a:solidFill>
+          <a:ln w="3175">
+            <a:noFill/>
+          </a:ln>
+          <a:effectLst/>
+        </p:spPr>
+        <p:style>
+          <a:lnRef idx="2">
+            <a:schemeClr val="accent1">
+              <a:shade val="50000"/>
+            </a:schemeClr>
+          </a:lnRef>
+          <a:fillRef idx="1">
+            <a:schemeClr val="accent1"/>
+          </a:fillRef>
+          <a:effectRef idx="0">
+            <a:schemeClr val="accent1"/>
+          </a:effectRef>
+          <a:fontRef idx="minor">
+            <a:schemeClr val="lt1"/>
+          </a:fontRef>
+        </p:style>
+        <p:txBody>
+          <a:bodyPr rtlCol="0" anchor="ctr"/>
+          <a:lstStyle/>
+          <a:p>
+            <a:pPr marL="0" marR="0" lvl="0" indent="0" algn="ctr" defTabSz="914400" rtl="0" eaLnBrk="1" fontAlgn="auto" latinLnBrk="0" hangingPunct="1">
+              <a:lnSpc>
+                <a:spcPct val="100000"/>
+              </a:lnSpc>
+              <a:spcBef>
+                <a:spcPts val="0"/>
+              </a:spcBef>
+              <a:spcAft>
+                <a:spcPts val="0"/>
+              </a:spcAft>
+              <a:buClrTx/>
+              <a:buSzTx/>
+              <a:buFontTx/>
+              <a:buNone/>
+              <a:tabLst/>
+              <a:defRPr/>
+            </a:pPr>
+            <a:endParaRPr kumimoji="0" lang="en-US" sz="1800" b="0" i="0" u="none" strike="noStrike" kern="1200" cap="none" spc="0" normalizeH="0" baseline="0" noProof="0">
+              <a:ln>
+                <a:noFill/>
+              </a:ln>
+              <a:solidFill>
+                <a:prstClr val="white"/>
+              </a:solidFill>
+              <a:effectLst/>
+              <a:uLnTx/>
+              <a:uFillTx/>
+              <a:latin typeface="Calibri" panose="020F0502020204030204"/>
+              <a:ea typeface="+mn-ea"/>
+              <a:cs typeface="+mn-cs"/>
+            </a:endParaRPr>
           </a:p>
         </p:txBody>
       </p:sp>
@@ -21226,10 +24758,38 @@
       </p:grpSpPr>
       <p:sp>
         <p:nvSpPr>
+          <p:cNvPr id="2" name="Title 1">
+            <a:extLst>
+              <a:ext uri="{FF2B5EF4-FFF2-40B4-BE49-F238E27FC236}">
+                <a16:creationId xmlns:a16="http://schemas.microsoft.com/office/drawing/2014/main" id="{007A83A6-19C6-695D-EF2D-BC4B00725E76}"/>
+              </a:ext>
+            </a:extLst>
+          </p:cNvPr>
+          <p:cNvSpPr>
+            <a:spLocks noGrp="1"/>
+          </p:cNvSpPr>
+          <p:nvPr>
+            <p:ph type="title"/>
+          </p:nvPr>
+        </p:nvSpPr>
+        <p:spPr/>
+        <p:txBody>
+          <a:bodyPr/>
+          <a:lstStyle/>
+          <a:p>
+            <a:r>
+              <a:rPr lang="en-US" dirty="0"/>
+              <a:t>Key findings (cont.)</a:t>
+            </a:r>
+          </a:p>
+        </p:txBody>
+      </p:sp>
+      <p:sp>
+        <p:nvSpPr>
           <p:cNvPr id="3" name="Content Placeholder 2">
             <a:extLst>
               <a:ext uri="{FF2B5EF4-FFF2-40B4-BE49-F238E27FC236}">
-                <a16:creationId xmlns:a16="http://schemas.microsoft.com/office/drawing/2014/main" id="{D266F5A9-8301-D988-CAE3-7DAA4EDCCB64}"/>
+                <a16:creationId xmlns:a16="http://schemas.microsoft.com/office/drawing/2014/main" id="{81BB9567-FD69-D2FB-977E-4309D49D23B7}"/>
               </a:ext>
             </a:extLst>
           </p:cNvPr>
@@ -21242,74 +24802,193 @@
         </p:nvSpPr>
         <p:spPr/>
         <p:txBody>
-          <a:bodyPr>
-            <a:normAutofit/>
+          <a:bodyPr/>
+          <a:lstStyle/>
+          <a:p>
+            <a:pPr marL="457200" lvl="1" indent="0" algn="l">
+              <a:buNone/>
+            </a:pPr>
+            <a:r>
+              <a:rPr lang="en-US" dirty="0"/>
+              <a:t>3. There was a shift to longer-term stays (&gt; 30 nights) possibly due to regulations or the recent pandemic</a:t>
+            </a:r>
+          </a:p>
+          <a:p>
+            <a:endParaRPr lang="en-US" dirty="0"/>
+          </a:p>
+        </p:txBody>
+      </p:sp>
+      <p:pic>
+        <p:nvPicPr>
+          <p:cNvPr id="6" name="Picture 5" descr="A graph of a number of nights">
+            <a:extLst>
+              <a:ext uri="{FF2B5EF4-FFF2-40B4-BE49-F238E27FC236}">
+                <a16:creationId xmlns:a16="http://schemas.microsoft.com/office/drawing/2014/main" id="{F8EC7E73-7A66-CB70-5E57-AFBCA2268224}"/>
+              </a:ext>
+            </a:extLst>
+          </p:cNvPr>
+          <p:cNvPicPr>
+            <a:picLocks noChangeAspect="1"/>
+          </p:cNvPicPr>
+          <p:nvPr/>
+        </p:nvPicPr>
+        <p:blipFill>
+          <a:blip r:embed="rId2">
+            <a:extLst>
+              <a:ext uri="{28A0092B-C50C-407E-A947-70E740481C1C}">
+                <a14:useLocalDpi xmlns:a14="http://schemas.microsoft.com/office/drawing/2010/main" val="0"/>
+              </a:ext>
+            </a:extLst>
+          </a:blip>
+          <a:stretch>
+            <a:fillRect/>
+          </a:stretch>
+        </p:blipFill>
+        <p:spPr>
+          <a:xfrm>
+            <a:off x="3523796" y="2514395"/>
+            <a:ext cx="7487557" cy="4018119"/>
+          </a:xfrm>
+          <a:prstGeom prst="rect">
+            <a:avLst/>
+          </a:prstGeom>
+        </p:spPr>
+      </p:pic>
+      <p:sp>
+        <p:nvSpPr>
+          <p:cNvPr id="7" name="TextBox 6">
+            <a:extLst>
+              <a:ext uri="{FF2B5EF4-FFF2-40B4-BE49-F238E27FC236}">
+                <a16:creationId xmlns:a16="http://schemas.microsoft.com/office/drawing/2014/main" id="{131A2AC7-077E-0113-FA72-B34F3B42C5A5}"/>
+              </a:ext>
+            </a:extLst>
+          </p:cNvPr>
+          <p:cNvSpPr txBox="1"/>
+          <p:nvPr/>
+        </p:nvSpPr>
+        <p:spPr>
+          <a:xfrm>
+            <a:off x="323851" y="3363096"/>
+            <a:ext cx="2857499" cy="1754326"/>
+          </a:xfrm>
+          <a:prstGeom prst="rect">
+            <a:avLst/>
+          </a:prstGeom>
+          <a:noFill/>
+        </p:spPr>
+        <p:txBody>
+          <a:bodyPr wrap="square" rtlCol="0">
+            <a:spAutoFit/>
           </a:bodyPr>
           <a:lstStyle/>
           <a:p>
             <a:r>
-              <a:rPr lang="en-US" b="1" dirty="0"/>
-              <a:t>Categorical feature encoding</a:t>
+              <a:rPr lang="en-US" dirty="0"/>
+              <a:t>*note: Due to this imbalance in distribution, the definition of STR in the context of this project was redefined to include listings with less than </a:t>
             </a:r>
             <a:r>
-              <a:rPr lang="en-US" dirty="0"/>
-              <a:t>: encoded borough, neighborhood, and room type features using one-hot and ordinal encoding</a:t>
+              <a:rPr lang="en-US" b="1" dirty="0"/>
+              <a:t>31 days</a:t>
             </a:r>
+            <a:endParaRPr lang="en-US" dirty="0"/>
           </a:p>
+        </p:txBody>
+      </p:sp>
+    </p:spTree>
+    <p:extLst>
+      <p:ext uri="{BB962C8B-B14F-4D97-AF65-F5344CB8AC3E}">
+        <p14:creationId xmlns:p14="http://schemas.microsoft.com/office/powerpoint/2010/main" val="3018998531"/>
+      </p:ext>
+    </p:extLst>
+  </p:cSld>
+  <p:clrMapOvr>
+    <a:masterClrMapping/>
+  </p:clrMapOvr>
+</p:sld>
+</file>
+
+<file path=ppt/slides/slide11.xml><?xml version="1.0" encoding="utf-8"?>
+<p:sld xmlns:a="http://schemas.openxmlformats.org/drawingml/2006/main" xmlns:r="http://schemas.openxmlformats.org/officeDocument/2006/relationships" xmlns:p="http://schemas.openxmlformats.org/presentationml/2006/main">
+  <p:cSld>
+    <p:bg>
+      <p:bgPr>
+        <a:solidFill>
+          <a:schemeClr val="bg1"/>
+        </a:solidFill>
+        <a:effectLst/>
+      </p:bgPr>
+    </p:bg>
+    <p:spTree>
+      <p:nvGrpSpPr>
+        <p:cNvPr id="1" name=""/>
+        <p:cNvGrpSpPr/>
+        <p:nvPr/>
+      </p:nvGrpSpPr>
+      <p:grpSpPr>
+        <a:xfrm>
+          <a:off x="0" y="0"/>
+          <a:ext cx="0" cy="0"/>
+          <a:chOff x="0" y="0"/>
+          <a:chExt cx="0" cy="0"/>
+        </a:xfrm>
+      </p:grpSpPr>
+      <p:sp useBgFill="1">
+        <p:nvSpPr>
+          <p:cNvPr id="9" name="Rectangle 8">
+            <a:extLst>
+              <a:ext uri="{FF2B5EF4-FFF2-40B4-BE49-F238E27FC236}">
+                <a16:creationId xmlns:a16="http://schemas.microsoft.com/office/drawing/2014/main" id="{CBB2B1F0-0DD6-4744-9A46-7A344FB48E40}"/>
+              </a:ext>
+              <a:ext uri="{C183D7F6-B498-43B3-948B-1728B52AA6E4}">
+                <adec:decorative xmlns:adec="http://schemas.microsoft.com/office/drawing/2017/decorative" val="1"/>
+              </a:ext>
+            </a:extLst>
+          </p:cNvPr>
+          <p:cNvSpPr>
+            <a:spLocks noGrp="1" noRot="1" noChangeAspect="1" noMove="1" noResize="1" noEditPoints="1" noAdjustHandles="1" noChangeArrowheads="1" noChangeShapeType="1" noTextEdit="1"/>
+          </p:cNvSpPr>
+          <p:nvPr>
+            <p:extLst>
+              <p:ext uri="{386F3935-93C4-4BCD-93E2-E3B085C9AB24}">
+                <p16:designElem xmlns:p16="http://schemas.microsoft.com/office/powerpoint/2015/main" val="1"/>
+              </p:ext>
+            </p:extLst>
+          </p:nvPr>
+        </p:nvSpPr>
+        <p:spPr>
+          <a:xfrm>
+            <a:off x="0" y="0"/>
+            <a:ext cx="12192000" cy="6858000"/>
+          </a:xfrm>
+          <a:prstGeom prst="rect">
+            <a:avLst/>
+          </a:prstGeom>
+          <a:ln>
+            <a:noFill/>
+          </a:ln>
+        </p:spPr>
+        <p:style>
+          <a:lnRef idx="2">
+            <a:schemeClr val="accent1">
+              <a:shade val="50000"/>
+            </a:schemeClr>
+          </a:lnRef>
+          <a:fillRef idx="1">
+            <a:schemeClr val="accent1"/>
+          </a:fillRef>
+          <a:effectRef idx="0">
+            <a:schemeClr val="accent1"/>
+          </a:effectRef>
+          <a:fontRef idx="minor">
+            <a:schemeClr val="lt1"/>
+          </a:fontRef>
+        </p:style>
+        <p:txBody>
+          <a:bodyPr rtlCol="0" anchor="ctr"/>
+          <a:lstStyle/>
           <a:p>
-            <a:r>
-              <a:rPr lang="en-US" b="1" dirty="0"/>
-              <a:t>Data splitting</a:t>
-            </a:r>
-            <a:r>
-              <a:rPr lang="en-US" dirty="0"/>
-              <a:t>: split the data into training and testing datasets with a 70/30 ratio</a:t>
-            </a:r>
-          </a:p>
-          <a:p>
-            <a:r>
-              <a:rPr lang="en-US" b="1" dirty="0"/>
-              <a:t>Baseline model</a:t>
-            </a:r>
-            <a:r>
-              <a:rPr lang="en-US" dirty="0"/>
-              <a:t>: created a dummy model for comparison using the mean value of price as a constant prediction</a:t>
-            </a:r>
-          </a:p>
-          <a:p>
-            <a:r>
-              <a:rPr lang="en-US" b="1" dirty="0"/>
-              <a:t>Models</a:t>
-            </a:r>
-            <a:r>
-              <a:rPr lang="en-US" dirty="0"/>
-              <a:t>: applied two machine learning algorithms: </a:t>
-            </a:r>
-          </a:p>
-          <a:p>
-            <a:pPr lvl="1"/>
-            <a:r>
-              <a:rPr lang="en-US" dirty="0"/>
-              <a:t>Random Forest Regressor (RFR) and an </a:t>
-            </a:r>
-            <a:r>
-              <a:rPr lang="en-US" dirty="0" err="1"/>
-              <a:t>XGBoost</a:t>
-            </a:r>
-            <a:r>
-              <a:rPr lang="en-US" dirty="0"/>
-              <a:t> for Regression(XGBR). </a:t>
-            </a:r>
-          </a:p>
-          <a:p>
-            <a:pPr lvl="1"/>
-            <a:r>
-              <a:rPr lang="en-US" dirty="0"/>
-              <a:t>Both models were tuned using grid search and cross validation to find the optimal hyperparameters. </a:t>
-            </a:r>
-          </a:p>
-          <a:p>
-            <a:endParaRPr lang="en-US" dirty="0"/>
+            <a:pPr algn="ctr"/>
+            <a:endParaRPr lang="en-US"/>
           </a:p>
         </p:txBody>
       </p:sp>
@@ -21329,8 +25008,8 @@
         </p:nvSpPr>
         <p:spPr>
           <a:xfrm>
-            <a:off x="572493" y="238539"/>
-            <a:ext cx="11018520" cy="1434415"/>
+            <a:off x="841248" y="426720"/>
+            <a:ext cx="10506456" cy="1919141"/>
           </a:xfrm>
           <a:prstGeom prst="rect">
             <a:avLst/>
@@ -21360,10 +25039,245 @@
             </a:lvl1pPr>
           </a:lstStyle>
           <a:p>
+            <a:pPr>
+              <a:spcAft>
+                <a:spcPts val="600"/>
+              </a:spcAft>
+            </a:pPr>
             <a:r>
-              <a:rPr lang="en-US" sz="5400" dirty="0"/>
-              <a:t>Data Pre=processing</a:t>
+              <a:rPr lang="en-US" sz="6000" kern="1200">
+                <a:solidFill>
+                  <a:schemeClr val="tx1"/>
+                </a:solidFill>
+                <a:latin typeface="+mj-lt"/>
+                <a:ea typeface="+mj-ea"/>
+                <a:cs typeface="+mj-cs"/>
+              </a:rPr>
+              <a:t>Data Pre-processing</a:t>
             </a:r>
+          </a:p>
+        </p:txBody>
+      </p:sp>
+      <p:sp>
+        <p:nvSpPr>
+          <p:cNvPr id="11" name="Rectangle 10">
+            <a:extLst>
+              <a:ext uri="{FF2B5EF4-FFF2-40B4-BE49-F238E27FC236}">
+                <a16:creationId xmlns:a16="http://schemas.microsoft.com/office/drawing/2014/main" id="{52D502E5-F6B4-4D58-B4AE-FC466FF15EE8}"/>
+              </a:ext>
+              <a:ext uri="{C183D7F6-B498-43B3-948B-1728B52AA6E4}">
+                <adec:decorative xmlns:adec="http://schemas.microsoft.com/office/drawing/2017/decorative" val="1"/>
+              </a:ext>
+            </a:extLst>
+          </p:cNvPr>
+          <p:cNvSpPr>
+            <a:spLocks noGrp="1" noRot="1" noChangeAspect="1" noMove="1" noResize="1" noEditPoints="1" noAdjustHandles="1" noChangeArrowheads="1" noChangeShapeType="1" noTextEdit="1"/>
+          </p:cNvSpPr>
+          <p:nvPr>
+            <p:extLst>
+              <p:ext uri="{386F3935-93C4-4BCD-93E2-E3B085C9AB24}">
+                <p16:designElem xmlns:p16="http://schemas.microsoft.com/office/powerpoint/2015/main" val="1"/>
+              </p:ext>
+            </p:extLst>
+          </p:nvPr>
+        </p:nvSpPr>
+        <p:spPr>
+          <a:xfrm>
+            <a:off x="865953" y="2899927"/>
+            <a:ext cx="10451592" cy="18288"/>
+          </a:xfrm>
+          <a:prstGeom prst="rect">
+            <a:avLst/>
+          </a:prstGeom>
+          <a:solidFill>
+            <a:srgbClr val="D5D5D5"/>
+          </a:solidFill>
+          <a:ln w="3175">
+            <a:noFill/>
+          </a:ln>
+          <a:effectLst/>
+        </p:spPr>
+        <p:style>
+          <a:lnRef idx="2">
+            <a:schemeClr val="accent1">
+              <a:shade val="50000"/>
+            </a:schemeClr>
+          </a:lnRef>
+          <a:fillRef idx="1">
+            <a:schemeClr val="accent1"/>
+          </a:fillRef>
+          <a:effectRef idx="0">
+            <a:schemeClr val="accent1"/>
+          </a:effectRef>
+          <a:fontRef idx="minor">
+            <a:schemeClr val="lt1"/>
+          </a:fontRef>
+        </p:style>
+        <p:txBody>
+          <a:bodyPr rtlCol="0" anchor="ctr"/>
+          <a:lstStyle/>
+          <a:p>
+            <a:pPr algn="ctr"/>
+            <a:endParaRPr lang="en-US">
+              <a:solidFill>
+                <a:prstClr val="white"/>
+              </a:solidFill>
+              <a:latin typeface="Calibri" panose="020F0502020204030204"/>
+            </a:endParaRPr>
+          </a:p>
+        </p:txBody>
+      </p:sp>
+      <p:sp>
+        <p:nvSpPr>
+          <p:cNvPr id="13" name="Rectangle 12">
+            <a:extLst>
+              <a:ext uri="{FF2B5EF4-FFF2-40B4-BE49-F238E27FC236}">
+                <a16:creationId xmlns:a16="http://schemas.microsoft.com/office/drawing/2014/main" id="{9DECDBF4-02B6-4BB4-B65B-B8107AD6A9E8}"/>
+              </a:ext>
+              <a:ext uri="{C183D7F6-B498-43B3-948B-1728B52AA6E4}">
+                <adec:decorative xmlns:adec="http://schemas.microsoft.com/office/drawing/2017/decorative" val="1"/>
+              </a:ext>
+            </a:extLst>
+          </p:cNvPr>
+          <p:cNvSpPr>
+            <a:spLocks noGrp="1" noRot="1" noChangeAspect="1" noMove="1" noResize="1" noEditPoints="1" noAdjustHandles="1" noChangeArrowheads="1" noChangeShapeType="1" noTextEdit="1"/>
+          </p:cNvSpPr>
+          <p:nvPr>
+            <p:extLst>
+              <p:ext uri="{386F3935-93C4-4BCD-93E2-E3B085C9AB24}">
+                <p16:designElem xmlns:p16="http://schemas.microsoft.com/office/powerpoint/2015/main" val="1"/>
+              </p:ext>
+            </p:extLst>
+          </p:nvPr>
+        </p:nvSpPr>
+        <p:spPr>
+          <a:xfrm flipV="1">
+            <a:off x="841248" y="2776031"/>
+            <a:ext cx="1873457" cy="137160"/>
+          </a:xfrm>
+          <a:prstGeom prst="rect">
+            <a:avLst/>
+          </a:prstGeom>
+          <a:solidFill>
+            <a:schemeClr val="accent2"/>
+          </a:solidFill>
+          <a:ln>
+            <a:noFill/>
+          </a:ln>
+        </p:spPr>
+        <p:style>
+          <a:lnRef idx="2">
+            <a:schemeClr val="accent1">
+              <a:shade val="50000"/>
+            </a:schemeClr>
+          </a:lnRef>
+          <a:fillRef idx="1">
+            <a:schemeClr val="accent1"/>
+          </a:fillRef>
+          <a:effectRef idx="0">
+            <a:schemeClr val="accent1"/>
+          </a:effectRef>
+          <a:fontRef idx="minor">
+            <a:schemeClr val="lt1"/>
+          </a:fontRef>
+        </p:style>
+        <p:txBody>
+          <a:bodyPr rtlCol="0" anchor="ctr"/>
+          <a:lstStyle/>
+          <a:p>
+            <a:pPr algn="ctr"/>
+            <a:endParaRPr lang="en-US">
+              <a:solidFill>
+                <a:prstClr val="white"/>
+              </a:solidFill>
+              <a:latin typeface="Calibri" panose="020F0502020204030204"/>
+            </a:endParaRPr>
+          </a:p>
+        </p:txBody>
+      </p:sp>
+      <p:sp>
+        <p:nvSpPr>
+          <p:cNvPr id="3" name="Content Placeholder 2">
+            <a:extLst>
+              <a:ext uri="{FF2B5EF4-FFF2-40B4-BE49-F238E27FC236}">
+                <a16:creationId xmlns:a16="http://schemas.microsoft.com/office/drawing/2014/main" id="{D266F5A9-8301-D988-CAE3-7DAA4EDCCB64}"/>
+              </a:ext>
+            </a:extLst>
+          </p:cNvPr>
+          <p:cNvSpPr>
+            <a:spLocks noGrp="1"/>
+          </p:cNvSpPr>
+          <p:nvPr>
+            <p:ph idx="1"/>
+          </p:nvPr>
+        </p:nvSpPr>
+        <p:spPr>
+          <a:xfrm>
+            <a:off x="841248" y="3337269"/>
+            <a:ext cx="10509504" cy="2905686"/>
+          </a:xfrm>
+        </p:spPr>
+        <p:txBody>
+          <a:bodyPr vert="horz" lIns="91440" tIns="45720" rIns="91440" bIns="45720" rtlCol="0">
+            <a:normAutofit/>
+          </a:bodyPr>
+          <a:lstStyle/>
+          <a:p>
+            <a:r>
+              <a:rPr lang="en-US" sz="1700" b="1"/>
+              <a:t>Categorical feature encoding</a:t>
+            </a:r>
+            <a:r>
+              <a:rPr lang="en-US" sz="1700"/>
+              <a:t>: encoded borough, neighborhood, and room_type features using one-hot and ordinal encoding</a:t>
+            </a:r>
+          </a:p>
+          <a:p>
+            <a:r>
+              <a:rPr lang="en-US" sz="1700" b="1"/>
+              <a:t>Data splitting</a:t>
+            </a:r>
+            <a:r>
+              <a:rPr lang="en-US" sz="1700"/>
+              <a:t>: split the data into training and testing datasets with a 70/30 ratio</a:t>
+            </a:r>
+          </a:p>
+          <a:p>
+            <a:r>
+              <a:rPr lang="en-US" sz="1700" b="1"/>
+              <a:t>Baseline model</a:t>
+            </a:r>
+            <a:r>
+              <a:rPr lang="en-US" sz="1700"/>
+              <a:t>: created a dummy model for comparison using the mean value of price as a constant prediction</a:t>
+            </a:r>
+          </a:p>
+          <a:p>
+            <a:r>
+              <a:rPr lang="en-US" sz="1700" b="1"/>
+              <a:t>Models</a:t>
+            </a:r>
+            <a:r>
+              <a:rPr lang="en-US" sz="1700"/>
+              <a:t>: applied two machine learning algorithms: </a:t>
+            </a:r>
+          </a:p>
+          <a:p>
+            <a:pPr lvl="1"/>
+            <a:r>
+              <a:rPr lang="en-US" sz="1700"/>
+              <a:t>Random Forest Regressor (RFR) and an XGBoost for Regression(XGBR). </a:t>
+            </a:r>
+          </a:p>
+          <a:p>
+            <a:pPr lvl="1"/>
+            <a:r>
+              <a:rPr lang="en-US" sz="1700"/>
+              <a:t>Both models were tuned using grid search and cross validation to find the optimal hyperparameters. </a:t>
+            </a:r>
+          </a:p>
+          <a:p>
+            <a:endParaRPr lang="en-US" sz="1700"/>
           </a:p>
         </p:txBody>
       </p:sp>
@@ -21380,7 +25294,7 @@
 </p:sld>
 </file>
 
-<file path=ppt/slides/slide11.xml><?xml version="1.0" encoding="utf-8"?>
+<file path=ppt/slides/slide12.xml><?xml version="1.0" encoding="utf-8"?>
 <p:sld xmlns:a="http://schemas.openxmlformats.org/drawingml/2006/main" xmlns:r="http://schemas.openxmlformats.org/officeDocument/2006/relationships" xmlns:p="http://schemas.openxmlformats.org/presentationml/2006/main">
   <p:cSld>
     <p:spTree>
@@ -21551,7 +25465,7 @@
 </p:sld>
 </file>
 
-<file path=ppt/slides/slide12.xml><?xml version="1.0" encoding="utf-8"?>
+<file path=ppt/slides/slide13.xml><?xml version="1.0" encoding="utf-8"?>
 <p:sld xmlns:a="http://schemas.openxmlformats.org/drawingml/2006/main" xmlns:r="http://schemas.openxmlformats.org/officeDocument/2006/relationships" xmlns:p="http://schemas.openxmlformats.org/presentationml/2006/main">
   <p:cSld>
     <p:bg>
@@ -22377,7 +26291,7 @@
 </p:sld>
 </file>
 
-<file path=ppt/slides/slide13.xml><?xml version="1.0" encoding="utf-8"?>
+<file path=ppt/slides/slide14.xml><?xml version="1.0" encoding="utf-8"?>
 <p:sld xmlns:a="http://schemas.openxmlformats.org/drawingml/2006/main" xmlns:r="http://schemas.openxmlformats.org/officeDocument/2006/relationships" xmlns:p="http://schemas.openxmlformats.org/presentationml/2006/main">
   <p:cSld>
     <p:spTree>
@@ -22633,9 +26547,17 @@
 </p:sld>
 </file>
 
-<file path=ppt/slides/slide14.xml><?xml version="1.0" encoding="utf-8"?>
+<file path=ppt/slides/slide15.xml><?xml version="1.0" encoding="utf-8"?>
 <p:sld xmlns:a="http://schemas.openxmlformats.org/drawingml/2006/main" xmlns:r="http://schemas.openxmlformats.org/officeDocument/2006/relationships" xmlns:p="http://schemas.openxmlformats.org/presentationml/2006/main">
   <p:cSld>
+    <p:bg>
+      <p:bgPr>
+        <a:solidFill>
+          <a:schemeClr val="bg1"/>
+        </a:solidFill>
+        <a:effectLst/>
+      </p:bgPr>
+    </p:bg>
     <p:spTree>
       <p:nvGrpSpPr>
         <p:cNvPr id="1" name=""/>
@@ -22650,6 +26572,66 @@
           <a:chExt cx="0" cy="0"/>
         </a:xfrm>
       </p:grpSpPr>
+      <p:sp useBgFill="1">
+        <p:nvSpPr>
+          <p:cNvPr id="8" name="Rectangle 7">
+            <a:extLst>
+              <a:ext uri="{FF2B5EF4-FFF2-40B4-BE49-F238E27FC236}">
+                <a16:creationId xmlns:a16="http://schemas.microsoft.com/office/drawing/2014/main" id="{CBB2B1F0-0DD6-4744-9A46-7A344FB48E40}"/>
+              </a:ext>
+              <a:ext uri="{C183D7F6-B498-43B3-948B-1728B52AA6E4}">
+                <adec:decorative xmlns:adec="http://schemas.microsoft.com/office/drawing/2017/decorative" val="1"/>
+              </a:ext>
+            </a:extLst>
+          </p:cNvPr>
+          <p:cNvSpPr>
+            <a:spLocks noGrp="1" noRot="1" noChangeAspect="1" noMove="1" noResize="1" noEditPoints="1" noAdjustHandles="1" noChangeArrowheads="1" noChangeShapeType="1" noTextEdit="1"/>
+          </p:cNvSpPr>
+          <p:nvPr>
+            <p:extLst>
+              <p:ext uri="{386F3935-93C4-4BCD-93E2-E3B085C9AB24}">
+                <p16:designElem xmlns:p16="http://schemas.microsoft.com/office/powerpoint/2015/main" val="1"/>
+              </p:ext>
+            </p:extLst>
+          </p:nvPr>
+        </p:nvSpPr>
+        <p:spPr>
+          <a:xfrm>
+            <a:off x="0" y="0"/>
+            <a:ext cx="12192000" cy="6858000"/>
+          </a:xfrm>
+          <a:prstGeom prst="rect">
+            <a:avLst/>
+          </a:prstGeom>
+          <a:ln>
+            <a:noFill/>
+          </a:ln>
+        </p:spPr>
+        <p:style>
+          <a:lnRef idx="2">
+            <a:schemeClr val="accent1">
+              <a:shade val="50000"/>
+            </a:schemeClr>
+          </a:lnRef>
+          <a:fillRef idx="1">
+            <a:schemeClr val="accent1"/>
+          </a:fillRef>
+          <a:effectRef idx="0">
+            <a:schemeClr val="accent1"/>
+          </a:effectRef>
+          <a:fontRef idx="minor">
+            <a:schemeClr val="lt1"/>
+          </a:fontRef>
+        </p:style>
+        <p:txBody>
+          <a:bodyPr rtlCol="0" anchor="ctr"/>
+          <a:lstStyle/>
+          <a:p>
+            <a:pPr algn="ctr"/>
+            <a:endParaRPr lang="en-US"/>
+          </a:p>
+        </p:txBody>
+      </p:sp>
       <p:sp>
         <p:nvSpPr>
           <p:cNvPr id="2" name="Title 1">
@@ -22666,16 +26648,159 @@
             <p:ph type="title"/>
           </p:nvPr>
         </p:nvSpPr>
-        <p:spPr/>
+        <p:spPr>
+          <a:xfrm>
+            <a:off x="841248" y="426720"/>
+            <a:ext cx="10506456" cy="1919141"/>
+          </a:xfrm>
+        </p:spPr>
         <p:txBody>
-          <a:bodyPr/>
+          <a:bodyPr anchor="b">
+            <a:normAutofit/>
+          </a:bodyPr>
           <a:lstStyle/>
           <a:p>
             <a:r>
-              <a:rPr lang="en-US" sz="4400"/>
+              <a:rPr lang="en-US" sz="6000"/>
               <a:t>Profitability Analysis</a:t>
             </a:r>
-            <a:endParaRPr lang="en-US" dirty="0"/>
+          </a:p>
+        </p:txBody>
+      </p:sp>
+      <p:sp>
+        <p:nvSpPr>
+          <p:cNvPr id="10" name="Rectangle 9">
+            <a:extLst>
+              <a:ext uri="{FF2B5EF4-FFF2-40B4-BE49-F238E27FC236}">
+                <a16:creationId xmlns:a16="http://schemas.microsoft.com/office/drawing/2014/main" id="{52D502E5-F6B4-4D58-B4AE-FC466FF15EE8}"/>
+              </a:ext>
+              <a:ext uri="{C183D7F6-B498-43B3-948B-1728B52AA6E4}">
+                <adec:decorative xmlns:adec="http://schemas.microsoft.com/office/drawing/2017/decorative" val="1"/>
+              </a:ext>
+            </a:extLst>
+          </p:cNvPr>
+          <p:cNvSpPr>
+            <a:spLocks noGrp="1" noRot="1" noChangeAspect="1" noMove="1" noResize="1" noEditPoints="1" noAdjustHandles="1" noChangeArrowheads="1" noChangeShapeType="1" noTextEdit="1"/>
+          </p:cNvSpPr>
+          <p:nvPr>
+            <p:extLst>
+              <p:ext uri="{386F3935-93C4-4BCD-93E2-E3B085C9AB24}">
+                <p16:designElem xmlns:p16="http://schemas.microsoft.com/office/powerpoint/2015/main" val="1"/>
+              </p:ext>
+            </p:extLst>
+          </p:nvPr>
+        </p:nvSpPr>
+        <p:spPr>
+          <a:xfrm>
+            <a:off x="865953" y="2899927"/>
+            <a:ext cx="10451592" cy="18288"/>
+          </a:xfrm>
+          <a:prstGeom prst="rect">
+            <a:avLst/>
+          </a:prstGeom>
+          <a:solidFill>
+            <a:srgbClr val="D5D5D5"/>
+          </a:solidFill>
+          <a:ln w="3175">
+            <a:noFill/>
+          </a:ln>
+          <a:effectLst/>
+        </p:spPr>
+        <p:style>
+          <a:lnRef idx="2">
+            <a:schemeClr val="accent1">
+              <a:shade val="50000"/>
+            </a:schemeClr>
+          </a:lnRef>
+          <a:fillRef idx="1">
+            <a:schemeClr val="accent1"/>
+          </a:fillRef>
+          <a:effectRef idx="0">
+            <a:schemeClr val="accent1"/>
+          </a:effectRef>
+          <a:fontRef idx="minor">
+            <a:schemeClr val="lt1"/>
+          </a:fontRef>
+        </p:style>
+        <p:txBody>
+          <a:bodyPr rtlCol="0" anchor="ctr"/>
+          <a:lstStyle/>
+          <a:p>
+            <a:pPr algn="ctr"/>
+            <a:endParaRPr lang="en-US">
+              <a:solidFill>
+                <a:prstClr val="white"/>
+              </a:solidFill>
+              <a:latin typeface="Calibri" panose="020F0502020204030204"/>
+            </a:endParaRPr>
+          </a:p>
+        </p:txBody>
+      </p:sp>
+      <p:sp>
+        <p:nvSpPr>
+          <p:cNvPr id="12" name="Rectangle 11">
+            <a:extLst>
+              <a:ext uri="{FF2B5EF4-FFF2-40B4-BE49-F238E27FC236}">
+                <a16:creationId xmlns:a16="http://schemas.microsoft.com/office/drawing/2014/main" id="{9DECDBF4-02B6-4BB4-B65B-B8107AD6A9E8}"/>
+              </a:ext>
+              <a:ext uri="{C183D7F6-B498-43B3-948B-1728B52AA6E4}">
+                <adec:decorative xmlns:adec="http://schemas.microsoft.com/office/drawing/2017/decorative" val="1"/>
+              </a:ext>
+            </a:extLst>
+          </p:cNvPr>
+          <p:cNvSpPr>
+            <a:spLocks noGrp="1" noRot="1" noChangeAspect="1" noMove="1" noResize="1" noEditPoints="1" noAdjustHandles="1" noChangeArrowheads="1" noChangeShapeType="1" noTextEdit="1"/>
+          </p:cNvSpPr>
+          <p:nvPr>
+            <p:extLst>
+              <p:ext uri="{386F3935-93C4-4BCD-93E2-E3B085C9AB24}">
+                <p16:designElem xmlns:p16="http://schemas.microsoft.com/office/powerpoint/2015/main" val="1"/>
+              </p:ext>
+            </p:extLst>
+          </p:nvPr>
+        </p:nvSpPr>
+        <p:spPr>
+          <a:xfrm flipV="1">
+            <a:off x="841248" y="2776031"/>
+            <a:ext cx="1873457" cy="137160"/>
+          </a:xfrm>
+          <a:prstGeom prst="rect">
+            <a:avLst/>
+          </a:prstGeom>
+          <a:solidFill>
+            <a:schemeClr val="accent2"/>
+          </a:solidFill>
+          <a:ln>
+            <a:noFill/>
+          </a:ln>
+        </p:spPr>
+        <p:style>
+          <a:lnRef idx="2">
+            <a:schemeClr val="accent1">
+              <a:shade val="50000"/>
+            </a:schemeClr>
+          </a:lnRef>
+          <a:fillRef idx="1">
+            <a:schemeClr val="accent1"/>
+          </a:fillRef>
+          <a:effectRef idx="0">
+            <a:schemeClr val="accent1"/>
+          </a:effectRef>
+          <a:fontRef idx="minor">
+            <a:schemeClr val="lt1"/>
+          </a:fontRef>
+        </p:style>
+        <p:txBody>
+          <a:bodyPr rtlCol="0" anchor="ctr"/>
+          <a:lstStyle/>
+          <a:p>
+            <a:pPr algn="ctr"/>
+            <a:endParaRPr lang="en-US">
+              <a:solidFill>
+                <a:prstClr val="white"/>
+              </a:solidFill>
+              <a:latin typeface="Calibri" panose="020F0502020204030204"/>
+            </a:endParaRPr>
           </a:p>
         </p:txBody>
       </p:sp>
@@ -22697,44 +26822,44 @@
         </p:nvSpPr>
         <p:spPr>
           <a:xfrm>
-            <a:off x="838199" y="1825625"/>
-            <a:ext cx="10626969" cy="4351338"/>
+            <a:off x="841248" y="3337269"/>
+            <a:ext cx="10509504" cy="2905686"/>
           </a:xfrm>
         </p:spPr>
         <p:txBody>
           <a:bodyPr>
-            <a:normAutofit lnSpcReduction="10000"/>
+            <a:normAutofit/>
           </a:bodyPr>
           <a:lstStyle/>
           <a:p>
             <a:r>
-              <a:rPr lang="en-US" sz="2800" dirty="0"/>
+              <a:rPr lang="en-US" sz="2200"/>
               <a:t>To understand the model’s performance and estimate potential revenue we conducted a hypothetical profitability analysis.</a:t>
             </a:r>
           </a:p>
           <a:p>
             <a:r>
-              <a:rPr lang="en-US" sz="2800" dirty="0"/>
+              <a:rPr lang="en-US" sz="2200"/>
               <a:t>The analysis compared our model to a hypothetical model that takes the average price of listings aggregated by neighborhood and property type</a:t>
             </a:r>
           </a:p>
           <a:p>
             <a:r>
-              <a:rPr lang="en-US" sz="2800" dirty="0"/>
+              <a:rPr lang="en-US" sz="2200"/>
               <a:t>Occupancy rate was estimated for each listing using availability information in the detailed calendar data. This was then factored into the revenue estimation.</a:t>
             </a:r>
           </a:p>
           <a:p>
             <a:r>
-              <a:rPr lang="en-US" sz="2800" dirty="0"/>
+              <a:rPr lang="en-US" sz="2200"/>
               <a:t>The results indicate, for the listings assessed and over the 12-month period, our model would generate approximately a </a:t>
             </a:r>
             <a:r>
-              <a:rPr lang="en-US" sz="2800" b="1" dirty="0"/>
+              <a:rPr lang="en-US" sz="2200" b="1"/>
               <a:t>1.4% increase in revenue</a:t>
             </a:r>
             <a:r>
-              <a:rPr lang="en-US" sz="2800" dirty="0"/>
+              <a:rPr lang="en-US" sz="2200"/>
               <a:t>.</a:t>
             </a:r>
           </a:p>
@@ -22753,7 +26878,7 @@
 </p:sld>
 </file>
 
-<file path=ppt/slides/slide15.xml><?xml version="1.0" encoding="utf-8"?>
+<file path=ppt/slides/slide16.xml><?xml version="1.0" encoding="utf-8"?>
 <p:sld xmlns:a="http://schemas.openxmlformats.org/drawingml/2006/main" xmlns:r="http://schemas.openxmlformats.org/officeDocument/2006/relationships" xmlns:p="http://schemas.openxmlformats.org/presentationml/2006/main">
   <p:cSld>
     <p:spTree>
@@ -22842,7 +26967,7 @@
 </p:sld>
 </file>
 
-<file path=ppt/slides/slide16.xml><?xml version="1.0" encoding="utf-8"?>
+<file path=ppt/slides/slide17.xml><?xml version="1.0" encoding="utf-8"?>
 <p:sld xmlns:a="http://schemas.openxmlformats.org/drawingml/2006/main" xmlns:r="http://schemas.openxmlformats.org/officeDocument/2006/relationships" xmlns:p="http://schemas.openxmlformats.org/presentationml/2006/main">
   <p:cSld>
     <p:bg>
@@ -22978,7 +27103,7 @@
             <p:ph idx="1"/>
             <p:extLst>
               <p:ext uri="{D42A27DB-BD31-4B8C-83A1-F6EECF244321}">
-                <p14:modId xmlns:p14="http://schemas.microsoft.com/office/powerpoint/2010/main" val="1587559995"/>
+                <p14:modId xmlns:p14="http://schemas.microsoft.com/office/powerpoint/2010/main" val="3194175654"/>
               </p:ext>
             </p:extLst>
           </p:nvPr>
@@ -23007,6 +27132,95 @@
 </file>
 
 <file path=ppt/slides/slide2.xml><?xml version="1.0" encoding="utf-8"?>
+<p:sld xmlns:a="http://schemas.openxmlformats.org/drawingml/2006/main" xmlns:r="http://schemas.openxmlformats.org/officeDocument/2006/relationships" xmlns:p="http://schemas.openxmlformats.org/presentationml/2006/main">
+  <p:cSld>
+    <p:spTree>
+      <p:nvGrpSpPr>
+        <p:cNvPr id="1" name=""/>
+        <p:cNvGrpSpPr/>
+        <p:nvPr/>
+      </p:nvGrpSpPr>
+      <p:grpSpPr>
+        <a:xfrm>
+          <a:off x="0" y="0"/>
+          <a:ext cx="0" cy="0"/>
+          <a:chOff x="0" y="0"/>
+          <a:chExt cx="0" cy="0"/>
+        </a:xfrm>
+      </p:grpSpPr>
+      <p:sp>
+        <p:nvSpPr>
+          <p:cNvPr id="2" name="Title 1">
+            <a:extLst>
+              <a:ext uri="{FF2B5EF4-FFF2-40B4-BE49-F238E27FC236}">
+                <a16:creationId xmlns:a16="http://schemas.microsoft.com/office/drawing/2014/main" id="{C36CEDC2-8B19-CF5C-9AB6-E661848D31A2}"/>
+              </a:ext>
+            </a:extLst>
+          </p:cNvPr>
+          <p:cNvSpPr>
+            <a:spLocks noGrp="1"/>
+          </p:cNvSpPr>
+          <p:nvPr>
+            <p:ph type="title"/>
+          </p:nvPr>
+        </p:nvSpPr>
+        <p:spPr/>
+        <p:txBody>
+          <a:bodyPr/>
+          <a:lstStyle/>
+          <a:p>
+            <a:r>
+              <a:rPr lang="en-US" dirty="0"/>
+              <a:t>Executive Summary</a:t>
+            </a:r>
+          </a:p>
+        </p:txBody>
+      </p:sp>
+      <p:graphicFrame>
+        <p:nvGraphicFramePr>
+          <p:cNvPr id="5" name="Content Placeholder 2">
+            <a:extLst>
+              <a:ext uri="{FF2B5EF4-FFF2-40B4-BE49-F238E27FC236}">
+                <a16:creationId xmlns:a16="http://schemas.microsoft.com/office/drawing/2014/main" id="{D1181DCF-6055-7FFA-DF33-0939B7D1BDD3}"/>
+              </a:ext>
+            </a:extLst>
+          </p:cNvPr>
+          <p:cNvGraphicFramePr>
+            <a:graphicFrameLocks noGrp="1"/>
+          </p:cNvGraphicFramePr>
+          <p:nvPr>
+            <p:ph idx="1"/>
+            <p:extLst>
+              <p:ext uri="{D42A27DB-BD31-4B8C-83A1-F6EECF244321}">
+                <p14:modId xmlns:p14="http://schemas.microsoft.com/office/powerpoint/2010/main" val="4104984055"/>
+              </p:ext>
+            </p:extLst>
+          </p:nvPr>
+        </p:nvGraphicFramePr>
+        <p:xfrm>
+          <a:off x="838200" y="1825625"/>
+          <a:ext cx="10515600" cy="4351338"/>
+        </p:xfrm>
+        <a:graphic>
+          <a:graphicData uri="http://schemas.openxmlformats.org/drawingml/2006/diagram">
+            <dgm:relIds xmlns:dgm="http://schemas.openxmlformats.org/drawingml/2006/diagram" xmlns:r="http://schemas.openxmlformats.org/officeDocument/2006/relationships" r:dm="rId2" r:lo="rId3" r:qs="rId4" r:cs="rId5"/>
+          </a:graphicData>
+        </a:graphic>
+      </p:graphicFrame>
+    </p:spTree>
+    <p:extLst>
+      <p:ext uri="{BB962C8B-B14F-4D97-AF65-F5344CB8AC3E}">
+        <p14:creationId xmlns:p14="http://schemas.microsoft.com/office/powerpoint/2010/main" val="3169849588"/>
+      </p:ext>
+    </p:extLst>
+  </p:cSld>
+  <p:clrMapOvr>
+    <a:masterClrMapping/>
+  </p:clrMapOvr>
+</p:sld>
+</file>
+
+<file path=ppt/slides/slide3.xml><?xml version="1.0" encoding="utf-8"?>
 <p:sld xmlns:a="http://schemas.openxmlformats.org/drawingml/2006/main" xmlns:r="http://schemas.openxmlformats.org/officeDocument/2006/relationships" xmlns:p="http://schemas.openxmlformats.org/presentationml/2006/main">
   <p:cSld>
     <p:bg>
@@ -23239,7 +27453,7 @@
 </p:sld>
 </file>
 
-<file path=ppt/slides/slide3.xml><?xml version="1.0" encoding="utf-8"?>
+<file path=ppt/slides/slide4.xml><?xml version="1.0" encoding="utf-8"?>
 <p:sld xmlns:a="http://schemas.openxmlformats.org/drawingml/2006/main" xmlns:r="http://schemas.openxmlformats.org/officeDocument/2006/relationships" xmlns:p="http://schemas.openxmlformats.org/presentationml/2006/main">
   <p:cSld>
     <p:spTree>
@@ -23298,6 +27512,11 @@
           </p:cNvGraphicFramePr>
           <p:nvPr>
             <p:ph idx="1"/>
+            <p:extLst>
+              <p:ext uri="{D42A27DB-BD31-4B8C-83A1-F6EECF244321}">
+                <p14:modId xmlns:p14="http://schemas.microsoft.com/office/powerpoint/2010/main" val="3901780017"/>
+              </p:ext>
+            </p:extLst>
           </p:nvPr>
         </p:nvGraphicFramePr>
         <p:xfrm>
@@ -23323,7 +27542,7 @@
 </p:sld>
 </file>
 
-<file path=ppt/slides/slide4.xml><?xml version="1.0" encoding="utf-8"?>
+<file path=ppt/slides/slide5.xml><?xml version="1.0" encoding="utf-8"?>
 <p:sld xmlns:a="http://schemas.openxmlformats.org/drawingml/2006/main" xmlns:r="http://schemas.openxmlformats.org/officeDocument/2006/relationships" xmlns:p="http://schemas.openxmlformats.org/presentationml/2006/main">
   <p:cSld>
     <p:bg>
@@ -24139,7 +28358,7 @@
 </p:sld>
 </file>
 
-<file path=ppt/slides/slide5.xml><?xml version="1.0" encoding="utf-8"?>
+<file path=ppt/slides/slide6.xml><?xml version="1.0" encoding="utf-8"?>
 <p:sld xmlns:a="http://schemas.openxmlformats.org/drawingml/2006/main" xmlns:r="http://schemas.openxmlformats.org/officeDocument/2006/relationships" xmlns:p="http://schemas.openxmlformats.org/presentationml/2006/main">
   <p:cSld>
     <p:bg>
@@ -24550,7 +28769,7 @@
 </p:sld>
 </file>
 
-<file path=ppt/slides/slide6.xml><?xml version="1.0" encoding="utf-8"?>
+<file path=ppt/slides/slide7.xml><?xml version="1.0" encoding="utf-8"?>
 <p:sld xmlns:a="http://schemas.openxmlformats.org/drawingml/2006/main" xmlns:r="http://schemas.openxmlformats.org/officeDocument/2006/relationships" xmlns:p="http://schemas.openxmlformats.org/presentationml/2006/main">
   <p:cSld>
     <p:bg>
@@ -25883,7 +30102,7 @@
 </p:sld>
 </file>
 
-<file path=ppt/slides/slide7.xml><?xml version="1.0" encoding="utf-8"?>
+<file path=ppt/slides/slide8.xml><?xml version="1.0" encoding="utf-8"?>
 <p:sld xmlns:a="http://schemas.openxmlformats.org/drawingml/2006/main" xmlns:r="http://schemas.openxmlformats.org/officeDocument/2006/relationships" xmlns:p="http://schemas.openxmlformats.org/presentationml/2006/main">
   <p:cSld>
     <p:spTree>
@@ -26073,7 +30292,7 @@
 </p:sld>
 </file>
 
-<file path=ppt/slides/slide8.xml><?xml version="1.0" encoding="utf-8"?>
+<file path=ppt/slides/slide9.xml><?xml version="1.0" encoding="utf-8"?>
 <p:sld xmlns:a="http://schemas.openxmlformats.org/drawingml/2006/main" xmlns:r="http://schemas.openxmlformats.org/officeDocument/2006/relationships" xmlns:p="http://schemas.openxmlformats.org/presentationml/2006/main">
   <p:cSld>
     <p:spTree>
@@ -26192,174 +30411,6 @@
     <p:extLst>
       <p:ext uri="{BB962C8B-B14F-4D97-AF65-F5344CB8AC3E}">
         <p14:creationId xmlns:p14="http://schemas.microsoft.com/office/powerpoint/2010/main" val="2316574614"/>
-      </p:ext>
-    </p:extLst>
-  </p:cSld>
-  <p:clrMapOvr>
-    <a:masterClrMapping/>
-  </p:clrMapOvr>
-</p:sld>
-</file>
-
-<file path=ppt/slides/slide9.xml><?xml version="1.0" encoding="utf-8"?>
-<p:sld xmlns:a="http://schemas.openxmlformats.org/drawingml/2006/main" xmlns:r="http://schemas.openxmlformats.org/officeDocument/2006/relationships" xmlns:p="http://schemas.openxmlformats.org/presentationml/2006/main">
-  <p:cSld>
-    <p:spTree>
-      <p:nvGrpSpPr>
-        <p:cNvPr id="1" name=""/>
-        <p:cNvGrpSpPr/>
-        <p:nvPr/>
-      </p:nvGrpSpPr>
-      <p:grpSpPr>
-        <a:xfrm>
-          <a:off x="0" y="0"/>
-          <a:ext cx="0" cy="0"/>
-          <a:chOff x="0" y="0"/>
-          <a:chExt cx="0" cy="0"/>
-        </a:xfrm>
-      </p:grpSpPr>
-      <p:sp>
-        <p:nvSpPr>
-          <p:cNvPr id="2" name="Title 1">
-            <a:extLst>
-              <a:ext uri="{FF2B5EF4-FFF2-40B4-BE49-F238E27FC236}">
-                <a16:creationId xmlns:a16="http://schemas.microsoft.com/office/drawing/2014/main" id="{007A83A6-19C6-695D-EF2D-BC4B00725E76}"/>
-              </a:ext>
-            </a:extLst>
-          </p:cNvPr>
-          <p:cNvSpPr>
-            <a:spLocks noGrp="1"/>
-          </p:cNvSpPr>
-          <p:nvPr>
-            <p:ph type="title"/>
-          </p:nvPr>
-        </p:nvSpPr>
-        <p:spPr/>
-        <p:txBody>
-          <a:bodyPr/>
-          <a:lstStyle/>
-          <a:p>
-            <a:r>
-              <a:rPr lang="en-US" dirty="0"/>
-              <a:t>Key findings (cont.)</a:t>
-            </a:r>
-          </a:p>
-        </p:txBody>
-      </p:sp>
-      <p:sp>
-        <p:nvSpPr>
-          <p:cNvPr id="3" name="Content Placeholder 2">
-            <a:extLst>
-              <a:ext uri="{FF2B5EF4-FFF2-40B4-BE49-F238E27FC236}">
-                <a16:creationId xmlns:a16="http://schemas.microsoft.com/office/drawing/2014/main" id="{81BB9567-FD69-D2FB-977E-4309D49D23B7}"/>
-              </a:ext>
-            </a:extLst>
-          </p:cNvPr>
-          <p:cNvSpPr>
-            <a:spLocks noGrp="1"/>
-          </p:cNvSpPr>
-          <p:nvPr>
-            <p:ph idx="1"/>
-          </p:nvPr>
-        </p:nvSpPr>
-        <p:spPr/>
-        <p:txBody>
-          <a:bodyPr/>
-          <a:lstStyle/>
-          <a:p>
-            <a:pPr marL="457200" lvl="1" indent="0" algn="l">
-              <a:buNone/>
-            </a:pPr>
-            <a:r>
-              <a:rPr lang="en-US" dirty="0"/>
-              <a:t>3. There was a shift to longer-term stays (&gt; 30 nights) possibly due to regulations or the recent pandemic</a:t>
-            </a:r>
-          </a:p>
-          <a:p>
-            <a:endParaRPr lang="en-US" dirty="0"/>
-          </a:p>
-        </p:txBody>
-      </p:sp>
-      <p:pic>
-        <p:nvPicPr>
-          <p:cNvPr id="6" name="Picture 5" descr="A graph of a number of nights">
-            <a:extLst>
-              <a:ext uri="{FF2B5EF4-FFF2-40B4-BE49-F238E27FC236}">
-                <a16:creationId xmlns:a16="http://schemas.microsoft.com/office/drawing/2014/main" id="{F8EC7E73-7A66-CB70-5E57-AFBCA2268224}"/>
-              </a:ext>
-            </a:extLst>
-          </p:cNvPr>
-          <p:cNvPicPr>
-            <a:picLocks noChangeAspect="1"/>
-          </p:cNvPicPr>
-          <p:nvPr/>
-        </p:nvPicPr>
-        <p:blipFill>
-          <a:blip r:embed="rId2">
-            <a:extLst>
-              <a:ext uri="{28A0092B-C50C-407E-A947-70E740481C1C}">
-                <a14:useLocalDpi xmlns:a14="http://schemas.microsoft.com/office/drawing/2010/main" val="0"/>
-              </a:ext>
-            </a:extLst>
-          </a:blip>
-          <a:stretch>
-            <a:fillRect/>
-          </a:stretch>
-        </p:blipFill>
-        <p:spPr>
-          <a:xfrm>
-            <a:off x="3523796" y="2514395"/>
-            <a:ext cx="7487557" cy="4018119"/>
-          </a:xfrm>
-          <a:prstGeom prst="rect">
-            <a:avLst/>
-          </a:prstGeom>
-        </p:spPr>
-      </p:pic>
-      <p:sp>
-        <p:nvSpPr>
-          <p:cNvPr id="7" name="TextBox 6">
-            <a:extLst>
-              <a:ext uri="{FF2B5EF4-FFF2-40B4-BE49-F238E27FC236}">
-                <a16:creationId xmlns:a16="http://schemas.microsoft.com/office/drawing/2014/main" id="{131A2AC7-077E-0113-FA72-B34F3B42C5A5}"/>
-              </a:ext>
-            </a:extLst>
-          </p:cNvPr>
-          <p:cNvSpPr txBox="1"/>
-          <p:nvPr/>
-        </p:nvSpPr>
-        <p:spPr>
-          <a:xfrm>
-            <a:off x="323851" y="3363096"/>
-            <a:ext cx="2857499" cy="1754326"/>
-          </a:xfrm>
-          <a:prstGeom prst="rect">
-            <a:avLst/>
-          </a:prstGeom>
-          <a:noFill/>
-        </p:spPr>
-        <p:txBody>
-          <a:bodyPr wrap="square" rtlCol="0">
-            <a:spAutoFit/>
-          </a:bodyPr>
-          <a:lstStyle/>
-          <a:p>
-            <a:r>
-              <a:rPr lang="en-US" dirty="0"/>
-              <a:t>*note: Due to this imbalance in distribution, I will amend the definition of STR in the context of this project to include listings with less than </a:t>
-            </a:r>
-            <a:r>
-              <a:rPr lang="en-US" b="1" dirty="0"/>
-              <a:t>31 days</a:t>
-            </a:r>
-            <a:endParaRPr lang="en-US" dirty="0"/>
-          </a:p>
-        </p:txBody>
-      </p:sp>
-    </p:spTree>
-    <p:extLst>
-      <p:ext uri="{BB962C8B-B14F-4D97-AF65-F5344CB8AC3E}">
-        <p14:creationId xmlns:p14="http://schemas.microsoft.com/office/powerpoint/2010/main" val="3018998531"/>
       </p:ext>
     </p:extLst>
   </p:cSld>

--- a/Capstone 2/Report Files/Capstone 2 Presentation.pptx
+++ b/Capstone 2/Report Files/Capstone 2 Presentation.pptx
@@ -5,7 +5,7 @@
     <p:sldMasterId id="2147483792" r:id="rId1"/>
   </p:sldMasterIdLst>
   <p:notesMasterIdLst>
-    <p:notesMasterId r:id="rId19"/>
+    <p:notesMasterId r:id="rId20"/>
   </p:notesMasterIdLst>
   <p:sldIdLst>
     <p:sldId id="256" r:id="rId2"/>
@@ -23,8 +23,9 @@
     <p:sldId id="275" r:id="rId14"/>
     <p:sldId id="271" r:id="rId15"/>
     <p:sldId id="276" r:id="rId16"/>
-    <p:sldId id="272" r:id="rId17"/>
-    <p:sldId id="273" r:id="rId18"/>
+    <p:sldId id="278" r:id="rId17"/>
+    <p:sldId id="272" r:id="rId18"/>
+    <p:sldId id="273" r:id="rId19"/>
   </p:sldIdLst>
   <p:sldSz cx="12192000" cy="6858000"/>
   <p:notesSz cx="6858000" cy="9144000"/>
@@ -4674,6 +4675,753 @@
 </file>
 
 <file path=ppt/diagrams/colors7.xml><?xml version="1.0" encoding="utf-8"?>
+<dgm:colorsDef xmlns:dgm="http://schemas.openxmlformats.org/drawingml/2006/diagram" xmlns:a="http://schemas.openxmlformats.org/drawingml/2006/main" uniqueId="urn:microsoft.com/office/officeart/2005/8/colors/accent1_2">
+  <dgm:title val=""/>
+  <dgm:desc val=""/>
+  <dgm:catLst>
+    <dgm:cat type="accent1" pri="11200"/>
+  </dgm:catLst>
+  <dgm:styleLbl name="node0">
+    <dgm:fillClrLst meth="repeat">
+      <a:schemeClr val="accent1"/>
+    </dgm:fillClrLst>
+    <dgm:linClrLst meth="repeat">
+      <a:schemeClr val="lt1"/>
+    </dgm:linClrLst>
+    <dgm:effectClrLst/>
+    <dgm:txLinClrLst/>
+    <dgm:txFillClrLst/>
+    <dgm:txEffectClrLst/>
+  </dgm:styleLbl>
+  <dgm:styleLbl name="alignNode1">
+    <dgm:fillClrLst meth="repeat">
+      <a:schemeClr val="accent1"/>
+    </dgm:fillClrLst>
+    <dgm:linClrLst meth="repeat">
+      <a:schemeClr val="accent1"/>
+    </dgm:linClrLst>
+    <dgm:effectClrLst/>
+    <dgm:txLinClrLst/>
+    <dgm:txFillClrLst/>
+    <dgm:txEffectClrLst/>
+  </dgm:styleLbl>
+  <dgm:styleLbl name="node1">
+    <dgm:fillClrLst meth="repeat">
+      <a:schemeClr val="accent1"/>
+    </dgm:fillClrLst>
+    <dgm:linClrLst meth="repeat">
+      <a:schemeClr val="lt1"/>
+    </dgm:linClrLst>
+    <dgm:effectClrLst/>
+    <dgm:txLinClrLst/>
+    <dgm:txFillClrLst/>
+    <dgm:txEffectClrLst/>
+  </dgm:styleLbl>
+  <dgm:styleLbl name="lnNode1">
+    <dgm:fillClrLst meth="repeat">
+      <a:schemeClr val="accent1"/>
+    </dgm:fillClrLst>
+    <dgm:linClrLst meth="repeat">
+      <a:schemeClr val="lt1"/>
+    </dgm:linClrLst>
+    <dgm:effectClrLst/>
+    <dgm:txLinClrLst/>
+    <dgm:txFillClrLst/>
+    <dgm:txEffectClrLst/>
+  </dgm:styleLbl>
+  <dgm:styleLbl name="vennNode1">
+    <dgm:fillClrLst meth="repeat">
+      <a:schemeClr val="accent1">
+        <a:alpha val="50000"/>
+      </a:schemeClr>
+    </dgm:fillClrLst>
+    <dgm:linClrLst meth="repeat">
+      <a:schemeClr val="lt1"/>
+    </dgm:linClrLst>
+    <dgm:effectClrLst/>
+    <dgm:txLinClrLst/>
+    <dgm:txFillClrLst/>
+    <dgm:txEffectClrLst/>
+  </dgm:styleLbl>
+  <dgm:styleLbl name="node2">
+    <dgm:fillClrLst meth="repeat">
+      <a:schemeClr val="accent1"/>
+    </dgm:fillClrLst>
+    <dgm:linClrLst meth="repeat">
+      <a:schemeClr val="lt1"/>
+    </dgm:linClrLst>
+    <dgm:effectClrLst/>
+    <dgm:txLinClrLst/>
+    <dgm:txFillClrLst/>
+    <dgm:txEffectClrLst/>
+  </dgm:styleLbl>
+  <dgm:styleLbl name="node3">
+    <dgm:fillClrLst meth="repeat">
+      <a:schemeClr val="accent1"/>
+    </dgm:fillClrLst>
+    <dgm:linClrLst meth="repeat">
+      <a:schemeClr val="lt1"/>
+    </dgm:linClrLst>
+    <dgm:effectClrLst/>
+    <dgm:txLinClrLst/>
+    <dgm:txFillClrLst/>
+    <dgm:txEffectClrLst/>
+  </dgm:styleLbl>
+  <dgm:styleLbl name="node4">
+    <dgm:fillClrLst meth="repeat">
+      <a:schemeClr val="accent1"/>
+    </dgm:fillClrLst>
+    <dgm:linClrLst meth="repeat">
+      <a:schemeClr val="lt1"/>
+    </dgm:linClrLst>
+    <dgm:effectClrLst/>
+    <dgm:txLinClrLst/>
+    <dgm:txFillClrLst/>
+    <dgm:txEffectClrLst/>
+  </dgm:styleLbl>
+  <dgm:styleLbl name="fgImgPlace1">
+    <dgm:fillClrLst meth="repeat">
+      <a:schemeClr val="accent1">
+        <a:tint val="50000"/>
+      </a:schemeClr>
+    </dgm:fillClrLst>
+    <dgm:linClrLst meth="repeat">
+      <a:schemeClr val="lt1"/>
+    </dgm:linClrLst>
+    <dgm:effectClrLst/>
+    <dgm:txLinClrLst/>
+    <dgm:txFillClrLst meth="repeat">
+      <a:schemeClr val="lt1"/>
+    </dgm:txFillClrLst>
+    <dgm:txEffectClrLst/>
+  </dgm:styleLbl>
+  <dgm:styleLbl name="alignImgPlace1">
+    <dgm:fillClrLst meth="repeat">
+      <a:schemeClr val="accent1">
+        <a:tint val="50000"/>
+      </a:schemeClr>
+    </dgm:fillClrLst>
+    <dgm:linClrLst meth="repeat">
+      <a:schemeClr val="lt1"/>
+    </dgm:linClrLst>
+    <dgm:effectClrLst/>
+    <dgm:txLinClrLst/>
+    <dgm:txFillClrLst meth="repeat">
+      <a:schemeClr val="lt1"/>
+    </dgm:txFillClrLst>
+    <dgm:txEffectClrLst/>
+  </dgm:styleLbl>
+  <dgm:styleLbl name="bgImgPlace1">
+    <dgm:fillClrLst meth="repeat">
+      <a:schemeClr val="accent1">
+        <a:tint val="50000"/>
+      </a:schemeClr>
+    </dgm:fillClrLst>
+    <dgm:linClrLst meth="repeat">
+      <a:schemeClr val="lt1"/>
+    </dgm:linClrLst>
+    <dgm:effectClrLst/>
+    <dgm:txLinClrLst/>
+    <dgm:txFillClrLst meth="repeat">
+      <a:schemeClr val="lt1"/>
+    </dgm:txFillClrLst>
+    <dgm:txEffectClrLst/>
+  </dgm:styleLbl>
+  <dgm:styleLbl name="sibTrans2D1">
+    <dgm:fillClrLst meth="repeat">
+      <a:schemeClr val="accent1">
+        <a:tint val="60000"/>
+      </a:schemeClr>
+    </dgm:fillClrLst>
+    <dgm:linClrLst meth="repeat">
+      <a:schemeClr val="accent1">
+        <a:tint val="60000"/>
+      </a:schemeClr>
+    </dgm:linClrLst>
+    <dgm:effectClrLst/>
+    <dgm:txLinClrLst/>
+    <dgm:txFillClrLst/>
+    <dgm:txEffectClrLst/>
+  </dgm:styleLbl>
+  <dgm:styleLbl name="fgSibTrans2D1">
+    <dgm:fillClrLst meth="repeat">
+      <a:schemeClr val="accent1">
+        <a:tint val="60000"/>
+      </a:schemeClr>
+    </dgm:fillClrLst>
+    <dgm:linClrLst meth="repeat">
+      <a:schemeClr val="accent1">
+        <a:tint val="60000"/>
+      </a:schemeClr>
+    </dgm:linClrLst>
+    <dgm:effectClrLst/>
+    <dgm:txLinClrLst/>
+    <dgm:txFillClrLst/>
+    <dgm:txEffectClrLst/>
+  </dgm:styleLbl>
+  <dgm:styleLbl name="bgSibTrans2D1">
+    <dgm:fillClrLst meth="repeat">
+      <a:schemeClr val="accent1">
+        <a:tint val="60000"/>
+      </a:schemeClr>
+    </dgm:fillClrLst>
+    <dgm:linClrLst meth="repeat">
+      <a:schemeClr val="accent1">
+        <a:tint val="60000"/>
+      </a:schemeClr>
+    </dgm:linClrLst>
+    <dgm:effectClrLst/>
+    <dgm:txLinClrLst/>
+    <dgm:txFillClrLst/>
+    <dgm:txEffectClrLst/>
+  </dgm:styleLbl>
+  <dgm:styleLbl name="sibTrans1D1">
+    <dgm:fillClrLst meth="repeat">
+      <a:schemeClr val="accent1"/>
+    </dgm:fillClrLst>
+    <dgm:linClrLst meth="repeat">
+      <a:schemeClr val="accent1"/>
+    </dgm:linClrLst>
+    <dgm:effectClrLst/>
+    <dgm:txLinClrLst/>
+    <dgm:txFillClrLst meth="repeat">
+      <a:schemeClr val="tx1"/>
+    </dgm:txFillClrLst>
+    <dgm:txEffectClrLst/>
+  </dgm:styleLbl>
+  <dgm:styleLbl name="callout">
+    <dgm:fillClrLst meth="repeat">
+      <a:schemeClr val="accent1"/>
+    </dgm:fillClrLst>
+    <dgm:linClrLst meth="repeat">
+      <a:schemeClr val="accent1">
+        <a:tint val="50000"/>
+      </a:schemeClr>
+    </dgm:linClrLst>
+    <dgm:effectClrLst/>
+    <dgm:txLinClrLst/>
+    <dgm:txFillClrLst meth="repeat">
+      <a:schemeClr val="tx1"/>
+    </dgm:txFillClrLst>
+    <dgm:txEffectClrLst/>
+  </dgm:styleLbl>
+  <dgm:styleLbl name="asst0">
+    <dgm:fillClrLst meth="repeat">
+      <a:schemeClr val="accent1"/>
+    </dgm:fillClrLst>
+    <dgm:linClrLst meth="repeat">
+      <a:schemeClr val="lt1"/>
+    </dgm:linClrLst>
+    <dgm:effectClrLst/>
+    <dgm:txLinClrLst/>
+    <dgm:txFillClrLst/>
+    <dgm:txEffectClrLst/>
+  </dgm:styleLbl>
+  <dgm:styleLbl name="asst1">
+    <dgm:fillClrLst meth="repeat">
+      <a:schemeClr val="accent1"/>
+    </dgm:fillClrLst>
+    <dgm:linClrLst meth="repeat">
+      <a:schemeClr val="lt1"/>
+    </dgm:linClrLst>
+    <dgm:effectClrLst/>
+    <dgm:txLinClrLst/>
+    <dgm:txFillClrLst/>
+    <dgm:txEffectClrLst/>
+  </dgm:styleLbl>
+  <dgm:styleLbl name="asst2">
+    <dgm:fillClrLst meth="repeat">
+      <a:schemeClr val="accent1"/>
+    </dgm:fillClrLst>
+    <dgm:linClrLst meth="repeat">
+      <a:schemeClr val="lt1"/>
+    </dgm:linClrLst>
+    <dgm:effectClrLst/>
+    <dgm:txLinClrLst/>
+    <dgm:txFillClrLst/>
+    <dgm:txEffectClrLst/>
+  </dgm:styleLbl>
+  <dgm:styleLbl name="asst3">
+    <dgm:fillClrLst meth="repeat">
+      <a:schemeClr val="accent1"/>
+    </dgm:fillClrLst>
+    <dgm:linClrLst meth="repeat">
+      <a:schemeClr val="lt1"/>
+    </dgm:linClrLst>
+    <dgm:effectClrLst/>
+    <dgm:txLinClrLst/>
+    <dgm:txFillClrLst/>
+    <dgm:txEffectClrLst/>
+  </dgm:styleLbl>
+  <dgm:styleLbl name="asst4">
+    <dgm:fillClrLst meth="repeat">
+      <a:schemeClr val="accent1"/>
+    </dgm:fillClrLst>
+    <dgm:linClrLst meth="repeat">
+      <a:schemeClr val="lt1"/>
+    </dgm:linClrLst>
+    <dgm:effectClrLst/>
+    <dgm:txLinClrLst/>
+    <dgm:txFillClrLst/>
+    <dgm:txEffectClrLst/>
+  </dgm:styleLbl>
+  <dgm:styleLbl name="parChTrans2D1">
+    <dgm:fillClrLst meth="repeat">
+      <a:schemeClr val="accent1">
+        <a:tint val="60000"/>
+      </a:schemeClr>
+    </dgm:fillClrLst>
+    <dgm:linClrLst meth="repeat">
+      <a:schemeClr val="accent1">
+        <a:tint val="60000"/>
+      </a:schemeClr>
+    </dgm:linClrLst>
+    <dgm:effectClrLst/>
+    <dgm:txLinClrLst/>
+    <dgm:txFillClrLst meth="repeat">
+      <a:schemeClr val="lt1"/>
+    </dgm:txFillClrLst>
+    <dgm:txEffectClrLst/>
+  </dgm:styleLbl>
+  <dgm:styleLbl name="parChTrans2D2">
+    <dgm:fillClrLst meth="repeat">
+      <a:schemeClr val="accent1"/>
+    </dgm:fillClrLst>
+    <dgm:linClrLst meth="repeat">
+      <a:schemeClr val="accent1"/>
+    </dgm:linClrLst>
+    <dgm:effectClrLst/>
+    <dgm:txLinClrLst/>
+    <dgm:txFillClrLst meth="repeat">
+      <a:schemeClr val="lt1"/>
+    </dgm:txFillClrLst>
+    <dgm:txEffectClrLst/>
+  </dgm:styleLbl>
+  <dgm:styleLbl name="parChTrans2D3">
+    <dgm:fillClrLst meth="repeat">
+      <a:schemeClr val="accent1"/>
+    </dgm:fillClrLst>
+    <dgm:linClrLst meth="repeat">
+      <a:schemeClr val="accent1"/>
+    </dgm:linClrLst>
+    <dgm:effectClrLst/>
+    <dgm:txLinClrLst/>
+    <dgm:txFillClrLst meth="repeat">
+      <a:schemeClr val="lt1"/>
+    </dgm:txFillClrLst>
+    <dgm:txEffectClrLst/>
+  </dgm:styleLbl>
+  <dgm:styleLbl name="parChTrans2D4">
+    <dgm:fillClrLst meth="repeat">
+      <a:schemeClr val="accent1"/>
+    </dgm:fillClrLst>
+    <dgm:linClrLst meth="repeat">
+      <a:schemeClr val="accent1"/>
+    </dgm:linClrLst>
+    <dgm:effectClrLst/>
+    <dgm:txLinClrLst/>
+    <dgm:txFillClrLst meth="repeat">
+      <a:schemeClr val="lt1"/>
+    </dgm:txFillClrLst>
+    <dgm:txEffectClrLst/>
+  </dgm:styleLbl>
+  <dgm:styleLbl name="parChTrans1D1">
+    <dgm:fillClrLst meth="repeat">
+      <a:schemeClr val="accent1"/>
+    </dgm:fillClrLst>
+    <dgm:linClrLst meth="repeat">
+      <a:schemeClr val="accent1">
+        <a:shade val="60000"/>
+      </a:schemeClr>
+    </dgm:linClrLst>
+    <dgm:effectClrLst/>
+    <dgm:txLinClrLst/>
+    <dgm:txFillClrLst meth="repeat">
+      <a:schemeClr val="tx1"/>
+    </dgm:txFillClrLst>
+    <dgm:txEffectClrLst/>
+  </dgm:styleLbl>
+  <dgm:styleLbl name="parChTrans1D2">
+    <dgm:fillClrLst meth="repeat">
+      <a:schemeClr val="accent1"/>
+    </dgm:fillClrLst>
+    <dgm:linClrLst meth="repeat">
+      <a:schemeClr val="accent1">
+        <a:shade val="60000"/>
+      </a:schemeClr>
+    </dgm:linClrLst>
+    <dgm:effectClrLst/>
+    <dgm:txLinClrLst/>
+    <dgm:txFillClrLst meth="repeat">
+      <a:schemeClr val="tx1"/>
+    </dgm:txFillClrLst>
+    <dgm:txEffectClrLst/>
+  </dgm:styleLbl>
+  <dgm:styleLbl name="parChTrans1D3">
+    <dgm:fillClrLst meth="repeat">
+      <a:schemeClr val="accent1"/>
+    </dgm:fillClrLst>
+    <dgm:linClrLst meth="repeat">
+      <a:schemeClr val="accent1">
+        <a:shade val="80000"/>
+      </a:schemeClr>
+    </dgm:linClrLst>
+    <dgm:effectClrLst/>
+    <dgm:txLinClrLst/>
+    <dgm:txFillClrLst meth="repeat">
+      <a:schemeClr val="tx1"/>
+    </dgm:txFillClrLst>
+    <dgm:txEffectClrLst/>
+  </dgm:styleLbl>
+  <dgm:styleLbl name="parChTrans1D4">
+    <dgm:fillClrLst meth="repeat">
+      <a:schemeClr val="accent1"/>
+    </dgm:fillClrLst>
+    <dgm:linClrLst meth="repeat">
+      <a:schemeClr val="accent1">
+        <a:shade val="80000"/>
+      </a:schemeClr>
+    </dgm:linClrLst>
+    <dgm:effectClrLst/>
+    <dgm:txLinClrLst/>
+    <dgm:txFillClrLst meth="repeat">
+      <a:schemeClr val="tx1"/>
+    </dgm:txFillClrLst>
+    <dgm:txEffectClrLst/>
+  </dgm:styleLbl>
+  <dgm:styleLbl name="fgAcc1">
+    <dgm:fillClrLst meth="repeat">
+      <a:schemeClr val="lt1">
+        <a:alpha val="90000"/>
+      </a:schemeClr>
+    </dgm:fillClrLst>
+    <dgm:linClrLst meth="repeat">
+      <a:schemeClr val="accent1"/>
+    </dgm:linClrLst>
+    <dgm:effectClrLst/>
+    <dgm:txLinClrLst/>
+    <dgm:txFillClrLst meth="repeat">
+      <a:schemeClr val="dk1"/>
+    </dgm:txFillClrLst>
+    <dgm:txEffectClrLst/>
+  </dgm:styleLbl>
+  <dgm:styleLbl name="conFgAcc1">
+    <dgm:fillClrLst meth="repeat">
+      <a:schemeClr val="lt1">
+        <a:alpha val="90000"/>
+      </a:schemeClr>
+    </dgm:fillClrLst>
+    <dgm:linClrLst meth="repeat">
+      <a:schemeClr val="accent1"/>
+    </dgm:linClrLst>
+    <dgm:effectClrLst/>
+    <dgm:txLinClrLst/>
+    <dgm:txFillClrLst meth="repeat">
+      <a:schemeClr val="dk1"/>
+    </dgm:txFillClrLst>
+    <dgm:txEffectClrLst/>
+  </dgm:styleLbl>
+  <dgm:styleLbl name="alignAcc1">
+    <dgm:fillClrLst meth="repeat">
+      <a:schemeClr val="lt1">
+        <a:alpha val="90000"/>
+      </a:schemeClr>
+    </dgm:fillClrLst>
+    <dgm:linClrLst meth="repeat">
+      <a:schemeClr val="accent1"/>
+    </dgm:linClrLst>
+    <dgm:effectClrLst/>
+    <dgm:txLinClrLst/>
+    <dgm:txFillClrLst meth="repeat">
+      <a:schemeClr val="dk1"/>
+    </dgm:txFillClrLst>
+    <dgm:txEffectClrLst/>
+  </dgm:styleLbl>
+  <dgm:styleLbl name="trAlignAcc1">
+    <dgm:fillClrLst meth="repeat">
+      <a:schemeClr val="lt1">
+        <a:alpha val="40000"/>
+      </a:schemeClr>
+    </dgm:fillClrLst>
+    <dgm:linClrLst meth="repeat">
+      <a:schemeClr val="accent1"/>
+    </dgm:linClrLst>
+    <dgm:effectClrLst/>
+    <dgm:txLinClrLst/>
+    <dgm:txFillClrLst meth="repeat">
+      <a:schemeClr val="dk1"/>
+    </dgm:txFillClrLst>
+    <dgm:txEffectClrLst/>
+  </dgm:styleLbl>
+  <dgm:styleLbl name="bgAcc1">
+    <dgm:fillClrLst meth="repeat">
+      <a:schemeClr val="lt1">
+        <a:alpha val="90000"/>
+      </a:schemeClr>
+    </dgm:fillClrLst>
+    <dgm:linClrLst meth="repeat">
+      <a:schemeClr val="accent1"/>
+    </dgm:linClrLst>
+    <dgm:effectClrLst/>
+    <dgm:txLinClrLst/>
+    <dgm:txFillClrLst meth="repeat">
+      <a:schemeClr val="dk1"/>
+    </dgm:txFillClrLst>
+    <dgm:txEffectClrLst/>
+  </dgm:styleLbl>
+  <dgm:styleLbl name="solidFgAcc1">
+    <dgm:fillClrLst meth="repeat">
+      <a:schemeClr val="lt1"/>
+    </dgm:fillClrLst>
+    <dgm:linClrLst meth="repeat">
+      <a:schemeClr val="accent1"/>
+    </dgm:linClrLst>
+    <dgm:effectClrLst/>
+    <dgm:txLinClrLst/>
+    <dgm:txFillClrLst meth="repeat">
+      <a:schemeClr val="dk1"/>
+    </dgm:txFillClrLst>
+    <dgm:txEffectClrLst/>
+  </dgm:styleLbl>
+  <dgm:styleLbl name="solidAlignAcc1">
+    <dgm:fillClrLst meth="repeat">
+      <a:schemeClr val="lt1"/>
+    </dgm:fillClrLst>
+    <dgm:linClrLst meth="repeat">
+      <a:schemeClr val="accent1"/>
+    </dgm:linClrLst>
+    <dgm:effectClrLst/>
+    <dgm:txLinClrLst/>
+    <dgm:txFillClrLst meth="repeat">
+      <a:schemeClr val="dk1"/>
+    </dgm:txFillClrLst>
+    <dgm:txEffectClrLst/>
+  </dgm:styleLbl>
+  <dgm:styleLbl name="solidBgAcc1">
+    <dgm:fillClrLst meth="repeat">
+      <a:schemeClr val="lt1"/>
+    </dgm:fillClrLst>
+    <dgm:linClrLst meth="repeat">
+      <a:schemeClr val="accent1"/>
+    </dgm:linClrLst>
+    <dgm:effectClrLst/>
+    <dgm:txLinClrLst/>
+    <dgm:txFillClrLst meth="repeat">
+      <a:schemeClr val="dk1"/>
+    </dgm:txFillClrLst>
+    <dgm:txEffectClrLst/>
+  </dgm:styleLbl>
+  <dgm:styleLbl name="fgAccFollowNode1">
+    <dgm:fillClrLst meth="repeat">
+      <a:schemeClr val="accent1">
+        <a:alpha val="90000"/>
+        <a:tint val="40000"/>
+      </a:schemeClr>
+    </dgm:fillClrLst>
+    <dgm:linClrLst meth="repeat">
+      <a:schemeClr val="accent1">
+        <a:alpha val="90000"/>
+        <a:tint val="40000"/>
+      </a:schemeClr>
+    </dgm:linClrLst>
+    <dgm:effectClrLst/>
+    <dgm:txLinClrLst/>
+    <dgm:txFillClrLst meth="repeat">
+      <a:schemeClr val="dk1"/>
+    </dgm:txFillClrLst>
+    <dgm:txEffectClrLst/>
+  </dgm:styleLbl>
+  <dgm:styleLbl name="alignAccFollowNode1">
+    <dgm:fillClrLst meth="repeat">
+      <a:schemeClr val="accent1">
+        <a:alpha val="90000"/>
+        <a:tint val="40000"/>
+      </a:schemeClr>
+    </dgm:fillClrLst>
+    <dgm:linClrLst meth="repeat">
+      <a:schemeClr val="accent1">
+        <a:alpha val="90000"/>
+        <a:tint val="40000"/>
+      </a:schemeClr>
+    </dgm:linClrLst>
+    <dgm:effectClrLst/>
+    <dgm:txLinClrLst/>
+    <dgm:txFillClrLst meth="repeat">
+      <a:schemeClr val="dk1"/>
+    </dgm:txFillClrLst>
+    <dgm:txEffectClrLst/>
+  </dgm:styleLbl>
+  <dgm:styleLbl name="bgAccFollowNode1">
+    <dgm:fillClrLst meth="repeat">
+      <a:schemeClr val="accent1">
+        <a:alpha val="90000"/>
+        <a:tint val="40000"/>
+      </a:schemeClr>
+    </dgm:fillClrLst>
+    <dgm:linClrLst meth="repeat">
+      <a:schemeClr val="accent1">
+        <a:alpha val="90000"/>
+        <a:tint val="40000"/>
+      </a:schemeClr>
+    </dgm:linClrLst>
+    <dgm:effectClrLst/>
+    <dgm:txLinClrLst/>
+    <dgm:txFillClrLst meth="repeat">
+      <a:schemeClr val="dk1"/>
+    </dgm:txFillClrLst>
+    <dgm:txEffectClrLst/>
+  </dgm:styleLbl>
+  <dgm:styleLbl name="fgAcc0">
+    <dgm:fillClrLst meth="repeat">
+      <a:schemeClr val="lt1">
+        <a:alpha val="90000"/>
+      </a:schemeClr>
+    </dgm:fillClrLst>
+    <dgm:linClrLst meth="repeat">
+      <a:schemeClr val="accent1"/>
+    </dgm:linClrLst>
+    <dgm:effectClrLst/>
+    <dgm:txLinClrLst/>
+    <dgm:txFillClrLst meth="repeat">
+      <a:schemeClr val="dk1"/>
+    </dgm:txFillClrLst>
+    <dgm:txEffectClrLst/>
+  </dgm:styleLbl>
+  <dgm:styleLbl name="fgAcc2">
+    <dgm:fillClrLst meth="repeat">
+      <a:schemeClr val="lt1">
+        <a:alpha val="90000"/>
+      </a:schemeClr>
+    </dgm:fillClrLst>
+    <dgm:linClrLst meth="repeat">
+      <a:schemeClr val="accent1"/>
+    </dgm:linClrLst>
+    <dgm:effectClrLst/>
+    <dgm:txLinClrLst/>
+    <dgm:txFillClrLst meth="repeat">
+      <a:schemeClr val="dk1"/>
+    </dgm:txFillClrLst>
+    <dgm:txEffectClrLst/>
+  </dgm:styleLbl>
+  <dgm:styleLbl name="fgAcc3">
+    <dgm:fillClrLst meth="repeat">
+      <a:schemeClr val="lt1">
+        <a:alpha val="90000"/>
+      </a:schemeClr>
+    </dgm:fillClrLst>
+    <dgm:linClrLst meth="repeat">
+      <a:schemeClr val="accent1"/>
+    </dgm:linClrLst>
+    <dgm:effectClrLst/>
+    <dgm:txLinClrLst/>
+    <dgm:txFillClrLst meth="repeat">
+      <a:schemeClr val="dk1"/>
+    </dgm:txFillClrLst>
+    <dgm:txEffectClrLst/>
+  </dgm:styleLbl>
+  <dgm:styleLbl name="fgAcc4">
+    <dgm:fillClrLst meth="repeat">
+      <a:schemeClr val="lt1">
+        <a:alpha val="90000"/>
+      </a:schemeClr>
+    </dgm:fillClrLst>
+    <dgm:linClrLst meth="repeat">
+      <a:schemeClr val="accent1"/>
+    </dgm:linClrLst>
+    <dgm:effectClrLst/>
+    <dgm:txLinClrLst/>
+    <dgm:txFillClrLst meth="repeat">
+      <a:schemeClr val="dk1"/>
+    </dgm:txFillClrLst>
+    <dgm:txEffectClrLst/>
+  </dgm:styleLbl>
+  <dgm:styleLbl name="bgShp">
+    <dgm:fillClrLst meth="repeat">
+      <a:schemeClr val="accent1">
+        <a:tint val="40000"/>
+      </a:schemeClr>
+    </dgm:fillClrLst>
+    <dgm:linClrLst meth="repeat">
+      <a:schemeClr val="accent1"/>
+    </dgm:linClrLst>
+    <dgm:effectClrLst/>
+    <dgm:txLinClrLst/>
+    <dgm:txFillClrLst meth="repeat">
+      <a:schemeClr val="dk1"/>
+    </dgm:txFillClrLst>
+    <dgm:txEffectClrLst/>
+  </dgm:styleLbl>
+  <dgm:styleLbl name="dkBgShp">
+    <dgm:fillClrLst meth="repeat">
+      <a:schemeClr val="accent1">
+        <a:shade val="80000"/>
+      </a:schemeClr>
+    </dgm:fillClrLst>
+    <dgm:linClrLst meth="repeat">
+      <a:schemeClr val="accent1"/>
+    </dgm:linClrLst>
+    <dgm:effectClrLst/>
+    <dgm:txLinClrLst/>
+    <dgm:txFillClrLst meth="repeat">
+      <a:schemeClr val="lt1"/>
+    </dgm:txFillClrLst>
+    <dgm:txEffectClrLst/>
+  </dgm:styleLbl>
+  <dgm:styleLbl name="trBgShp">
+    <dgm:fillClrLst meth="repeat">
+      <a:schemeClr val="accent1">
+        <a:tint val="50000"/>
+        <a:alpha val="40000"/>
+      </a:schemeClr>
+    </dgm:fillClrLst>
+    <dgm:linClrLst meth="repeat">
+      <a:schemeClr val="accent1"/>
+    </dgm:linClrLst>
+    <dgm:effectClrLst/>
+    <dgm:txLinClrLst/>
+    <dgm:txFillClrLst meth="repeat">
+      <a:schemeClr val="lt1"/>
+    </dgm:txFillClrLst>
+    <dgm:txEffectClrLst/>
+  </dgm:styleLbl>
+  <dgm:styleLbl name="fgShp">
+    <dgm:fillClrLst meth="repeat">
+      <a:schemeClr val="accent1">
+        <a:tint val="60000"/>
+      </a:schemeClr>
+    </dgm:fillClrLst>
+    <dgm:linClrLst meth="repeat">
+      <a:schemeClr val="lt1"/>
+    </dgm:linClrLst>
+    <dgm:effectClrLst/>
+    <dgm:txLinClrLst/>
+    <dgm:txFillClrLst meth="repeat">
+      <a:schemeClr val="dk1"/>
+    </dgm:txFillClrLst>
+    <dgm:txEffectClrLst/>
+  </dgm:styleLbl>
+  <dgm:styleLbl name="revTx">
+    <dgm:fillClrLst meth="repeat">
+      <a:schemeClr val="lt1">
+        <a:alpha val="0"/>
+      </a:schemeClr>
+    </dgm:fillClrLst>
+    <dgm:linClrLst meth="repeat">
+      <a:schemeClr val="dk1">
+        <a:alpha val="0"/>
+      </a:schemeClr>
+    </dgm:linClrLst>
+    <dgm:effectClrLst/>
+    <dgm:txLinClrLst/>
+    <dgm:txFillClrLst meth="repeat">
+      <a:schemeClr val="tx1"/>
+    </dgm:txFillClrLst>
+    <dgm:txEffectClrLst/>
+  </dgm:styleLbl>
+</dgm:colorsDef>
+</file>
+
+<file path=ppt/diagrams/colors8.xml><?xml version="1.0" encoding="utf-8"?>
 <dgm:colorsDef xmlns:dgm="http://schemas.openxmlformats.org/drawingml/2006/diagram" xmlns:a="http://schemas.openxmlformats.org/drawingml/2006/main" uniqueId="urn:microsoft.com/office/officeart/2018/5/colors/Iconchunking_neutralbg_accent3_2">
   <dgm:title val=""/>
   <dgm:desc val=""/>
@@ -6951,6 +7699,655 @@
 <file path=ppt/diagrams/data6.xml><?xml version="1.0" encoding="utf-8"?>
 <dgm:dataModel xmlns:dgm="http://schemas.openxmlformats.org/drawingml/2006/diagram" xmlns:a="http://schemas.openxmlformats.org/drawingml/2006/main">
   <dgm:ptLst>
+    <dgm:pt modelId="{F2387545-94B8-4F09-ACB7-1279BE934B3E}" type="doc">
+      <dgm:prSet loTypeId="urn:microsoft.com/office/officeart/2005/8/layout/list1" loCatId="list" qsTypeId="urn:microsoft.com/office/officeart/2005/8/quickstyle/simple3" qsCatId="simple" csTypeId="urn:microsoft.com/office/officeart/2005/8/colors/accent1_2" csCatId="accent1"/>
+      <dgm:spPr/>
+      <dgm:t>
+        <a:bodyPr/>
+        <a:lstStyle/>
+        <a:p>
+          <a:endParaRPr lang="en-US"/>
+        </a:p>
+      </dgm:t>
+    </dgm:pt>
+    <dgm:pt modelId="{6250FE1E-85EF-494E-88FD-8F6E117205CA}">
+      <dgm:prSet/>
+      <dgm:spPr/>
+      <dgm:t>
+        <a:bodyPr/>
+        <a:lstStyle/>
+        <a:p>
+          <a:r>
+            <a:rPr lang="en-US"/>
+            <a:t>Data Limitations:</a:t>
+          </a:r>
+        </a:p>
+      </dgm:t>
+    </dgm:pt>
+    <dgm:pt modelId="{23B55B04-FD99-441C-AAB1-63B74354D3E8}" type="parTrans" cxnId="{016149E8-2516-4CC7-A865-63A81D91922C}">
+      <dgm:prSet/>
+      <dgm:spPr/>
+      <dgm:t>
+        <a:bodyPr/>
+        <a:lstStyle/>
+        <a:p>
+          <a:endParaRPr lang="en-US"/>
+        </a:p>
+      </dgm:t>
+    </dgm:pt>
+    <dgm:pt modelId="{BB73B196-9984-44CE-AB39-F59CAA4B32DC}" type="sibTrans" cxnId="{016149E8-2516-4CC7-A865-63A81D91922C}">
+      <dgm:prSet/>
+      <dgm:spPr/>
+      <dgm:t>
+        <a:bodyPr/>
+        <a:lstStyle/>
+        <a:p>
+          <a:endParaRPr lang="en-US"/>
+        </a:p>
+      </dgm:t>
+    </dgm:pt>
+    <dgm:pt modelId="{9D4CDFA3-A9D7-4EE2-84A6-3A22890B6EA3}">
+      <dgm:prSet/>
+      <dgm:spPr/>
+      <dgm:t>
+        <a:bodyPr/>
+        <a:lstStyle/>
+        <a:p>
+          <a:r>
+            <a:rPr lang="en-US"/>
+            <a:t>Does not capture complete population</a:t>
+          </a:r>
+        </a:p>
+      </dgm:t>
+    </dgm:pt>
+    <dgm:pt modelId="{469183B1-2CDC-41D1-B6C0-F0B227FA994D}" type="parTrans" cxnId="{A7F683CC-423B-401D-B336-DD00D36523E8}">
+      <dgm:prSet/>
+      <dgm:spPr/>
+      <dgm:t>
+        <a:bodyPr/>
+        <a:lstStyle/>
+        <a:p>
+          <a:endParaRPr lang="en-US"/>
+        </a:p>
+      </dgm:t>
+    </dgm:pt>
+    <dgm:pt modelId="{4A36F95D-FB2A-49C3-9670-0F12AE994A42}" type="sibTrans" cxnId="{A7F683CC-423B-401D-B336-DD00D36523E8}">
+      <dgm:prSet/>
+      <dgm:spPr/>
+      <dgm:t>
+        <a:bodyPr/>
+        <a:lstStyle/>
+        <a:p>
+          <a:endParaRPr lang="en-US"/>
+        </a:p>
+      </dgm:t>
+    </dgm:pt>
+    <dgm:pt modelId="{C0BBCEB0-C47B-43EE-8874-D0BE596E46C8}">
+      <dgm:prSet/>
+      <dgm:spPr/>
+      <dgm:t>
+        <a:bodyPr/>
+        <a:lstStyle/>
+        <a:p>
+          <a:r>
+            <a:rPr lang="en-US"/>
+            <a:t>Time range / potential variations in market dynamics</a:t>
+          </a:r>
+        </a:p>
+      </dgm:t>
+    </dgm:pt>
+    <dgm:pt modelId="{FB74812A-966E-4EF1-8FED-544E6CEA5B77}" type="parTrans" cxnId="{37D61C77-EA34-4A64-9A24-741430D44D5F}">
+      <dgm:prSet/>
+      <dgm:spPr/>
+      <dgm:t>
+        <a:bodyPr/>
+        <a:lstStyle/>
+        <a:p>
+          <a:endParaRPr lang="en-US"/>
+        </a:p>
+      </dgm:t>
+    </dgm:pt>
+    <dgm:pt modelId="{554EFABB-9FE5-4D14-AEEE-56AAAEC06ADC}" type="sibTrans" cxnId="{37D61C77-EA34-4A64-9A24-741430D44D5F}">
+      <dgm:prSet/>
+      <dgm:spPr/>
+      <dgm:t>
+        <a:bodyPr/>
+        <a:lstStyle/>
+        <a:p>
+          <a:endParaRPr lang="en-US"/>
+        </a:p>
+      </dgm:t>
+    </dgm:pt>
+    <dgm:pt modelId="{BA823B64-E3FC-426C-AFD9-C02400717457}">
+      <dgm:prSet/>
+      <dgm:spPr/>
+      <dgm:t>
+        <a:bodyPr/>
+        <a:lstStyle/>
+        <a:p>
+          <a:r>
+            <a:rPr lang="en-US"/>
+            <a:t>Feature Limitations:</a:t>
+          </a:r>
+        </a:p>
+      </dgm:t>
+    </dgm:pt>
+    <dgm:pt modelId="{93192708-7A48-405F-B3BF-872D9E71ABAA}" type="parTrans" cxnId="{BBFE5B3B-1C69-4C4E-A04F-D881517554B9}">
+      <dgm:prSet/>
+      <dgm:spPr/>
+      <dgm:t>
+        <a:bodyPr/>
+        <a:lstStyle/>
+        <a:p>
+          <a:endParaRPr lang="en-US"/>
+        </a:p>
+      </dgm:t>
+    </dgm:pt>
+    <dgm:pt modelId="{F0F576BB-235C-4EA6-BCCD-BCA4EE3AD395}" type="sibTrans" cxnId="{BBFE5B3B-1C69-4C4E-A04F-D881517554B9}">
+      <dgm:prSet/>
+      <dgm:spPr/>
+      <dgm:t>
+        <a:bodyPr/>
+        <a:lstStyle/>
+        <a:p>
+          <a:endParaRPr lang="en-US"/>
+        </a:p>
+      </dgm:t>
+    </dgm:pt>
+    <dgm:pt modelId="{78CC38A0-2065-4C6D-BE4C-13C1E49B0CC2}">
+      <dgm:prSet/>
+      <dgm:spPr/>
+      <dgm:t>
+        <a:bodyPr/>
+        <a:lstStyle/>
+        <a:p>
+          <a:r>
+            <a:rPr lang="en-US"/>
+            <a:t>Do not encompass all factors influencing price</a:t>
+          </a:r>
+        </a:p>
+      </dgm:t>
+    </dgm:pt>
+    <dgm:pt modelId="{0C87E424-3509-49D3-8165-255419D4E756}" type="parTrans" cxnId="{F4E90EF7-9369-4A35-9686-6E5BA38F947B}">
+      <dgm:prSet/>
+      <dgm:spPr/>
+      <dgm:t>
+        <a:bodyPr/>
+        <a:lstStyle/>
+        <a:p>
+          <a:endParaRPr lang="en-US"/>
+        </a:p>
+      </dgm:t>
+    </dgm:pt>
+    <dgm:pt modelId="{ADA1CB5C-6D96-453E-BFA5-61A9BA9BA9E6}" type="sibTrans" cxnId="{F4E90EF7-9369-4A35-9686-6E5BA38F947B}">
+      <dgm:prSet/>
+      <dgm:spPr/>
+      <dgm:t>
+        <a:bodyPr/>
+        <a:lstStyle/>
+        <a:p>
+          <a:endParaRPr lang="en-US"/>
+        </a:p>
+      </dgm:t>
+    </dgm:pt>
+    <dgm:pt modelId="{5E9DB7A9-30BB-4BBB-8AEF-EAEBF6065AC6}">
+      <dgm:prSet/>
+      <dgm:spPr/>
+      <dgm:t>
+        <a:bodyPr/>
+        <a:lstStyle/>
+        <a:p>
+          <a:r>
+            <a:rPr lang="en-US"/>
+            <a:t>Encoded categorical features </a:t>
+          </a:r>
+        </a:p>
+      </dgm:t>
+    </dgm:pt>
+    <dgm:pt modelId="{532729A7-D028-4889-BF6D-133E240AF2C5}" type="parTrans" cxnId="{BF677D06-0459-44C9-8F2C-43B7A88FA8E4}">
+      <dgm:prSet/>
+      <dgm:spPr/>
+      <dgm:t>
+        <a:bodyPr/>
+        <a:lstStyle/>
+        <a:p>
+          <a:endParaRPr lang="en-US"/>
+        </a:p>
+      </dgm:t>
+    </dgm:pt>
+    <dgm:pt modelId="{F121A7B8-6C05-4E01-8F0F-CB6EDD0EB9AE}" type="sibTrans" cxnId="{BF677D06-0459-44C9-8F2C-43B7A88FA8E4}">
+      <dgm:prSet/>
+      <dgm:spPr/>
+      <dgm:t>
+        <a:bodyPr/>
+        <a:lstStyle/>
+        <a:p>
+          <a:endParaRPr lang="en-US"/>
+        </a:p>
+      </dgm:t>
+    </dgm:pt>
+    <dgm:pt modelId="{5586CD1C-95C9-402F-9C4F-E779DB6C5B6E}">
+      <dgm:prSet/>
+      <dgm:spPr/>
+      <dgm:t>
+        <a:bodyPr/>
+        <a:lstStyle/>
+        <a:p>
+          <a:r>
+            <a:rPr lang="en-US"/>
+            <a:t>Model Limitations:</a:t>
+          </a:r>
+        </a:p>
+      </dgm:t>
+    </dgm:pt>
+    <dgm:pt modelId="{8C96D08A-F3DC-4224-B1FF-A2233CF2C09E}" type="parTrans" cxnId="{4F75E959-8664-43E9-9D0D-04D65CCFE9CB}">
+      <dgm:prSet/>
+      <dgm:spPr/>
+      <dgm:t>
+        <a:bodyPr/>
+        <a:lstStyle/>
+        <a:p>
+          <a:endParaRPr lang="en-US"/>
+        </a:p>
+      </dgm:t>
+    </dgm:pt>
+    <dgm:pt modelId="{716F9C5A-0108-4364-B7F7-C0E64D0A3284}" type="sibTrans" cxnId="{4F75E959-8664-43E9-9D0D-04D65CCFE9CB}">
+      <dgm:prSet/>
+      <dgm:spPr/>
+      <dgm:t>
+        <a:bodyPr/>
+        <a:lstStyle/>
+        <a:p>
+          <a:endParaRPr lang="en-US"/>
+        </a:p>
+      </dgm:t>
+    </dgm:pt>
+    <dgm:pt modelId="{5BF793F0-894A-4452-A43C-57C2BF507D6F}">
+      <dgm:prSet/>
+      <dgm:spPr/>
+      <dgm:t>
+        <a:bodyPr/>
+        <a:lstStyle/>
+        <a:p>
+          <a:r>
+            <a:rPr lang="en-US"/>
+            <a:t>Assumptions and limitations associated with their specific algorithms</a:t>
+          </a:r>
+        </a:p>
+      </dgm:t>
+    </dgm:pt>
+    <dgm:pt modelId="{6A7625DC-B552-4B2F-9E4F-8C0E54433C77}" type="parTrans" cxnId="{CF4841EA-943E-478F-9670-ABC558B1F41C}">
+      <dgm:prSet/>
+      <dgm:spPr/>
+      <dgm:t>
+        <a:bodyPr/>
+        <a:lstStyle/>
+        <a:p>
+          <a:endParaRPr lang="en-US"/>
+        </a:p>
+      </dgm:t>
+    </dgm:pt>
+    <dgm:pt modelId="{BC6A736D-4626-4027-B4D3-1387C718AF64}" type="sibTrans" cxnId="{CF4841EA-943E-478F-9670-ABC558B1F41C}">
+      <dgm:prSet/>
+      <dgm:spPr/>
+      <dgm:t>
+        <a:bodyPr/>
+        <a:lstStyle/>
+        <a:p>
+          <a:endParaRPr lang="en-US"/>
+        </a:p>
+      </dgm:t>
+    </dgm:pt>
+    <dgm:pt modelId="{A0374E53-A4B7-4322-AD9E-483D310E5F7E}">
+      <dgm:prSet/>
+      <dgm:spPr/>
+      <dgm:t>
+        <a:bodyPr/>
+        <a:lstStyle/>
+        <a:p>
+          <a:r>
+            <a:rPr lang="en-US"/>
+            <a:t>Performance may vary with new/unseen data</a:t>
+          </a:r>
+        </a:p>
+      </dgm:t>
+    </dgm:pt>
+    <dgm:pt modelId="{3BA3BC36-CFFF-487D-A7E9-AE29642DBD71}" type="parTrans" cxnId="{D9919773-8D65-4A8F-98B6-79C7FBF19DFD}">
+      <dgm:prSet/>
+      <dgm:spPr/>
+      <dgm:t>
+        <a:bodyPr/>
+        <a:lstStyle/>
+        <a:p>
+          <a:endParaRPr lang="en-US"/>
+        </a:p>
+      </dgm:t>
+    </dgm:pt>
+    <dgm:pt modelId="{74DA2831-64F2-4A87-8ECE-02541F65A6B7}" type="sibTrans" cxnId="{D9919773-8D65-4A8F-98B6-79C7FBF19DFD}">
+      <dgm:prSet/>
+      <dgm:spPr/>
+      <dgm:t>
+        <a:bodyPr/>
+        <a:lstStyle/>
+        <a:p>
+          <a:endParaRPr lang="en-US"/>
+        </a:p>
+      </dgm:t>
+    </dgm:pt>
+    <dgm:pt modelId="{198D52A0-743F-4420-9C3C-B32F3649F6D4}">
+      <dgm:prSet/>
+      <dgm:spPr/>
+      <dgm:t>
+        <a:bodyPr/>
+        <a:lstStyle/>
+        <a:p>
+          <a:r>
+            <a:rPr lang="en-US"/>
+            <a:t>Business Context:</a:t>
+          </a:r>
+        </a:p>
+      </dgm:t>
+    </dgm:pt>
+    <dgm:pt modelId="{D3C9EB4B-0A08-4B18-A9F6-0629F5E73373}" type="parTrans" cxnId="{0839D39F-25A5-43DA-BE12-07F5486E811F}">
+      <dgm:prSet/>
+      <dgm:spPr/>
+      <dgm:t>
+        <a:bodyPr/>
+        <a:lstStyle/>
+        <a:p>
+          <a:endParaRPr lang="en-US"/>
+        </a:p>
+      </dgm:t>
+    </dgm:pt>
+    <dgm:pt modelId="{D4D5EAB1-3658-4DAC-90D0-AD12E906CA7D}" type="sibTrans" cxnId="{0839D39F-25A5-43DA-BE12-07F5486E811F}">
+      <dgm:prSet/>
+      <dgm:spPr/>
+      <dgm:t>
+        <a:bodyPr/>
+        <a:lstStyle/>
+        <a:p>
+          <a:endParaRPr lang="en-US"/>
+        </a:p>
+      </dgm:t>
+    </dgm:pt>
+    <dgm:pt modelId="{409AD55A-620B-4D65-8802-7688DCFB75E7}">
+      <dgm:prSet/>
+      <dgm:spPr/>
+      <dgm:t>
+        <a:bodyPr/>
+        <a:lstStyle/>
+        <a:p>
+          <a:r>
+            <a:rPr lang="en-US"/>
+            <a:t>Analysis conducted within framework of the start-up company’s requirements</a:t>
+          </a:r>
+        </a:p>
+      </dgm:t>
+    </dgm:pt>
+    <dgm:pt modelId="{B1327A33-F3CF-49E3-8F16-DF77F73C5726}" type="parTrans" cxnId="{EDFA03D1-494A-4787-91C0-D837B9F10638}">
+      <dgm:prSet/>
+      <dgm:spPr/>
+      <dgm:t>
+        <a:bodyPr/>
+        <a:lstStyle/>
+        <a:p>
+          <a:endParaRPr lang="en-US"/>
+        </a:p>
+      </dgm:t>
+    </dgm:pt>
+    <dgm:pt modelId="{8DEE0F39-75D5-4418-BDCF-0F2A0C7AD04A}" type="sibTrans" cxnId="{EDFA03D1-494A-4787-91C0-D837B9F10638}">
+      <dgm:prSet/>
+      <dgm:spPr/>
+      <dgm:t>
+        <a:bodyPr/>
+        <a:lstStyle/>
+        <a:p>
+          <a:endParaRPr lang="en-US"/>
+        </a:p>
+      </dgm:t>
+    </dgm:pt>
+    <dgm:pt modelId="{EBBD90DB-70E0-404F-958C-CF4DE66C95C9}">
+      <dgm:prSet/>
+      <dgm:spPr/>
+      <dgm:t>
+        <a:bodyPr/>
+        <a:lstStyle/>
+        <a:p>
+          <a:r>
+            <a:rPr lang="en-US"/>
+            <a:t>Profitability analysis conducted on a hypothetical model</a:t>
+          </a:r>
+        </a:p>
+      </dgm:t>
+    </dgm:pt>
+    <dgm:pt modelId="{D5116483-95A0-43BB-ACD1-24796C7E9DFA}" type="parTrans" cxnId="{33CE61D1-2EE6-440C-8939-AA0AC35EF5D9}">
+      <dgm:prSet/>
+      <dgm:spPr/>
+      <dgm:t>
+        <a:bodyPr/>
+        <a:lstStyle/>
+        <a:p>
+          <a:endParaRPr lang="en-US"/>
+        </a:p>
+      </dgm:t>
+    </dgm:pt>
+    <dgm:pt modelId="{B5F79775-E462-4309-A6B5-ECFC0C7ED8B2}" type="sibTrans" cxnId="{33CE61D1-2EE6-440C-8939-AA0AC35EF5D9}">
+      <dgm:prSet/>
+      <dgm:spPr/>
+      <dgm:t>
+        <a:bodyPr/>
+        <a:lstStyle/>
+        <a:p>
+          <a:endParaRPr lang="en-US"/>
+        </a:p>
+      </dgm:t>
+    </dgm:pt>
+    <dgm:pt modelId="{09C282D5-4835-4175-9065-EB4960A87965}" type="pres">
+      <dgm:prSet presAssocID="{F2387545-94B8-4F09-ACB7-1279BE934B3E}" presName="linear" presStyleCnt="0">
+        <dgm:presLayoutVars>
+          <dgm:dir/>
+          <dgm:animLvl val="lvl"/>
+          <dgm:resizeHandles val="exact"/>
+        </dgm:presLayoutVars>
+      </dgm:prSet>
+      <dgm:spPr/>
+    </dgm:pt>
+    <dgm:pt modelId="{3B0837AE-F9A2-4BE2-B8BA-EB639600E87A}" type="pres">
+      <dgm:prSet presAssocID="{6250FE1E-85EF-494E-88FD-8F6E117205CA}" presName="parentLin" presStyleCnt="0"/>
+      <dgm:spPr/>
+    </dgm:pt>
+    <dgm:pt modelId="{21426CA0-DA7B-4CCF-8366-092B4D2027C6}" type="pres">
+      <dgm:prSet presAssocID="{6250FE1E-85EF-494E-88FD-8F6E117205CA}" presName="parentLeftMargin" presStyleLbl="node1" presStyleIdx="0" presStyleCnt="4"/>
+      <dgm:spPr/>
+    </dgm:pt>
+    <dgm:pt modelId="{CEA15F19-39E6-42E9-84ED-AD1A6819B23E}" type="pres">
+      <dgm:prSet presAssocID="{6250FE1E-85EF-494E-88FD-8F6E117205CA}" presName="parentText" presStyleLbl="node1" presStyleIdx="0" presStyleCnt="4">
+        <dgm:presLayoutVars>
+          <dgm:chMax val="0"/>
+          <dgm:bulletEnabled val="1"/>
+        </dgm:presLayoutVars>
+      </dgm:prSet>
+      <dgm:spPr/>
+    </dgm:pt>
+    <dgm:pt modelId="{39E7020A-6553-4C55-9DA5-9450451537F4}" type="pres">
+      <dgm:prSet presAssocID="{6250FE1E-85EF-494E-88FD-8F6E117205CA}" presName="negativeSpace" presStyleCnt="0"/>
+      <dgm:spPr/>
+    </dgm:pt>
+    <dgm:pt modelId="{16CFF442-F62B-4FE3-BBAC-94AD70551181}" type="pres">
+      <dgm:prSet presAssocID="{6250FE1E-85EF-494E-88FD-8F6E117205CA}" presName="childText" presStyleLbl="conFgAcc1" presStyleIdx="0" presStyleCnt="4">
+        <dgm:presLayoutVars>
+          <dgm:bulletEnabled val="1"/>
+        </dgm:presLayoutVars>
+      </dgm:prSet>
+      <dgm:spPr/>
+    </dgm:pt>
+    <dgm:pt modelId="{7E4A4D7C-AA1C-499D-BF75-85FF8E661367}" type="pres">
+      <dgm:prSet presAssocID="{BB73B196-9984-44CE-AB39-F59CAA4B32DC}" presName="spaceBetweenRectangles" presStyleCnt="0"/>
+      <dgm:spPr/>
+    </dgm:pt>
+    <dgm:pt modelId="{FB2FF618-7DF1-4D5C-A7D5-E8501C23DAE7}" type="pres">
+      <dgm:prSet presAssocID="{BA823B64-E3FC-426C-AFD9-C02400717457}" presName="parentLin" presStyleCnt="0"/>
+      <dgm:spPr/>
+    </dgm:pt>
+    <dgm:pt modelId="{A72663CC-421B-4AE4-A539-BB4CE1A9308E}" type="pres">
+      <dgm:prSet presAssocID="{BA823B64-E3FC-426C-AFD9-C02400717457}" presName="parentLeftMargin" presStyleLbl="node1" presStyleIdx="0" presStyleCnt="4"/>
+      <dgm:spPr/>
+    </dgm:pt>
+    <dgm:pt modelId="{C37D9BC7-E905-4FB0-89A9-B539879810A0}" type="pres">
+      <dgm:prSet presAssocID="{BA823B64-E3FC-426C-AFD9-C02400717457}" presName="parentText" presStyleLbl="node1" presStyleIdx="1" presStyleCnt="4">
+        <dgm:presLayoutVars>
+          <dgm:chMax val="0"/>
+          <dgm:bulletEnabled val="1"/>
+        </dgm:presLayoutVars>
+      </dgm:prSet>
+      <dgm:spPr/>
+    </dgm:pt>
+    <dgm:pt modelId="{8A60CBC1-B9B1-4628-A8F1-D17354E672DE}" type="pres">
+      <dgm:prSet presAssocID="{BA823B64-E3FC-426C-AFD9-C02400717457}" presName="negativeSpace" presStyleCnt="0"/>
+      <dgm:spPr/>
+    </dgm:pt>
+    <dgm:pt modelId="{96269AC2-0666-41E6-ADA2-EE60DF1C7127}" type="pres">
+      <dgm:prSet presAssocID="{BA823B64-E3FC-426C-AFD9-C02400717457}" presName="childText" presStyleLbl="conFgAcc1" presStyleIdx="1" presStyleCnt="4">
+        <dgm:presLayoutVars>
+          <dgm:bulletEnabled val="1"/>
+        </dgm:presLayoutVars>
+      </dgm:prSet>
+      <dgm:spPr/>
+    </dgm:pt>
+    <dgm:pt modelId="{ADEA99B2-2D93-406B-BAE7-E5CF1911470A}" type="pres">
+      <dgm:prSet presAssocID="{F0F576BB-235C-4EA6-BCCD-BCA4EE3AD395}" presName="spaceBetweenRectangles" presStyleCnt="0"/>
+      <dgm:spPr/>
+    </dgm:pt>
+    <dgm:pt modelId="{2AFE44C4-42CE-43F0-A190-BC30533A0E15}" type="pres">
+      <dgm:prSet presAssocID="{5586CD1C-95C9-402F-9C4F-E779DB6C5B6E}" presName="parentLin" presStyleCnt="0"/>
+      <dgm:spPr/>
+    </dgm:pt>
+    <dgm:pt modelId="{F49F21D4-6F85-46C9-BBB8-348EA29BBEE4}" type="pres">
+      <dgm:prSet presAssocID="{5586CD1C-95C9-402F-9C4F-E779DB6C5B6E}" presName="parentLeftMargin" presStyleLbl="node1" presStyleIdx="1" presStyleCnt="4"/>
+      <dgm:spPr/>
+    </dgm:pt>
+    <dgm:pt modelId="{520A9CAE-1973-4E50-83C0-F7563D6FDCC2}" type="pres">
+      <dgm:prSet presAssocID="{5586CD1C-95C9-402F-9C4F-E779DB6C5B6E}" presName="parentText" presStyleLbl="node1" presStyleIdx="2" presStyleCnt="4">
+        <dgm:presLayoutVars>
+          <dgm:chMax val="0"/>
+          <dgm:bulletEnabled val="1"/>
+        </dgm:presLayoutVars>
+      </dgm:prSet>
+      <dgm:spPr/>
+    </dgm:pt>
+    <dgm:pt modelId="{E6A0055E-5D20-4B01-81C3-EE3227748009}" type="pres">
+      <dgm:prSet presAssocID="{5586CD1C-95C9-402F-9C4F-E779DB6C5B6E}" presName="negativeSpace" presStyleCnt="0"/>
+      <dgm:spPr/>
+    </dgm:pt>
+    <dgm:pt modelId="{9607BE6F-21AE-4408-B155-B76633C3C270}" type="pres">
+      <dgm:prSet presAssocID="{5586CD1C-95C9-402F-9C4F-E779DB6C5B6E}" presName="childText" presStyleLbl="conFgAcc1" presStyleIdx="2" presStyleCnt="4">
+        <dgm:presLayoutVars>
+          <dgm:bulletEnabled val="1"/>
+        </dgm:presLayoutVars>
+      </dgm:prSet>
+      <dgm:spPr/>
+    </dgm:pt>
+    <dgm:pt modelId="{4D6AEE5C-E154-4A77-82DC-6D710D321DF7}" type="pres">
+      <dgm:prSet presAssocID="{716F9C5A-0108-4364-B7F7-C0E64D0A3284}" presName="spaceBetweenRectangles" presStyleCnt="0"/>
+      <dgm:spPr/>
+    </dgm:pt>
+    <dgm:pt modelId="{2CFF7D03-8ABC-42F2-B413-D2A788A6999D}" type="pres">
+      <dgm:prSet presAssocID="{198D52A0-743F-4420-9C3C-B32F3649F6D4}" presName="parentLin" presStyleCnt="0"/>
+      <dgm:spPr/>
+    </dgm:pt>
+    <dgm:pt modelId="{26982B4A-7AD5-4457-A1A6-6C1C44762731}" type="pres">
+      <dgm:prSet presAssocID="{198D52A0-743F-4420-9C3C-B32F3649F6D4}" presName="parentLeftMargin" presStyleLbl="node1" presStyleIdx="2" presStyleCnt="4"/>
+      <dgm:spPr/>
+    </dgm:pt>
+    <dgm:pt modelId="{5DA3C95C-9AD2-4472-962C-6519B786C00B}" type="pres">
+      <dgm:prSet presAssocID="{198D52A0-743F-4420-9C3C-B32F3649F6D4}" presName="parentText" presStyleLbl="node1" presStyleIdx="3" presStyleCnt="4">
+        <dgm:presLayoutVars>
+          <dgm:chMax val="0"/>
+          <dgm:bulletEnabled val="1"/>
+        </dgm:presLayoutVars>
+      </dgm:prSet>
+      <dgm:spPr/>
+    </dgm:pt>
+    <dgm:pt modelId="{449F5808-E7C2-47C8-8469-457D97D5F5E7}" type="pres">
+      <dgm:prSet presAssocID="{198D52A0-743F-4420-9C3C-B32F3649F6D4}" presName="negativeSpace" presStyleCnt="0"/>
+      <dgm:spPr/>
+    </dgm:pt>
+    <dgm:pt modelId="{66444914-2B7F-4E3F-956C-50267CCE6324}" type="pres">
+      <dgm:prSet presAssocID="{198D52A0-743F-4420-9C3C-B32F3649F6D4}" presName="childText" presStyleLbl="conFgAcc1" presStyleIdx="3" presStyleCnt="4">
+        <dgm:presLayoutVars>
+          <dgm:bulletEnabled val="1"/>
+        </dgm:presLayoutVars>
+      </dgm:prSet>
+      <dgm:spPr/>
+    </dgm:pt>
+  </dgm:ptLst>
+  <dgm:cxnLst>
+    <dgm:cxn modelId="{BF677D06-0459-44C9-8F2C-43B7A88FA8E4}" srcId="{BA823B64-E3FC-426C-AFD9-C02400717457}" destId="{5E9DB7A9-30BB-4BBB-8AEF-EAEBF6065AC6}" srcOrd="1" destOrd="0" parTransId="{532729A7-D028-4889-BF6D-133E240AF2C5}" sibTransId="{F121A7B8-6C05-4E01-8F0F-CB6EDD0EB9AE}"/>
+    <dgm:cxn modelId="{BBFE5B3B-1C69-4C4E-A04F-D881517554B9}" srcId="{F2387545-94B8-4F09-ACB7-1279BE934B3E}" destId="{BA823B64-E3FC-426C-AFD9-C02400717457}" srcOrd="1" destOrd="0" parTransId="{93192708-7A48-405F-B3BF-872D9E71ABAA}" sibTransId="{F0F576BB-235C-4EA6-BCCD-BCA4EE3AD395}"/>
+    <dgm:cxn modelId="{AACC2A66-B06E-48C3-8AD0-461FB2EA443A}" type="presOf" srcId="{F2387545-94B8-4F09-ACB7-1279BE934B3E}" destId="{09C282D5-4835-4175-9065-EB4960A87965}" srcOrd="0" destOrd="0" presId="urn:microsoft.com/office/officeart/2005/8/layout/list1"/>
+    <dgm:cxn modelId="{35DBBA71-AE16-445A-88FF-2B78248E37C9}" type="presOf" srcId="{78CC38A0-2065-4C6D-BE4C-13C1E49B0CC2}" destId="{96269AC2-0666-41E6-ADA2-EE60DF1C7127}" srcOrd="0" destOrd="0" presId="urn:microsoft.com/office/officeart/2005/8/layout/list1"/>
+    <dgm:cxn modelId="{D9919773-8D65-4A8F-98B6-79C7FBF19DFD}" srcId="{5586CD1C-95C9-402F-9C4F-E779DB6C5B6E}" destId="{A0374E53-A4B7-4322-AD9E-483D310E5F7E}" srcOrd="1" destOrd="0" parTransId="{3BA3BC36-CFFF-487D-A7E9-AE29642DBD71}" sibTransId="{74DA2831-64F2-4A87-8ECE-02541F65A6B7}"/>
+    <dgm:cxn modelId="{37D61C77-EA34-4A64-9A24-741430D44D5F}" srcId="{6250FE1E-85EF-494E-88FD-8F6E117205CA}" destId="{C0BBCEB0-C47B-43EE-8874-D0BE596E46C8}" srcOrd="1" destOrd="0" parTransId="{FB74812A-966E-4EF1-8FED-544E6CEA5B77}" sibTransId="{554EFABB-9FE5-4D14-AEEE-56AAAEC06ADC}"/>
+    <dgm:cxn modelId="{4F75E959-8664-43E9-9D0D-04D65CCFE9CB}" srcId="{F2387545-94B8-4F09-ACB7-1279BE934B3E}" destId="{5586CD1C-95C9-402F-9C4F-E779DB6C5B6E}" srcOrd="2" destOrd="0" parTransId="{8C96D08A-F3DC-4224-B1FF-A2233CF2C09E}" sibTransId="{716F9C5A-0108-4364-B7F7-C0E64D0A3284}"/>
+    <dgm:cxn modelId="{EE4D0789-6DBE-40B6-A76A-E05CB7146000}" type="presOf" srcId="{5586CD1C-95C9-402F-9C4F-E779DB6C5B6E}" destId="{F49F21D4-6F85-46C9-BBB8-348EA29BBEE4}" srcOrd="0" destOrd="0" presId="urn:microsoft.com/office/officeart/2005/8/layout/list1"/>
+    <dgm:cxn modelId="{FF063B8E-7C94-4DCB-8C8C-53317BD08430}" type="presOf" srcId="{A0374E53-A4B7-4322-AD9E-483D310E5F7E}" destId="{9607BE6F-21AE-4408-B155-B76633C3C270}" srcOrd="0" destOrd="1" presId="urn:microsoft.com/office/officeart/2005/8/layout/list1"/>
+    <dgm:cxn modelId="{38421E90-71C3-4ED5-9DF4-4149FFD92725}" type="presOf" srcId="{5E9DB7A9-30BB-4BBB-8AEF-EAEBF6065AC6}" destId="{96269AC2-0666-41E6-ADA2-EE60DF1C7127}" srcOrd="0" destOrd="1" presId="urn:microsoft.com/office/officeart/2005/8/layout/list1"/>
+    <dgm:cxn modelId="{D2390893-5EEB-48C8-BC73-116D396F1793}" type="presOf" srcId="{EBBD90DB-70E0-404F-958C-CF4DE66C95C9}" destId="{66444914-2B7F-4E3F-956C-50267CCE6324}" srcOrd="0" destOrd="1" presId="urn:microsoft.com/office/officeart/2005/8/layout/list1"/>
+    <dgm:cxn modelId="{0FA9AC93-D74B-49BA-B954-BAA5EED4DE33}" type="presOf" srcId="{6250FE1E-85EF-494E-88FD-8F6E117205CA}" destId="{CEA15F19-39E6-42E9-84ED-AD1A6819B23E}" srcOrd="1" destOrd="0" presId="urn:microsoft.com/office/officeart/2005/8/layout/list1"/>
+    <dgm:cxn modelId="{26BD599E-CD57-49BC-9C34-4AF2978AF057}" type="presOf" srcId="{6250FE1E-85EF-494E-88FD-8F6E117205CA}" destId="{21426CA0-DA7B-4CCF-8366-092B4D2027C6}" srcOrd="0" destOrd="0" presId="urn:microsoft.com/office/officeart/2005/8/layout/list1"/>
+    <dgm:cxn modelId="{0839D39F-25A5-43DA-BE12-07F5486E811F}" srcId="{F2387545-94B8-4F09-ACB7-1279BE934B3E}" destId="{198D52A0-743F-4420-9C3C-B32F3649F6D4}" srcOrd="3" destOrd="0" parTransId="{D3C9EB4B-0A08-4B18-A9F6-0629F5E73373}" sibTransId="{D4D5EAB1-3658-4DAC-90D0-AD12E906CA7D}"/>
+    <dgm:cxn modelId="{2BC068A0-D151-40DC-80E5-13C73C0D6937}" type="presOf" srcId="{5586CD1C-95C9-402F-9C4F-E779DB6C5B6E}" destId="{520A9CAE-1973-4E50-83C0-F7563D6FDCC2}" srcOrd="1" destOrd="0" presId="urn:microsoft.com/office/officeart/2005/8/layout/list1"/>
+    <dgm:cxn modelId="{9695AEB0-4E59-4E35-9757-0266E8F4C482}" type="presOf" srcId="{C0BBCEB0-C47B-43EE-8874-D0BE596E46C8}" destId="{16CFF442-F62B-4FE3-BBAC-94AD70551181}" srcOrd="0" destOrd="1" presId="urn:microsoft.com/office/officeart/2005/8/layout/list1"/>
+    <dgm:cxn modelId="{A7F683CC-423B-401D-B336-DD00D36523E8}" srcId="{6250FE1E-85EF-494E-88FD-8F6E117205CA}" destId="{9D4CDFA3-A9D7-4EE2-84A6-3A22890B6EA3}" srcOrd="0" destOrd="0" parTransId="{469183B1-2CDC-41D1-B6C0-F0B227FA994D}" sibTransId="{4A36F95D-FB2A-49C3-9670-0F12AE994A42}"/>
+    <dgm:cxn modelId="{461F22CF-2734-4EB4-A9C7-7D5CA3B04F74}" type="presOf" srcId="{409AD55A-620B-4D65-8802-7688DCFB75E7}" destId="{66444914-2B7F-4E3F-956C-50267CCE6324}" srcOrd="0" destOrd="0" presId="urn:microsoft.com/office/officeart/2005/8/layout/list1"/>
+    <dgm:cxn modelId="{EDFA03D1-494A-4787-91C0-D837B9F10638}" srcId="{198D52A0-743F-4420-9C3C-B32F3649F6D4}" destId="{409AD55A-620B-4D65-8802-7688DCFB75E7}" srcOrd="0" destOrd="0" parTransId="{B1327A33-F3CF-49E3-8F16-DF77F73C5726}" sibTransId="{8DEE0F39-75D5-4418-BDCF-0F2A0C7AD04A}"/>
+    <dgm:cxn modelId="{33CE61D1-2EE6-440C-8939-AA0AC35EF5D9}" srcId="{198D52A0-743F-4420-9C3C-B32F3649F6D4}" destId="{EBBD90DB-70E0-404F-958C-CF4DE66C95C9}" srcOrd="1" destOrd="0" parTransId="{D5116483-95A0-43BB-ACD1-24796C7E9DFA}" sibTransId="{B5F79775-E462-4309-A6B5-ECFC0C7ED8B2}"/>
+    <dgm:cxn modelId="{E3A63FE1-32EB-4503-AA55-E0E5AB4EC655}" type="presOf" srcId="{198D52A0-743F-4420-9C3C-B32F3649F6D4}" destId="{26982B4A-7AD5-4457-A1A6-6C1C44762731}" srcOrd="0" destOrd="0" presId="urn:microsoft.com/office/officeart/2005/8/layout/list1"/>
+    <dgm:cxn modelId="{CD5F74E2-0515-4424-97D3-FA466C766FA5}" type="presOf" srcId="{198D52A0-743F-4420-9C3C-B32F3649F6D4}" destId="{5DA3C95C-9AD2-4472-962C-6519B786C00B}" srcOrd="1" destOrd="0" presId="urn:microsoft.com/office/officeart/2005/8/layout/list1"/>
+    <dgm:cxn modelId="{40B511E8-AAAC-420E-821A-85C29BC40230}" type="presOf" srcId="{BA823B64-E3FC-426C-AFD9-C02400717457}" destId="{C37D9BC7-E905-4FB0-89A9-B539879810A0}" srcOrd="1" destOrd="0" presId="urn:microsoft.com/office/officeart/2005/8/layout/list1"/>
+    <dgm:cxn modelId="{016149E8-2516-4CC7-A865-63A81D91922C}" srcId="{F2387545-94B8-4F09-ACB7-1279BE934B3E}" destId="{6250FE1E-85EF-494E-88FD-8F6E117205CA}" srcOrd="0" destOrd="0" parTransId="{23B55B04-FD99-441C-AAB1-63B74354D3E8}" sibTransId="{BB73B196-9984-44CE-AB39-F59CAA4B32DC}"/>
+    <dgm:cxn modelId="{CF4841EA-943E-478F-9670-ABC558B1F41C}" srcId="{5586CD1C-95C9-402F-9C4F-E779DB6C5B6E}" destId="{5BF793F0-894A-4452-A43C-57C2BF507D6F}" srcOrd="0" destOrd="0" parTransId="{6A7625DC-B552-4B2F-9E4F-8C0E54433C77}" sibTransId="{BC6A736D-4626-4027-B4D3-1387C718AF64}"/>
+    <dgm:cxn modelId="{822489EA-B908-469F-A663-9440AD07F3DB}" type="presOf" srcId="{5BF793F0-894A-4452-A43C-57C2BF507D6F}" destId="{9607BE6F-21AE-4408-B155-B76633C3C270}" srcOrd="0" destOrd="0" presId="urn:microsoft.com/office/officeart/2005/8/layout/list1"/>
+    <dgm:cxn modelId="{5EE4EFEE-F921-4F04-88ED-3DD3F8E61880}" type="presOf" srcId="{9D4CDFA3-A9D7-4EE2-84A6-3A22890B6EA3}" destId="{16CFF442-F62B-4FE3-BBAC-94AD70551181}" srcOrd="0" destOrd="0" presId="urn:microsoft.com/office/officeart/2005/8/layout/list1"/>
+    <dgm:cxn modelId="{F4E90EF7-9369-4A35-9686-6E5BA38F947B}" srcId="{BA823B64-E3FC-426C-AFD9-C02400717457}" destId="{78CC38A0-2065-4C6D-BE4C-13C1E49B0CC2}" srcOrd="0" destOrd="0" parTransId="{0C87E424-3509-49D3-8165-255419D4E756}" sibTransId="{ADA1CB5C-6D96-453E-BFA5-61A9BA9BA9E6}"/>
+    <dgm:cxn modelId="{0F7306FE-5D3D-4E2E-8AFF-4DF44B7D4650}" type="presOf" srcId="{BA823B64-E3FC-426C-AFD9-C02400717457}" destId="{A72663CC-421B-4AE4-A539-BB4CE1A9308E}" srcOrd="0" destOrd="0" presId="urn:microsoft.com/office/officeart/2005/8/layout/list1"/>
+    <dgm:cxn modelId="{8067EA64-9A7D-494D-8721-E8C5A4B1C749}" type="presParOf" srcId="{09C282D5-4835-4175-9065-EB4960A87965}" destId="{3B0837AE-F9A2-4BE2-B8BA-EB639600E87A}" srcOrd="0" destOrd="0" presId="urn:microsoft.com/office/officeart/2005/8/layout/list1"/>
+    <dgm:cxn modelId="{05D6D144-C41B-4DDE-B2E6-4ABE85E4833A}" type="presParOf" srcId="{3B0837AE-F9A2-4BE2-B8BA-EB639600E87A}" destId="{21426CA0-DA7B-4CCF-8366-092B4D2027C6}" srcOrd="0" destOrd="0" presId="urn:microsoft.com/office/officeart/2005/8/layout/list1"/>
+    <dgm:cxn modelId="{13AF8545-B063-4689-AE3B-CD1F62F6046F}" type="presParOf" srcId="{3B0837AE-F9A2-4BE2-B8BA-EB639600E87A}" destId="{CEA15F19-39E6-42E9-84ED-AD1A6819B23E}" srcOrd="1" destOrd="0" presId="urn:microsoft.com/office/officeart/2005/8/layout/list1"/>
+    <dgm:cxn modelId="{29BE35D9-EF80-4C17-93D8-B8E9FD923104}" type="presParOf" srcId="{09C282D5-4835-4175-9065-EB4960A87965}" destId="{39E7020A-6553-4C55-9DA5-9450451537F4}" srcOrd="1" destOrd="0" presId="urn:microsoft.com/office/officeart/2005/8/layout/list1"/>
+    <dgm:cxn modelId="{C7C24B9E-490C-4380-8F13-60B89ECB7F36}" type="presParOf" srcId="{09C282D5-4835-4175-9065-EB4960A87965}" destId="{16CFF442-F62B-4FE3-BBAC-94AD70551181}" srcOrd="2" destOrd="0" presId="urn:microsoft.com/office/officeart/2005/8/layout/list1"/>
+    <dgm:cxn modelId="{4552800F-F973-4CCC-BBA9-E7AB8E8ABEC0}" type="presParOf" srcId="{09C282D5-4835-4175-9065-EB4960A87965}" destId="{7E4A4D7C-AA1C-499D-BF75-85FF8E661367}" srcOrd="3" destOrd="0" presId="urn:microsoft.com/office/officeart/2005/8/layout/list1"/>
+    <dgm:cxn modelId="{BC7AFBD3-232E-48E5-8A0F-847B19AFDFFA}" type="presParOf" srcId="{09C282D5-4835-4175-9065-EB4960A87965}" destId="{FB2FF618-7DF1-4D5C-A7D5-E8501C23DAE7}" srcOrd="4" destOrd="0" presId="urn:microsoft.com/office/officeart/2005/8/layout/list1"/>
+    <dgm:cxn modelId="{D7559C39-A2DB-4205-873D-3095B658BB34}" type="presParOf" srcId="{FB2FF618-7DF1-4D5C-A7D5-E8501C23DAE7}" destId="{A72663CC-421B-4AE4-A539-BB4CE1A9308E}" srcOrd="0" destOrd="0" presId="urn:microsoft.com/office/officeart/2005/8/layout/list1"/>
+    <dgm:cxn modelId="{51C2D9E4-4740-40B1-A869-E95836C6BBD6}" type="presParOf" srcId="{FB2FF618-7DF1-4D5C-A7D5-E8501C23DAE7}" destId="{C37D9BC7-E905-4FB0-89A9-B539879810A0}" srcOrd="1" destOrd="0" presId="urn:microsoft.com/office/officeart/2005/8/layout/list1"/>
+    <dgm:cxn modelId="{E77A4195-AC2E-4E54-AFF4-C5C1382ADA82}" type="presParOf" srcId="{09C282D5-4835-4175-9065-EB4960A87965}" destId="{8A60CBC1-B9B1-4628-A8F1-D17354E672DE}" srcOrd="5" destOrd="0" presId="urn:microsoft.com/office/officeart/2005/8/layout/list1"/>
+    <dgm:cxn modelId="{CAC4C52F-0ADD-403A-A115-09747DCCF789}" type="presParOf" srcId="{09C282D5-4835-4175-9065-EB4960A87965}" destId="{96269AC2-0666-41E6-ADA2-EE60DF1C7127}" srcOrd="6" destOrd="0" presId="urn:microsoft.com/office/officeart/2005/8/layout/list1"/>
+    <dgm:cxn modelId="{3DAE23D8-4EDB-4398-B1C2-A2A7452D6922}" type="presParOf" srcId="{09C282D5-4835-4175-9065-EB4960A87965}" destId="{ADEA99B2-2D93-406B-BAE7-E5CF1911470A}" srcOrd="7" destOrd="0" presId="urn:microsoft.com/office/officeart/2005/8/layout/list1"/>
+    <dgm:cxn modelId="{6763BE57-DB47-4EDF-AA85-332C0F281877}" type="presParOf" srcId="{09C282D5-4835-4175-9065-EB4960A87965}" destId="{2AFE44C4-42CE-43F0-A190-BC30533A0E15}" srcOrd="8" destOrd="0" presId="urn:microsoft.com/office/officeart/2005/8/layout/list1"/>
+    <dgm:cxn modelId="{6E083FEC-4EF8-402D-B863-B86C0B325ED6}" type="presParOf" srcId="{2AFE44C4-42CE-43F0-A190-BC30533A0E15}" destId="{F49F21D4-6F85-46C9-BBB8-348EA29BBEE4}" srcOrd="0" destOrd="0" presId="urn:microsoft.com/office/officeart/2005/8/layout/list1"/>
+    <dgm:cxn modelId="{EB0F8910-BE88-44A4-B037-FAEF66EC0BF5}" type="presParOf" srcId="{2AFE44C4-42CE-43F0-A190-BC30533A0E15}" destId="{520A9CAE-1973-4E50-83C0-F7563D6FDCC2}" srcOrd="1" destOrd="0" presId="urn:microsoft.com/office/officeart/2005/8/layout/list1"/>
+    <dgm:cxn modelId="{E1929A12-66BC-40A5-9233-96B6E1ADBCE5}" type="presParOf" srcId="{09C282D5-4835-4175-9065-EB4960A87965}" destId="{E6A0055E-5D20-4B01-81C3-EE3227748009}" srcOrd="9" destOrd="0" presId="urn:microsoft.com/office/officeart/2005/8/layout/list1"/>
+    <dgm:cxn modelId="{A508E9D7-4E26-4D7A-B9D3-A063BE718EF2}" type="presParOf" srcId="{09C282D5-4835-4175-9065-EB4960A87965}" destId="{9607BE6F-21AE-4408-B155-B76633C3C270}" srcOrd="10" destOrd="0" presId="urn:microsoft.com/office/officeart/2005/8/layout/list1"/>
+    <dgm:cxn modelId="{05CBFCED-636F-4B5C-9AFA-400837EE32A6}" type="presParOf" srcId="{09C282D5-4835-4175-9065-EB4960A87965}" destId="{4D6AEE5C-E154-4A77-82DC-6D710D321DF7}" srcOrd="11" destOrd="0" presId="urn:microsoft.com/office/officeart/2005/8/layout/list1"/>
+    <dgm:cxn modelId="{8B94C512-925C-4165-BC3D-7746BF6A0F0A}" type="presParOf" srcId="{09C282D5-4835-4175-9065-EB4960A87965}" destId="{2CFF7D03-8ABC-42F2-B413-D2A788A6999D}" srcOrd="12" destOrd="0" presId="urn:microsoft.com/office/officeart/2005/8/layout/list1"/>
+    <dgm:cxn modelId="{ED1C271E-07F6-4660-8ABA-D167D6368E20}" type="presParOf" srcId="{2CFF7D03-8ABC-42F2-B413-D2A788A6999D}" destId="{26982B4A-7AD5-4457-A1A6-6C1C44762731}" srcOrd="0" destOrd="0" presId="urn:microsoft.com/office/officeart/2005/8/layout/list1"/>
+    <dgm:cxn modelId="{62747E88-D5ED-4C47-AD70-ED438A859D28}" type="presParOf" srcId="{2CFF7D03-8ABC-42F2-B413-D2A788A6999D}" destId="{5DA3C95C-9AD2-4472-962C-6519B786C00B}" srcOrd="1" destOrd="0" presId="urn:microsoft.com/office/officeart/2005/8/layout/list1"/>
+    <dgm:cxn modelId="{34F06E69-6C30-4C02-AEA9-3431813357A6}" type="presParOf" srcId="{09C282D5-4835-4175-9065-EB4960A87965}" destId="{449F5808-E7C2-47C8-8469-457D97D5F5E7}" srcOrd="13" destOrd="0" presId="urn:microsoft.com/office/officeart/2005/8/layout/list1"/>
+    <dgm:cxn modelId="{887B950E-84E1-4AC1-AFD7-B935761777E8}" type="presParOf" srcId="{09C282D5-4835-4175-9065-EB4960A87965}" destId="{66444914-2B7F-4E3F-956C-50267CCE6324}" srcOrd="14" destOrd="0" presId="urn:microsoft.com/office/officeart/2005/8/layout/list1"/>
+  </dgm:cxnLst>
+  <dgm:bg/>
+  <dgm:whole/>
+  <dgm:extLst>
+    <a:ext uri="http://schemas.microsoft.com/office/drawing/2008/diagram">
+      <dsp:dataModelExt xmlns:dsp="http://schemas.microsoft.com/office/drawing/2008/diagram" relId="rId6" minVer="http://schemas.openxmlformats.org/drawingml/2006/diagram"/>
+    </a:ext>
+  </dgm:extLst>
+</dgm:dataModel>
+</file>
+
+<file path=ppt/diagrams/data7.xml><?xml version="1.0" encoding="utf-8"?>
+<dgm:dataModel xmlns:dgm="http://schemas.openxmlformats.org/drawingml/2006/diagram" xmlns:a="http://schemas.openxmlformats.org/drawingml/2006/main">
+  <dgm:ptLst>
     <dgm:pt modelId="{12B44CBA-8C2E-4B8C-91B3-5C62E36F39D4}" type="doc">
       <dgm:prSet loTypeId="urn:microsoft.com/office/officeart/2018/2/layout/IconVerticalSolidList" loCatId="icon" qsTypeId="urn:microsoft.com/office/officeart/2005/8/quickstyle/simple1" qsCatId="simple" csTypeId="urn:microsoft.com/office/officeart/2005/8/colors/accent1_2" csCatId="accent1" phldr="1"/>
       <dgm:spPr/>
@@ -7277,7 +8674,7 @@
 </dgm:dataModel>
 </file>
 
-<file path=ppt/diagrams/data7.xml><?xml version="1.0" encoding="utf-8"?>
+<file path=ppt/diagrams/data8.xml><?xml version="1.0" encoding="utf-8"?>
 <dgm:dataModel xmlns:dgm="http://schemas.openxmlformats.org/drawingml/2006/diagram" xmlns:a="http://schemas.openxmlformats.org/drawingml/2006/main">
   <dgm:ptLst>
     <dgm:pt modelId="{68300C8F-16F2-4C4A-ACF6-206DA99A02DE}" type="doc">
@@ -10217,6 +11614,822 @@
       <dsp:cNvGrpSpPr/>
     </dsp:nvGrpSpPr>
     <dsp:grpSpPr/>
+    <dsp:sp modelId="{16CFF442-F62B-4FE3-BBAC-94AD70551181}">
+      <dsp:nvSpPr>
+        <dsp:cNvPr id="0" name=""/>
+        <dsp:cNvSpPr/>
+      </dsp:nvSpPr>
+      <dsp:spPr>
+        <a:xfrm>
+          <a:off x="0" y="223929"/>
+          <a:ext cx="10515600" cy="815850"/>
+        </a:xfrm>
+        <a:prstGeom prst="rect">
+          <a:avLst/>
+        </a:prstGeom>
+        <a:solidFill>
+          <a:schemeClr val="lt1">
+            <a:alpha val="90000"/>
+            <a:hueOff val="0"/>
+            <a:satOff val="0"/>
+            <a:lumOff val="0"/>
+            <a:alphaOff val="0"/>
+          </a:schemeClr>
+        </a:solidFill>
+        <a:ln w="6350" cap="flat" cmpd="sng" algn="ctr">
+          <a:solidFill>
+            <a:schemeClr val="accent1">
+              <a:hueOff val="0"/>
+              <a:satOff val="0"/>
+              <a:lumOff val="0"/>
+              <a:alphaOff val="0"/>
+            </a:schemeClr>
+          </a:solidFill>
+          <a:prstDash val="solid"/>
+          <a:miter lim="800000"/>
+        </a:ln>
+        <a:effectLst/>
+      </dsp:spPr>
+      <dsp:style>
+        <a:lnRef idx="1">
+          <a:scrgbClr r="0" g="0" b="0"/>
+        </a:lnRef>
+        <a:fillRef idx="1">
+          <a:scrgbClr r="0" g="0" b="0"/>
+        </a:fillRef>
+        <a:effectRef idx="0">
+          <a:scrgbClr r="0" g="0" b="0"/>
+        </a:effectRef>
+        <a:fontRef idx="minor"/>
+      </dsp:style>
+      <dsp:txBody>
+        <a:bodyPr spcFirstLastPara="0" vert="horz" wrap="square" lIns="816127" tIns="291592" rIns="816127" bIns="99568" numCol="1" spcCol="1270" anchor="t" anchorCtr="0">
+          <a:noAutofit/>
+        </a:bodyPr>
+        <a:lstStyle/>
+        <a:p>
+          <a:pPr marL="114300" lvl="1" indent="-114300" algn="l" defTabSz="622300">
+            <a:lnSpc>
+              <a:spcPct val="90000"/>
+            </a:lnSpc>
+            <a:spcBef>
+              <a:spcPct val="0"/>
+            </a:spcBef>
+            <a:spcAft>
+              <a:spcPct val="15000"/>
+            </a:spcAft>
+            <a:buChar char="•"/>
+          </a:pPr>
+          <a:r>
+            <a:rPr lang="en-US" sz="1400" kern="1200"/>
+            <a:t>Does not capture complete population</a:t>
+          </a:r>
+        </a:p>
+        <a:p>
+          <a:pPr marL="114300" lvl="1" indent="-114300" algn="l" defTabSz="622300">
+            <a:lnSpc>
+              <a:spcPct val="90000"/>
+            </a:lnSpc>
+            <a:spcBef>
+              <a:spcPct val="0"/>
+            </a:spcBef>
+            <a:spcAft>
+              <a:spcPct val="15000"/>
+            </a:spcAft>
+            <a:buChar char="•"/>
+          </a:pPr>
+          <a:r>
+            <a:rPr lang="en-US" sz="1400" kern="1200"/>
+            <a:t>Time range / potential variations in market dynamics</a:t>
+          </a:r>
+        </a:p>
+      </dsp:txBody>
+      <dsp:txXfrm>
+        <a:off x="0" y="223929"/>
+        <a:ext cx="10515600" cy="815850"/>
+      </dsp:txXfrm>
+    </dsp:sp>
+    <dsp:sp modelId="{CEA15F19-39E6-42E9-84ED-AD1A6819B23E}">
+      <dsp:nvSpPr>
+        <dsp:cNvPr id="0" name=""/>
+        <dsp:cNvSpPr/>
+      </dsp:nvSpPr>
+      <dsp:spPr>
+        <a:xfrm>
+          <a:off x="525780" y="17289"/>
+          <a:ext cx="7360920" cy="413280"/>
+        </a:xfrm>
+        <a:prstGeom prst="roundRect">
+          <a:avLst/>
+        </a:prstGeom>
+        <a:gradFill rotWithShape="0">
+          <a:gsLst>
+            <a:gs pos="0">
+              <a:schemeClr val="accent1">
+                <a:hueOff val="0"/>
+                <a:satOff val="0"/>
+                <a:lumOff val="0"/>
+                <a:alphaOff val="0"/>
+                <a:lumMod val="110000"/>
+                <a:satMod val="105000"/>
+                <a:tint val="67000"/>
+              </a:schemeClr>
+            </a:gs>
+            <a:gs pos="50000">
+              <a:schemeClr val="accent1">
+                <a:hueOff val="0"/>
+                <a:satOff val="0"/>
+                <a:lumOff val="0"/>
+                <a:alphaOff val="0"/>
+                <a:lumMod val="105000"/>
+                <a:satMod val="103000"/>
+                <a:tint val="73000"/>
+              </a:schemeClr>
+            </a:gs>
+            <a:gs pos="100000">
+              <a:schemeClr val="accent1">
+                <a:hueOff val="0"/>
+                <a:satOff val="0"/>
+                <a:lumOff val="0"/>
+                <a:alphaOff val="0"/>
+                <a:lumMod val="105000"/>
+                <a:satMod val="109000"/>
+                <a:tint val="81000"/>
+              </a:schemeClr>
+            </a:gs>
+          </a:gsLst>
+          <a:lin ang="5400000" scaled="0"/>
+        </a:gradFill>
+        <a:ln>
+          <a:noFill/>
+        </a:ln>
+        <a:effectLst/>
+        <a:scene3d>
+          <a:camera prst="orthographicFront"/>
+          <a:lightRig rig="flat" dir="t"/>
+        </a:scene3d>
+        <a:sp3d prstMaterial="dkEdge">
+          <a:bevelT w="8200" h="38100"/>
+        </a:sp3d>
+      </dsp:spPr>
+      <dsp:style>
+        <a:lnRef idx="0">
+          <a:scrgbClr r="0" g="0" b="0"/>
+        </a:lnRef>
+        <a:fillRef idx="2">
+          <a:scrgbClr r="0" g="0" b="0"/>
+        </a:fillRef>
+        <a:effectRef idx="1">
+          <a:scrgbClr r="0" g="0" b="0"/>
+        </a:effectRef>
+        <a:fontRef idx="minor">
+          <a:schemeClr val="dk1"/>
+        </a:fontRef>
+      </dsp:style>
+      <dsp:txBody>
+        <a:bodyPr spcFirstLastPara="0" vert="horz" wrap="square" lIns="278225" tIns="0" rIns="278225" bIns="0" numCol="1" spcCol="1270" anchor="ctr" anchorCtr="0">
+          <a:noAutofit/>
+        </a:bodyPr>
+        <a:lstStyle/>
+        <a:p>
+          <a:pPr marL="0" lvl="0" indent="0" algn="l" defTabSz="622300">
+            <a:lnSpc>
+              <a:spcPct val="90000"/>
+            </a:lnSpc>
+            <a:spcBef>
+              <a:spcPct val="0"/>
+            </a:spcBef>
+            <a:spcAft>
+              <a:spcPct val="35000"/>
+            </a:spcAft>
+            <a:buNone/>
+          </a:pPr>
+          <a:r>
+            <a:rPr lang="en-US" sz="1400" kern="1200"/>
+            <a:t>Data Limitations:</a:t>
+          </a:r>
+        </a:p>
+      </dsp:txBody>
+      <dsp:txXfrm>
+        <a:off x="545955" y="37464"/>
+        <a:ext cx="7320570" cy="372930"/>
+      </dsp:txXfrm>
+    </dsp:sp>
+    <dsp:sp modelId="{96269AC2-0666-41E6-ADA2-EE60DF1C7127}">
+      <dsp:nvSpPr>
+        <dsp:cNvPr id="0" name=""/>
+        <dsp:cNvSpPr/>
+      </dsp:nvSpPr>
+      <dsp:spPr>
+        <a:xfrm>
+          <a:off x="0" y="1322019"/>
+          <a:ext cx="10515600" cy="815850"/>
+        </a:xfrm>
+        <a:prstGeom prst="rect">
+          <a:avLst/>
+        </a:prstGeom>
+        <a:solidFill>
+          <a:schemeClr val="lt1">
+            <a:alpha val="90000"/>
+            <a:hueOff val="0"/>
+            <a:satOff val="0"/>
+            <a:lumOff val="0"/>
+            <a:alphaOff val="0"/>
+          </a:schemeClr>
+        </a:solidFill>
+        <a:ln w="6350" cap="flat" cmpd="sng" algn="ctr">
+          <a:solidFill>
+            <a:schemeClr val="accent1">
+              <a:hueOff val="0"/>
+              <a:satOff val="0"/>
+              <a:lumOff val="0"/>
+              <a:alphaOff val="0"/>
+            </a:schemeClr>
+          </a:solidFill>
+          <a:prstDash val="solid"/>
+          <a:miter lim="800000"/>
+        </a:ln>
+        <a:effectLst/>
+      </dsp:spPr>
+      <dsp:style>
+        <a:lnRef idx="1">
+          <a:scrgbClr r="0" g="0" b="0"/>
+        </a:lnRef>
+        <a:fillRef idx="1">
+          <a:scrgbClr r="0" g="0" b="0"/>
+        </a:fillRef>
+        <a:effectRef idx="0">
+          <a:scrgbClr r="0" g="0" b="0"/>
+        </a:effectRef>
+        <a:fontRef idx="minor"/>
+      </dsp:style>
+      <dsp:txBody>
+        <a:bodyPr spcFirstLastPara="0" vert="horz" wrap="square" lIns="816127" tIns="291592" rIns="816127" bIns="99568" numCol="1" spcCol="1270" anchor="t" anchorCtr="0">
+          <a:noAutofit/>
+        </a:bodyPr>
+        <a:lstStyle/>
+        <a:p>
+          <a:pPr marL="114300" lvl="1" indent="-114300" algn="l" defTabSz="622300">
+            <a:lnSpc>
+              <a:spcPct val="90000"/>
+            </a:lnSpc>
+            <a:spcBef>
+              <a:spcPct val="0"/>
+            </a:spcBef>
+            <a:spcAft>
+              <a:spcPct val="15000"/>
+            </a:spcAft>
+            <a:buChar char="•"/>
+          </a:pPr>
+          <a:r>
+            <a:rPr lang="en-US" sz="1400" kern="1200"/>
+            <a:t>Do not encompass all factors influencing price</a:t>
+          </a:r>
+        </a:p>
+        <a:p>
+          <a:pPr marL="114300" lvl="1" indent="-114300" algn="l" defTabSz="622300">
+            <a:lnSpc>
+              <a:spcPct val="90000"/>
+            </a:lnSpc>
+            <a:spcBef>
+              <a:spcPct val="0"/>
+            </a:spcBef>
+            <a:spcAft>
+              <a:spcPct val="15000"/>
+            </a:spcAft>
+            <a:buChar char="•"/>
+          </a:pPr>
+          <a:r>
+            <a:rPr lang="en-US" sz="1400" kern="1200"/>
+            <a:t>Encoded categorical features </a:t>
+          </a:r>
+        </a:p>
+      </dsp:txBody>
+      <dsp:txXfrm>
+        <a:off x="0" y="1322019"/>
+        <a:ext cx="10515600" cy="815850"/>
+      </dsp:txXfrm>
+    </dsp:sp>
+    <dsp:sp modelId="{C37D9BC7-E905-4FB0-89A9-B539879810A0}">
+      <dsp:nvSpPr>
+        <dsp:cNvPr id="0" name=""/>
+        <dsp:cNvSpPr/>
+      </dsp:nvSpPr>
+      <dsp:spPr>
+        <a:xfrm>
+          <a:off x="525780" y="1115379"/>
+          <a:ext cx="7360920" cy="413280"/>
+        </a:xfrm>
+        <a:prstGeom prst="roundRect">
+          <a:avLst/>
+        </a:prstGeom>
+        <a:gradFill rotWithShape="0">
+          <a:gsLst>
+            <a:gs pos="0">
+              <a:schemeClr val="accent1">
+                <a:hueOff val="0"/>
+                <a:satOff val="0"/>
+                <a:lumOff val="0"/>
+                <a:alphaOff val="0"/>
+                <a:lumMod val="110000"/>
+                <a:satMod val="105000"/>
+                <a:tint val="67000"/>
+              </a:schemeClr>
+            </a:gs>
+            <a:gs pos="50000">
+              <a:schemeClr val="accent1">
+                <a:hueOff val="0"/>
+                <a:satOff val="0"/>
+                <a:lumOff val="0"/>
+                <a:alphaOff val="0"/>
+                <a:lumMod val="105000"/>
+                <a:satMod val="103000"/>
+                <a:tint val="73000"/>
+              </a:schemeClr>
+            </a:gs>
+            <a:gs pos="100000">
+              <a:schemeClr val="accent1">
+                <a:hueOff val="0"/>
+                <a:satOff val="0"/>
+                <a:lumOff val="0"/>
+                <a:alphaOff val="0"/>
+                <a:lumMod val="105000"/>
+                <a:satMod val="109000"/>
+                <a:tint val="81000"/>
+              </a:schemeClr>
+            </a:gs>
+          </a:gsLst>
+          <a:lin ang="5400000" scaled="0"/>
+        </a:gradFill>
+        <a:ln>
+          <a:noFill/>
+        </a:ln>
+        <a:effectLst/>
+        <a:scene3d>
+          <a:camera prst="orthographicFront"/>
+          <a:lightRig rig="flat" dir="t"/>
+        </a:scene3d>
+        <a:sp3d prstMaterial="dkEdge">
+          <a:bevelT w="8200" h="38100"/>
+        </a:sp3d>
+      </dsp:spPr>
+      <dsp:style>
+        <a:lnRef idx="0">
+          <a:scrgbClr r="0" g="0" b="0"/>
+        </a:lnRef>
+        <a:fillRef idx="2">
+          <a:scrgbClr r="0" g="0" b="0"/>
+        </a:fillRef>
+        <a:effectRef idx="1">
+          <a:scrgbClr r="0" g="0" b="0"/>
+        </a:effectRef>
+        <a:fontRef idx="minor">
+          <a:schemeClr val="dk1"/>
+        </a:fontRef>
+      </dsp:style>
+      <dsp:txBody>
+        <a:bodyPr spcFirstLastPara="0" vert="horz" wrap="square" lIns="278225" tIns="0" rIns="278225" bIns="0" numCol="1" spcCol="1270" anchor="ctr" anchorCtr="0">
+          <a:noAutofit/>
+        </a:bodyPr>
+        <a:lstStyle/>
+        <a:p>
+          <a:pPr marL="0" lvl="0" indent="0" algn="l" defTabSz="622300">
+            <a:lnSpc>
+              <a:spcPct val="90000"/>
+            </a:lnSpc>
+            <a:spcBef>
+              <a:spcPct val="0"/>
+            </a:spcBef>
+            <a:spcAft>
+              <a:spcPct val="35000"/>
+            </a:spcAft>
+            <a:buNone/>
+          </a:pPr>
+          <a:r>
+            <a:rPr lang="en-US" sz="1400" kern="1200"/>
+            <a:t>Feature Limitations:</a:t>
+          </a:r>
+        </a:p>
+      </dsp:txBody>
+      <dsp:txXfrm>
+        <a:off x="545955" y="1135554"/>
+        <a:ext cx="7320570" cy="372930"/>
+      </dsp:txXfrm>
+    </dsp:sp>
+    <dsp:sp modelId="{9607BE6F-21AE-4408-B155-B76633C3C270}">
+      <dsp:nvSpPr>
+        <dsp:cNvPr id="0" name=""/>
+        <dsp:cNvSpPr/>
+      </dsp:nvSpPr>
+      <dsp:spPr>
+        <a:xfrm>
+          <a:off x="0" y="2420109"/>
+          <a:ext cx="10515600" cy="815850"/>
+        </a:xfrm>
+        <a:prstGeom prst="rect">
+          <a:avLst/>
+        </a:prstGeom>
+        <a:solidFill>
+          <a:schemeClr val="lt1">
+            <a:alpha val="90000"/>
+            <a:hueOff val="0"/>
+            <a:satOff val="0"/>
+            <a:lumOff val="0"/>
+            <a:alphaOff val="0"/>
+          </a:schemeClr>
+        </a:solidFill>
+        <a:ln w="6350" cap="flat" cmpd="sng" algn="ctr">
+          <a:solidFill>
+            <a:schemeClr val="accent1">
+              <a:hueOff val="0"/>
+              <a:satOff val="0"/>
+              <a:lumOff val="0"/>
+              <a:alphaOff val="0"/>
+            </a:schemeClr>
+          </a:solidFill>
+          <a:prstDash val="solid"/>
+          <a:miter lim="800000"/>
+        </a:ln>
+        <a:effectLst/>
+      </dsp:spPr>
+      <dsp:style>
+        <a:lnRef idx="1">
+          <a:scrgbClr r="0" g="0" b="0"/>
+        </a:lnRef>
+        <a:fillRef idx="1">
+          <a:scrgbClr r="0" g="0" b="0"/>
+        </a:fillRef>
+        <a:effectRef idx="0">
+          <a:scrgbClr r="0" g="0" b="0"/>
+        </a:effectRef>
+        <a:fontRef idx="minor"/>
+      </dsp:style>
+      <dsp:txBody>
+        <a:bodyPr spcFirstLastPara="0" vert="horz" wrap="square" lIns="816127" tIns="291592" rIns="816127" bIns="99568" numCol="1" spcCol="1270" anchor="t" anchorCtr="0">
+          <a:noAutofit/>
+        </a:bodyPr>
+        <a:lstStyle/>
+        <a:p>
+          <a:pPr marL="114300" lvl="1" indent="-114300" algn="l" defTabSz="622300">
+            <a:lnSpc>
+              <a:spcPct val="90000"/>
+            </a:lnSpc>
+            <a:spcBef>
+              <a:spcPct val="0"/>
+            </a:spcBef>
+            <a:spcAft>
+              <a:spcPct val="15000"/>
+            </a:spcAft>
+            <a:buChar char="•"/>
+          </a:pPr>
+          <a:r>
+            <a:rPr lang="en-US" sz="1400" kern="1200"/>
+            <a:t>Assumptions and limitations associated with their specific algorithms</a:t>
+          </a:r>
+        </a:p>
+        <a:p>
+          <a:pPr marL="114300" lvl="1" indent="-114300" algn="l" defTabSz="622300">
+            <a:lnSpc>
+              <a:spcPct val="90000"/>
+            </a:lnSpc>
+            <a:spcBef>
+              <a:spcPct val="0"/>
+            </a:spcBef>
+            <a:spcAft>
+              <a:spcPct val="15000"/>
+            </a:spcAft>
+            <a:buChar char="•"/>
+          </a:pPr>
+          <a:r>
+            <a:rPr lang="en-US" sz="1400" kern="1200"/>
+            <a:t>Performance may vary with new/unseen data</a:t>
+          </a:r>
+        </a:p>
+      </dsp:txBody>
+      <dsp:txXfrm>
+        <a:off x="0" y="2420109"/>
+        <a:ext cx="10515600" cy="815850"/>
+      </dsp:txXfrm>
+    </dsp:sp>
+    <dsp:sp modelId="{520A9CAE-1973-4E50-83C0-F7563D6FDCC2}">
+      <dsp:nvSpPr>
+        <dsp:cNvPr id="0" name=""/>
+        <dsp:cNvSpPr/>
+      </dsp:nvSpPr>
+      <dsp:spPr>
+        <a:xfrm>
+          <a:off x="525780" y="2213469"/>
+          <a:ext cx="7360920" cy="413280"/>
+        </a:xfrm>
+        <a:prstGeom prst="roundRect">
+          <a:avLst/>
+        </a:prstGeom>
+        <a:gradFill rotWithShape="0">
+          <a:gsLst>
+            <a:gs pos="0">
+              <a:schemeClr val="accent1">
+                <a:hueOff val="0"/>
+                <a:satOff val="0"/>
+                <a:lumOff val="0"/>
+                <a:alphaOff val="0"/>
+                <a:lumMod val="110000"/>
+                <a:satMod val="105000"/>
+                <a:tint val="67000"/>
+              </a:schemeClr>
+            </a:gs>
+            <a:gs pos="50000">
+              <a:schemeClr val="accent1">
+                <a:hueOff val="0"/>
+                <a:satOff val="0"/>
+                <a:lumOff val="0"/>
+                <a:alphaOff val="0"/>
+                <a:lumMod val="105000"/>
+                <a:satMod val="103000"/>
+                <a:tint val="73000"/>
+              </a:schemeClr>
+            </a:gs>
+            <a:gs pos="100000">
+              <a:schemeClr val="accent1">
+                <a:hueOff val="0"/>
+                <a:satOff val="0"/>
+                <a:lumOff val="0"/>
+                <a:alphaOff val="0"/>
+                <a:lumMod val="105000"/>
+                <a:satMod val="109000"/>
+                <a:tint val="81000"/>
+              </a:schemeClr>
+            </a:gs>
+          </a:gsLst>
+          <a:lin ang="5400000" scaled="0"/>
+        </a:gradFill>
+        <a:ln>
+          <a:noFill/>
+        </a:ln>
+        <a:effectLst/>
+        <a:scene3d>
+          <a:camera prst="orthographicFront"/>
+          <a:lightRig rig="flat" dir="t"/>
+        </a:scene3d>
+        <a:sp3d prstMaterial="dkEdge">
+          <a:bevelT w="8200" h="38100"/>
+        </a:sp3d>
+      </dsp:spPr>
+      <dsp:style>
+        <a:lnRef idx="0">
+          <a:scrgbClr r="0" g="0" b="0"/>
+        </a:lnRef>
+        <a:fillRef idx="2">
+          <a:scrgbClr r="0" g="0" b="0"/>
+        </a:fillRef>
+        <a:effectRef idx="1">
+          <a:scrgbClr r="0" g="0" b="0"/>
+        </a:effectRef>
+        <a:fontRef idx="minor">
+          <a:schemeClr val="dk1"/>
+        </a:fontRef>
+      </dsp:style>
+      <dsp:txBody>
+        <a:bodyPr spcFirstLastPara="0" vert="horz" wrap="square" lIns="278225" tIns="0" rIns="278225" bIns="0" numCol="1" spcCol="1270" anchor="ctr" anchorCtr="0">
+          <a:noAutofit/>
+        </a:bodyPr>
+        <a:lstStyle/>
+        <a:p>
+          <a:pPr marL="0" lvl="0" indent="0" algn="l" defTabSz="622300">
+            <a:lnSpc>
+              <a:spcPct val="90000"/>
+            </a:lnSpc>
+            <a:spcBef>
+              <a:spcPct val="0"/>
+            </a:spcBef>
+            <a:spcAft>
+              <a:spcPct val="35000"/>
+            </a:spcAft>
+            <a:buNone/>
+          </a:pPr>
+          <a:r>
+            <a:rPr lang="en-US" sz="1400" kern="1200"/>
+            <a:t>Model Limitations:</a:t>
+          </a:r>
+        </a:p>
+      </dsp:txBody>
+      <dsp:txXfrm>
+        <a:off x="545955" y="2233644"/>
+        <a:ext cx="7320570" cy="372930"/>
+      </dsp:txXfrm>
+    </dsp:sp>
+    <dsp:sp modelId="{66444914-2B7F-4E3F-956C-50267CCE6324}">
+      <dsp:nvSpPr>
+        <dsp:cNvPr id="0" name=""/>
+        <dsp:cNvSpPr/>
+      </dsp:nvSpPr>
+      <dsp:spPr>
+        <a:xfrm>
+          <a:off x="0" y="3518199"/>
+          <a:ext cx="10515600" cy="815850"/>
+        </a:xfrm>
+        <a:prstGeom prst="rect">
+          <a:avLst/>
+        </a:prstGeom>
+        <a:solidFill>
+          <a:schemeClr val="lt1">
+            <a:alpha val="90000"/>
+            <a:hueOff val="0"/>
+            <a:satOff val="0"/>
+            <a:lumOff val="0"/>
+            <a:alphaOff val="0"/>
+          </a:schemeClr>
+        </a:solidFill>
+        <a:ln w="6350" cap="flat" cmpd="sng" algn="ctr">
+          <a:solidFill>
+            <a:schemeClr val="accent1">
+              <a:hueOff val="0"/>
+              <a:satOff val="0"/>
+              <a:lumOff val="0"/>
+              <a:alphaOff val="0"/>
+            </a:schemeClr>
+          </a:solidFill>
+          <a:prstDash val="solid"/>
+          <a:miter lim="800000"/>
+        </a:ln>
+        <a:effectLst/>
+      </dsp:spPr>
+      <dsp:style>
+        <a:lnRef idx="1">
+          <a:scrgbClr r="0" g="0" b="0"/>
+        </a:lnRef>
+        <a:fillRef idx="1">
+          <a:scrgbClr r="0" g="0" b="0"/>
+        </a:fillRef>
+        <a:effectRef idx="0">
+          <a:scrgbClr r="0" g="0" b="0"/>
+        </a:effectRef>
+        <a:fontRef idx="minor"/>
+      </dsp:style>
+      <dsp:txBody>
+        <a:bodyPr spcFirstLastPara="0" vert="horz" wrap="square" lIns="816127" tIns="291592" rIns="816127" bIns="99568" numCol="1" spcCol="1270" anchor="t" anchorCtr="0">
+          <a:noAutofit/>
+        </a:bodyPr>
+        <a:lstStyle/>
+        <a:p>
+          <a:pPr marL="114300" lvl="1" indent="-114300" algn="l" defTabSz="622300">
+            <a:lnSpc>
+              <a:spcPct val="90000"/>
+            </a:lnSpc>
+            <a:spcBef>
+              <a:spcPct val="0"/>
+            </a:spcBef>
+            <a:spcAft>
+              <a:spcPct val="15000"/>
+            </a:spcAft>
+            <a:buChar char="•"/>
+          </a:pPr>
+          <a:r>
+            <a:rPr lang="en-US" sz="1400" kern="1200"/>
+            <a:t>Analysis conducted within framework of the start-up company’s requirements</a:t>
+          </a:r>
+        </a:p>
+        <a:p>
+          <a:pPr marL="114300" lvl="1" indent="-114300" algn="l" defTabSz="622300">
+            <a:lnSpc>
+              <a:spcPct val="90000"/>
+            </a:lnSpc>
+            <a:spcBef>
+              <a:spcPct val="0"/>
+            </a:spcBef>
+            <a:spcAft>
+              <a:spcPct val="15000"/>
+            </a:spcAft>
+            <a:buChar char="•"/>
+          </a:pPr>
+          <a:r>
+            <a:rPr lang="en-US" sz="1400" kern="1200"/>
+            <a:t>Profitability analysis conducted on a hypothetical model</a:t>
+          </a:r>
+        </a:p>
+      </dsp:txBody>
+      <dsp:txXfrm>
+        <a:off x="0" y="3518199"/>
+        <a:ext cx="10515600" cy="815850"/>
+      </dsp:txXfrm>
+    </dsp:sp>
+    <dsp:sp modelId="{5DA3C95C-9AD2-4472-962C-6519B786C00B}">
+      <dsp:nvSpPr>
+        <dsp:cNvPr id="0" name=""/>
+        <dsp:cNvSpPr/>
+      </dsp:nvSpPr>
+      <dsp:spPr>
+        <a:xfrm>
+          <a:off x="525780" y="3311559"/>
+          <a:ext cx="7360920" cy="413280"/>
+        </a:xfrm>
+        <a:prstGeom prst="roundRect">
+          <a:avLst/>
+        </a:prstGeom>
+        <a:gradFill rotWithShape="0">
+          <a:gsLst>
+            <a:gs pos="0">
+              <a:schemeClr val="accent1">
+                <a:hueOff val="0"/>
+                <a:satOff val="0"/>
+                <a:lumOff val="0"/>
+                <a:alphaOff val="0"/>
+                <a:lumMod val="110000"/>
+                <a:satMod val="105000"/>
+                <a:tint val="67000"/>
+              </a:schemeClr>
+            </a:gs>
+            <a:gs pos="50000">
+              <a:schemeClr val="accent1">
+                <a:hueOff val="0"/>
+                <a:satOff val="0"/>
+                <a:lumOff val="0"/>
+                <a:alphaOff val="0"/>
+                <a:lumMod val="105000"/>
+                <a:satMod val="103000"/>
+                <a:tint val="73000"/>
+              </a:schemeClr>
+            </a:gs>
+            <a:gs pos="100000">
+              <a:schemeClr val="accent1">
+                <a:hueOff val="0"/>
+                <a:satOff val="0"/>
+                <a:lumOff val="0"/>
+                <a:alphaOff val="0"/>
+                <a:lumMod val="105000"/>
+                <a:satMod val="109000"/>
+                <a:tint val="81000"/>
+              </a:schemeClr>
+            </a:gs>
+          </a:gsLst>
+          <a:lin ang="5400000" scaled="0"/>
+        </a:gradFill>
+        <a:ln>
+          <a:noFill/>
+        </a:ln>
+        <a:effectLst/>
+        <a:scene3d>
+          <a:camera prst="orthographicFront"/>
+          <a:lightRig rig="flat" dir="t"/>
+        </a:scene3d>
+        <a:sp3d prstMaterial="dkEdge">
+          <a:bevelT w="8200" h="38100"/>
+        </a:sp3d>
+      </dsp:spPr>
+      <dsp:style>
+        <a:lnRef idx="0">
+          <a:scrgbClr r="0" g="0" b="0"/>
+        </a:lnRef>
+        <a:fillRef idx="2">
+          <a:scrgbClr r="0" g="0" b="0"/>
+        </a:fillRef>
+        <a:effectRef idx="1">
+          <a:scrgbClr r="0" g="0" b="0"/>
+        </a:effectRef>
+        <a:fontRef idx="minor">
+          <a:schemeClr val="dk1"/>
+        </a:fontRef>
+      </dsp:style>
+      <dsp:txBody>
+        <a:bodyPr spcFirstLastPara="0" vert="horz" wrap="square" lIns="278225" tIns="0" rIns="278225" bIns="0" numCol="1" spcCol="1270" anchor="ctr" anchorCtr="0">
+          <a:noAutofit/>
+        </a:bodyPr>
+        <a:lstStyle/>
+        <a:p>
+          <a:pPr marL="0" lvl="0" indent="0" algn="l" defTabSz="622300">
+            <a:lnSpc>
+              <a:spcPct val="90000"/>
+            </a:lnSpc>
+            <a:spcBef>
+              <a:spcPct val="0"/>
+            </a:spcBef>
+            <a:spcAft>
+              <a:spcPct val="35000"/>
+            </a:spcAft>
+            <a:buNone/>
+          </a:pPr>
+          <a:r>
+            <a:rPr lang="en-US" sz="1400" kern="1200"/>
+            <a:t>Business Context:</a:t>
+          </a:r>
+        </a:p>
+      </dsp:txBody>
+      <dsp:txXfrm>
+        <a:off x="545955" y="3331734"/>
+        <a:ext cx="7320570" cy="372930"/>
+      </dsp:txXfrm>
+    </dsp:sp>
+  </dsp:spTree>
+</dsp:drawing>
+</file>
+
+<file path=ppt/diagrams/drawing7.xml><?xml version="1.0" encoding="utf-8"?>
+<dsp:drawing xmlns:dgm="http://schemas.openxmlformats.org/drawingml/2006/diagram" xmlns:dsp="http://schemas.microsoft.com/office/drawing/2008/diagram" xmlns:a="http://schemas.openxmlformats.org/drawingml/2006/main">
+  <dsp:spTree>
+    <dsp:nvGrpSpPr>
+      <dsp:cNvPr id="0" name=""/>
+      <dsp:cNvGrpSpPr/>
+    </dsp:nvGrpSpPr>
+    <dsp:grpSpPr/>
     <dsp:sp modelId="{87B6B15C-9CB1-48CB-9F56-EABD3982B2A3}">
       <dsp:nvSpPr>
         <dsp:cNvPr id="0" name=""/>
@@ -10698,7 +12911,7 @@
 </dsp:drawing>
 </file>
 
-<file path=ppt/diagrams/drawing7.xml><?xml version="1.0" encoding="utf-8"?>
+<file path=ppt/diagrams/drawing8.xml><?xml version="1.0" encoding="utf-8"?>
 <dsp:drawing xmlns:dgm="http://schemas.openxmlformats.org/drawingml/2006/diagram" xmlns:dsp="http://schemas.microsoft.com/office/drawing/2008/diagram" xmlns:a="http://schemas.openxmlformats.org/drawingml/2006/main">
   <dsp:spTree>
     <dsp:nvGrpSpPr>
@@ -13218,6 +15431,231 @@
 </file>
 
 <file path=ppt/diagrams/layout6.xml><?xml version="1.0" encoding="utf-8"?>
+<dgm:layoutDef xmlns:dgm="http://schemas.openxmlformats.org/drawingml/2006/diagram" xmlns:a="http://schemas.openxmlformats.org/drawingml/2006/main" uniqueId="urn:microsoft.com/office/officeart/2005/8/layout/list1">
+  <dgm:title val=""/>
+  <dgm:desc val=""/>
+  <dgm:catLst>
+    <dgm:cat type="list" pri="4000"/>
+  </dgm:catLst>
+  <dgm:sampData>
+    <dgm:dataModel>
+      <dgm:ptLst>
+        <dgm:pt modelId="0" type="doc"/>
+        <dgm:pt modelId="1">
+          <dgm:prSet phldr="1"/>
+        </dgm:pt>
+        <dgm:pt modelId="2">
+          <dgm:prSet phldr="1"/>
+        </dgm:pt>
+        <dgm:pt modelId="3">
+          <dgm:prSet phldr="1"/>
+        </dgm:pt>
+      </dgm:ptLst>
+      <dgm:cxnLst>
+        <dgm:cxn modelId="4" srcId="0" destId="1" srcOrd="0" destOrd="0"/>
+        <dgm:cxn modelId="5" srcId="0" destId="2" srcOrd="1" destOrd="0"/>
+        <dgm:cxn modelId="6" srcId="0" destId="3" srcOrd="2" destOrd="0"/>
+      </dgm:cxnLst>
+      <dgm:bg/>
+      <dgm:whole/>
+    </dgm:dataModel>
+  </dgm:sampData>
+  <dgm:styleData>
+    <dgm:dataModel>
+      <dgm:ptLst>
+        <dgm:pt modelId="0" type="doc"/>
+        <dgm:pt modelId="1"/>
+        <dgm:pt modelId="2"/>
+      </dgm:ptLst>
+      <dgm:cxnLst>
+        <dgm:cxn modelId="4" srcId="0" destId="1" srcOrd="0" destOrd="0"/>
+        <dgm:cxn modelId="5" srcId="0" destId="2" srcOrd="1" destOrd="0"/>
+      </dgm:cxnLst>
+      <dgm:bg/>
+      <dgm:whole/>
+    </dgm:dataModel>
+  </dgm:styleData>
+  <dgm:clrData>
+    <dgm:dataModel>
+      <dgm:ptLst>
+        <dgm:pt modelId="0" type="doc"/>
+        <dgm:pt modelId="1"/>
+        <dgm:pt modelId="2"/>
+        <dgm:pt modelId="3"/>
+        <dgm:pt modelId="4"/>
+      </dgm:ptLst>
+      <dgm:cxnLst>
+        <dgm:cxn modelId="5" srcId="0" destId="1" srcOrd="0" destOrd="0"/>
+        <dgm:cxn modelId="6" srcId="0" destId="2" srcOrd="1" destOrd="0"/>
+        <dgm:cxn modelId="7" srcId="0" destId="3" srcOrd="2" destOrd="0"/>
+        <dgm:cxn modelId="8" srcId="0" destId="4" srcOrd="3" destOrd="0"/>
+      </dgm:cxnLst>
+      <dgm:bg/>
+      <dgm:whole/>
+    </dgm:dataModel>
+  </dgm:clrData>
+  <dgm:layoutNode name="linear">
+    <dgm:varLst>
+      <dgm:dir/>
+      <dgm:animLvl val="lvl"/>
+      <dgm:resizeHandles val="exact"/>
+    </dgm:varLst>
+    <dgm:choose name="Name0">
+      <dgm:if name="Name1" func="var" arg="dir" op="equ" val="norm">
+        <dgm:alg type="lin">
+          <dgm:param type="linDir" val="fromT"/>
+          <dgm:param type="vertAlign" val="mid"/>
+          <dgm:param type="horzAlign" val="l"/>
+          <dgm:param type="nodeHorzAlign" val="l"/>
+        </dgm:alg>
+      </dgm:if>
+      <dgm:else name="Name2">
+        <dgm:alg type="lin">
+          <dgm:param type="linDir" val="fromT"/>
+          <dgm:param type="vertAlign" val="mid"/>
+          <dgm:param type="horzAlign" val="r"/>
+          <dgm:param type="nodeHorzAlign" val="r"/>
+        </dgm:alg>
+      </dgm:else>
+    </dgm:choose>
+    <dgm:shape xmlns:r="http://schemas.openxmlformats.org/officeDocument/2006/relationships" r:blip="">
+      <dgm:adjLst/>
+    </dgm:shape>
+    <dgm:presOf/>
+    <dgm:constrLst>
+      <dgm:constr type="w" for="ch" forName="parentLin" refType="w"/>
+      <dgm:constr type="h" for="ch" forName="parentLin" val="INF"/>
+      <dgm:constr type="w" for="des" forName="parentLeftMargin" refType="w" fact="0.05"/>
+      <dgm:constr type="w" for="des" forName="parentText" refType="w" fact="0.7"/>
+      <dgm:constr type="h" for="des" forName="parentText" refType="primFontSz" refFor="des" refForName="parentText" fact="0.82"/>
+      <dgm:constr type="h" for="ch" forName="negativeSpace" refType="primFontSz" refFor="des" refForName="parentText" fact="-0.41"/>
+      <dgm:constr type="h" for="ch" forName="negativeSpace" refType="h" refFor="des" refForName="parentText" op="lte" fact="-0.82"/>
+      <dgm:constr type="h" for="ch" forName="negativeSpace" refType="h" refFor="des" refForName="parentText" op="gte" fact="-0.82"/>
+      <dgm:constr type="w" for="ch" forName="childText" refType="w"/>
+      <dgm:constr type="h" for="ch" forName="childText" refType="primFontSz" refFor="des" refForName="parentText" fact="0.7"/>
+      <dgm:constr type="primFontSz" for="des" forName="parentText" val="65"/>
+      <dgm:constr type="primFontSz" for="ch" forName="childText" refType="primFontSz" refFor="des" refForName="parentText"/>
+      <dgm:constr type="tMarg" for="ch" forName="childText" refType="primFontSz" refFor="des" refForName="parentText" fact="1.64"/>
+      <dgm:constr type="tMarg" for="ch" forName="childText" refType="h" refFor="des" refForName="parentText" op="lte" fact="3.28"/>
+      <dgm:constr type="tMarg" for="ch" forName="childText" refType="h" refFor="des" refForName="parentText" op="gte" fact="3.28"/>
+      <dgm:constr type="lMarg" for="ch" forName="childText" refType="w" fact="0.22"/>
+      <dgm:constr type="rMarg" for="ch" forName="childText" refType="lMarg" refFor="ch" refForName="childText"/>
+      <dgm:constr type="lMarg" for="des" forName="parentText" refType="w" fact="0.075"/>
+      <dgm:constr type="rMarg" for="des" forName="parentText" refType="lMarg" refFor="des" refForName="parentText"/>
+      <dgm:constr type="h" for="ch" forName="spaceBetweenRectangles" refType="primFontSz" refFor="des" refForName="parentText" fact="0.15"/>
+    </dgm:constrLst>
+    <dgm:ruleLst>
+      <dgm:rule type="primFontSz" for="des" forName="parentText" val="5" fact="NaN" max="NaN"/>
+    </dgm:ruleLst>
+    <dgm:forEach name="Name3" axis="ch" ptType="node">
+      <dgm:layoutNode name="parentLin">
+        <dgm:choose name="Name4">
+          <dgm:if name="Name5" func="var" arg="dir" op="equ" val="norm">
+            <dgm:alg type="lin">
+              <dgm:param type="linDir" val="fromL"/>
+              <dgm:param type="horzAlign" val="l"/>
+              <dgm:param type="nodeHorzAlign" val="l"/>
+            </dgm:alg>
+          </dgm:if>
+          <dgm:else name="Name6">
+            <dgm:alg type="lin">
+              <dgm:param type="linDir" val="fromR"/>
+              <dgm:param type="horzAlign" val="r"/>
+              <dgm:param type="nodeHorzAlign" val="r"/>
+            </dgm:alg>
+          </dgm:else>
+        </dgm:choose>
+        <dgm:shape xmlns:r="http://schemas.openxmlformats.org/officeDocument/2006/relationships" r:blip="">
+          <dgm:adjLst/>
+        </dgm:shape>
+        <dgm:presOf/>
+        <dgm:constrLst/>
+        <dgm:ruleLst/>
+        <dgm:layoutNode name="parentLeftMargin">
+          <dgm:alg type="sp"/>
+          <dgm:shape xmlns:r="http://schemas.openxmlformats.org/officeDocument/2006/relationships" type="rect" r:blip="" hideGeom="1">
+            <dgm:adjLst/>
+          </dgm:shape>
+          <dgm:presOf axis="self"/>
+          <dgm:constrLst>
+            <dgm:constr type="h"/>
+          </dgm:constrLst>
+          <dgm:ruleLst/>
+        </dgm:layoutNode>
+        <dgm:layoutNode name="parentText" styleLbl="node1">
+          <dgm:varLst>
+            <dgm:chMax val="0"/>
+            <dgm:bulletEnabled val="1"/>
+          </dgm:varLst>
+          <dgm:choose name="Name7">
+            <dgm:if name="Name8" func="var" arg="dir" op="equ" val="norm">
+              <dgm:alg type="tx">
+                <dgm:param type="parTxLTRAlign" val="l"/>
+                <dgm:param type="parTxRTLAlign" val="l"/>
+              </dgm:alg>
+            </dgm:if>
+            <dgm:else name="Name9">
+              <dgm:alg type="tx">
+                <dgm:param type="parTxLTRAlign" val="r"/>
+                <dgm:param type="parTxRTLAlign" val="r"/>
+              </dgm:alg>
+            </dgm:else>
+          </dgm:choose>
+          <dgm:shape xmlns:r="http://schemas.openxmlformats.org/officeDocument/2006/relationships" type="roundRect" r:blip="">
+            <dgm:adjLst/>
+          </dgm:shape>
+          <dgm:presOf axis="self" ptType="node"/>
+          <dgm:constrLst>
+            <dgm:constr type="tMarg"/>
+            <dgm:constr type="bMarg"/>
+          </dgm:constrLst>
+          <dgm:ruleLst/>
+        </dgm:layoutNode>
+      </dgm:layoutNode>
+      <dgm:layoutNode name="negativeSpace">
+        <dgm:alg type="sp"/>
+        <dgm:shape xmlns:r="http://schemas.openxmlformats.org/officeDocument/2006/relationships" r:blip="">
+          <dgm:adjLst/>
+        </dgm:shape>
+        <dgm:presOf/>
+        <dgm:constrLst/>
+        <dgm:ruleLst/>
+      </dgm:layoutNode>
+      <dgm:layoutNode name="childText" styleLbl="conFgAcc1">
+        <dgm:varLst>
+          <dgm:bulletEnabled val="1"/>
+        </dgm:varLst>
+        <dgm:alg type="tx">
+          <dgm:param type="stBulletLvl" val="1"/>
+        </dgm:alg>
+        <dgm:shape xmlns:r="http://schemas.openxmlformats.org/officeDocument/2006/relationships" type="rect" r:blip="" zOrderOff="-2">
+          <dgm:adjLst/>
+        </dgm:shape>
+        <dgm:presOf axis="des" ptType="node"/>
+        <dgm:constrLst>
+          <dgm:constr type="secFontSz" refType="primFontSz"/>
+        </dgm:constrLst>
+        <dgm:ruleLst>
+          <dgm:rule type="h" val="INF" fact="NaN" max="NaN"/>
+        </dgm:ruleLst>
+      </dgm:layoutNode>
+      <dgm:forEach name="Name10" axis="followSib" ptType="sibTrans" cnt="1">
+        <dgm:layoutNode name="spaceBetweenRectangles">
+          <dgm:alg type="sp"/>
+          <dgm:shape xmlns:r="http://schemas.openxmlformats.org/officeDocument/2006/relationships" r:blip="">
+            <dgm:adjLst/>
+          </dgm:shape>
+          <dgm:presOf/>
+          <dgm:constrLst/>
+          <dgm:ruleLst/>
+        </dgm:layoutNode>
+      </dgm:forEach>
+    </dgm:forEach>
+  </dgm:layoutNode>
+</dgm:layoutDef>
+</file>
+
+<file path=ppt/diagrams/layout7.xml><?xml version="1.0" encoding="utf-8"?>
 <dgm:layoutDef xmlns:dgm="http://schemas.openxmlformats.org/drawingml/2006/diagram" xmlns:a="http://schemas.openxmlformats.org/drawingml/2006/main" uniqueId="urn:microsoft.com/office/officeart/2018/2/layout/IconVerticalSolidList">
   <dgm:title val="Icon Vertical Solid List"/>
   <dgm:desc val="Use to show a series of visuals from top to bottom with Level 1 or Level 1 and Level 2 text grouped in a shape. Works best with icons or small pictures with lengthier descriptions."/>
@@ -13511,7 +15949,7 @@
 </dgm:layoutDef>
 </file>
 
-<file path=ppt/diagrams/layout7.xml><?xml version="1.0" encoding="utf-8"?>
+<file path=ppt/diagrams/layout8.xml><?xml version="1.0" encoding="utf-8"?>
 <dgm:layoutDef xmlns:dgm="http://schemas.openxmlformats.org/drawingml/2006/diagram" xmlns:a="http://schemas.openxmlformats.org/drawingml/2006/main" uniqueId="urn:microsoft.com/office/officeart/2018/2/layout/IconVerticalSolidList">
   <dgm:title val="Icon Vertical Solid List"/>
   <dgm:desc val="Use to show a series of visuals from top to bottom with Level 1 or Level 1 and Level 2 text grouped in a shape. Works best with icons or small pictures with lengthier descriptions."/>
@@ -19002,6 +21440,1066 @@
 </file>
 
 <file path=ppt/diagrams/quickStyle6.xml><?xml version="1.0" encoding="utf-8"?>
+<dgm:styleDef xmlns:dgm="http://schemas.openxmlformats.org/drawingml/2006/diagram" xmlns:a="http://schemas.openxmlformats.org/drawingml/2006/main" uniqueId="urn:microsoft.com/office/officeart/2005/8/quickstyle/simple3">
+  <dgm:title val=""/>
+  <dgm:desc val=""/>
+  <dgm:catLst>
+    <dgm:cat type="simple" pri="10300"/>
+  </dgm:catLst>
+  <dgm:scene3d>
+    <a:camera prst="orthographicFront"/>
+    <a:lightRig rig="threePt" dir="t"/>
+  </dgm:scene3d>
+  <dgm:styleLbl name="node0">
+    <dgm:scene3d>
+      <a:camera prst="orthographicFront"/>
+      <a:lightRig rig="flat" dir="t"/>
+    </dgm:scene3d>
+    <dgm:sp3d prstMaterial="dkEdge">
+      <a:bevelT w="8200" h="38100"/>
+    </dgm:sp3d>
+    <dgm:txPr/>
+    <dgm:style>
+      <a:lnRef idx="0">
+        <a:scrgbClr r="0" g="0" b="0"/>
+      </a:lnRef>
+      <a:fillRef idx="2">
+        <a:scrgbClr r="0" g="0" b="0"/>
+      </a:fillRef>
+      <a:effectRef idx="1">
+        <a:scrgbClr r="0" g="0" b="0"/>
+      </a:effectRef>
+      <a:fontRef idx="minor">
+        <a:schemeClr val="dk1"/>
+      </a:fontRef>
+    </dgm:style>
+  </dgm:styleLbl>
+  <dgm:styleLbl name="lnNode1">
+    <dgm:scene3d>
+      <a:camera prst="orthographicFront"/>
+      <a:lightRig rig="flat" dir="t"/>
+    </dgm:scene3d>
+    <dgm:sp3d prstMaterial="dkEdge">
+      <a:bevelT w="8200" h="38100"/>
+    </dgm:sp3d>
+    <dgm:txPr/>
+    <dgm:style>
+      <a:lnRef idx="1">
+        <a:scrgbClr r="0" g="0" b="0"/>
+      </a:lnRef>
+      <a:fillRef idx="2">
+        <a:scrgbClr r="0" g="0" b="0"/>
+      </a:fillRef>
+      <a:effectRef idx="0">
+        <a:scrgbClr r="0" g="0" b="0"/>
+      </a:effectRef>
+      <a:fontRef idx="minor">
+        <a:schemeClr val="dk1"/>
+      </a:fontRef>
+    </dgm:style>
+  </dgm:styleLbl>
+  <dgm:styleLbl name="vennNode1">
+    <dgm:scene3d>
+      <a:camera prst="orthographicFront"/>
+      <a:lightRig rig="flat" dir="t"/>
+    </dgm:scene3d>
+    <dgm:sp3d prstMaterial="dkEdge">
+      <a:bevelT w="8200" h="38100"/>
+    </dgm:sp3d>
+    <dgm:txPr/>
+    <dgm:style>
+      <a:lnRef idx="0">
+        <a:scrgbClr r="0" g="0" b="0"/>
+      </a:lnRef>
+      <a:fillRef idx="2">
+        <a:scrgbClr r="0" g="0" b="0"/>
+      </a:fillRef>
+      <a:effectRef idx="0">
+        <a:scrgbClr r="0" g="0" b="0"/>
+      </a:effectRef>
+      <a:fontRef idx="minor">
+        <a:schemeClr val="tx1"/>
+      </a:fontRef>
+    </dgm:style>
+  </dgm:styleLbl>
+  <dgm:styleLbl name="alignNode1">
+    <dgm:scene3d>
+      <a:camera prst="orthographicFront"/>
+      <a:lightRig rig="threePt" dir="t"/>
+    </dgm:scene3d>
+    <dgm:sp3d/>
+    <dgm:txPr/>
+    <dgm:style>
+      <a:lnRef idx="1">
+        <a:scrgbClr r="0" g="0" b="0"/>
+      </a:lnRef>
+      <a:fillRef idx="2">
+        <a:scrgbClr r="0" g="0" b="0"/>
+      </a:fillRef>
+      <a:effectRef idx="1">
+        <a:scrgbClr r="0" g="0" b="0"/>
+      </a:effectRef>
+      <a:fontRef idx="minor">
+        <a:schemeClr val="dk1"/>
+      </a:fontRef>
+    </dgm:style>
+  </dgm:styleLbl>
+  <dgm:styleLbl name="node1">
+    <dgm:scene3d>
+      <a:camera prst="orthographicFront"/>
+      <a:lightRig rig="flat" dir="t"/>
+    </dgm:scene3d>
+    <dgm:sp3d prstMaterial="dkEdge">
+      <a:bevelT w="8200" h="38100"/>
+    </dgm:sp3d>
+    <dgm:txPr/>
+    <dgm:style>
+      <a:lnRef idx="0">
+        <a:scrgbClr r="0" g="0" b="0"/>
+      </a:lnRef>
+      <a:fillRef idx="2">
+        <a:scrgbClr r="0" g="0" b="0"/>
+      </a:fillRef>
+      <a:effectRef idx="1">
+        <a:scrgbClr r="0" g="0" b="0"/>
+      </a:effectRef>
+      <a:fontRef idx="minor">
+        <a:schemeClr val="dk1"/>
+      </a:fontRef>
+    </dgm:style>
+  </dgm:styleLbl>
+  <dgm:styleLbl name="node2">
+    <dgm:scene3d>
+      <a:camera prst="orthographicFront"/>
+      <a:lightRig rig="flat" dir="t"/>
+    </dgm:scene3d>
+    <dgm:sp3d prstMaterial="dkEdge">
+      <a:bevelT w="8200" h="38100"/>
+    </dgm:sp3d>
+    <dgm:txPr/>
+    <dgm:style>
+      <a:lnRef idx="0">
+        <a:scrgbClr r="0" g="0" b="0"/>
+      </a:lnRef>
+      <a:fillRef idx="2">
+        <a:scrgbClr r="0" g="0" b="0"/>
+      </a:fillRef>
+      <a:effectRef idx="1">
+        <a:scrgbClr r="0" g="0" b="0"/>
+      </a:effectRef>
+      <a:fontRef idx="minor">
+        <a:schemeClr val="dk1"/>
+      </a:fontRef>
+    </dgm:style>
+  </dgm:styleLbl>
+  <dgm:styleLbl name="node3">
+    <dgm:scene3d>
+      <a:camera prst="orthographicFront"/>
+      <a:lightRig rig="flat" dir="t"/>
+    </dgm:scene3d>
+    <dgm:sp3d prstMaterial="dkEdge">
+      <a:bevelT w="8200" h="38100"/>
+    </dgm:sp3d>
+    <dgm:txPr/>
+    <dgm:style>
+      <a:lnRef idx="0">
+        <a:scrgbClr r="0" g="0" b="0"/>
+      </a:lnRef>
+      <a:fillRef idx="2">
+        <a:scrgbClr r="0" g="0" b="0"/>
+      </a:fillRef>
+      <a:effectRef idx="1">
+        <a:scrgbClr r="0" g="0" b="0"/>
+      </a:effectRef>
+      <a:fontRef idx="minor">
+        <a:schemeClr val="dk1"/>
+      </a:fontRef>
+    </dgm:style>
+  </dgm:styleLbl>
+  <dgm:styleLbl name="node4">
+    <dgm:scene3d>
+      <a:camera prst="orthographicFront"/>
+      <a:lightRig rig="flat" dir="t"/>
+    </dgm:scene3d>
+    <dgm:sp3d prstMaterial="dkEdge">
+      <a:bevelT w="8200" h="38100"/>
+    </dgm:sp3d>
+    <dgm:txPr/>
+    <dgm:style>
+      <a:lnRef idx="0">
+        <a:scrgbClr r="0" g="0" b="0"/>
+      </a:lnRef>
+      <a:fillRef idx="2">
+        <a:scrgbClr r="0" g="0" b="0"/>
+      </a:fillRef>
+      <a:effectRef idx="1">
+        <a:scrgbClr r="0" g="0" b="0"/>
+      </a:effectRef>
+      <a:fontRef idx="minor">
+        <a:schemeClr val="dk1"/>
+      </a:fontRef>
+    </dgm:style>
+  </dgm:styleLbl>
+  <dgm:styleLbl name="fgImgPlace1">
+    <dgm:scene3d>
+      <a:camera prst="orthographicFront"/>
+      <a:lightRig rig="threePt" dir="t"/>
+    </dgm:scene3d>
+    <dgm:sp3d/>
+    <dgm:txPr/>
+    <dgm:style>
+      <a:lnRef idx="1">
+        <a:scrgbClr r="0" g="0" b="0"/>
+      </a:lnRef>
+      <a:fillRef idx="1">
+        <a:scrgbClr r="0" g="0" b="0"/>
+      </a:fillRef>
+      <a:effectRef idx="1">
+        <a:scrgbClr r="0" g="0" b="0"/>
+      </a:effectRef>
+      <a:fontRef idx="minor"/>
+    </dgm:style>
+  </dgm:styleLbl>
+  <dgm:styleLbl name="alignImgPlace1">
+    <dgm:scene3d>
+      <a:camera prst="orthographicFront"/>
+      <a:lightRig rig="threePt" dir="t"/>
+    </dgm:scene3d>
+    <dgm:sp3d/>
+    <dgm:txPr/>
+    <dgm:style>
+      <a:lnRef idx="1">
+        <a:scrgbClr r="0" g="0" b="0"/>
+      </a:lnRef>
+      <a:fillRef idx="1">
+        <a:scrgbClr r="0" g="0" b="0"/>
+      </a:fillRef>
+      <a:effectRef idx="1">
+        <a:scrgbClr r="0" g="0" b="0"/>
+      </a:effectRef>
+      <a:fontRef idx="minor"/>
+    </dgm:style>
+  </dgm:styleLbl>
+  <dgm:styleLbl name="bgImgPlace1">
+    <dgm:scene3d>
+      <a:camera prst="orthographicFront"/>
+      <a:lightRig rig="threePt" dir="t"/>
+    </dgm:scene3d>
+    <dgm:sp3d/>
+    <dgm:txPr/>
+    <dgm:style>
+      <a:lnRef idx="1">
+        <a:scrgbClr r="0" g="0" b="0"/>
+      </a:lnRef>
+      <a:fillRef idx="1">
+        <a:scrgbClr r="0" g="0" b="0"/>
+      </a:fillRef>
+      <a:effectRef idx="1">
+        <a:scrgbClr r="0" g="0" b="0"/>
+      </a:effectRef>
+      <a:fontRef idx="minor"/>
+    </dgm:style>
+  </dgm:styleLbl>
+  <dgm:styleLbl name="sibTrans2D1">
+    <dgm:scene3d>
+      <a:camera prst="orthographicFront"/>
+      <a:lightRig rig="threePt" dir="t"/>
+    </dgm:scene3d>
+    <dgm:sp3d/>
+    <dgm:txPr/>
+    <dgm:style>
+      <a:lnRef idx="0">
+        <a:scrgbClr r="0" g="0" b="0"/>
+      </a:lnRef>
+      <a:fillRef idx="2">
+        <a:scrgbClr r="0" g="0" b="0"/>
+      </a:fillRef>
+      <a:effectRef idx="1">
+        <a:scrgbClr r="0" g="0" b="0"/>
+      </a:effectRef>
+      <a:fontRef idx="minor">
+        <a:schemeClr val="dk1"/>
+      </a:fontRef>
+    </dgm:style>
+  </dgm:styleLbl>
+  <dgm:styleLbl name="fgSibTrans2D1">
+    <dgm:scene3d>
+      <a:camera prst="orthographicFront"/>
+      <a:lightRig rig="threePt" dir="t"/>
+    </dgm:scene3d>
+    <dgm:sp3d/>
+    <dgm:txPr/>
+    <dgm:style>
+      <a:lnRef idx="0">
+        <a:scrgbClr r="0" g="0" b="0"/>
+      </a:lnRef>
+      <a:fillRef idx="2">
+        <a:scrgbClr r="0" g="0" b="0"/>
+      </a:fillRef>
+      <a:effectRef idx="1">
+        <a:scrgbClr r="0" g="0" b="0"/>
+      </a:effectRef>
+      <a:fontRef idx="minor">
+        <a:schemeClr val="dk1"/>
+      </a:fontRef>
+    </dgm:style>
+  </dgm:styleLbl>
+  <dgm:styleLbl name="bgSibTrans2D1">
+    <dgm:scene3d>
+      <a:camera prst="orthographicFront"/>
+      <a:lightRig rig="threePt" dir="t"/>
+    </dgm:scene3d>
+    <dgm:sp3d/>
+    <dgm:txPr/>
+    <dgm:style>
+      <a:lnRef idx="0">
+        <a:scrgbClr r="0" g="0" b="0"/>
+      </a:lnRef>
+      <a:fillRef idx="2">
+        <a:scrgbClr r="0" g="0" b="0"/>
+      </a:fillRef>
+      <a:effectRef idx="1">
+        <a:scrgbClr r="0" g="0" b="0"/>
+      </a:effectRef>
+      <a:fontRef idx="minor">
+        <a:schemeClr val="dk1"/>
+      </a:fontRef>
+    </dgm:style>
+  </dgm:styleLbl>
+  <dgm:styleLbl name="sibTrans1D1">
+    <dgm:scene3d>
+      <a:camera prst="orthographicFront"/>
+      <a:lightRig rig="threePt" dir="t"/>
+    </dgm:scene3d>
+    <dgm:sp3d/>
+    <dgm:txPr/>
+    <dgm:style>
+      <a:lnRef idx="1">
+        <a:scrgbClr r="0" g="0" b="0"/>
+      </a:lnRef>
+      <a:fillRef idx="0">
+        <a:scrgbClr r="0" g="0" b="0"/>
+      </a:fillRef>
+      <a:effectRef idx="0">
+        <a:scrgbClr r="0" g="0" b="0"/>
+      </a:effectRef>
+      <a:fontRef idx="minor"/>
+    </dgm:style>
+  </dgm:styleLbl>
+  <dgm:styleLbl name="callout">
+    <dgm:scene3d>
+      <a:camera prst="orthographicFront"/>
+      <a:lightRig rig="threePt" dir="t"/>
+    </dgm:scene3d>
+    <dgm:sp3d/>
+    <dgm:txPr/>
+    <dgm:style>
+      <a:lnRef idx="1">
+        <a:scrgbClr r="0" g="0" b="0"/>
+      </a:lnRef>
+      <a:fillRef idx="2">
+        <a:scrgbClr r="0" g="0" b="0"/>
+      </a:fillRef>
+      <a:effectRef idx="1">
+        <a:scrgbClr r="0" g="0" b="0"/>
+      </a:effectRef>
+      <a:fontRef idx="minor"/>
+    </dgm:style>
+  </dgm:styleLbl>
+  <dgm:styleLbl name="asst0">
+    <dgm:scene3d>
+      <a:camera prst="orthographicFront"/>
+      <a:lightRig rig="flat" dir="t"/>
+    </dgm:scene3d>
+    <dgm:sp3d prstMaterial="dkEdge">
+      <a:bevelT w="8200" h="38100"/>
+    </dgm:sp3d>
+    <dgm:txPr/>
+    <dgm:style>
+      <a:lnRef idx="0">
+        <a:scrgbClr r="0" g="0" b="0"/>
+      </a:lnRef>
+      <a:fillRef idx="2">
+        <a:scrgbClr r="0" g="0" b="0"/>
+      </a:fillRef>
+      <a:effectRef idx="1">
+        <a:scrgbClr r="0" g="0" b="0"/>
+      </a:effectRef>
+      <a:fontRef idx="minor">
+        <a:schemeClr val="dk1"/>
+      </a:fontRef>
+    </dgm:style>
+  </dgm:styleLbl>
+  <dgm:styleLbl name="asst1">
+    <dgm:scene3d>
+      <a:camera prst="orthographicFront"/>
+      <a:lightRig rig="flat" dir="t"/>
+    </dgm:scene3d>
+    <dgm:sp3d prstMaterial="dkEdge">
+      <a:bevelT w="8200" h="38100"/>
+    </dgm:sp3d>
+    <dgm:txPr/>
+    <dgm:style>
+      <a:lnRef idx="0">
+        <a:scrgbClr r="0" g="0" b="0"/>
+      </a:lnRef>
+      <a:fillRef idx="2">
+        <a:scrgbClr r="0" g="0" b="0"/>
+      </a:fillRef>
+      <a:effectRef idx="1">
+        <a:scrgbClr r="0" g="0" b="0"/>
+      </a:effectRef>
+      <a:fontRef idx="minor">
+        <a:schemeClr val="dk1"/>
+      </a:fontRef>
+    </dgm:style>
+  </dgm:styleLbl>
+  <dgm:styleLbl name="asst2">
+    <dgm:scene3d>
+      <a:camera prst="orthographicFront"/>
+      <a:lightRig rig="flat" dir="t"/>
+    </dgm:scene3d>
+    <dgm:sp3d prstMaterial="dkEdge">
+      <a:bevelT w="8200" h="38100"/>
+    </dgm:sp3d>
+    <dgm:txPr/>
+    <dgm:style>
+      <a:lnRef idx="0">
+        <a:scrgbClr r="0" g="0" b="0"/>
+      </a:lnRef>
+      <a:fillRef idx="2">
+        <a:scrgbClr r="0" g="0" b="0"/>
+      </a:fillRef>
+      <a:effectRef idx="1">
+        <a:scrgbClr r="0" g="0" b="0"/>
+      </a:effectRef>
+      <a:fontRef idx="minor">
+        <a:schemeClr val="dk1"/>
+      </a:fontRef>
+    </dgm:style>
+  </dgm:styleLbl>
+  <dgm:styleLbl name="asst3">
+    <dgm:scene3d>
+      <a:camera prst="orthographicFront"/>
+      <a:lightRig rig="flat" dir="t"/>
+    </dgm:scene3d>
+    <dgm:sp3d prstMaterial="dkEdge">
+      <a:bevelT w="8200" h="38100"/>
+    </dgm:sp3d>
+    <dgm:txPr/>
+    <dgm:style>
+      <a:lnRef idx="0">
+        <a:scrgbClr r="0" g="0" b="0"/>
+      </a:lnRef>
+      <a:fillRef idx="2">
+        <a:scrgbClr r="0" g="0" b="0"/>
+      </a:fillRef>
+      <a:effectRef idx="1">
+        <a:scrgbClr r="0" g="0" b="0"/>
+      </a:effectRef>
+      <a:fontRef idx="minor">
+        <a:schemeClr val="dk1"/>
+      </a:fontRef>
+    </dgm:style>
+  </dgm:styleLbl>
+  <dgm:styleLbl name="asst4">
+    <dgm:scene3d>
+      <a:camera prst="orthographicFront"/>
+      <a:lightRig rig="flat" dir="t"/>
+    </dgm:scene3d>
+    <dgm:sp3d prstMaterial="dkEdge">
+      <a:bevelT w="8200" h="38100"/>
+    </dgm:sp3d>
+    <dgm:txPr/>
+    <dgm:style>
+      <a:lnRef idx="0">
+        <a:scrgbClr r="0" g="0" b="0"/>
+      </a:lnRef>
+      <a:fillRef idx="2">
+        <a:scrgbClr r="0" g="0" b="0"/>
+      </a:fillRef>
+      <a:effectRef idx="1">
+        <a:scrgbClr r="0" g="0" b="0"/>
+      </a:effectRef>
+      <a:fontRef idx="minor">
+        <a:schemeClr val="dk1"/>
+      </a:fontRef>
+    </dgm:style>
+  </dgm:styleLbl>
+  <dgm:styleLbl name="parChTrans2D1">
+    <dgm:scene3d>
+      <a:camera prst="orthographicFront"/>
+      <a:lightRig rig="threePt" dir="t"/>
+    </dgm:scene3d>
+    <dgm:sp3d/>
+    <dgm:txPr/>
+    <dgm:style>
+      <a:lnRef idx="1">
+        <a:scrgbClr r="0" g="0" b="0"/>
+      </a:lnRef>
+      <a:fillRef idx="2">
+        <a:scrgbClr r="0" g="0" b="0"/>
+      </a:fillRef>
+      <a:effectRef idx="1">
+        <a:scrgbClr r="0" g="0" b="0"/>
+      </a:effectRef>
+      <a:fontRef idx="minor">
+        <a:schemeClr val="dk1"/>
+      </a:fontRef>
+    </dgm:style>
+  </dgm:styleLbl>
+  <dgm:styleLbl name="parChTrans2D2">
+    <dgm:scene3d>
+      <a:camera prst="orthographicFront"/>
+      <a:lightRig rig="threePt" dir="t"/>
+    </dgm:scene3d>
+    <dgm:sp3d/>
+    <dgm:txPr/>
+    <dgm:style>
+      <a:lnRef idx="1">
+        <a:scrgbClr r="0" g="0" b="0"/>
+      </a:lnRef>
+      <a:fillRef idx="2">
+        <a:scrgbClr r="0" g="0" b="0"/>
+      </a:fillRef>
+      <a:effectRef idx="1">
+        <a:scrgbClr r="0" g="0" b="0"/>
+      </a:effectRef>
+      <a:fontRef idx="minor">
+        <a:schemeClr val="dk1"/>
+      </a:fontRef>
+    </dgm:style>
+  </dgm:styleLbl>
+  <dgm:styleLbl name="parChTrans2D3">
+    <dgm:scene3d>
+      <a:camera prst="orthographicFront"/>
+      <a:lightRig rig="threePt" dir="t"/>
+    </dgm:scene3d>
+    <dgm:sp3d/>
+    <dgm:txPr/>
+    <dgm:style>
+      <a:lnRef idx="1">
+        <a:scrgbClr r="0" g="0" b="0"/>
+      </a:lnRef>
+      <a:fillRef idx="2">
+        <a:scrgbClr r="0" g="0" b="0"/>
+      </a:fillRef>
+      <a:effectRef idx="1">
+        <a:scrgbClr r="0" g="0" b="0"/>
+      </a:effectRef>
+      <a:fontRef idx="minor">
+        <a:schemeClr val="dk1"/>
+      </a:fontRef>
+    </dgm:style>
+  </dgm:styleLbl>
+  <dgm:styleLbl name="parChTrans2D4">
+    <dgm:scene3d>
+      <a:camera prst="orthographicFront"/>
+      <a:lightRig rig="threePt" dir="t"/>
+    </dgm:scene3d>
+    <dgm:sp3d/>
+    <dgm:txPr/>
+    <dgm:style>
+      <a:lnRef idx="1">
+        <a:scrgbClr r="0" g="0" b="0"/>
+      </a:lnRef>
+      <a:fillRef idx="2">
+        <a:scrgbClr r="0" g="0" b="0"/>
+      </a:fillRef>
+      <a:effectRef idx="1">
+        <a:scrgbClr r="0" g="0" b="0"/>
+      </a:effectRef>
+      <a:fontRef idx="minor">
+        <a:schemeClr val="dk1"/>
+      </a:fontRef>
+    </dgm:style>
+  </dgm:styleLbl>
+  <dgm:styleLbl name="parChTrans1D1">
+    <dgm:scene3d>
+      <a:camera prst="orthographicFront"/>
+      <a:lightRig rig="threePt" dir="t"/>
+    </dgm:scene3d>
+    <dgm:sp3d/>
+    <dgm:txPr/>
+    <dgm:style>
+      <a:lnRef idx="2">
+        <a:scrgbClr r="0" g="0" b="0"/>
+      </a:lnRef>
+      <a:fillRef idx="0">
+        <a:scrgbClr r="0" g="0" b="0"/>
+      </a:fillRef>
+      <a:effectRef idx="0">
+        <a:scrgbClr r="0" g="0" b="0"/>
+      </a:effectRef>
+      <a:fontRef idx="minor"/>
+    </dgm:style>
+  </dgm:styleLbl>
+  <dgm:styleLbl name="parChTrans1D2">
+    <dgm:scene3d>
+      <a:camera prst="orthographicFront"/>
+      <a:lightRig rig="threePt" dir="t"/>
+    </dgm:scene3d>
+    <dgm:sp3d/>
+    <dgm:txPr/>
+    <dgm:style>
+      <a:lnRef idx="2">
+        <a:scrgbClr r="0" g="0" b="0"/>
+      </a:lnRef>
+      <a:fillRef idx="0">
+        <a:scrgbClr r="0" g="0" b="0"/>
+      </a:fillRef>
+      <a:effectRef idx="0">
+        <a:scrgbClr r="0" g="0" b="0"/>
+      </a:effectRef>
+      <a:fontRef idx="minor"/>
+    </dgm:style>
+  </dgm:styleLbl>
+  <dgm:styleLbl name="parChTrans1D3">
+    <dgm:scene3d>
+      <a:camera prst="orthographicFront"/>
+      <a:lightRig rig="threePt" dir="t"/>
+    </dgm:scene3d>
+    <dgm:sp3d/>
+    <dgm:txPr/>
+    <dgm:style>
+      <a:lnRef idx="2">
+        <a:scrgbClr r="0" g="0" b="0"/>
+      </a:lnRef>
+      <a:fillRef idx="0">
+        <a:scrgbClr r="0" g="0" b="0"/>
+      </a:fillRef>
+      <a:effectRef idx="0">
+        <a:scrgbClr r="0" g="0" b="0"/>
+      </a:effectRef>
+      <a:fontRef idx="minor"/>
+    </dgm:style>
+  </dgm:styleLbl>
+  <dgm:styleLbl name="parChTrans1D4">
+    <dgm:scene3d>
+      <a:camera prst="orthographicFront"/>
+      <a:lightRig rig="threePt" dir="t"/>
+    </dgm:scene3d>
+    <dgm:sp3d/>
+    <dgm:txPr/>
+    <dgm:style>
+      <a:lnRef idx="2">
+        <a:scrgbClr r="0" g="0" b="0"/>
+      </a:lnRef>
+      <a:fillRef idx="0">
+        <a:scrgbClr r="0" g="0" b="0"/>
+      </a:fillRef>
+      <a:effectRef idx="0">
+        <a:scrgbClr r="0" g="0" b="0"/>
+      </a:effectRef>
+      <a:fontRef idx="minor"/>
+    </dgm:style>
+  </dgm:styleLbl>
+  <dgm:styleLbl name="fgAcc1">
+    <dgm:scene3d>
+      <a:camera prst="orthographicFront"/>
+      <a:lightRig rig="threePt" dir="t"/>
+    </dgm:scene3d>
+    <dgm:sp3d/>
+    <dgm:txPr/>
+    <dgm:style>
+      <a:lnRef idx="1">
+        <a:scrgbClr r="0" g="0" b="0"/>
+      </a:lnRef>
+      <a:fillRef idx="1">
+        <a:scrgbClr r="0" g="0" b="0"/>
+      </a:fillRef>
+      <a:effectRef idx="0">
+        <a:scrgbClr r="0" g="0" b="0"/>
+      </a:effectRef>
+      <a:fontRef idx="minor"/>
+    </dgm:style>
+  </dgm:styleLbl>
+  <dgm:styleLbl name="conFgAcc1">
+    <dgm:scene3d>
+      <a:camera prst="orthographicFront"/>
+      <a:lightRig rig="threePt" dir="t"/>
+    </dgm:scene3d>
+    <dgm:sp3d/>
+    <dgm:txPr/>
+    <dgm:style>
+      <a:lnRef idx="1">
+        <a:scrgbClr r="0" g="0" b="0"/>
+      </a:lnRef>
+      <a:fillRef idx="1">
+        <a:scrgbClr r="0" g="0" b="0"/>
+      </a:fillRef>
+      <a:effectRef idx="0">
+        <a:scrgbClr r="0" g="0" b="0"/>
+      </a:effectRef>
+      <a:fontRef idx="minor"/>
+    </dgm:style>
+  </dgm:styleLbl>
+  <dgm:styleLbl name="alignAcc1">
+    <dgm:scene3d>
+      <a:camera prst="orthographicFront"/>
+      <a:lightRig rig="threePt" dir="t"/>
+    </dgm:scene3d>
+    <dgm:sp3d/>
+    <dgm:txPr/>
+    <dgm:style>
+      <a:lnRef idx="1">
+        <a:scrgbClr r="0" g="0" b="0"/>
+      </a:lnRef>
+      <a:fillRef idx="1">
+        <a:scrgbClr r="0" g="0" b="0"/>
+      </a:fillRef>
+      <a:effectRef idx="0">
+        <a:scrgbClr r="0" g="0" b="0"/>
+      </a:effectRef>
+      <a:fontRef idx="minor"/>
+    </dgm:style>
+  </dgm:styleLbl>
+  <dgm:styleLbl name="trAlignAcc1">
+    <dgm:scene3d>
+      <a:camera prst="orthographicFront"/>
+      <a:lightRig rig="threePt" dir="t"/>
+    </dgm:scene3d>
+    <dgm:sp3d/>
+    <dgm:txPr/>
+    <dgm:style>
+      <a:lnRef idx="1">
+        <a:scrgbClr r="0" g="0" b="0"/>
+      </a:lnRef>
+      <a:fillRef idx="1">
+        <a:scrgbClr r="0" g="0" b="0"/>
+      </a:fillRef>
+      <a:effectRef idx="0">
+        <a:scrgbClr r="0" g="0" b="0"/>
+      </a:effectRef>
+      <a:fontRef idx="minor"/>
+    </dgm:style>
+  </dgm:styleLbl>
+  <dgm:styleLbl name="bgAcc1">
+    <dgm:scene3d>
+      <a:camera prst="orthographicFront"/>
+      <a:lightRig rig="threePt" dir="t"/>
+    </dgm:scene3d>
+    <dgm:sp3d/>
+    <dgm:txPr/>
+    <dgm:style>
+      <a:lnRef idx="1">
+        <a:scrgbClr r="0" g="0" b="0"/>
+      </a:lnRef>
+      <a:fillRef idx="1">
+        <a:scrgbClr r="0" g="0" b="0"/>
+      </a:fillRef>
+      <a:effectRef idx="0">
+        <a:scrgbClr r="0" g="0" b="0"/>
+      </a:effectRef>
+      <a:fontRef idx="minor"/>
+    </dgm:style>
+  </dgm:styleLbl>
+  <dgm:styleLbl name="solidFgAcc1">
+    <dgm:scene3d>
+      <a:camera prst="orthographicFront"/>
+      <a:lightRig rig="threePt" dir="t"/>
+    </dgm:scene3d>
+    <dgm:sp3d/>
+    <dgm:txPr/>
+    <dgm:style>
+      <a:lnRef idx="1">
+        <a:scrgbClr r="0" g="0" b="0"/>
+      </a:lnRef>
+      <a:fillRef idx="2">
+        <a:scrgbClr r="0" g="0" b="0"/>
+      </a:fillRef>
+      <a:effectRef idx="0">
+        <a:scrgbClr r="0" g="0" b="0"/>
+      </a:effectRef>
+      <a:fontRef idx="minor"/>
+    </dgm:style>
+  </dgm:styleLbl>
+  <dgm:styleLbl name="solidAlignAcc1">
+    <dgm:scene3d>
+      <a:camera prst="orthographicFront"/>
+      <a:lightRig rig="threePt" dir="t"/>
+    </dgm:scene3d>
+    <dgm:sp3d/>
+    <dgm:txPr/>
+    <dgm:style>
+      <a:lnRef idx="1">
+        <a:scrgbClr r="0" g="0" b="0"/>
+      </a:lnRef>
+      <a:fillRef idx="1">
+        <a:scrgbClr r="0" g="0" b="0"/>
+      </a:fillRef>
+      <a:effectRef idx="0">
+        <a:scrgbClr r="0" g="0" b="0"/>
+      </a:effectRef>
+      <a:fontRef idx="minor"/>
+    </dgm:style>
+  </dgm:styleLbl>
+  <dgm:styleLbl name="solidBgAcc1">
+    <dgm:scene3d>
+      <a:camera prst="orthographicFront"/>
+      <a:lightRig rig="threePt" dir="t"/>
+    </dgm:scene3d>
+    <dgm:sp3d/>
+    <dgm:txPr/>
+    <dgm:style>
+      <a:lnRef idx="1">
+        <a:scrgbClr r="0" g="0" b="0"/>
+      </a:lnRef>
+      <a:fillRef idx="1">
+        <a:scrgbClr r="0" g="0" b="0"/>
+      </a:fillRef>
+      <a:effectRef idx="0">
+        <a:scrgbClr r="0" g="0" b="0"/>
+      </a:effectRef>
+      <a:fontRef idx="minor"/>
+    </dgm:style>
+  </dgm:styleLbl>
+  <dgm:styleLbl name="fgAccFollowNode1">
+    <dgm:scene3d>
+      <a:camera prst="orthographicFront"/>
+      <a:lightRig rig="threePt" dir="t"/>
+    </dgm:scene3d>
+    <dgm:sp3d/>
+    <dgm:txPr/>
+    <dgm:style>
+      <a:lnRef idx="1">
+        <a:scrgbClr r="0" g="0" b="0"/>
+      </a:lnRef>
+      <a:fillRef idx="1">
+        <a:scrgbClr r="0" g="0" b="0"/>
+      </a:fillRef>
+      <a:effectRef idx="0">
+        <a:scrgbClr r="0" g="0" b="0"/>
+      </a:effectRef>
+      <a:fontRef idx="minor"/>
+    </dgm:style>
+  </dgm:styleLbl>
+  <dgm:styleLbl name="alignAccFollowNode1">
+    <dgm:scene3d>
+      <a:camera prst="orthographicFront"/>
+      <a:lightRig rig="threePt" dir="t"/>
+    </dgm:scene3d>
+    <dgm:sp3d/>
+    <dgm:txPr/>
+    <dgm:style>
+      <a:lnRef idx="1">
+        <a:scrgbClr r="0" g="0" b="0"/>
+      </a:lnRef>
+      <a:fillRef idx="1">
+        <a:scrgbClr r="0" g="0" b="0"/>
+      </a:fillRef>
+      <a:effectRef idx="0">
+        <a:scrgbClr r="0" g="0" b="0"/>
+      </a:effectRef>
+      <a:fontRef idx="minor"/>
+    </dgm:style>
+  </dgm:styleLbl>
+  <dgm:styleLbl name="bgAccFollowNode1">
+    <dgm:scene3d>
+      <a:camera prst="orthographicFront"/>
+      <a:lightRig rig="threePt" dir="t"/>
+    </dgm:scene3d>
+    <dgm:sp3d/>
+    <dgm:txPr/>
+    <dgm:style>
+      <a:lnRef idx="1">
+        <a:scrgbClr r="0" g="0" b="0"/>
+      </a:lnRef>
+      <a:fillRef idx="1">
+        <a:scrgbClr r="0" g="0" b="0"/>
+      </a:fillRef>
+      <a:effectRef idx="0">
+        <a:scrgbClr r="0" g="0" b="0"/>
+      </a:effectRef>
+      <a:fontRef idx="minor"/>
+    </dgm:style>
+  </dgm:styleLbl>
+  <dgm:styleLbl name="fgAcc0">
+    <dgm:scene3d>
+      <a:camera prst="orthographicFront"/>
+      <a:lightRig rig="threePt" dir="t"/>
+    </dgm:scene3d>
+    <dgm:sp3d/>
+    <dgm:txPr/>
+    <dgm:style>
+      <a:lnRef idx="1">
+        <a:scrgbClr r="0" g="0" b="0"/>
+      </a:lnRef>
+      <a:fillRef idx="1">
+        <a:scrgbClr r="0" g="0" b="0"/>
+      </a:fillRef>
+      <a:effectRef idx="0">
+        <a:scrgbClr r="0" g="0" b="0"/>
+      </a:effectRef>
+      <a:fontRef idx="minor"/>
+    </dgm:style>
+  </dgm:styleLbl>
+  <dgm:styleLbl name="fgAcc2">
+    <dgm:scene3d>
+      <a:camera prst="orthographicFront"/>
+      <a:lightRig rig="threePt" dir="t"/>
+    </dgm:scene3d>
+    <dgm:sp3d/>
+    <dgm:txPr/>
+    <dgm:style>
+      <a:lnRef idx="1">
+        <a:scrgbClr r="0" g="0" b="0"/>
+      </a:lnRef>
+      <a:fillRef idx="1">
+        <a:scrgbClr r="0" g="0" b="0"/>
+      </a:fillRef>
+      <a:effectRef idx="0">
+        <a:scrgbClr r="0" g="0" b="0"/>
+      </a:effectRef>
+      <a:fontRef idx="minor"/>
+    </dgm:style>
+  </dgm:styleLbl>
+  <dgm:styleLbl name="fgAcc3">
+    <dgm:scene3d>
+      <a:camera prst="orthographicFront"/>
+      <a:lightRig rig="threePt" dir="t"/>
+    </dgm:scene3d>
+    <dgm:sp3d/>
+    <dgm:txPr/>
+    <dgm:style>
+      <a:lnRef idx="1">
+        <a:scrgbClr r="0" g="0" b="0"/>
+      </a:lnRef>
+      <a:fillRef idx="1">
+        <a:scrgbClr r="0" g="0" b="0"/>
+      </a:fillRef>
+      <a:effectRef idx="0">
+        <a:scrgbClr r="0" g="0" b="0"/>
+      </a:effectRef>
+      <a:fontRef idx="minor"/>
+    </dgm:style>
+  </dgm:styleLbl>
+  <dgm:styleLbl name="fgAcc4">
+    <dgm:scene3d>
+      <a:camera prst="orthographicFront"/>
+      <a:lightRig rig="threePt" dir="t"/>
+    </dgm:scene3d>
+    <dgm:sp3d/>
+    <dgm:txPr/>
+    <dgm:style>
+      <a:lnRef idx="1">
+        <a:scrgbClr r="0" g="0" b="0"/>
+      </a:lnRef>
+      <a:fillRef idx="1">
+        <a:scrgbClr r="0" g="0" b="0"/>
+      </a:fillRef>
+      <a:effectRef idx="0">
+        <a:scrgbClr r="0" g="0" b="0"/>
+      </a:effectRef>
+      <a:fontRef idx="minor"/>
+    </dgm:style>
+  </dgm:styleLbl>
+  <dgm:styleLbl name="bgShp">
+    <dgm:scene3d>
+      <a:camera prst="orthographicFront"/>
+      <a:lightRig rig="threePt" dir="t"/>
+    </dgm:scene3d>
+    <dgm:sp3d/>
+    <dgm:txPr/>
+    <dgm:style>
+      <a:lnRef idx="0">
+        <a:scrgbClr r="0" g="0" b="0"/>
+      </a:lnRef>
+      <a:fillRef idx="1">
+        <a:scrgbClr r="0" g="0" b="0"/>
+      </a:fillRef>
+      <a:effectRef idx="1">
+        <a:scrgbClr r="0" g="0" b="0"/>
+      </a:effectRef>
+      <a:fontRef idx="minor"/>
+    </dgm:style>
+  </dgm:styleLbl>
+  <dgm:styleLbl name="dkBgShp">
+    <dgm:scene3d>
+      <a:camera prst="orthographicFront"/>
+      <a:lightRig rig="threePt" dir="t"/>
+    </dgm:scene3d>
+    <dgm:sp3d/>
+    <dgm:txPr/>
+    <dgm:style>
+      <a:lnRef idx="0">
+        <a:scrgbClr r="0" g="0" b="0"/>
+      </a:lnRef>
+      <a:fillRef idx="1">
+        <a:scrgbClr r="0" g="0" b="0"/>
+      </a:fillRef>
+      <a:effectRef idx="1">
+        <a:scrgbClr r="0" g="0" b="0"/>
+      </a:effectRef>
+      <a:fontRef idx="minor"/>
+    </dgm:style>
+  </dgm:styleLbl>
+  <dgm:styleLbl name="trBgShp">
+    <dgm:scene3d>
+      <a:camera prst="orthographicFront"/>
+      <a:lightRig rig="threePt" dir="t"/>
+    </dgm:scene3d>
+    <dgm:sp3d/>
+    <dgm:txPr/>
+    <dgm:style>
+      <a:lnRef idx="0">
+        <a:scrgbClr r="0" g="0" b="0"/>
+      </a:lnRef>
+      <a:fillRef idx="1">
+        <a:scrgbClr r="0" g="0" b="0"/>
+      </a:fillRef>
+      <a:effectRef idx="0">
+        <a:scrgbClr r="0" g="0" b="0"/>
+      </a:effectRef>
+      <a:fontRef idx="minor"/>
+    </dgm:style>
+  </dgm:styleLbl>
+  <dgm:styleLbl name="fgShp">
+    <dgm:scene3d>
+      <a:camera prst="orthographicFront"/>
+      <a:lightRig rig="flat" dir="t"/>
+    </dgm:scene3d>
+    <dgm:sp3d prstMaterial="dkEdge">
+      <a:bevelT w="8200" h="38100"/>
+    </dgm:sp3d>
+    <dgm:txPr/>
+    <dgm:style>
+      <a:lnRef idx="1">
+        <a:scrgbClr r="0" g="0" b="0"/>
+      </a:lnRef>
+      <a:fillRef idx="2">
+        <a:scrgbClr r="0" g="0" b="0"/>
+      </a:fillRef>
+      <a:effectRef idx="1">
+        <a:scrgbClr r="0" g="0" b="0"/>
+      </a:effectRef>
+      <a:fontRef idx="minor"/>
+    </dgm:style>
+  </dgm:styleLbl>
+  <dgm:styleLbl name="revTx">
+    <dgm:scene3d>
+      <a:camera prst="orthographicFront"/>
+      <a:lightRig rig="threePt" dir="t"/>
+    </dgm:scene3d>
+    <dgm:sp3d/>
+    <dgm:txPr/>
+    <dgm:style>
+      <a:lnRef idx="0">
+        <a:scrgbClr r="0" g="0" b="0"/>
+      </a:lnRef>
+      <a:fillRef idx="0">
+        <a:scrgbClr r="0" g="0" b="0"/>
+      </a:fillRef>
+      <a:effectRef idx="0">
+        <a:scrgbClr r="0" g="0" b="0"/>
+      </a:effectRef>
+      <a:fontRef idx="minor"/>
+    </dgm:style>
+  </dgm:styleLbl>
+</dgm:styleDef>
+</file>
+
+<file path=ppt/diagrams/quickStyle7.xml><?xml version="1.0" encoding="utf-8"?>
 <dgm:styleDef xmlns:dgm="http://schemas.openxmlformats.org/drawingml/2006/diagram" xmlns:a="http://schemas.openxmlformats.org/drawingml/2006/main" uniqueId="urn:microsoft.com/office/officeart/2005/8/quickstyle/simple1">
   <dgm:title val=""/>
   <dgm:desc val=""/>
@@ -20035,7 +23533,7 @@
 </dgm:styleDef>
 </file>
 
-<file path=ppt/diagrams/quickStyle7.xml><?xml version="1.0" encoding="utf-8"?>
+<file path=ppt/diagrams/quickStyle8.xml><?xml version="1.0" encoding="utf-8"?>
 <dgm:styleDef xmlns:dgm="http://schemas.openxmlformats.org/drawingml/2006/diagram" xmlns:a="http://schemas.openxmlformats.org/drawingml/2006/main" uniqueId="urn:microsoft.com/office/officeart/2005/8/quickstyle/simple1">
   <dgm:title val=""/>
   <dgm:desc val=""/>
@@ -21151,7 +24649,7 @@
           <a:p>
             <a:fld id="{576609D0-5375-459A-981D-6E2C9B57FB58}" type="datetimeFigureOut">
               <a:rPr lang="en-US" smtClean="0"/>
-              <a:t>7/17/2023</a:t>
+              <a:t>8/9/2023</a:t>
             </a:fld>
             <a:endParaRPr lang="en-US"/>
           </a:p>
@@ -21549,7 +25047,7 @@
           <a:p>
             <a:fld id="{8B07799E-9CF9-40D1-8848-E26110036AE6}" type="datetimeFigureOut">
               <a:rPr lang="en-US" smtClean="0"/>
-              <a:t>7/17/2023</a:t>
+              <a:t>8/9/2023</a:t>
             </a:fld>
             <a:endParaRPr lang="en-US"/>
           </a:p>
@@ -21719,7 +25217,7 @@
           <a:p>
             <a:fld id="{8B07799E-9CF9-40D1-8848-E26110036AE6}" type="datetimeFigureOut">
               <a:rPr lang="en-US" smtClean="0"/>
-              <a:t>7/17/2023</a:t>
+              <a:t>8/9/2023</a:t>
             </a:fld>
             <a:endParaRPr lang="en-US"/>
           </a:p>
@@ -21899,7 +25397,7 @@
           <a:p>
             <a:fld id="{8B07799E-9CF9-40D1-8848-E26110036AE6}" type="datetimeFigureOut">
               <a:rPr lang="en-US" smtClean="0"/>
-              <a:t>7/17/2023</a:t>
+              <a:t>8/9/2023</a:t>
             </a:fld>
             <a:endParaRPr lang="en-US"/>
           </a:p>
@@ -22069,7 +25567,7 @@
           <a:p>
             <a:fld id="{8B07799E-9CF9-40D1-8848-E26110036AE6}" type="datetimeFigureOut">
               <a:rPr lang="en-US" smtClean="0"/>
-              <a:t>7/17/2023</a:t>
+              <a:t>8/9/2023</a:t>
             </a:fld>
             <a:endParaRPr lang="en-US"/>
           </a:p>
@@ -22315,7 +25813,7 @@
           <a:p>
             <a:fld id="{8B07799E-9CF9-40D1-8848-E26110036AE6}" type="datetimeFigureOut">
               <a:rPr lang="en-US" smtClean="0"/>
-              <a:t>7/17/2023</a:t>
+              <a:t>8/9/2023</a:t>
             </a:fld>
             <a:endParaRPr lang="en-US"/>
           </a:p>
@@ -22547,7 +26045,7 @@
           <a:p>
             <a:fld id="{8B07799E-9CF9-40D1-8848-E26110036AE6}" type="datetimeFigureOut">
               <a:rPr lang="en-US" smtClean="0"/>
-              <a:t>7/17/2023</a:t>
+              <a:t>8/9/2023</a:t>
             </a:fld>
             <a:endParaRPr lang="en-US"/>
           </a:p>
@@ -22914,7 +26412,7 @@
           <a:p>
             <a:fld id="{8B07799E-9CF9-40D1-8848-E26110036AE6}" type="datetimeFigureOut">
               <a:rPr lang="en-US" smtClean="0"/>
-              <a:t>7/17/2023</a:t>
+              <a:t>8/9/2023</a:t>
             </a:fld>
             <a:endParaRPr lang="en-US"/>
           </a:p>
@@ -23032,7 +26530,7 @@
           <a:p>
             <a:fld id="{8B07799E-9CF9-40D1-8848-E26110036AE6}" type="datetimeFigureOut">
               <a:rPr lang="en-US" smtClean="0"/>
-              <a:t>7/17/2023</a:t>
+              <a:t>8/9/2023</a:t>
             </a:fld>
             <a:endParaRPr lang="en-US"/>
           </a:p>
@@ -23127,7 +26625,7 @@
           <a:p>
             <a:fld id="{8B07799E-9CF9-40D1-8848-E26110036AE6}" type="datetimeFigureOut">
               <a:rPr lang="en-US" smtClean="0"/>
-              <a:t>7/17/2023</a:t>
+              <a:t>8/9/2023</a:t>
             </a:fld>
             <a:endParaRPr lang="en-US"/>
           </a:p>
@@ -23404,7 +26902,7 @@
           <a:p>
             <a:fld id="{8B07799E-9CF9-40D1-8848-E26110036AE6}" type="datetimeFigureOut">
               <a:rPr lang="en-US" smtClean="0"/>
-              <a:t>7/17/2023</a:t>
+              <a:t>8/9/2023</a:t>
             </a:fld>
             <a:endParaRPr lang="en-US"/>
           </a:p>
@@ -23661,7 +27159,7 @@
           <a:p>
             <a:fld id="{8B07799E-9CF9-40D1-8848-E26110036AE6}" type="datetimeFigureOut">
               <a:rPr lang="en-US" smtClean="0"/>
-              <a:t>7/17/2023</a:t>
+              <a:t>8/9/2023</a:t>
             </a:fld>
             <a:endParaRPr lang="en-US"/>
           </a:p>
@@ -23874,7 +27372,7 @@
           <a:p>
             <a:fld id="{8B07799E-9CF9-40D1-8848-E26110036AE6}" type="datetimeFigureOut">
               <a:rPr lang="en-US" smtClean="0"/>
-              <a:t>7/17/2023</a:t>
+              <a:t>8/9/2023</a:t>
             </a:fld>
             <a:endParaRPr lang="en-US"/>
           </a:p>
@@ -24810,7 +28308,14 @@
             </a:pPr>
             <a:r>
               <a:rPr lang="en-US" dirty="0"/>
-              <a:t>3. There was a shift to longer-term stays (&gt; 30 nights) possibly due to regulations or the recent pandemic</a:t>
+              <a:t>3. There was a significant number of longer-term stays (&gt; 30 nights) </a:t>
+            </a:r>
+            <a:br>
+              <a:rPr lang="en-US" dirty="0"/>
+            </a:br>
+            <a:r>
+              <a:rPr lang="en-US" dirty="0"/>
+              <a:t>possibly due to regulations or the recent pandemic</a:t>
             </a:r>
           </a:p>
           <a:p>
@@ -24820,7 +28325,7 @@
       </p:sp>
       <p:pic>
         <p:nvPicPr>
-          <p:cNvPr id="6" name="Picture 5" descr="A graph of a number of nights">
+          <p:cNvPr id="6" name="Picture 5">
             <a:extLst>
               <a:ext uri="{FF2B5EF4-FFF2-40B4-BE49-F238E27FC236}">
                 <a16:creationId xmlns:a16="http://schemas.microsoft.com/office/drawing/2014/main" id="{F8EC7E73-7A66-CB70-5E57-AFBCA2268224}"/>
@@ -24840,14 +28345,13 @@
               </a:ext>
             </a:extLst>
           </a:blip>
-          <a:stretch>
-            <a:fillRect/>
-          </a:stretch>
+          <a:srcRect/>
+          <a:stretch/>
         </p:blipFill>
         <p:spPr>
           <a:xfrm>
-            <a:off x="3523796" y="2514395"/>
-            <a:ext cx="7487557" cy="4018119"/>
+            <a:off x="3523796" y="2556599"/>
+            <a:ext cx="7487557" cy="4018118"/>
           </a:xfrm>
           <a:prstGeom prst="rect">
             <a:avLst/>
@@ -26661,7 +30165,7 @@
           <a:lstStyle/>
           <a:p>
             <a:r>
-              <a:rPr lang="en-US" sz="6000"/>
+              <a:rPr lang="en-US" sz="6000" dirty="0"/>
               <a:t>Profitability Analysis</a:t>
             </a:r>
           </a:p>
@@ -26900,6 +30404,103 @@
           <p:cNvPr id="2" name="Title 1">
             <a:extLst>
               <a:ext uri="{FF2B5EF4-FFF2-40B4-BE49-F238E27FC236}">
+                <a16:creationId xmlns:a16="http://schemas.microsoft.com/office/drawing/2014/main" id="{955A692A-73BC-C9D9-6A09-DC48D0118BE3}"/>
+              </a:ext>
+            </a:extLst>
+          </p:cNvPr>
+          <p:cNvSpPr>
+            <a:spLocks noGrp="1"/>
+          </p:cNvSpPr>
+          <p:nvPr>
+            <p:ph type="title"/>
+          </p:nvPr>
+        </p:nvSpPr>
+        <p:spPr/>
+        <p:txBody>
+          <a:bodyPr/>
+          <a:lstStyle/>
+          <a:p>
+            <a:r>
+              <a:rPr lang="en-US" sz="6000" dirty="0"/>
+              <a:t>Assumptions</a:t>
+            </a:r>
+            <a:r>
+              <a:rPr lang="en-US" dirty="0"/>
+              <a:t> </a:t>
+            </a:r>
+            <a:r>
+              <a:rPr lang="en-US" sz="6000" dirty="0"/>
+              <a:t>and Limitations</a:t>
+            </a:r>
+          </a:p>
+        </p:txBody>
+      </p:sp>
+      <p:graphicFrame>
+        <p:nvGraphicFramePr>
+          <p:cNvPr id="7" name="Content Placeholder 2">
+            <a:extLst>
+              <a:ext uri="{FF2B5EF4-FFF2-40B4-BE49-F238E27FC236}">
+                <a16:creationId xmlns:a16="http://schemas.microsoft.com/office/drawing/2014/main" id="{30A93435-5CA3-1158-AF8A-08D953E91BB2}"/>
+              </a:ext>
+            </a:extLst>
+          </p:cNvPr>
+          <p:cNvGraphicFramePr>
+            <a:graphicFrameLocks noGrp="1"/>
+          </p:cNvGraphicFramePr>
+          <p:nvPr>
+            <p:ph idx="1"/>
+            <p:extLst>
+              <p:ext uri="{D42A27DB-BD31-4B8C-83A1-F6EECF244321}">
+                <p14:modId xmlns:p14="http://schemas.microsoft.com/office/powerpoint/2010/main" val="743920068"/>
+              </p:ext>
+            </p:extLst>
+          </p:nvPr>
+        </p:nvGraphicFramePr>
+        <p:xfrm>
+          <a:off x="838200" y="1825625"/>
+          <a:ext cx="10515600" cy="4351338"/>
+        </p:xfrm>
+        <a:graphic>
+          <a:graphicData uri="http://schemas.openxmlformats.org/drawingml/2006/diagram">
+            <dgm:relIds xmlns:dgm="http://schemas.openxmlformats.org/drawingml/2006/diagram" xmlns:r="http://schemas.openxmlformats.org/officeDocument/2006/relationships" r:dm="rId2" r:lo="rId3" r:qs="rId4" r:cs="rId5"/>
+          </a:graphicData>
+        </a:graphic>
+      </p:graphicFrame>
+    </p:spTree>
+    <p:extLst>
+      <p:ext uri="{BB962C8B-B14F-4D97-AF65-F5344CB8AC3E}">
+        <p14:creationId xmlns:p14="http://schemas.microsoft.com/office/powerpoint/2010/main" val="160723460"/>
+      </p:ext>
+    </p:extLst>
+  </p:cSld>
+  <p:clrMapOvr>
+    <a:masterClrMapping/>
+  </p:clrMapOvr>
+</p:sld>
+</file>
+
+<file path=ppt/slides/slide17.xml><?xml version="1.0" encoding="utf-8"?>
+<p:sld xmlns:a="http://schemas.openxmlformats.org/drawingml/2006/main" xmlns:r="http://schemas.openxmlformats.org/officeDocument/2006/relationships" xmlns:p="http://schemas.openxmlformats.org/presentationml/2006/main">
+  <p:cSld>
+    <p:spTree>
+      <p:nvGrpSpPr>
+        <p:cNvPr id="1" name=""/>
+        <p:cNvGrpSpPr/>
+        <p:nvPr/>
+      </p:nvGrpSpPr>
+      <p:grpSpPr>
+        <a:xfrm>
+          <a:off x="0" y="0"/>
+          <a:ext cx="0" cy="0"/>
+          <a:chOff x="0" y="0"/>
+          <a:chExt cx="0" cy="0"/>
+        </a:xfrm>
+      </p:grpSpPr>
+      <p:sp>
+        <p:nvSpPr>
+          <p:cNvPr id="2" name="Title 1">
+            <a:extLst>
+              <a:ext uri="{FF2B5EF4-FFF2-40B4-BE49-F238E27FC236}">
                 <a16:creationId xmlns:a16="http://schemas.microsoft.com/office/drawing/2014/main" id="{DA1C4B8C-9A0E-1A3E-C490-EB2B2DD2C7EE}"/>
               </a:ext>
             </a:extLst>
@@ -26917,8 +30518,16 @@
           <a:lstStyle/>
           <a:p>
             <a:r>
+              <a:rPr lang="en-US" sz="6000" dirty="0"/>
+              <a:t>Future</a:t>
+            </a:r>
+            <a:r>
               <a:rPr lang="en-US" dirty="0"/>
-              <a:t>Future Steps</a:t>
+              <a:t> </a:t>
+            </a:r>
+            <a:r>
+              <a:rPr lang="en-US" sz="6000" dirty="0"/>
+              <a:t>Steps</a:t>
             </a:r>
           </a:p>
         </p:txBody>
@@ -26967,7 +30576,7 @@
 </p:sld>
 </file>
 
-<file path=ppt/slides/slide17.xml><?xml version="1.0" encoding="utf-8"?>
+<file path=ppt/slides/slide18.xml><?xml version="1.0" encoding="utf-8"?>
 <p:sld xmlns:a="http://schemas.openxmlformats.org/drawingml/2006/main" xmlns:r="http://schemas.openxmlformats.org/officeDocument/2006/relationships" xmlns:p="http://schemas.openxmlformats.org/presentationml/2006/main">
   <p:cSld>
     <p:bg>
